--- a/Documents/Agis.pptx
+++ b/Documents/Agis.pptx
@@ -5,12 +5,13 @@
     <p:sldMasterId id="2147483648" r:id="rId1"/>
   </p:sldMasterIdLst>
   <p:notesMasterIdLst>
-    <p:notesMasterId r:id="rId5"/>
+    <p:notesMasterId r:id="rId6"/>
   </p:notesMasterIdLst>
   <p:sldIdLst>
     <p:sldId id="256" r:id="rId2"/>
     <p:sldId id="257" r:id="rId3"/>
     <p:sldId id="258" r:id="rId4"/>
+    <p:sldId id="259" r:id="rId5"/>
   </p:sldIdLst>
   <p:sldSz cx="9144000" cy="6858000" type="screen4x3"/>
   <p:notesSz cx="6858000" cy="9144000"/>
@@ -128,6 +129,210 @@
 </p:presentation>
 </file>
 
+<file path=ppt/revisionInfo.xml><?xml version="1.0" encoding="utf-8"?>
+<p1510:revInfo xmlns:a="http://schemas.openxmlformats.org/drawingml/2006/main" xmlns:r="http://schemas.openxmlformats.org/officeDocument/2006/relationships" xmlns:p1510="http://schemas.microsoft.com/office/powerpoint/2015/10/main">
+  <p1510:revLst>
+    <p1510:client id="{968F77AD-68F9-42FF-83F1-759F5246BEF7}" v="63" dt="2021-09-21T12:20:19.919"/>
+  </p1510:revLst>
+</p1510:revInfo>
+</file>
+
+<file path=ppt/changesInfos/changesInfo1.xml><?xml version="1.0" encoding="utf-8"?>
+<pc:chgInfo xmlns:a="http://schemas.openxmlformats.org/drawingml/2006/main" xmlns:r="http://schemas.openxmlformats.org/officeDocument/2006/relationships" xmlns:ac="http://schemas.microsoft.com/office/drawing/2013/main/command" xmlns:pc="http://schemas.microsoft.com/office/powerpoint/2013/main/command">
+  <pc:docChgLst>
+    <pc:chgData name="남 상현" userId="03ad4a8e8f7310f3" providerId="LiveId" clId="{968F77AD-68F9-42FF-83F1-759F5246BEF7}"/>
+    <pc:docChg chg="undo custSel addSld modSld">
+      <pc:chgData name="남 상현" userId="03ad4a8e8f7310f3" providerId="LiveId" clId="{968F77AD-68F9-42FF-83F1-759F5246BEF7}" dt="2021-09-21T12:20:19.920" v="453" actId="20577"/>
+      <pc:docMkLst>
+        <pc:docMk/>
+      </pc:docMkLst>
+      <pc:sldChg chg="addSp delSp modSp mod">
+        <pc:chgData name="남 상현" userId="03ad4a8e8f7310f3" providerId="LiveId" clId="{968F77AD-68F9-42FF-83F1-759F5246BEF7}" dt="2021-09-21T10:42:00.069" v="8" actId="167"/>
+        <pc:sldMkLst>
+          <pc:docMk/>
+          <pc:sldMk cId="3111968124" sldId="256"/>
+        </pc:sldMkLst>
+        <pc:spChg chg="mod">
+          <ac:chgData name="남 상현" userId="03ad4a8e8f7310f3" providerId="LiveId" clId="{968F77AD-68F9-42FF-83F1-759F5246BEF7}" dt="2021-09-21T10:41:47.517" v="1" actId="1076"/>
+          <ac:spMkLst>
+            <pc:docMk/>
+            <pc:sldMk cId="3111968124" sldId="256"/>
+            <ac:spMk id="10" creationId="{ACB2B146-175F-4A30-A499-DC63FC5A4412}"/>
+          </ac:spMkLst>
+        </pc:spChg>
+        <pc:spChg chg="mod">
+          <ac:chgData name="남 상현" userId="03ad4a8e8f7310f3" providerId="LiveId" clId="{968F77AD-68F9-42FF-83F1-759F5246BEF7}" dt="2021-09-21T10:41:57.548" v="7"/>
+          <ac:spMkLst>
+            <pc:docMk/>
+            <pc:sldMk cId="3111968124" sldId="256"/>
+            <ac:spMk id="64" creationId="{03E86225-9DC0-4BC2-BE7F-336F4E29FC19}"/>
+          </ac:spMkLst>
+        </pc:spChg>
+        <pc:grpChg chg="del mod">
+          <ac:chgData name="남 상현" userId="03ad4a8e8f7310f3" providerId="LiveId" clId="{968F77AD-68F9-42FF-83F1-759F5246BEF7}" dt="2021-09-21T10:41:54.320" v="6" actId="478"/>
+          <ac:grpSpMkLst>
+            <pc:docMk/>
+            <pc:sldMk cId="3111968124" sldId="256"/>
+            <ac:grpSpMk id="16" creationId="{D7C7CFAF-9502-4045-A6BC-E84E433D1763}"/>
+          </ac:grpSpMkLst>
+        </pc:grpChg>
+        <pc:grpChg chg="add mod ord">
+          <ac:chgData name="남 상현" userId="03ad4a8e8f7310f3" providerId="LiveId" clId="{968F77AD-68F9-42FF-83F1-759F5246BEF7}" dt="2021-09-21T10:42:00.069" v="8" actId="167"/>
+          <ac:grpSpMkLst>
+            <pc:docMk/>
+            <pc:sldMk cId="3111968124" sldId="256"/>
+            <ac:grpSpMk id="62" creationId="{14D81F62-278A-4AAC-8855-CF5D5316BA06}"/>
+          </ac:grpSpMkLst>
+        </pc:grpChg>
+        <pc:picChg chg="mod">
+          <ac:chgData name="남 상현" userId="03ad4a8e8f7310f3" providerId="LiveId" clId="{968F77AD-68F9-42FF-83F1-759F5246BEF7}" dt="2021-09-21T10:41:57.548" v="7"/>
+          <ac:picMkLst>
+            <pc:docMk/>
+            <pc:sldMk cId="3111968124" sldId="256"/>
+            <ac:picMk id="63" creationId="{491994A5-39AA-4B16-B9E6-50683DC26D9D}"/>
+          </ac:picMkLst>
+        </pc:picChg>
+      </pc:sldChg>
+      <pc:sldChg chg="addSp delSp modSp new mod">
+        <pc:chgData name="남 상현" userId="03ad4a8e8f7310f3" providerId="LiveId" clId="{968F77AD-68F9-42FF-83F1-759F5246BEF7}" dt="2021-09-21T12:20:19.920" v="453" actId="20577"/>
+        <pc:sldMkLst>
+          <pc:docMk/>
+          <pc:sldMk cId="3442619936" sldId="259"/>
+        </pc:sldMkLst>
+        <pc:spChg chg="del">
+          <ac:chgData name="남 상현" userId="03ad4a8e8f7310f3" providerId="LiveId" clId="{968F77AD-68F9-42FF-83F1-759F5246BEF7}" dt="2021-09-21T12:07:13.839" v="10" actId="478"/>
+          <ac:spMkLst>
+            <pc:docMk/>
+            <pc:sldMk cId="3442619936" sldId="259"/>
+            <ac:spMk id="2" creationId="{9DD2F785-E763-4841-9BF4-E76E4B507026}"/>
+          </ac:spMkLst>
+        </pc:spChg>
+        <pc:spChg chg="add mod">
+          <ac:chgData name="남 상현" userId="03ad4a8e8f7310f3" providerId="LiveId" clId="{968F77AD-68F9-42FF-83F1-759F5246BEF7}" dt="2021-09-21T12:15:36.498" v="437" actId="1076"/>
+          <ac:spMkLst>
+            <pc:docMk/>
+            <pc:sldMk cId="3442619936" sldId="259"/>
+            <ac:spMk id="3" creationId="{FAF8A9B6-FF48-461D-90F5-7079EB8F2F62}"/>
+          </ac:spMkLst>
+        </pc:spChg>
+        <pc:spChg chg="add mod">
+          <ac:chgData name="남 상현" userId="03ad4a8e8f7310f3" providerId="LiveId" clId="{968F77AD-68F9-42FF-83F1-759F5246BEF7}" dt="2021-09-21T12:15:36.498" v="437" actId="1076"/>
+          <ac:spMkLst>
+            <pc:docMk/>
+            <pc:sldMk cId="3442619936" sldId="259"/>
+            <ac:spMk id="4" creationId="{43B9E555-F33F-4384-99F7-F2C916552DE4}"/>
+          </ac:spMkLst>
+        </pc:spChg>
+        <pc:spChg chg="add mod">
+          <ac:chgData name="남 상현" userId="03ad4a8e8f7310f3" providerId="LiveId" clId="{968F77AD-68F9-42FF-83F1-759F5246BEF7}" dt="2021-09-21T12:15:36.498" v="437" actId="1076"/>
+          <ac:spMkLst>
+            <pc:docMk/>
+            <pc:sldMk cId="3442619936" sldId="259"/>
+            <ac:spMk id="5" creationId="{E6331299-A2F7-4DE7-9DE6-E3E456D38555}"/>
+          </ac:spMkLst>
+        </pc:spChg>
+        <pc:spChg chg="add mod">
+          <ac:chgData name="남 상현" userId="03ad4a8e8f7310f3" providerId="LiveId" clId="{968F77AD-68F9-42FF-83F1-759F5246BEF7}" dt="2021-09-21T12:15:36.498" v="437" actId="1076"/>
+          <ac:spMkLst>
+            <pc:docMk/>
+            <pc:sldMk cId="3442619936" sldId="259"/>
+            <ac:spMk id="8" creationId="{8110735C-CE4E-43D9-AE1B-D1C2EAABD33B}"/>
+          </ac:spMkLst>
+        </pc:spChg>
+        <pc:spChg chg="add mod">
+          <ac:chgData name="남 상현" userId="03ad4a8e8f7310f3" providerId="LiveId" clId="{968F77AD-68F9-42FF-83F1-759F5246BEF7}" dt="2021-09-21T12:15:36.498" v="437" actId="1076"/>
+          <ac:spMkLst>
+            <pc:docMk/>
+            <pc:sldMk cId="3442619936" sldId="259"/>
+            <ac:spMk id="9" creationId="{86E6207F-3A9F-4DFA-9104-6A973476C444}"/>
+          </ac:spMkLst>
+        </pc:spChg>
+        <pc:spChg chg="add mod">
+          <ac:chgData name="남 상현" userId="03ad4a8e8f7310f3" providerId="LiveId" clId="{968F77AD-68F9-42FF-83F1-759F5246BEF7}" dt="2021-09-21T12:20:19.920" v="453" actId="20577"/>
+          <ac:spMkLst>
+            <pc:docMk/>
+            <pc:sldMk cId="3442619936" sldId="259"/>
+            <ac:spMk id="10" creationId="{DF89DED1-4EED-4A9D-84A6-2258D30CC1A8}"/>
+          </ac:spMkLst>
+        </pc:spChg>
+        <pc:grpChg chg="add mod">
+          <ac:chgData name="남 상현" userId="03ad4a8e8f7310f3" providerId="LiveId" clId="{968F77AD-68F9-42FF-83F1-759F5246BEF7}" dt="2021-09-21T12:15:36.498" v="437" actId="1076"/>
+          <ac:grpSpMkLst>
+            <pc:docMk/>
+            <pc:sldMk cId="3442619936" sldId="259"/>
+            <ac:grpSpMk id="11" creationId="{3AAD1BEB-2191-44BD-8020-69A12F8827AE}"/>
+          </ac:grpSpMkLst>
+        </pc:grpChg>
+        <pc:grpChg chg="add mod">
+          <ac:chgData name="남 상현" userId="03ad4a8e8f7310f3" providerId="LiveId" clId="{968F77AD-68F9-42FF-83F1-759F5246BEF7}" dt="2021-09-21T12:15:36.498" v="437" actId="1076"/>
+          <ac:grpSpMkLst>
+            <pc:docMk/>
+            <pc:sldMk cId="3442619936" sldId="259"/>
+            <ac:grpSpMk id="12" creationId="{807C4708-0A8C-4E1B-976D-65DC21E6F00E}"/>
+          </ac:grpSpMkLst>
+        </pc:grpChg>
+        <pc:grpChg chg="add mod">
+          <ac:chgData name="남 상현" userId="03ad4a8e8f7310f3" providerId="LiveId" clId="{968F77AD-68F9-42FF-83F1-759F5246BEF7}" dt="2021-09-21T12:15:36.498" v="437" actId="1076"/>
+          <ac:grpSpMkLst>
+            <pc:docMk/>
+            <pc:sldMk cId="3442619936" sldId="259"/>
+            <ac:grpSpMk id="13" creationId="{75928621-465D-47F6-B0D6-7CD7CAE7089B}"/>
+          </ac:grpSpMkLst>
+        </pc:grpChg>
+        <pc:grpChg chg="add mod">
+          <ac:chgData name="남 상현" userId="03ad4a8e8f7310f3" providerId="LiveId" clId="{968F77AD-68F9-42FF-83F1-759F5246BEF7}" dt="2021-09-21T12:15:36.498" v="437" actId="1076"/>
+          <ac:grpSpMkLst>
+            <pc:docMk/>
+            <pc:sldMk cId="3442619936" sldId="259"/>
+            <ac:grpSpMk id="14" creationId="{A68A14A8-E0F1-43BB-A158-1E3FE295A8F1}"/>
+          </ac:grpSpMkLst>
+        </pc:grpChg>
+        <pc:picChg chg="add mod">
+          <ac:chgData name="남 상현" userId="03ad4a8e8f7310f3" providerId="LiveId" clId="{968F77AD-68F9-42FF-83F1-759F5246BEF7}" dt="2021-09-21T12:15:36.498" v="437" actId="1076"/>
+          <ac:picMkLst>
+            <pc:docMk/>
+            <pc:sldMk cId="3442619936" sldId="259"/>
+            <ac:picMk id="6" creationId="{2B49CAEB-2C79-4355-A531-3E4E11533974}"/>
+          </ac:picMkLst>
+        </pc:picChg>
+        <pc:picChg chg="add mod">
+          <ac:chgData name="남 상현" userId="03ad4a8e8f7310f3" providerId="LiveId" clId="{968F77AD-68F9-42FF-83F1-759F5246BEF7}" dt="2021-09-21T12:15:36.498" v="437" actId="1076"/>
+          <ac:picMkLst>
+            <pc:docMk/>
+            <pc:sldMk cId="3442619936" sldId="259"/>
+            <ac:picMk id="7" creationId="{07DC4DD7-1770-42D6-A726-16DDA6DC0805}"/>
+          </ac:picMkLst>
+        </pc:picChg>
+        <pc:picChg chg="add mod">
+          <ac:chgData name="남 상현" userId="03ad4a8e8f7310f3" providerId="LiveId" clId="{968F77AD-68F9-42FF-83F1-759F5246BEF7}" dt="2021-09-21T12:15:36.498" v="437" actId="1076"/>
+          <ac:picMkLst>
+            <pc:docMk/>
+            <pc:sldMk cId="3442619936" sldId="259"/>
+            <ac:picMk id="1026" creationId="{358E40D6-323E-4040-B714-AD17F9A78112}"/>
+          </ac:picMkLst>
+        </pc:picChg>
+        <pc:picChg chg="add mod">
+          <ac:chgData name="남 상현" userId="03ad4a8e8f7310f3" providerId="LiveId" clId="{968F77AD-68F9-42FF-83F1-759F5246BEF7}" dt="2021-09-21T12:15:36.498" v="437" actId="1076"/>
+          <ac:picMkLst>
+            <pc:docMk/>
+            <pc:sldMk cId="3442619936" sldId="259"/>
+            <ac:picMk id="1028" creationId="{D3CB43BD-810B-458B-9DD5-204310CDCBF4}"/>
+          </ac:picMkLst>
+        </pc:picChg>
+        <pc:picChg chg="add mod">
+          <ac:chgData name="남 상현" userId="03ad4a8e8f7310f3" providerId="LiveId" clId="{968F77AD-68F9-42FF-83F1-759F5246BEF7}" dt="2021-09-21T12:15:36.498" v="437" actId="1076"/>
+          <ac:picMkLst>
+            <pc:docMk/>
+            <pc:sldMk cId="3442619936" sldId="259"/>
+            <ac:picMk id="1030" creationId="{EC5D723B-F437-4281-92CF-D92E6A63BDF2}"/>
+          </ac:picMkLst>
+        </pc:picChg>
+      </pc:sldChg>
+    </pc:docChg>
+  </pc:docChgLst>
+</pc:chgInfo>
+</file>
+
 <file path=ppt/notesMasters/notesMaster1.xml><?xml version="1.0" encoding="utf-8"?>
 <p:notesMaster xmlns:a="http://schemas.openxmlformats.org/drawingml/2006/main" xmlns:r="http://schemas.openxmlformats.org/officeDocument/2006/relationships" xmlns:p="http://schemas.openxmlformats.org/presentationml/2006/main">
   <p:cSld>
@@ -210,7 +415,7 @@
           <a:p>
             <a:fld id="{0188BD66-E6E7-4C45-AB6D-5D322163BA3A}" type="datetimeFigureOut">
               <a:rPr lang="ko-KR" altLang="en-US" smtClean="0"/>
-              <a:t>2021-09-11(Sat)</a:t>
+              <a:t>2021-09-21</a:t>
             </a:fld>
             <a:endParaRPr lang="ko-KR" altLang="en-US"/>
           </a:p>
@@ -656,7 +861,7 @@
           <a:p>
             <a:fld id="{A5AFA60C-1338-43DD-9992-72F57E60546C}" type="datetimeFigureOut">
               <a:rPr lang="ko-KR" altLang="en-US" smtClean="0"/>
-              <a:t>2021-09-11(Sat)</a:t>
+              <a:t>2021-09-21</a:t>
             </a:fld>
             <a:endParaRPr lang="ko-KR" altLang="en-US"/>
           </a:p>
@@ -824,7 +1029,7 @@
           <a:p>
             <a:fld id="{A5AFA60C-1338-43DD-9992-72F57E60546C}" type="datetimeFigureOut">
               <a:rPr lang="ko-KR" altLang="en-US" smtClean="0"/>
-              <a:t>2021-09-11(Sat)</a:t>
+              <a:t>2021-09-21</a:t>
             </a:fld>
             <a:endParaRPr lang="ko-KR" altLang="en-US"/>
           </a:p>
@@ -1002,7 +1207,7 @@
           <a:p>
             <a:fld id="{A5AFA60C-1338-43DD-9992-72F57E60546C}" type="datetimeFigureOut">
               <a:rPr lang="ko-KR" altLang="en-US" smtClean="0"/>
-              <a:t>2021-09-11(Sat)</a:t>
+              <a:t>2021-09-21</a:t>
             </a:fld>
             <a:endParaRPr lang="ko-KR" altLang="en-US"/>
           </a:p>
@@ -1170,7 +1375,7 @@
           <a:p>
             <a:fld id="{A5AFA60C-1338-43DD-9992-72F57E60546C}" type="datetimeFigureOut">
               <a:rPr lang="ko-KR" altLang="en-US" smtClean="0"/>
-              <a:t>2021-09-11(Sat)</a:t>
+              <a:t>2021-09-21</a:t>
             </a:fld>
             <a:endParaRPr lang="ko-KR" altLang="en-US"/>
           </a:p>
@@ -1415,7 +1620,7 @@
           <a:p>
             <a:fld id="{A5AFA60C-1338-43DD-9992-72F57E60546C}" type="datetimeFigureOut">
               <a:rPr lang="ko-KR" altLang="en-US" smtClean="0"/>
-              <a:t>2021-09-11(Sat)</a:t>
+              <a:t>2021-09-21</a:t>
             </a:fld>
             <a:endParaRPr lang="ko-KR" altLang="en-US"/>
           </a:p>
@@ -1700,7 +1905,7 @@
           <a:p>
             <a:fld id="{A5AFA60C-1338-43DD-9992-72F57E60546C}" type="datetimeFigureOut">
               <a:rPr lang="ko-KR" altLang="en-US" smtClean="0"/>
-              <a:t>2021-09-11(Sat)</a:t>
+              <a:t>2021-09-21</a:t>
             </a:fld>
             <a:endParaRPr lang="ko-KR" altLang="en-US"/>
           </a:p>
@@ -2119,7 +2324,7 @@
           <a:p>
             <a:fld id="{A5AFA60C-1338-43DD-9992-72F57E60546C}" type="datetimeFigureOut">
               <a:rPr lang="ko-KR" altLang="en-US" smtClean="0"/>
-              <a:t>2021-09-11(Sat)</a:t>
+              <a:t>2021-09-21</a:t>
             </a:fld>
             <a:endParaRPr lang="ko-KR" altLang="en-US"/>
           </a:p>
@@ -2236,7 +2441,7 @@
           <a:p>
             <a:fld id="{A5AFA60C-1338-43DD-9992-72F57E60546C}" type="datetimeFigureOut">
               <a:rPr lang="ko-KR" altLang="en-US" smtClean="0"/>
-              <a:t>2021-09-11(Sat)</a:t>
+              <a:t>2021-09-21</a:t>
             </a:fld>
             <a:endParaRPr lang="ko-KR" altLang="en-US"/>
           </a:p>
@@ -2331,7 +2536,7 @@
           <a:p>
             <a:fld id="{A5AFA60C-1338-43DD-9992-72F57E60546C}" type="datetimeFigureOut">
               <a:rPr lang="ko-KR" altLang="en-US" smtClean="0"/>
-              <a:t>2021-09-11(Sat)</a:t>
+              <a:t>2021-09-21</a:t>
             </a:fld>
             <a:endParaRPr lang="ko-KR" altLang="en-US"/>
           </a:p>
@@ -2606,7 +2811,7 @@
           <a:p>
             <a:fld id="{A5AFA60C-1338-43DD-9992-72F57E60546C}" type="datetimeFigureOut">
               <a:rPr lang="ko-KR" altLang="en-US" smtClean="0"/>
-              <a:t>2021-09-11(Sat)</a:t>
+              <a:t>2021-09-21</a:t>
             </a:fld>
             <a:endParaRPr lang="ko-KR" altLang="en-US"/>
           </a:p>
@@ -2858,7 +3063,7 @@
           <a:p>
             <a:fld id="{A5AFA60C-1338-43DD-9992-72F57E60546C}" type="datetimeFigureOut">
               <a:rPr lang="ko-KR" altLang="en-US" smtClean="0"/>
-              <a:t>2021-09-11(Sat)</a:t>
+              <a:t>2021-09-21</a:t>
             </a:fld>
             <a:endParaRPr lang="ko-KR" altLang="en-US"/>
           </a:p>
@@ -3069,7 +3274,7 @@
           <a:p>
             <a:fld id="{A5AFA60C-1338-43DD-9992-72F57E60546C}" type="datetimeFigureOut">
               <a:rPr lang="ko-KR" altLang="en-US" smtClean="0"/>
-              <a:t>2021-09-11(Sat)</a:t>
+              <a:t>2021-09-21</a:t>
             </a:fld>
             <a:endParaRPr lang="ko-KR" altLang="en-US"/>
           </a:p>
@@ -3446,10 +3651,10 @@
       </p:grpSpPr>
       <p:grpSp>
         <p:nvGrpSpPr>
-          <p:cNvPr id="16" name="그룹 15">
+          <p:cNvPr id="62" name="그룹 61">
             <a:extLst>
               <a:ext uri="{FF2B5EF4-FFF2-40B4-BE49-F238E27FC236}">
-                <a16:creationId xmlns:a16="http://schemas.microsoft.com/office/drawing/2014/main" id="{D7C7CFAF-9502-4045-A6BC-E84E433D1763}"/>
+                <a16:creationId xmlns:a16="http://schemas.microsoft.com/office/drawing/2014/main" id="{14D81F62-278A-4AAC-8855-CF5D5316BA06}"/>
               </a:ext>
             </a:extLst>
           </p:cNvPr>
@@ -3458,7 +3663,7 @@
         </p:nvGrpSpPr>
         <p:grpSpPr>
           <a:xfrm>
-            <a:off x="13728" y="-33879"/>
+            <a:off x="0" y="0"/>
             <a:ext cx="9144000" cy="838914"/>
             <a:chOff x="-42884" y="-18669"/>
             <a:chExt cx="9144000" cy="838914"/>
@@ -3466,10 +3671,10 @@
         </p:grpSpPr>
         <p:pic>
           <p:nvPicPr>
-            <p:cNvPr id="5" name="그림 4">
+            <p:cNvPr id="63" name="그림 62">
               <a:extLst>
                 <a:ext uri="{FF2B5EF4-FFF2-40B4-BE49-F238E27FC236}">
-                  <a16:creationId xmlns:a16="http://schemas.microsoft.com/office/drawing/2014/main" id="{72C8C644-A79B-41A8-8F7A-64FDD7C36CBB}"/>
+                  <a16:creationId xmlns:a16="http://schemas.microsoft.com/office/drawing/2014/main" id="{491994A5-39AA-4B16-B9E6-50683DC26D9D}"/>
                 </a:ext>
               </a:extLst>
             </p:cNvPr>
@@ -3496,10 +3701,10 @@
         </p:pic>
         <p:sp>
           <p:nvSpPr>
-            <p:cNvPr id="61" name="TextBox 60">
+            <p:cNvPr id="64" name="TextBox 63">
               <a:extLst>
                 <a:ext uri="{FF2B5EF4-FFF2-40B4-BE49-F238E27FC236}">
-                  <a16:creationId xmlns:a16="http://schemas.microsoft.com/office/drawing/2014/main" id="{31D40251-4121-4AE3-B38F-194B76D0CE2B}"/>
+                  <a16:creationId xmlns:a16="http://schemas.microsoft.com/office/drawing/2014/main" id="{03E86225-9DC0-4BC2-BE7F-336F4E29FC19}"/>
                 </a:ext>
               </a:extLst>
             </p:cNvPr>
@@ -3526,7 +3731,7 @@
                 <a:rPr lang="en-US" altLang="ko-KR" sz="1800" b="1" dirty="0">
                   <a:latin typeface="Matura MT Script Capitals" panose="03020802060602070202" pitchFamily="66" charset="0"/>
                 </a:rPr>
-                <a:t>Team_Agis</a:t>
+                <a:t>Team Agis</a:t>
               </a:r>
               <a:endParaRPr lang="ko-KR" altLang="en-US" dirty="0"/>
             </a:p>
@@ -6473,6 +6678,989 @@
 </p:sld>
 </file>
 
+<file path=ppt/slides/slide4.xml><?xml version="1.0" encoding="utf-8"?>
+<p:sld xmlns:a="http://schemas.openxmlformats.org/drawingml/2006/main" xmlns:r="http://schemas.openxmlformats.org/officeDocument/2006/relationships" xmlns:p="http://schemas.openxmlformats.org/presentationml/2006/main">
+  <p:cSld>
+    <p:spTree>
+      <p:nvGrpSpPr>
+        <p:cNvPr id="1" name=""/>
+        <p:cNvGrpSpPr/>
+        <p:nvPr/>
+      </p:nvGrpSpPr>
+      <p:grpSpPr>
+        <a:xfrm>
+          <a:off x="0" y="0"/>
+          <a:ext cx="0" cy="0"/>
+          <a:chOff x="0" y="0"/>
+          <a:chExt cx="0" cy="0"/>
+        </a:xfrm>
+      </p:grpSpPr>
+      <p:grpSp>
+        <p:nvGrpSpPr>
+          <p:cNvPr id="14" name="그룹 13">
+            <a:extLst>
+              <a:ext uri="{FF2B5EF4-FFF2-40B4-BE49-F238E27FC236}">
+                <a16:creationId xmlns:a16="http://schemas.microsoft.com/office/drawing/2014/main" id="{A68A14A8-E0F1-43BB-A158-1E3FE295A8F1}"/>
+              </a:ext>
+            </a:extLst>
+          </p:cNvPr>
+          <p:cNvGrpSpPr/>
+          <p:nvPr/>
+        </p:nvGrpSpPr>
+        <p:grpSpPr>
+          <a:xfrm>
+            <a:off x="-890631" y="1885424"/>
+            <a:ext cx="10925263" cy="3846091"/>
+            <a:chOff x="-890631" y="1885424"/>
+            <a:chExt cx="10925263" cy="3846091"/>
+          </a:xfrm>
+        </p:grpSpPr>
+        <p:grpSp>
+          <p:nvGrpSpPr>
+            <p:cNvPr id="13" name="그룹 12">
+              <a:extLst>
+                <a:ext uri="{FF2B5EF4-FFF2-40B4-BE49-F238E27FC236}">
+                  <a16:creationId xmlns:a16="http://schemas.microsoft.com/office/drawing/2014/main" id="{75928621-465D-47F6-B0D6-7CD7CAE7089B}"/>
+                </a:ext>
+              </a:extLst>
+            </p:cNvPr>
+            <p:cNvGrpSpPr/>
+            <p:nvPr/>
+          </p:nvGrpSpPr>
+          <p:grpSpPr>
+            <a:xfrm>
+              <a:off x="-890631" y="1885424"/>
+              <a:ext cx="10925263" cy="3846091"/>
+              <a:chOff x="-890631" y="1885424"/>
+              <a:chExt cx="10925263" cy="3846091"/>
+            </a:xfrm>
+          </p:grpSpPr>
+          <p:grpSp>
+            <p:nvGrpSpPr>
+              <p:cNvPr id="12" name="그룹 11">
+                <a:extLst>
+                  <a:ext uri="{FF2B5EF4-FFF2-40B4-BE49-F238E27FC236}">
+                    <a16:creationId xmlns:a16="http://schemas.microsoft.com/office/drawing/2014/main" id="{807C4708-0A8C-4E1B-976D-65DC21E6F00E}"/>
+                  </a:ext>
+                </a:extLst>
+              </p:cNvPr>
+              <p:cNvGrpSpPr/>
+              <p:nvPr/>
+            </p:nvGrpSpPr>
+            <p:grpSpPr>
+              <a:xfrm>
+                <a:off x="-890631" y="1885424"/>
+                <a:ext cx="10925263" cy="3846091"/>
+                <a:chOff x="-890631" y="1885424"/>
+                <a:chExt cx="10925263" cy="3846091"/>
+              </a:xfrm>
+            </p:grpSpPr>
+            <p:grpSp>
+              <p:nvGrpSpPr>
+                <p:cNvPr id="11" name="그룹 10">
+                  <a:extLst>
+                    <a:ext uri="{FF2B5EF4-FFF2-40B4-BE49-F238E27FC236}">
+                      <a16:creationId xmlns:a16="http://schemas.microsoft.com/office/drawing/2014/main" id="{3AAD1BEB-2191-44BD-8020-69A12F8827AE}"/>
+                    </a:ext>
+                  </a:extLst>
+                </p:cNvPr>
+                <p:cNvGrpSpPr/>
+                <p:nvPr/>
+              </p:nvGrpSpPr>
+              <p:grpSpPr>
+                <a:xfrm>
+                  <a:off x="-890631" y="1885424"/>
+                  <a:ext cx="10925263" cy="3846091"/>
+                  <a:chOff x="-890631" y="1885424"/>
+                  <a:chExt cx="10925263" cy="3846091"/>
+                </a:xfrm>
+              </p:grpSpPr>
+              <p:sp>
+                <p:nvSpPr>
+                  <p:cNvPr id="3" name="타원 2">
+                    <a:extLst>
+                      <a:ext uri="{FF2B5EF4-FFF2-40B4-BE49-F238E27FC236}">
+                        <a16:creationId xmlns:a16="http://schemas.microsoft.com/office/drawing/2014/main" id="{FAF8A9B6-FF48-461D-90F5-7079EB8F2F62}"/>
+                      </a:ext>
+                    </a:extLst>
+                  </p:cNvPr>
+                  <p:cNvSpPr/>
+                  <p:nvPr/>
+                </p:nvSpPr>
+                <p:spPr>
+                  <a:xfrm>
+                    <a:off x="-890631" y="1885426"/>
+                    <a:ext cx="3087149" cy="3087149"/>
+                  </a:xfrm>
+                  <a:prstGeom prst="ellipse">
+                    <a:avLst/>
+                  </a:prstGeom>
+                  <a:solidFill>
+                    <a:schemeClr val="bg1"/>
+                  </a:solidFill>
+                  <a:ln w="28575">
+                    <a:solidFill>
+                      <a:srgbClr val="C00000"/>
+                    </a:solidFill>
+                  </a:ln>
+                </p:spPr>
+                <p:style>
+                  <a:lnRef idx="2">
+                    <a:schemeClr val="accent1">
+                      <a:shade val="50000"/>
+                    </a:schemeClr>
+                  </a:lnRef>
+                  <a:fillRef idx="1">
+                    <a:schemeClr val="accent1"/>
+                  </a:fillRef>
+                  <a:effectRef idx="0">
+                    <a:schemeClr val="accent1"/>
+                  </a:effectRef>
+                  <a:fontRef idx="minor">
+                    <a:schemeClr val="lt1"/>
+                  </a:fontRef>
+                </p:style>
+                <p:txBody>
+                  <a:bodyPr rtlCol="0" anchor="ctr"/>
+                  <a:lstStyle>
+                    <a:defPPr>
+                      <a:defRPr lang="ko-KR"/>
+                    </a:defPPr>
+                    <a:lvl1pPr marL="0" algn="l" defTabSz="914400" rtl="0" eaLnBrk="1" latinLnBrk="1" hangingPunct="1">
+                      <a:defRPr sz="1800" kern="1200">
+                        <a:solidFill>
+                          <a:schemeClr val="lt1"/>
+                        </a:solidFill>
+                        <a:latin typeface="+mn-lt"/>
+                        <a:ea typeface="+mn-ea"/>
+                        <a:cs typeface="+mn-cs"/>
+                      </a:defRPr>
+                    </a:lvl1pPr>
+                    <a:lvl2pPr marL="457200" algn="l" defTabSz="914400" rtl="0" eaLnBrk="1" latinLnBrk="1" hangingPunct="1">
+                      <a:defRPr sz="1800" kern="1200">
+                        <a:solidFill>
+                          <a:schemeClr val="lt1"/>
+                        </a:solidFill>
+                        <a:latin typeface="+mn-lt"/>
+                        <a:ea typeface="+mn-ea"/>
+                        <a:cs typeface="+mn-cs"/>
+                      </a:defRPr>
+                    </a:lvl2pPr>
+                    <a:lvl3pPr marL="914400" algn="l" defTabSz="914400" rtl="0" eaLnBrk="1" latinLnBrk="1" hangingPunct="1">
+                      <a:defRPr sz="1800" kern="1200">
+                        <a:solidFill>
+                          <a:schemeClr val="lt1"/>
+                        </a:solidFill>
+                        <a:latin typeface="+mn-lt"/>
+                        <a:ea typeface="+mn-ea"/>
+                        <a:cs typeface="+mn-cs"/>
+                      </a:defRPr>
+                    </a:lvl3pPr>
+                    <a:lvl4pPr marL="1371600" algn="l" defTabSz="914400" rtl="0" eaLnBrk="1" latinLnBrk="1" hangingPunct="1">
+                      <a:defRPr sz="1800" kern="1200">
+                        <a:solidFill>
+                          <a:schemeClr val="lt1"/>
+                        </a:solidFill>
+                        <a:latin typeface="+mn-lt"/>
+                        <a:ea typeface="+mn-ea"/>
+                        <a:cs typeface="+mn-cs"/>
+                      </a:defRPr>
+                    </a:lvl4pPr>
+                    <a:lvl5pPr marL="1828800" algn="l" defTabSz="914400" rtl="0" eaLnBrk="1" latinLnBrk="1" hangingPunct="1">
+                      <a:defRPr sz="1800" kern="1200">
+                        <a:solidFill>
+                          <a:schemeClr val="lt1"/>
+                        </a:solidFill>
+                        <a:latin typeface="+mn-lt"/>
+                        <a:ea typeface="+mn-ea"/>
+                        <a:cs typeface="+mn-cs"/>
+                      </a:defRPr>
+                    </a:lvl5pPr>
+                    <a:lvl6pPr marL="2286000" algn="l" defTabSz="914400" rtl="0" eaLnBrk="1" latinLnBrk="1" hangingPunct="1">
+                      <a:defRPr sz="1800" kern="1200">
+                        <a:solidFill>
+                          <a:schemeClr val="lt1"/>
+                        </a:solidFill>
+                        <a:latin typeface="+mn-lt"/>
+                        <a:ea typeface="+mn-ea"/>
+                        <a:cs typeface="+mn-cs"/>
+                      </a:defRPr>
+                    </a:lvl6pPr>
+                    <a:lvl7pPr marL="2743200" algn="l" defTabSz="914400" rtl="0" eaLnBrk="1" latinLnBrk="1" hangingPunct="1">
+                      <a:defRPr sz="1800" kern="1200">
+                        <a:solidFill>
+                          <a:schemeClr val="lt1"/>
+                        </a:solidFill>
+                        <a:latin typeface="+mn-lt"/>
+                        <a:ea typeface="+mn-ea"/>
+                        <a:cs typeface="+mn-cs"/>
+                      </a:defRPr>
+                    </a:lvl7pPr>
+                    <a:lvl8pPr marL="3200400" algn="l" defTabSz="914400" rtl="0" eaLnBrk="1" latinLnBrk="1" hangingPunct="1">
+                      <a:defRPr sz="1800" kern="1200">
+                        <a:solidFill>
+                          <a:schemeClr val="lt1"/>
+                        </a:solidFill>
+                        <a:latin typeface="+mn-lt"/>
+                        <a:ea typeface="+mn-ea"/>
+                        <a:cs typeface="+mn-cs"/>
+                      </a:defRPr>
+                    </a:lvl8pPr>
+                    <a:lvl9pPr marL="3657600" algn="l" defTabSz="914400" rtl="0" eaLnBrk="1" latinLnBrk="1" hangingPunct="1">
+                      <a:defRPr sz="1800" kern="1200">
+                        <a:solidFill>
+                          <a:schemeClr val="lt1"/>
+                        </a:solidFill>
+                        <a:latin typeface="+mn-lt"/>
+                        <a:ea typeface="+mn-ea"/>
+                        <a:cs typeface="+mn-cs"/>
+                      </a:defRPr>
+                    </a:lvl9pPr>
+                  </a:lstStyle>
+                  <a:p>
+                    <a:pPr algn="ctr"/>
+                    <a:endParaRPr lang="ko-KR" altLang="en-US"/>
+                  </a:p>
+                </p:txBody>
+              </p:sp>
+              <p:sp>
+                <p:nvSpPr>
+                  <p:cNvPr id="4" name="타원 3">
+                    <a:extLst>
+                      <a:ext uri="{FF2B5EF4-FFF2-40B4-BE49-F238E27FC236}">
+                        <a16:creationId xmlns:a16="http://schemas.microsoft.com/office/drawing/2014/main" id="{43B9E555-F33F-4384-99F7-F2C916552DE4}"/>
+                      </a:ext>
+                    </a:extLst>
+                  </p:cNvPr>
+                  <p:cNvSpPr/>
+                  <p:nvPr/>
+                </p:nvSpPr>
+                <p:spPr>
+                  <a:xfrm>
+                    <a:off x="3028426" y="1885425"/>
+                    <a:ext cx="3087149" cy="3087149"/>
+                  </a:xfrm>
+                  <a:prstGeom prst="ellipse">
+                    <a:avLst/>
+                  </a:prstGeom>
+                  <a:solidFill>
+                    <a:schemeClr val="bg1"/>
+                  </a:solidFill>
+                  <a:ln w="28575">
+                    <a:solidFill>
+                      <a:srgbClr val="C00000"/>
+                    </a:solidFill>
+                  </a:ln>
+                </p:spPr>
+                <p:style>
+                  <a:lnRef idx="2">
+                    <a:schemeClr val="accent1">
+                      <a:shade val="50000"/>
+                    </a:schemeClr>
+                  </a:lnRef>
+                  <a:fillRef idx="1">
+                    <a:schemeClr val="accent1"/>
+                  </a:fillRef>
+                  <a:effectRef idx="0">
+                    <a:schemeClr val="accent1"/>
+                  </a:effectRef>
+                  <a:fontRef idx="minor">
+                    <a:schemeClr val="lt1"/>
+                  </a:fontRef>
+                </p:style>
+                <p:txBody>
+                  <a:bodyPr rtlCol="0" anchor="ctr"/>
+                  <a:lstStyle>
+                    <a:defPPr>
+                      <a:defRPr lang="ko-KR"/>
+                    </a:defPPr>
+                    <a:lvl1pPr marL="0" algn="l" defTabSz="914400" rtl="0" eaLnBrk="1" latinLnBrk="1" hangingPunct="1">
+                      <a:defRPr sz="1800" kern="1200">
+                        <a:solidFill>
+                          <a:schemeClr val="lt1"/>
+                        </a:solidFill>
+                        <a:latin typeface="+mn-lt"/>
+                        <a:ea typeface="+mn-ea"/>
+                        <a:cs typeface="+mn-cs"/>
+                      </a:defRPr>
+                    </a:lvl1pPr>
+                    <a:lvl2pPr marL="457200" algn="l" defTabSz="914400" rtl="0" eaLnBrk="1" latinLnBrk="1" hangingPunct="1">
+                      <a:defRPr sz="1800" kern="1200">
+                        <a:solidFill>
+                          <a:schemeClr val="lt1"/>
+                        </a:solidFill>
+                        <a:latin typeface="+mn-lt"/>
+                        <a:ea typeface="+mn-ea"/>
+                        <a:cs typeface="+mn-cs"/>
+                      </a:defRPr>
+                    </a:lvl2pPr>
+                    <a:lvl3pPr marL="914400" algn="l" defTabSz="914400" rtl="0" eaLnBrk="1" latinLnBrk="1" hangingPunct="1">
+                      <a:defRPr sz="1800" kern="1200">
+                        <a:solidFill>
+                          <a:schemeClr val="lt1"/>
+                        </a:solidFill>
+                        <a:latin typeface="+mn-lt"/>
+                        <a:ea typeface="+mn-ea"/>
+                        <a:cs typeface="+mn-cs"/>
+                      </a:defRPr>
+                    </a:lvl3pPr>
+                    <a:lvl4pPr marL="1371600" algn="l" defTabSz="914400" rtl="0" eaLnBrk="1" latinLnBrk="1" hangingPunct="1">
+                      <a:defRPr sz="1800" kern="1200">
+                        <a:solidFill>
+                          <a:schemeClr val="lt1"/>
+                        </a:solidFill>
+                        <a:latin typeface="+mn-lt"/>
+                        <a:ea typeface="+mn-ea"/>
+                        <a:cs typeface="+mn-cs"/>
+                      </a:defRPr>
+                    </a:lvl4pPr>
+                    <a:lvl5pPr marL="1828800" algn="l" defTabSz="914400" rtl="0" eaLnBrk="1" latinLnBrk="1" hangingPunct="1">
+                      <a:defRPr sz="1800" kern="1200">
+                        <a:solidFill>
+                          <a:schemeClr val="lt1"/>
+                        </a:solidFill>
+                        <a:latin typeface="+mn-lt"/>
+                        <a:ea typeface="+mn-ea"/>
+                        <a:cs typeface="+mn-cs"/>
+                      </a:defRPr>
+                    </a:lvl5pPr>
+                    <a:lvl6pPr marL="2286000" algn="l" defTabSz="914400" rtl="0" eaLnBrk="1" latinLnBrk="1" hangingPunct="1">
+                      <a:defRPr sz="1800" kern="1200">
+                        <a:solidFill>
+                          <a:schemeClr val="lt1"/>
+                        </a:solidFill>
+                        <a:latin typeface="+mn-lt"/>
+                        <a:ea typeface="+mn-ea"/>
+                        <a:cs typeface="+mn-cs"/>
+                      </a:defRPr>
+                    </a:lvl6pPr>
+                    <a:lvl7pPr marL="2743200" algn="l" defTabSz="914400" rtl="0" eaLnBrk="1" latinLnBrk="1" hangingPunct="1">
+                      <a:defRPr sz="1800" kern="1200">
+                        <a:solidFill>
+                          <a:schemeClr val="lt1"/>
+                        </a:solidFill>
+                        <a:latin typeface="+mn-lt"/>
+                        <a:ea typeface="+mn-ea"/>
+                        <a:cs typeface="+mn-cs"/>
+                      </a:defRPr>
+                    </a:lvl7pPr>
+                    <a:lvl8pPr marL="3200400" algn="l" defTabSz="914400" rtl="0" eaLnBrk="1" latinLnBrk="1" hangingPunct="1">
+                      <a:defRPr sz="1800" kern="1200">
+                        <a:solidFill>
+                          <a:schemeClr val="lt1"/>
+                        </a:solidFill>
+                        <a:latin typeface="+mn-lt"/>
+                        <a:ea typeface="+mn-ea"/>
+                        <a:cs typeface="+mn-cs"/>
+                      </a:defRPr>
+                    </a:lvl8pPr>
+                    <a:lvl9pPr marL="3657600" algn="l" defTabSz="914400" rtl="0" eaLnBrk="1" latinLnBrk="1" hangingPunct="1">
+                      <a:defRPr sz="1800" kern="1200">
+                        <a:solidFill>
+                          <a:schemeClr val="lt1"/>
+                        </a:solidFill>
+                        <a:latin typeface="+mn-lt"/>
+                        <a:ea typeface="+mn-ea"/>
+                        <a:cs typeface="+mn-cs"/>
+                      </a:defRPr>
+                    </a:lvl9pPr>
+                  </a:lstStyle>
+                  <a:p>
+                    <a:pPr algn="ctr"/>
+                    <a:endParaRPr lang="ko-KR" altLang="en-US"/>
+                  </a:p>
+                </p:txBody>
+              </p:sp>
+              <p:sp>
+                <p:nvSpPr>
+                  <p:cNvPr id="5" name="타원 4">
+                    <a:extLst>
+                      <a:ext uri="{FF2B5EF4-FFF2-40B4-BE49-F238E27FC236}">
+                        <a16:creationId xmlns:a16="http://schemas.microsoft.com/office/drawing/2014/main" id="{E6331299-A2F7-4DE7-9DE6-E3E456D38555}"/>
+                      </a:ext>
+                    </a:extLst>
+                  </p:cNvPr>
+                  <p:cNvSpPr/>
+                  <p:nvPr/>
+                </p:nvSpPr>
+                <p:spPr>
+                  <a:xfrm>
+                    <a:off x="6947483" y="1885424"/>
+                    <a:ext cx="3087149" cy="3087149"/>
+                  </a:xfrm>
+                  <a:prstGeom prst="ellipse">
+                    <a:avLst/>
+                  </a:prstGeom>
+                  <a:solidFill>
+                    <a:schemeClr val="bg1"/>
+                  </a:solidFill>
+                  <a:ln w="28575">
+                    <a:solidFill>
+                      <a:srgbClr val="C00000"/>
+                    </a:solidFill>
+                  </a:ln>
+                </p:spPr>
+                <p:style>
+                  <a:lnRef idx="2">
+                    <a:schemeClr val="accent1">
+                      <a:shade val="50000"/>
+                    </a:schemeClr>
+                  </a:lnRef>
+                  <a:fillRef idx="1">
+                    <a:schemeClr val="accent1"/>
+                  </a:fillRef>
+                  <a:effectRef idx="0">
+                    <a:schemeClr val="accent1"/>
+                  </a:effectRef>
+                  <a:fontRef idx="minor">
+                    <a:schemeClr val="lt1"/>
+                  </a:fontRef>
+                </p:style>
+                <p:txBody>
+                  <a:bodyPr rtlCol="0" anchor="ctr"/>
+                  <a:lstStyle>
+                    <a:defPPr>
+                      <a:defRPr lang="ko-KR"/>
+                    </a:defPPr>
+                    <a:lvl1pPr marL="0" algn="l" defTabSz="914400" rtl="0" eaLnBrk="1" latinLnBrk="1" hangingPunct="1">
+                      <a:defRPr sz="1800" kern="1200">
+                        <a:solidFill>
+                          <a:schemeClr val="lt1"/>
+                        </a:solidFill>
+                        <a:latin typeface="+mn-lt"/>
+                        <a:ea typeface="+mn-ea"/>
+                        <a:cs typeface="+mn-cs"/>
+                      </a:defRPr>
+                    </a:lvl1pPr>
+                    <a:lvl2pPr marL="457200" algn="l" defTabSz="914400" rtl="0" eaLnBrk="1" latinLnBrk="1" hangingPunct="1">
+                      <a:defRPr sz="1800" kern="1200">
+                        <a:solidFill>
+                          <a:schemeClr val="lt1"/>
+                        </a:solidFill>
+                        <a:latin typeface="+mn-lt"/>
+                        <a:ea typeface="+mn-ea"/>
+                        <a:cs typeface="+mn-cs"/>
+                      </a:defRPr>
+                    </a:lvl2pPr>
+                    <a:lvl3pPr marL="914400" algn="l" defTabSz="914400" rtl="0" eaLnBrk="1" latinLnBrk="1" hangingPunct="1">
+                      <a:defRPr sz="1800" kern="1200">
+                        <a:solidFill>
+                          <a:schemeClr val="lt1"/>
+                        </a:solidFill>
+                        <a:latin typeface="+mn-lt"/>
+                        <a:ea typeface="+mn-ea"/>
+                        <a:cs typeface="+mn-cs"/>
+                      </a:defRPr>
+                    </a:lvl3pPr>
+                    <a:lvl4pPr marL="1371600" algn="l" defTabSz="914400" rtl="0" eaLnBrk="1" latinLnBrk="1" hangingPunct="1">
+                      <a:defRPr sz="1800" kern="1200">
+                        <a:solidFill>
+                          <a:schemeClr val="lt1"/>
+                        </a:solidFill>
+                        <a:latin typeface="+mn-lt"/>
+                        <a:ea typeface="+mn-ea"/>
+                        <a:cs typeface="+mn-cs"/>
+                      </a:defRPr>
+                    </a:lvl4pPr>
+                    <a:lvl5pPr marL="1828800" algn="l" defTabSz="914400" rtl="0" eaLnBrk="1" latinLnBrk="1" hangingPunct="1">
+                      <a:defRPr sz="1800" kern="1200">
+                        <a:solidFill>
+                          <a:schemeClr val="lt1"/>
+                        </a:solidFill>
+                        <a:latin typeface="+mn-lt"/>
+                        <a:ea typeface="+mn-ea"/>
+                        <a:cs typeface="+mn-cs"/>
+                      </a:defRPr>
+                    </a:lvl5pPr>
+                    <a:lvl6pPr marL="2286000" algn="l" defTabSz="914400" rtl="0" eaLnBrk="1" latinLnBrk="1" hangingPunct="1">
+                      <a:defRPr sz="1800" kern="1200">
+                        <a:solidFill>
+                          <a:schemeClr val="lt1"/>
+                        </a:solidFill>
+                        <a:latin typeface="+mn-lt"/>
+                        <a:ea typeface="+mn-ea"/>
+                        <a:cs typeface="+mn-cs"/>
+                      </a:defRPr>
+                    </a:lvl6pPr>
+                    <a:lvl7pPr marL="2743200" algn="l" defTabSz="914400" rtl="0" eaLnBrk="1" latinLnBrk="1" hangingPunct="1">
+                      <a:defRPr sz="1800" kern="1200">
+                        <a:solidFill>
+                          <a:schemeClr val="lt1"/>
+                        </a:solidFill>
+                        <a:latin typeface="+mn-lt"/>
+                        <a:ea typeface="+mn-ea"/>
+                        <a:cs typeface="+mn-cs"/>
+                      </a:defRPr>
+                    </a:lvl7pPr>
+                    <a:lvl8pPr marL="3200400" algn="l" defTabSz="914400" rtl="0" eaLnBrk="1" latinLnBrk="1" hangingPunct="1">
+                      <a:defRPr sz="1800" kern="1200">
+                        <a:solidFill>
+                          <a:schemeClr val="lt1"/>
+                        </a:solidFill>
+                        <a:latin typeface="+mn-lt"/>
+                        <a:ea typeface="+mn-ea"/>
+                        <a:cs typeface="+mn-cs"/>
+                      </a:defRPr>
+                    </a:lvl8pPr>
+                    <a:lvl9pPr marL="3657600" algn="l" defTabSz="914400" rtl="0" eaLnBrk="1" latinLnBrk="1" hangingPunct="1">
+                      <a:defRPr sz="1800" kern="1200">
+                        <a:solidFill>
+                          <a:schemeClr val="lt1"/>
+                        </a:solidFill>
+                        <a:latin typeface="+mn-lt"/>
+                        <a:ea typeface="+mn-ea"/>
+                        <a:cs typeface="+mn-cs"/>
+                      </a:defRPr>
+                    </a:lvl9pPr>
+                  </a:lstStyle>
+                  <a:p>
+                    <a:pPr algn="ctr"/>
+                    <a:endParaRPr lang="ko-KR" altLang="en-US"/>
+                  </a:p>
+                </p:txBody>
+              </p:sp>
+              <p:pic>
+                <p:nvPicPr>
+                  <p:cNvPr id="6" name="그림 5" descr="텍스트, 표지판, 빨간색, 어두운이(가) 표시된 사진&#10;&#10;자동 생성된 설명">
+                    <a:extLst>
+                      <a:ext uri="{FF2B5EF4-FFF2-40B4-BE49-F238E27FC236}">
+                        <a16:creationId xmlns:a16="http://schemas.microsoft.com/office/drawing/2014/main" id="{2B49CAEB-2C79-4355-A531-3E4E11533974}"/>
+                      </a:ext>
+                    </a:extLst>
+                  </p:cNvPr>
+                  <p:cNvPicPr>
+                    <a:picLocks noChangeAspect="1"/>
+                  </p:cNvPicPr>
+                  <p:nvPr/>
+                </p:nvPicPr>
+                <p:blipFill>
+                  <a:blip r:embed="rId2">
+                    <a:extLst>
+                      <a:ext uri="{28A0092B-C50C-407E-A947-70E740481C1C}">
+                        <a14:useLocalDpi xmlns:a14="http://schemas.microsoft.com/office/drawing/2010/main" val="0"/>
+                      </a:ext>
+                    </a:extLst>
+                  </a:blip>
+                  <a:stretch>
+                    <a:fillRect/>
+                  </a:stretch>
+                </p:blipFill>
+                <p:spPr>
+                  <a:xfrm>
+                    <a:off x="2289496" y="3161029"/>
+                    <a:ext cx="676108" cy="662254"/>
+                  </a:xfrm>
+                  <a:prstGeom prst="rect">
+                    <a:avLst/>
+                  </a:prstGeom>
+                  <a:ln>
+                    <a:noFill/>
+                  </a:ln>
+                  <a:effectLst>
+                    <a:outerShdw blurRad="292100" dist="139700" dir="2700000" algn="tl" rotWithShape="0">
+                      <a:srgbClr val="333333">
+                        <a:alpha val="65000"/>
+                      </a:srgbClr>
+                    </a:outerShdw>
+                  </a:effectLst>
+                </p:spPr>
+              </p:pic>
+              <p:pic>
+                <p:nvPicPr>
+                  <p:cNvPr id="7" name="그림 6" descr="텍스트, 표지판, 빨간색, 어두운이(가) 표시된 사진&#10;&#10;자동 생성된 설명">
+                    <a:extLst>
+                      <a:ext uri="{FF2B5EF4-FFF2-40B4-BE49-F238E27FC236}">
+                        <a16:creationId xmlns:a16="http://schemas.microsoft.com/office/drawing/2014/main" id="{07DC4DD7-1770-42D6-A726-16DDA6DC0805}"/>
+                      </a:ext>
+                    </a:extLst>
+                  </p:cNvPr>
+                  <p:cNvPicPr>
+                    <a:picLocks noChangeAspect="1"/>
+                  </p:cNvPicPr>
+                  <p:nvPr/>
+                </p:nvPicPr>
+                <p:blipFill>
+                  <a:blip r:embed="rId2">
+                    <a:extLst>
+                      <a:ext uri="{28A0092B-C50C-407E-A947-70E740481C1C}">
+                        <a14:useLocalDpi xmlns:a14="http://schemas.microsoft.com/office/drawing/2010/main" val="0"/>
+                      </a:ext>
+                    </a:extLst>
+                  </a:blip>
+                  <a:stretch>
+                    <a:fillRect/>
+                  </a:stretch>
+                </p:blipFill>
+                <p:spPr>
+                  <a:xfrm>
+                    <a:off x="6226030" y="3161029"/>
+                    <a:ext cx="676108" cy="662254"/>
+                  </a:xfrm>
+                  <a:prstGeom prst="rect">
+                    <a:avLst/>
+                  </a:prstGeom>
+                  <a:ln>
+                    <a:noFill/>
+                  </a:ln>
+                  <a:effectLst>
+                    <a:outerShdw blurRad="292100" dist="139700" dir="2700000" algn="tl" rotWithShape="0">
+                      <a:srgbClr val="333333">
+                        <a:alpha val="65000"/>
+                      </a:srgbClr>
+                    </a:outerShdw>
+                  </a:effectLst>
+                </p:spPr>
+              </p:pic>
+              <p:sp>
+                <p:nvSpPr>
+                  <p:cNvPr id="8" name="TextBox 7">
+                    <a:extLst>
+                      <a:ext uri="{FF2B5EF4-FFF2-40B4-BE49-F238E27FC236}">
+                        <a16:creationId xmlns:a16="http://schemas.microsoft.com/office/drawing/2014/main" id="{8110735C-CE4E-43D9-AE1B-D1C2EAABD33B}"/>
+                      </a:ext>
+                    </a:extLst>
+                  </p:cNvPr>
+                  <p:cNvSpPr txBox="1"/>
+                  <p:nvPr/>
+                </p:nvSpPr>
+                <p:spPr>
+                  <a:xfrm>
+                    <a:off x="-324543" y="5085184"/>
+                    <a:ext cx="2232248" cy="646331"/>
+                  </a:xfrm>
+                  <a:prstGeom prst="rect">
+                    <a:avLst/>
+                  </a:prstGeom>
+                  <a:noFill/>
+                </p:spPr>
+                <p:txBody>
+                  <a:bodyPr wrap="square" rtlCol="0">
+                    <a:spAutoFit/>
+                  </a:bodyPr>
+                  <a:lstStyle/>
+                  <a:p>
+                    <a:r>
+                      <a:rPr lang="ko-KR" altLang="en-US" dirty="0">
+                        <a:solidFill>
+                          <a:schemeClr val="bg1">
+                            <a:lumMod val="50000"/>
+                          </a:schemeClr>
+                        </a:solidFill>
+                      </a:rPr>
+                      <a:t>플레이어는 마을의 </a:t>
+                    </a:r>
+                    <a:endParaRPr lang="en-US" altLang="ko-KR" dirty="0">
+                      <a:solidFill>
+                        <a:schemeClr val="bg1">
+                          <a:lumMod val="50000"/>
+                        </a:schemeClr>
+                      </a:solidFill>
+                    </a:endParaRPr>
+                  </a:p>
+                  <a:p>
+                    <a:r>
+                      <a:rPr lang="ko-KR" altLang="en-US" dirty="0">
+                        <a:solidFill>
+                          <a:schemeClr val="bg1">
+                            <a:lumMod val="50000"/>
+                          </a:schemeClr>
+                        </a:solidFill>
+                      </a:rPr>
+                      <a:t>배달일을 한다</a:t>
+                    </a:r>
+                    <a:r>
+                      <a:rPr lang="en-US" altLang="ko-KR" dirty="0">
+                        <a:solidFill>
+                          <a:schemeClr val="bg1">
+                            <a:lumMod val="50000"/>
+                          </a:schemeClr>
+                        </a:solidFill>
+                      </a:rPr>
+                      <a:t>.</a:t>
+                    </a:r>
+                    <a:endParaRPr lang="ko-KR" altLang="en-US" dirty="0">
+                      <a:solidFill>
+                        <a:schemeClr val="bg1">
+                          <a:lumMod val="50000"/>
+                        </a:schemeClr>
+                      </a:solidFill>
+                    </a:endParaRPr>
+                  </a:p>
+                </p:txBody>
+              </p:sp>
+              <p:sp>
+                <p:nvSpPr>
+                  <p:cNvPr id="9" name="TextBox 8">
+                    <a:extLst>
+                      <a:ext uri="{FF2B5EF4-FFF2-40B4-BE49-F238E27FC236}">
+                        <a16:creationId xmlns:a16="http://schemas.microsoft.com/office/drawing/2014/main" id="{86E6207F-3A9F-4DFA-9104-6A973476C444}"/>
+                      </a:ext>
+                    </a:extLst>
+                  </p:cNvPr>
+                  <p:cNvSpPr txBox="1"/>
+                  <p:nvPr/>
+                </p:nvSpPr>
+                <p:spPr>
+                  <a:xfrm>
+                    <a:off x="3227756" y="5085184"/>
+                    <a:ext cx="2879930" cy="646331"/>
+                  </a:xfrm>
+                  <a:prstGeom prst="rect">
+                    <a:avLst/>
+                  </a:prstGeom>
+                  <a:noFill/>
+                </p:spPr>
+                <p:txBody>
+                  <a:bodyPr wrap="square" rtlCol="0">
+                    <a:spAutoFit/>
+                  </a:bodyPr>
+                  <a:lstStyle/>
+                  <a:p>
+                    <a:r>
+                      <a:rPr lang="ko-KR" altLang="en-US" dirty="0">
+                        <a:solidFill>
+                          <a:schemeClr val="bg1">
+                            <a:lumMod val="50000"/>
+                          </a:schemeClr>
+                        </a:solidFill>
+                      </a:rPr>
+                      <a:t>배달일을 하며 일어나는 사건들의 전말을 알아낸다</a:t>
+                    </a:r>
+                    <a:r>
+                      <a:rPr lang="en-US" altLang="ko-KR" dirty="0">
+                        <a:solidFill>
+                          <a:schemeClr val="bg1">
+                            <a:lumMod val="50000"/>
+                          </a:schemeClr>
+                        </a:solidFill>
+                      </a:rPr>
+                      <a:t>.</a:t>
+                    </a:r>
+                    <a:endParaRPr lang="ko-KR" altLang="en-US" dirty="0">
+                      <a:solidFill>
+                        <a:schemeClr val="bg1">
+                          <a:lumMod val="50000"/>
+                        </a:schemeClr>
+                      </a:solidFill>
+                    </a:endParaRPr>
+                  </a:p>
+                </p:txBody>
+              </p:sp>
+              <p:sp>
+                <p:nvSpPr>
+                  <p:cNvPr id="10" name="TextBox 9">
+                    <a:extLst>
+                      <a:ext uri="{FF2B5EF4-FFF2-40B4-BE49-F238E27FC236}">
+                        <a16:creationId xmlns:a16="http://schemas.microsoft.com/office/drawing/2014/main" id="{DF89DED1-4EED-4A9D-84A6-2258D30CC1A8}"/>
+                      </a:ext>
+                    </a:extLst>
+                  </p:cNvPr>
+                  <p:cNvSpPr txBox="1"/>
+                  <p:nvPr/>
+                </p:nvSpPr>
+                <p:spPr>
+                  <a:xfrm>
+                    <a:off x="7769041" y="5085184"/>
+                    <a:ext cx="1444032" cy="646331"/>
+                  </a:xfrm>
+                  <a:prstGeom prst="rect">
+                    <a:avLst/>
+                  </a:prstGeom>
+                  <a:noFill/>
+                </p:spPr>
+                <p:txBody>
+                  <a:bodyPr wrap="square" rtlCol="0">
+                    <a:spAutoFit/>
+                  </a:bodyPr>
+                  <a:lstStyle/>
+                  <a:p>
+                    <a:r>
+                      <a:rPr lang="ko-KR" altLang="en-US" dirty="0">
+                        <a:solidFill>
+                          <a:schemeClr val="bg1">
+                            <a:lumMod val="50000"/>
+                          </a:schemeClr>
+                        </a:solidFill>
+                      </a:rPr>
+                      <a:t>사건속에서 살아남는다</a:t>
+                    </a:r>
+                    <a:r>
+                      <a:rPr lang="en-US" altLang="ko-KR" dirty="0">
+                        <a:solidFill>
+                          <a:schemeClr val="bg1">
+                            <a:lumMod val="50000"/>
+                          </a:schemeClr>
+                        </a:solidFill>
+                      </a:rPr>
+                      <a:t>.</a:t>
+                    </a:r>
+                  </a:p>
+                </p:txBody>
+              </p:sp>
+            </p:grpSp>
+            <p:pic>
+              <p:nvPicPr>
+                <p:cNvPr id="1026" name="Picture 2" descr="배달의민족, &amp;#39;주 단위&amp;#39; 정산에서 &amp;#39;일 단위&amp;#39; 정산으로 변경 – 스타트업 스토리 플랫폼 &amp;#39;플래텀(Platum)&amp;#39;">
+                  <a:extLst>
+                    <a:ext uri="{FF2B5EF4-FFF2-40B4-BE49-F238E27FC236}">
+                      <a16:creationId xmlns:a16="http://schemas.microsoft.com/office/drawing/2014/main" id="{358E40D6-323E-4040-B714-AD17F9A78112}"/>
+                    </a:ext>
+                  </a:extLst>
+                </p:cNvPr>
+                <p:cNvPicPr>
+                  <a:picLocks noChangeAspect="1" noChangeArrowheads="1"/>
+                </p:cNvPicPr>
+                <p:nvPr/>
+              </p:nvPicPr>
+              <p:blipFill>
+                <a:blip r:embed="rId3">
+                  <a:clrChange>
+                    <a:clrFrom>
+                      <a:srgbClr val="FFFFFF"/>
+                    </a:clrFrom>
+                    <a:clrTo>
+                      <a:srgbClr val="FFFFFF">
+                        <a:alpha val="0"/>
+                      </a:srgbClr>
+                    </a:clrTo>
+                  </a:clrChange>
+                  <a:extLst>
+                    <a:ext uri="{28A0092B-C50C-407E-A947-70E740481C1C}">
+                      <a14:useLocalDpi xmlns:a14="http://schemas.microsoft.com/office/drawing/2010/main" val="0"/>
+                    </a:ext>
+                  </a:extLst>
+                </a:blip>
+                <a:srcRect/>
+                <a:stretch>
+                  <a:fillRect/>
+                </a:stretch>
+              </p:blipFill>
+              <p:spPr bwMode="auto">
+                <a:xfrm>
+                  <a:off x="-471803" y="2279345"/>
+                  <a:ext cx="2393564" cy="2425621"/>
+                </a:xfrm>
+                <a:prstGeom prst="rect">
+                  <a:avLst/>
+                </a:prstGeom>
+                <a:noFill/>
+                <a:extLst>
+                  <a:ext uri="{909E8E84-426E-40DD-AFC4-6F175D3DCCD1}">
+                    <a14:hiddenFill xmlns:a14="http://schemas.microsoft.com/office/drawing/2010/main">
+                      <a:solidFill>
+                        <a:srgbClr val="FFFFFF"/>
+                      </a:solidFill>
+                    </a14:hiddenFill>
+                  </a:ext>
+                </a:extLst>
+              </p:spPr>
+            </p:pic>
+          </p:grpSp>
+          <p:pic>
+            <p:nvPicPr>
+              <p:cNvPr id="1028" name="Picture 4" descr="마주작 아프리카 복귀했네 대신 스타하면 정지이라고 함 :: 웃긴대학 대기자료">
+                <a:extLst>
+                  <a:ext uri="{FF2B5EF4-FFF2-40B4-BE49-F238E27FC236}">
+                    <a16:creationId xmlns:a16="http://schemas.microsoft.com/office/drawing/2014/main" id="{D3CB43BD-810B-458B-9DD5-204310CDCBF4}"/>
+                  </a:ext>
+                </a:extLst>
+              </p:cNvPr>
+              <p:cNvPicPr>
+                <a:picLocks noChangeAspect="1" noChangeArrowheads="1"/>
+              </p:cNvPicPr>
+              <p:nvPr/>
+            </p:nvPicPr>
+            <p:blipFill rotWithShape="1">
+              <a:blip r:embed="rId4">
+                <a:extLst>
+                  <a:ext uri="{28A0092B-C50C-407E-A947-70E740481C1C}">
+                    <a14:useLocalDpi xmlns:a14="http://schemas.microsoft.com/office/drawing/2010/main" val="0"/>
+                  </a:ext>
+                </a:extLst>
+              </a:blip>
+              <a:srcRect l="4227" r="11610"/>
+              <a:stretch/>
+            </p:blipFill>
+            <p:spPr bwMode="auto">
+              <a:xfrm>
+                <a:off x="3491880" y="2431471"/>
+                <a:ext cx="2160239" cy="1995053"/>
+              </a:xfrm>
+              <a:prstGeom prst="roundRect">
+                <a:avLst/>
+              </a:prstGeom>
+              <a:noFill/>
+              <a:extLst>
+                <a:ext uri="{909E8E84-426E-40DD-AFC4-6F175D3DCCD1}">
+                  <a14:hiddenFill xmlns:a14="http://schemas.microsoft.com/office/drawing/2010/main">
+                    <a:solidFill>
+                      <a:srgbClr val="FFFFFF"/>
+                    </a:solidFill>
+                  </a14:hiddenFill>
+                </a:ext>
+              </a:extLst>
+            </p:spPr>
+          </p:pic>
+        </p:grpSp>
+        <p:pic>
+          <p:nvPicPr>
+            <p:cNvPr id="1030" name="Picture 6" descr="쇼생크 탈출 : 네이버 블로그">
+              <a:extLst>
+                <a:ext uri="{FF2B5EF4-FFF2-40B4-BE49-F238E27FC236}">
+                  <a16:creationId xmlns:a16="http://schemas.microsoft.com/office/drawing/2014/main" id="{EC5D723B-F437-4281-92CF-D92E6A63BDF2}"/>
+                </a:ext>
+              </a:extLst>
+            </p:cNvPr>
+            <p:cNvPicPr>
+              <a:picLocks noChangeAspect="1" noChangeArrowheads="1"/>
+            </p:cNvPicPr>
+            <p:nvPr/>
+          </p:nvPicPr>
+          <p:blipFill rotWithShape="1">
+            <a:blip r:embed="rId5">
+              <a:extLst>
+                <a:ext uri="{28A0092B-C50C-407E-A947-70E740481C1C}">
+                  <a14:useLocalDpi xmlns:a14="http://schemas.microsoft.com/office/drawing/2010/main" val="0"/>
+                </a:ext>
+              </a:extLst>
+            </a:blip>
+            <a:srcRect l="24953" r="24953"/>
+            <a:stretch/>
+          </p:blipFill>
+          <p:spPr bwMode="auto">
+            <a:xfrm>
+              <a:off x="7493530" y="2431470"/>
+              <a:ext cx="1995053" cy="1995053"/>
+            </a:xfrm>
+            <a:prstGeom prst="roundRect">
+              <a:avLst/>
+            </a:prstGeom>
+            <a:noFill/>
+            <a:extLst>
+              <a:ext uri="{909E8E84-426E-40DD-AFC4-6F175D3DCCD1}">
+                <a14:hiddenFill xmlns:a14="http://schemas.microsoft.com/office/drawing/2010/main">
+                  <a:solidFill>
+                    <a:srgbClr val="FFFFFF"/>
+                  </a:solidFill>
+                </a14:hiddenFill>
+              </a:ext>
+            </a:extLst>
+          </p:spPr>
+        </p:pic>
+      </p:grpSp>
+    </p:spTree>
+    <p:extLst>
+      <p:ext uri="{BB962C8B-B14F-4D97-AF65-F5344CB8AC3E}">
+        <p14:creationId xmlns:p14="http://schemas.microsoft.com/office/powerpoint/2010/main" val="3442619936"/>
+      </p:ext>
+    </p:extLst>
+  </p:cSld>
+  <p:clrMapOvr>
+    <a:masterClrMapping/>
+  </p:clrMapOvr>
+</p:sld>
+</file>
+
 <file path=ppt/theme/theme1.xml><?xml version="1.0" encoding="utf-8"?>
 <a:theme xmlns:a="http://schemas.openxmlformats.org/drawingml/2006/main" name="Office 테마">
   <a:themeElements>

--- a/Documents/Agis.pptx
+++ b/Documents/Agis.pptx
@@ -132,7 +132,7 @@
 <file path=ppt/revisionInfo.xml><?xml version="1.0" encoding="utf-8"?>
 <p1510:revInfo xmlns:a="http://schemas.openxmlformats.org/drawingml/2006/main" xmlns:r="http://schemas.openxmlformats.org/officeDocument/2006/relationships" xmlns:p1510="http://schemas.microsoft.com/office/powerpoint/2015/10/main">
   <p1510:revLst>
-    <p1510:client id="{968F77AD-68F9-42FF-83F1-759F5246BEF7}" v="63" dt="2021-09-21T12:20:19.919"/>
+    <p1510:client id="{968F77AD-68F9-42FF-83F1-759F5246BEF7}" v="82" dt="2021-09-23T11:16:14.617"/>
   </p1510:revLst>
 </p1510:revInfo>
 </file>
@@ -142,7 +142,7 @@
   <pc:docChgLst>
     <pc:chgData name="남 상현" userId="03ad4a8e8f7310f3" providerId="LiveId" clId="{968F77AD-68F9-42FF-83F1-759F5246BEF7}"/>
     <pc:docChg chg="undo custSel addSld modSld">
-      <pc:chgData name="남 상현" userId="03ad4a8e8f7310f3" providerId="LiveId" clId="{968F77AD-68F9-42FF-83F1-759F5246BEF7}" dt="2021-09-21T12:20:19.920" v="453" actId="20577"/>
+      <pc:chgData name="남 상현" userId="03ad4a8e8f7310f3" providerId="LiveId" clId="{968F77AD-68F9-42FF-83F1-759F5246BEF7}" dt="2021-09-23T11:16:34.002" v="634" actId="1076"/>
       <pc:docMkLst>
         <pc:docMk/>
       </pc:docMkLst>
@@ -192,6 +192,69 @@
             <ac:picMk id="63" creationId="{491994A5-39AA-4B16-B9E6-50683DC26D9D}"/>
           </ac:picMkLst>
         </pc:picChg>
+      </pc:sldChg>
+      <pc:sldChg chg="addSp delSp modSp mod">
+        <pc:chgData name="남 상현" userId="03ad4a8e8f7310f3" providerId="LiveId" clId="{968F77AD-68F9-42FF-83F1-759F5246BEF7}" dt="2021-09-23T11:16:34.002" v="634" actId="1076"/>
+        <pc:sldMkLst>
+          <pc:docMk/>
+          <pc:sldMk cId="2062692403" sldId="258"/>
+        </pc:sldMkLst>
+        <pc:spChg chg="add mod topLvl">
+          <ac:chgData name="남 상현" userId="03ad4a8e8f7310f3" providerId="LiveId" clId="{968F77AD-68F9-42FF-83F1-759F5246BEF7}" dt="2021-09-23T11:16:14.617" v="628" actId="164"/>
+          <ac:spMkLst>
+            <pc:docMk/>
+            <pc:sldMk cId="2062692403" sldId="258"/>
+            <ac:spMk id="3" creationId="{AA040F99-4DB2-45D8-8ED3-B7B21BCDD8CD}"/>
+          </ac:spMkLst>
+        </pc:spChg>
+        <pc:spChg chg="add mod topLvl">
+          <ac:chgData name="남 상현" userId="03ad4a8e8f7310f3" providerId="LiveId" clId="{968F77AD-68F9-42FF-83F1-759F5246BEF7}" dt="2021-09-23T11:16:26.787" v="632" actId="1076"/>
+          <ac:spMkLst>
+            <pc:docMk/>
+            <pc:sldMk cId="2062692403" sldId="258"/>
+            <ac:spMk id="4" creationId="{0C6D737B-1228-41B0-B62B-3CD9561018C1}"/>
+          </ac:spMkLst>
+        </pc:spChg>
+        <pc:spChg chg="add mod topLvl">
+          <ac:chgData name="남 상현" userId="03ad4a8e8f7310f3" providerId="LiveId" clId="{968F77AD-68F9-42FF-83F1-759F5246BEF7}" dt="2021-09-23T11:16:14.617" v="628" actId="164"/>
+          <ac:spMkLst>
+            <pc:docMk/>
+            <pc:sldMk cId="2062692403" sldId="258"/>
+            <ac:spMk id="5" creationId="{B49FD741-2F04-40C3-82E1-5647DBCB059D}"/>
+          </ac:spMkLst>
+        </pc:spChg>
+        <pc:spChg chg="add mod">
+          <ac:chgData name="남 상현" userId="03ad4a8e8f7310f3" providerId="LiveId" clId="{968F77AD-68F9-42FF-83F1-759F5246BEF7}" dt="2021-09-23T11:11:17.185" v="513"/>
+          <ac:spMkLst>
+            <pc:docMk/>
+            <pc:sldMk cId="2062692403" sldId="258"/>
+            <ac:spMk id="6" creationId="{0DBE5380-5D14-44B7-80BF-5F7D61AB5033}"/>
+          </ac:spMkLst>
+        </pc:spChg>
+        <pc:spChg chg="add mod topLvl">
+          <ac:chgData name="남 상현" userId="03ad4a8e8f7310f3" providerId="LiveId" clId="{968F77AD-68F9-42FF-83F1-759F5246BEF7}" dt="2021-09-23T11:16:31.200" v="633" actId="1076"/>
+          <ac:spMkLst>
+            <pc:docMk/>
+            <pc:sldMk cId="2062692403" sldId="258"/>
+            <ac:spMk id="7" creationId="{55805222-B9C5-485A-A594-546FEE77AC52}"/>
+          </ac:spMkLst>
+        </pc:spChg>
+        <pc:grpChg chg="add del mod">
+          <ac:chgData name="남 상현" userId="03ad4a8e8f7310f3" providerId="LiveId" clId="{968F77AD-68F9-42FF-83F1-759F5246BEF7}" dt="2021-09-23T11:15:38.531" v="611" actId="165"/>
+          <ac:grpSpMkLst>
+            <pc:docMk/>
+            <pc:sldMk cId="2062692403" sldId="258"/>
+            <ac:grpSpMk id="8" creationId="{D8FEE7F5-3D33-4178-81ED-03F7B8F7B660}"/>
+          </ac:grpSpMkLst>
+        </pc:grpChg>
+        <pc:grpChg chg="add mod">
+          <ac:chgData name="남 상현" userId="03ad4a8e8f7310f3" providerId="LiveId" clId="{968F77AD-68F9-42FF-83F1-759F5246BEF7}" dt="2021-09-23T11:16:34.002" v="634" actId="1076"/>
+          <ac:grpSpMkLst>
+            <pc:docMk/>
+            <pc:sldMk cId="2062692403" sldId="258"/>
+            <ac:grpSpMk id="9" creationId="{707E1BBB-6B8A-4164-AF59-918C45DC8EDE}"/>
+          </ac:grpSpMkLst>
+        </pc:grpChg>
       </pc:sldChg>
       <pc:sldChg chg="addSp delSp modSp new mod">
         <pc:chgData name="남 상현" userId="03ad4a8e8f7310f3" providerId="LiveId" clId="{968F77AD-68F9-42FF-83F1-759F5246BEF7}" dt="2021-09-21T12:20:19.920" v="453" actId="20577"/>
@@ -415,7 +478,7 @@
           <a:p>
             <a:fld id="{0188BD66-E6E7-4C45-AB6D-5D322163BA3A}" type="datetimeFigureOut">
               <a:rPr lang="ko-KR" altLang="en-US" smtClean="0"/>
-              <a:t>2021-09-21</a:t>
+              <a:t>2021-09-23</a:t>
             </a:fld>
             <a:endParaRPr lang="ko-KR" altLang="en-US"/>
           </a:p>
@@ -861,7 +924,7 @@
           <a:p>
             <a:fld id="{A5AFA60C-1338-43DD-9992-72F57E60546C}" type="datetimeFigureOut">
               <a:rPr lang="ko-KR" altLang="en-US" smtClean="0"/>
-              <a:t>2021-09-21</a:t>
+              <a:t>2021-09-23</a:t>
             </a:fld>
             <a:endParaRPr lang="ko-KR" altLang="en-US"/>
           </a:p>
@@ -1029,7 +1092,7 @@
           <a:p>
             <a:fld id="{A5AFA60C-1338-43DD-9992-72F57E60546C}" type="datetimeFigureOut">
               <a:rPr lang="ko-KR" altLang="en-US" smtClean="0"/>
-              <a:t>2021-09-21</a:t>
+              <a:t>2021-09-23</a:t>
             </a:fld>
             <a:endParaRPr lang="ko-KR" altLang="en-US"/>
           </a:p>
@@ -1207,7 +1270,7 @@
           <a:p>
             <a:fld id="{A5AFA60C-1338-43DD-9992-72F57E60546C}" type="datetimeFigureOut">
               <a:rPr lang="ko-KR" altLang="en-US" smtClean="0"/>
-              <a:t>2021-09-21</a:t>
+              <a:t>2021-09-23</a:t>
             </a:fld>
             <a:endParaRPr lang="ko-KR" altLang="en-US"/>
           </a:p>
@@ -1375,7 +1438,7 @@
           <a:p>
             <a:fld id="{A5AFA60C-1338-43DD-9992-72F57E60546C}" type="datetimeFigureOut">
               <a:rPr lang="ko-KR" altLang="en-US" smtClean="0"/>
-              <a:t>2021-09-21</a:t>
+              <a:t>2021-09-23</a:t>
             </a:fld>
             <a:endParaRPr lang="ko-KR" altLang="en-US"/>
           </a:p>
@@ -1620,7 +1683,7 @@
           <a:p>
             <a:fld id="{A5AFA60C-1338-43DD-9992-72F57E60546C}" type="datetimeFigureOut">
               <a:rPr lang="ko-KR" altLang="en-US" smtClean="0"/>
-              <a:t>2021-09-21</a:t>
+              <a:t>2021-09-23</a:t>
             </a:fld>
             <a:endParaRPr lang="ko-KR" altLang="en-US"/>
           </a:p>
@@ -1905,7 +1968,7 @@
           <a:p>
             <a:fld id="{A5AFA60C-1338-43DD-9992-72F57E60546C}" type="datetimeFigureOut">
               <a:rPr lang="ko-KR" altLang="en-US" smtClean="0"/>
-              <a:t>2021-09-21</a:t>
+              <a:t>2021-09-23</a:t>
             </a:fld>
             <a:endParaRPr lang="ko-KR" altLang="en-US"/>
           </a:p>
@@ -2324,7 +2387,7 @@
           <a:p>
             <a:fld id="{A5AFA60C-1338-43DD-9992-72F57E60546C}" type="datetimeFigureOut">
               <a:rPr lang="ko-KR" altLang="en-US" smtClean="0"/>
-              <a:t>2021-09-21</a:t>
+              <a:t>2021-09-23</a:t>
             </a:fld>
             <a:endParaRPr lang="ko-KR" altLang="en-US"/>
           </a:p>
@@ -2441,7 +2504,7 @@
           <a:p>
             <a:fld id="{A5AFA60C-1338-43DD-9992-72F57E60546C}" type="datetimeFigureOut">
               <a:rPr lang="ko-KR" altLang="en-US" smtClean="0"/>
-              <a:t>2021-09-21</a:t>
+              <a:t>2021-09-23</a:t>
             </a:fld>
             <a:endParaRPr lang="ko-KR" altLang="en-US"/>
           </a:p>
@@ -2536,7 +2599,7 @@
           <a:p>
             <a:fld id="{A5AFA60C-1338-43DD-9992-72F57E60546C}" type="datetimeFigureOut">
               <a:rPr lang="ko-KR" altLang="en-US" smtClean="0"/>
-              <a:t>2021-09-21</a:t>
+              <a:t>2021-09-23</a:t>
             </a:fld>
             <a:endParaRPr lang="ko-KR" altLang="en-US"/>
           </a:p>
@@ -2811,7 +2874,7 @@
           <a:p>
             <a:fld id="{A5AFA60C-1338-43DD-9992-72F57E60546C}" type="datetimeFigureOut">
               <a:rPr lang="ko-KR" altLang="en-US" smtClean="0"/>
-              <a:t>2021-09-21</a:t>
+              <a:t>2021-09-23</a:t>
             </a:fld>
             <a:endParaRPr lang="ko-KR" altLang="en-US"/>
           </a:p>
@@ -3063,7 +3126,7 @@
           <a:p>
             <a:fld id="{A5AFA60C-1338-43DD-9992-72F57E60546C}" type="datetimeFigureOut">
               <a:rPr lang="ko-KR" altLang="en-US" smtClean="0"/>
-              <a:t>2021-09-21</a:t>
+              <a:t>2021-09-23</a:t>
             </a:fld>
             <a:endParaRPr lang="ko-KR" altLang="en-US"/>
           </a:p>
@@ -3274,7 +3337,7 @@
           <a:p>
             <a:fld id="{A5AFA60C-1338-43DD-9992-72F57E60546C}" type="datetimeFigureOut">
               <a:rPr lang="ko-KR" altLang="en-US" smtClean="0"/>
-              <a:t>2021-09-21</a:t>
+              <a:t>2021-09-23</a:t>
             </a:fld>
             <a:endParaRPr lang="ko-KR" altLang="en-US"/>
           </a:p>
@@ -6665,6 +6728,461 @@
           </a:p>
         </p:txBody>
       </p:sp>
+      <p:grpSp>
+        <p:nvGrpSpPr>
+          <p:cNvPr id="9" name="그룹 8">
+            <a:extLst>
+              <a:ext uri="{FF2B5EF4-FFF2-40B4-BE49-F238E27FC236}">
+                <a16:creationId xmlns:a16="http://schemas.microsoft.com/office/drawing/2014/main" id="{707E1BBB-6B8A-4164-AF59-918C45DC8EDE}"/>
+              </a:ext>
+            </a:extLst>
+          </p:cNvPr>
+          <p:cNvGrpSpPr/>
+          <p:nvPr/>
+        </p:nvGrpSpPr>
+        <p:grpSpPr>
+          <a:xfrm>
+            <a:off x="827584" y="1484784"/>
+            <a:ext cx="5084947" cy="5121944"/>
+            <a:chOff x="-42428" y="1619424"/>
+            <a:chExt cx="5084947" cy="5121944"/>
+          </a:xfrm>
+        </p:grpSpPr>
+        <p:sp>
+          <p:nvSpPr>
+            <p:cNvPr id="3" name="사각형: 둥근 모서리 2">
+              <a:extLst>
+                <a:ext uri="{FF2B5EF4-FFF2-40B4-BE49-F238E27FC236}">
+                  <a16:creationId xmlns:a16="http://schemas.microsoft.com/office/drawing/2014/main" id="{AA040F99-4DB2-45D8-8ED3-B7B21BCDD8CD}"/>
+                </a:ext>
+              </a:extLst>
+            </p:cNvPr>
+            <p:cNvSpPr/>
+            <p:nvPr/>
+          </p:nvSpPr>
+          <p:spPr>
+            <a:xfrm>
+              <a:off x="-42428" y="1619424"/>
+              <a:ext cx="2448272" cy="2448272"/>
+            </a:xfrm>
+            <a:prstGeom prst="roundRect">
+              <a:avLst>
+                <a:gd name="adj" fmla="val 8327"/>
+              </a:avLst>
+            </a:prstGeom>
+            <a:solidFill>
+              <a:schemeClr val="bg1"/>
+            </a:solidFill>
+            <a:ln>
+              <a:solidFill>
+                <a:srgbClr val="C00000"/>
+              </a:solidFill>
+            </a:ln>
+          </p:spPr>
+          <p:style>
+            <a:lnRef idx="2">
+              <a:schemeClr val="accent1">
+                <a:shade val="50000"/>
+              </a:schemeClr>
+            </a:lnRef>
+            <a:fillRef idx="1">
+              <a:schemeClr val="accent1"/>
+            </a:fillRef>
+            <a:effectRef idx="0">
+              <a:schemeClr val="accent1"/>
+            </a:effectRef>
+            <a:fontRef idx="minor">
+              <a:schemeClr val="lt1"/>
+            </a:fontRef>
+          </p:style>
+          <p:txBody>
+            <a:bodyPr rtlCol="0" anchor="ctr"/>
+            <a:lstStyle/>
+            <a:p>
+              <a:pPr algn="ctr"/>
+              <a:r>
+                <a:rPr lang="ko-KR" altLang="en-US" b="1" dirty="0">
+                  <a:solidFill>
+                    <a:schemeClr val="tx1"/>
+                  </a:solidFill>
+                </a:rPr>
+                <a:t>은은한 공포와</a:t>
+              </a:r>
+              <a:endParaRPr lang="en-US" altLang="ko-KR" b="1" dirty="0">
+                <a:solidFill>
+                  <a:schemeClr val="tx1"/>
+                </a:solidFill>
+              </a:endParaRPr>
+            </a:p>
+            <a:p>
+              <a:pPr algn="ctr"/>
+              <a:r>
+                <a:rPr lang="ko-KR" altLang="en-US" b="1" dirty="0">
+                  <a:solidFill>
+                    <a:schemeClr val="tx1"/>
+                  </a:solidFill>
+                </a:rPr>
+                <a:t>흥미로움</a:t>
+              </a:r>
+            </a:p>
+          </p:txBody>
+        </p:sp>
+        <p:sp>
+          <p:nvSpPr>
+            <p:cNvPr id="4" name="사각형: 둥근 모서리 3">
+              <a:extLst>
+                <a:ext uri="{FF2B5EF4-FFF2-40B4-BE49-F238E27FC236}">
+                  <a16:creationId xmlns:a16="http://schemas.microsoft.com/office/drawing/2014/main" id="{0C6D737B-1228-41B0-B62B-3CD9561018C1}"/>
+                </a:ext>
+              </a:extLst>
+            </p:cNvPr>
+            <p:cNvSpPr/>
+            <p:nvPr/>
+          </p:nvSpPr>
+          <p:spPr>
+            <a:xfrm>
+              <a:off x="2594247" y="1619424"/>
+              <a:ext cx="2448272" cy="2448272"/>
+            </a:xfrm>
+            <a:prstGeom prst="roundRect">
+              <a:avLst>
+                <a:gd name="adj" fmla="val 8327"/>
+              </a:avLst>
+            </a:prstGeom>
+            <a:solidFill>
+              <a:schemeClr val="bg1"/>
+            </a:solidFill>
+            <a:ln>
+              <a:solidFill>
+                <a:srgbClr val="C00000"/>
+              </a:solidFill>
+            </a:ln>
+          </p:spPr>
+          <p:style>
+            <a:lnRef idx="2">
+              <a:schemeClr val="accent1">
+                <a:shade val="50000"/>
+              </a:schemeClr>
+            </a:lnRef>
+            <a:fillRef idx="1">
+              <a:schemeClr val="accent1"/>
+            </a:fillRef>
+            <a:effectRef idx="0">
+              <a:schemeClr val="accent1"/>
+            </a:effectRef>
+            <a:fontRef idx="minor">
+              <a:schemeClr val="lt1"/>
+            </a:fontRef>
+          </p:style>
+          <p:txBody>
+            <a:bodyPr rtlCol="0" anchor="ctr"/>
+            <a:lstStyle/>
+            <a:p>
+              <a:pPr algn="ctr"/>
+              <a:endParaRPr lang="en-US" altLang="ko-KR" sz="1800" b="1" kern="100" dirty="0">
+                <a:solidFill>
+                  <a:srgbClr val="000000"/>
+                </a:solidFill>
+                <a:effectLst/>
+                <a:latin typeface="맑은 고딕" panose="020B0503020000020004" pitchFamily="50" charset="-127"/>
+                <a:ea typeface="맑은 고딕" panose="020B0503020000020004" pitchFamily="50" charset="-127"/>
+                <a:cs typeface="Times New Roman" panose="02020603050405020304" pitchFamily="18" charset="0"/>
+              </a:endParaRPr>
+            </a:p>
+            <a:p>
+              <a:pPr algn="ctr"/>
+              <a:r>
+                <a:rPr lang="ko-KR" altLang="en-US" b="1" kern="100" dirty="0">
+                  <a:solidFill>
+                    <a:srgbClr val="000000"/>
+                  </a:solidFill>
+                  <a:latin typeface="맑은 고딕" panose="020B0503020000020004" pitchFamily="50" charset="-127"/>
+                  <a:ea typeface="맑은 고딕" panose="020B0503020000020004" pitchFamily="50" charset="-127"/>
+                  <a:cs typeface="Times New Roman" panose="02020603050405020304" pitchFamily="18" charset="0"/>
+                </a:rPr>
+                <a:t>확실성 없는 </a:t>
+              </a:r>
+              <a:endParaRPr lang="en-US" altLang="ko-KR" b="1" kern="100" dirty="0">
+                <a:solidFill>
+                  <a:srgbClr val="000000"/>
+                </a:solidFill>
+                <a:latin typeface="맑은 고딕" panose="020B0503020000020004" pitchFamily="50" charset="-127"/>
+                <a:ea typeface="맑은 고딕" panose="020B0503020000020004" pitchFamily="50" charset="-127"/>
+                <a:cs typeface="Times New Roman" panose="02020603050405020304" pitchFamily="18" charset="0"/>
+              </a:endParaRPr>
+            </a:p>
+            <a:p>
+              <a:pPr algn="ctr"/>
+              <a:r>
+                <a:rPr lang="ko-KR" altLang="en-US" b="1" kern="100" dirty="0">
+                  <a:solidFill>
+                    <a:srgbClr val="000000"/>
+                  </a:solidFill>
+                  <a:latin typeface="맑은 고딕" panose="020B0503020000020004" pitchFamily="50" charset="-127"/>
+                  <a:ea typeface="맑은 고딕" panose="020B0503020000020004" pitchFamily="50" charset="-127"/>
+                  <a:cs typeface="Times New Roman" panose="02020603050405020304" pitchFamily="18" charset="0"/>
+                </a:rPr>
+                <a:t>이야기 진행</a:t>
+              </a:r>
+              <a:r>
+                <a:rPr lang="ko-KR" altLang="ko-KR" sz="1800" b="1" kern="100" dirty="0">
+                  <a:solidFill>
+                    <a:srgbClr val="000000"/>
+                  </a:solidFill>
+                  <a:effectLst/>
+                  <a:latin typeface="맑은 고딕" panose="020B0503020000020004" pitchFamily="50" charset="-127"/>
+                  <a:ea typeface="맑은 고딕" panose="020B0503020000020004" pitchFamily="50" charset="-127"/>
+                  <a:cs typeface="Times New Roman" panose="02020603050405020304" pitchFamily="18" charset="0"/>
+                </a:rPr>
+                <a:t> </a:t>
+              </a:r>
+              <a:endParaRPr lang="ko-KR" altLang="ko-KR" sz="1800" kern="100" dirty="0">
+                <a:noFill/>
+                <a:effectLst/>
+                <a:latin typeface="맑은 고딕" panose="020B0503020000020004" pitchFamily="50" charset="-127"/>
+                <a:ea typeface="맑은 고딕" panose="020B0503020000020004" pitchFamily="50" charset="-127"/>
+                <a:cs typeface="Times New Roman" panose="02020603050405020304" pitchFamily="18" charset="0"/>
+              </a:endParaRPr>
+            </a:p>
+            <a:p>
+              <a:pPr algn="ctr"/>
+              <a:endParaRPr lang="ko-KR" altLang="en-US" dirty="0"/>
+            </a:p>
+          </p:txBody>
+        </p:sp>
+        <p:sp>
+          <p:nvSpPr>
+            <p:cNvPr id="5" name="사각형: 둥근 모서리 4">
+              <a:extLst>
+                <a:ext uri="{FF2B5EF4-FFF2-40B4-BE49-F238E27FC236}">
+                  <a16:creationId xmlns:a16="http://schemas.microsoft.com/office/drawing/2014/main" id="{B49FD741-2F04-40C3-82E1-5647DBCB059D}"/>
+                </a:ext>
+              </a:extLst>
+            </p:cNvPr>
+            <p:cNvSpPr/>
+            <p:nvPr/>
+          </p:nvSpPr>
+          <p:spPr>
+            <a:xfrm>
+              <a:off x="-42428" y="4293096"/>
+              <a:ext cx="2448272" cy="2448272"/>
+            </a:xfrm>
+            <a:prstGeom prst="roundRect">
+              <a:avLst>
+                <a:gd name="adj" fmla="val 8327"/>
+              </a:avLst>
+            </a:prstGeom>
+            <a:solidFill>
+              <a:schemeClr val="bg1"/>
+            </a:solidFill>
+            <a:ln>
+              <a:solidFill>
+                <a:srgbClr val="C00000"/>
+              </a:solidFill>
+            </a:ln>
+          </p:spPr>
+          <p:style>
+            <a:lnRef idx="2">
+              <a:schemeClr val="accent1">
+                <a:shade val="50000"/>
+              </a:schemeClr>
+            </a:lnRef>
+            <a:fillRef idx="1">
+              <a:schemeClr val="accent1"/>
+            </a:fillRef>
+            <a:effectRef idx="0">
+              <a:schemeClr val="accent1"/>
+            </a:effectRef>
+            <a:fontRef idx="minor">
+              <a:schemeClr val="lt1"/>
+            </a:fontRef>
+          </p:style>
+          <p:txBody>
+            <a:bodyPr rtlCol="0" anchor="ctr"/>
+            <a:lstStyle/>
+            <a:p>
+              <a:pPr algn="ctr"/>
+              <a:r>
+                <a:rPr lang="ko-KR" altLang="ko-KR" sz="1800" b="1" dirty="0">
+                  <a:solidFill>
+                    <a:srgbClr val="000000"/>
+                  </a:solidFill>
+                  <a:effectLst/>
+                  <a:ea typeface="맑은 고딕" panose="020B0503020000020004" pitchFamily="50" charset="-127"/>
+                  <a:cs typeface="Times New Roman" panose="02020603050405020304" pitchFamily="18" charset="0"/>
+                </a:rPr>
+                <a:t>일정확률로 </a:t>
+              </a:r>
+              <a:endParaRPr lang="en-US" altLang="ko-KR" sz="1800" b="1" dirty="0">
+                <a:solidFill>
+                  <a:srgbClr val="000000"/>
+                </a:solidFill>
+                <a:effectLst/>
+                <a:ea typeface="맑은 고딕" panose="020B0503020000020004" pitchFamily="50" charset="-127"/>
+                <a:cs typeface="Times New Roman" panose="02020603050405020304" pitchFamily="18" charset="0"/>
+              </a:endParaRPr>
+            </a:p>
+            <a:p>
+              <a:pPr algn="ctr"/>
+              <a:r>
+                <a:rPr lang="ko-KR" altLang="en-US" sz="1800" b="1" dirty="0">
+                  <a:solidFill>
+                    <a:srgbClr val="000000"/>
+                  </a:solidFill>
+                  <a:effectLst/>
+                  <a:ea typeface="맑은 고딕" panose="020B0503020000020004" pitchFamily="50" charset="-127"/>
+                  <a:cs typeface="Times New Roman" panose="02020603050405020304" pitchFamily="18" charset="0"/>
+                </a:rPr>
+                <a:t>발생하는</a:t>
+              </a:r>
+              <a:r>
+                <a:rPr lang="en-US" altLang="ko-KR" b="1" dirty="0">
+                  <a:solidFill>
+                    <a:srgbClr val="000000"/>
+                  </a:solidFill>
+                  <a:ea typeface="맑은 고딕" panose="020B0503020000020004" pitchFamily="50" charset="-127"/>
+                  <a:cs typeface="Times New Roman" panose="02020603050405020304" pitchFamily="18" charset="0"/>
+                </a:rPr>
+                <a:t> </a:t>
+              </a:r>
+              <a:r>
+                <a:rPr lang="ko-KR" altLang="ko-KR" sz="1800" b="1" dirty="0">
+                  <a:solidFill>
+                    <a:srgbClr val="000000"/>
+                  </a:solidFill>
+                  <a:effectLst/>
+                  <a:ea typeface="맑은 고딕" panose="020B0503020000020004" pitchFamily="50" charset="-127"/>
+                  <a:cs typeface="Times New Roman" panose="02020603050405020304" pitchFamily="18" charset="0"/>
+                </a:rPr>
+                <a:t>변수</a:t>
+              </a:r>
+              <a:endParaRPr lang="ko-KR" altLang="en-US" dirty="0"/>
+            </a:p>
+          </p:txBody>
+        </p:sp>
+        <p:sp>
+          <p:nvSpPr>
+            <p:cNvPr id="7" name="사각형: 둥근 모서리 6">
+              <a:extLst>
+                <a:ext uri="{FF2B5EF4-FFF2-40B4-BE49-F238E27FC236}">
+                  <a16:creationId xmlns:a16="http://schemas.microsoft.com/office/drawing/2014/main" id="{55805222-B9C5-485A-A594-546FEE77AC52}"/>
+                </a:ext>
+              </a:extLst>
+            </p:cNvPr>
+            <p:cNvSpPr/>
+            <p:nvPr/>
+          </p:nvSpPr>
+          <p:spPr>
+            <a:xfrm>
+              <a:off x="2594247" y="4293096"/>
+              <a:ext cx="2448272" cy="2448272"/>
+            </a:xfrm>
+            <a:prstGeom prst="roundRect">
+              <a:avLst>
+                <a:gd name="adj" fmla="val 8327"/>
+              </a:avLst>
+            </a:prstGeom>
+            <a:solidFill>
+              <a:schemeClr val="bg1"/>
+            </a:solidFill>
+            <a:ln>
+              <a:solidFill>
+                <a:srgbClr val="C00000"/>
+              </a:solidFill>
+            </a:ln>
+          </p:spPr>
+          <p:style>
+            <a:lnRef idx="2">
+              <a:schemeClr val="accent1">
+                <a:shade val="50000"/>
+              </a:schemeClr>
+            </a:lnRef>
+            <a:fillRef idx="1">
+              <a:schemeClr val="accent1"/>
+            </a:fillRef>
+            <a:effectRef idx="0">
+              <a:schemeClr val="accent1"/>
+            </a:effectRef>
+            <a:fontRef idx="minor">
+              <a:schemeClr val="lt1"/>
+            </a:fontRef>
+          </p:style>
+          <p:txBody>
+            <a:bodyPr rtlCol="0" anchor="ctr"/>
+            <a:lstStyle/>
+            <a:p>
+              <a:pPr algn="ctr"/>
+              <a:r>
+                <a:rPr lang="ko-KR" altLang="ko-KR" sz="1800" b="1" dirty="0">
+                  <a:solidFill>
+                    <a:srgbClr val="000000"/>
+                  </a:solidFill>
+                  <a:effectLst/>
+                  <a:ea typeface="맑은 고딕" panose="020B0503020000020004" pitchFamily="50" charset="-127"/>
+                  <a:cs typeface="Times New Roman" panose="02020603050405020304" pitchFamily="18" charset="0"/>
+                </a:rPr>
+                <a:t>선택</a:t>
+              </a:r>
+              <a:r>
+                <a:rPr lang="ko-KR" altLang="en-US" sz="1800" b="1" dirty="0">
+                  <a:solidFill>
+                    <a:srgbClr val="000000"/>
+                  </a:solidFill>
+                  <a:effectLst/>
+                  <a:ea typeface="맑은 고딕" panose="020B0503020000020004" pitchFamily="50" charset="-127"/>
+                  <a:cs typeface="Times New Roman" panose="02020603050405020304" pitchFamily="18" charset="0"/>
+                </a:rPr>
+                <a:t>들</a:t>
+              </a:r>
+              <a:r>
+                <a:rPr lang="ko-KR" altLang="ko-KR" sz="1800" b="1" dirty="0">
+                  <a:solidFill>
+                    <a:srgbClr val="000000"/>
+                  </a:solidFill>
+                  <a:effectLst/>
+                  <a:ea typeface="맑은 고딕" panose="020B0503020000020004" pitchFamily="50" charset="-127"/>
+                  <a:cs typeface="Times New Roman" panose="02020603050405020304" pitchFamily="18" charset="0"/>
+                </a:rPr>
+                <a:t>에 따른 </a:t>
+              </a:r>
+              <a:endParaRPr lang="en-US" altLang="ko-KR" sz="1800" b="1" dirty="0">
+                <a:solidFill>
+                  <a:srgbClr val="000000"/>
+                </a:solidFill>
+                <a:effectLst/>
+                <a:ea typeface="맑은 고딕" panose="020B0503020000020004" pitchFamily="50" charset="-127"/>
+                <a:cs typeface="Times New Roman" panose="02020603050405020304" pitchFamily="18" charset="0"/>
+              </a:endParaRPr>
+            </a:p>
+            <a:p>
+              <a:pPr algn="ctr"/>
+              <a:r>
+                <a:rPr lang="ko-KR" altLang="ko-KR" sz="1800" b="1" dirty="0">
+                  <a:solidFill>
+                    <a:srgbClr val="000000"/>
+                  </a:solidFill>
+                  <a:effectLst/>
+                  <a:ea typeface="맑은 고딕" panose="020B0503020000020004" pitchFamily="50" charset="-127"/>
+                  <a:cs typeface="Times New Roman" panose="02020603050405020304" pitchFamily="18" charset="0"/>
+                </a:rPr>
+                <a:t>엔딩 변화</a:t>
+              </a:r>
+              <a:r>
+                <a:rPr lang="ko-KR" altLang="ko-KR" sz="1800" dirty="0">
+                  <a:solidFill>
+                    <a:srgbClr val="000000"/>
+                  </a:solidFill>
+                  <a:effectLst/>
+                  <a:ea typeface="맑은 고딕" panose="020B0503020000020004" pitchFamily="50" charset="-127"/>
+                  <a:cs typeface="Times New Roman" panose="02020603050405020304" pitchFamily="18" charset="0"/>
+                </a:rPr>
+                <a:t> </a:t>
+              </a:r>
+              <a:endParaRPr lang="ko-KR" altLang="en-US" dirty="0"/>
+            </a:p>
+          </p:txBody>
+        </p:sp>
+      </p:grpSp>
     </p:spTree>
     <p:extLst>
       <p:ext uri="{BB962C8B-B14F-4D97-AF65-F5344CB8AC3E}">

--- a/Documents/Agis.pptx
+++ b/Documents/Agis.pptx
@@ -5,13 +5,14 @@
     <p:sldMasterId id="2147483648" r:id="rId1"/>
   </p:sldMasterIdLst>
   <p:notesMasterIdLst>
-    <p:notesMasterId r:id="rId6"/>
+    <p:notesMasterId r:id="rId7"/>
   </p:notesMasterIdLst>
   <p:sldIdLst>
     <p:sldId id="256" r:id="rId2"/>
     <p:sldId id="257" r:id="rId3"/>
     <p:sldId id="258" r:id="rId4"/>
     <p:sldId id="259" r:id="rId5"/>
+    <p:sldId id="260" r:id="rId6"/>
   </p:sldIdLst>
   <p:sldSz cx="9144000" cy="6858000" type="screen4x3"/>
   <p:notesSz cx="6858000" cy="9144000"/>
@@ -132,13 +133,508 @@
 <file path=ppt/revisionInfo.xml><?xml version="1.0" encoding="utf-8"?>
 <p1510:revInfo xmlns:a="http://schemas.openxmlformats.org/drawingml/2006/main" xmlns:r="http://schemas.openxmlformats.org/officeDocument/2006/relationships" xmlns:p1510="http://schemas.microsoft.com/office/powerpoint/2015/10/main">
   <p1510:revLst>
-    <p1510:client id="{968F77AD-68F9-42FF-83F1-759F5246BEF7}" v="82" dt="2021-09-23T11:16:14.617"/>
+    <p1510:client id="{521DF1D0-0B42-4754-A2D3-F73E048BFA74}" v="177" dt="2021-10-06T11:02:27.283"/>
   </p1510:revLst>
 </p1510:revInfo>
 </file>
 
 <file path=ppt/changesInfos/changesInfo1.xml><?xml version="1.0" encoding="utf-8"?>
 <pc:chgInfo xmlns:a="http://schemas.openxmlformats.org/drawingml/2006/main" xmlns:r="http://schemas.openxmlformats.org/officeDocument/2006/relationships" xmlns:ac="http://schemas.microsoft.com/office/drawing/2013/main/command" xmlns:pc="http://schemas.microsoft.com/office/powerpoint/2013/main/command">
+  <pc:docChgLst>
+    <pc:chgData name="남 상현" userId="03ad4a8e8f7310f3" providerId="LiveId" clId="{521DF1D0-0B42-4754-A2D3-F73E048BFA74}"/>
+    <pc:docChg chg="undo redo custSel addSld modSld">
+      <pc:chgData name="남 상현" userId="03ad4a8e8f7310f3" providerId="LiveId" clId="{521DF1D0-0B42-4754-A2D3-F73E048BFA74}" dt="2021-10-06T11:02:41.686" v="341" actId="1076"/>
+      <pc:docMkLst>
+        <pc:docMk/>
+      </pc:docMkLst>
+      <pc:sldChg chg="addSp delSp modSp mod">
+        <pc:chgData name="남 상현" userId="03ad4a8e8f7310f3" providerId="LiveId" clId="{521DF1D0-0B42-4754-A2D3-F73E048BFA74}" dt="2021-10-06T10:32:07.627" v="186" actId="21"/>
+        <pc:sldMkLst>
+          <pc:docMk/>
+          <pc:sldMk cId="2062692403" sldId="258"/>
+        </pc:sldMkLst>
+        <pc:spChg chg="del">
+          <ac:chgData name="남 상현" userId="03ad4a8e8f7310f3" providerId="LiveId" clId="{521DF1D0-0B42-4754-A2D3-F73E048BFA74}" dt="2021-10-06T06:49:59.611" v="152" actId="478"/>
+          <ac:spMkLst>
+            <pc:docMk/>
+            <pc:sldMk cId="2062692403" sldId="258"/>
+            <ac:spMk id="2" creationId="{7FEEB4F8-D47E-46ED-AEB9-AF15482B1A3F}"/>
+          </ac:spMkLst>
+        </pc:spChg>
+        <pc:spChg chg="mod">
+          <ac:chgData name="남 상현" userId="03ad4a8e8f7310f3" providerId="LiveId" clId="{521DF1D0-0B42-4754-A2D3-F73E048BFA74}" dt="2021-10-06T04:56:08.712" v="9"/>
+          <ac:spMkLst>
+            <pc:docMk/>
+            <pc:sldMk cId="2062692403" sldId="258"/>
+            <ac:spMk id="4" creationId="{0C6D737B-1228-41B0-B62B-3CD9561018C1}"/>
+          </ac:spMkLst>
+        </pc:spChg>
+        <pc:spChg chg="add mod">
+          <ac:chgData name="남 상현" userId="03ad4a8e8f7310f3" providerId="LiveId" clId="{521DF1D0-0B42-4754-A2D3-F73E048BFA74}" dt="2021-10-06T06:50:44.195" v="169" actId="1076"/>
+          <ac:spMkLst>
+            <pc:docMk/>
+            <pc:sldMk cId="2062692403" sldId="258"/>
+            <ac:spMk id="11" creationId="{1E877DDC-E75A-402B-ACE3-A7C06D1DADF0}"/>
+          </ac:spMkLst>
+        </pc:spChg>
+        <pc:spChg chg="add mod">
+          <ac:chgData name="남 상현" userId="03ad4a8e8f7310f3" providerId="LiveId" clId="{521DF1D0-0B42-4754-A2D3-F73E048BFA74}" dt="2021-10-06T06:50:44.195" v="169" actId="1076"/>
+          <ac:spMkLst>
+            <pc:docMk/>
+            <pc:sldMk cId="2062692403" sldId="258"/>
+            <ac:spMk id="12" creationId="{B9BBF9AB-8105-42C7-9E43-D437FAC7D2EC}"/>
+          </ac:spMkLst>
+        </pc:spChg>
+        <pc:spChg chg="add del">
+          <ac:chgData name="남 상현" userId="03ad4a8e8f7310f3" providerId="LiveId" clId="{521DF1D0-0B42-4754-A2D3-F73E048BFA74}" dt="2021-10-06T06:41:56.245" v="72" actId="22"/>
+          <ac:spMkLst>
+            <pc:docMk/>
+            <pc:sldMk cId="2062692403" sldId="258"/>
+            <ac:spMk id="14" creationId="{8847581E-5BCE-468E-B022-33D7EA02183C}"/>
+          </ac:spMkLst>
+        </pc:spChg>
+        <pc:spChg chg="add mod">
+          <ac:chgData name="남 상현" userId="03ad4a8e8f7310f3" providerId="LiveId" clId="{521DF1D0-0B42-4754-A2D3-F73E048BFA74}" dt="2021-10-06T06:50:44.195" v="169" actId="1076"/>
+          <ac:spMkLst>
+            <pc:docMk/>
+            <pc:sldMk cId="2062692403" sldId="258"/>
+            <ac:spMk id="15" creationId="{4F962896-133F-4D30-8E4A-7B471C48FC16}"/>
+          </ac:spMkLst>
+        </pc:spChg>
+        <pc:spChg chg="add del mod">
+          <ac:chgData name="남 상현" userId="03ad4a8e8f7310f3" providerId="LiveId" clId="{521DF1D0-0B42-4754-A2D3-F73E048BFA74}" dt="2021-10-06T06:42:41.367" v="82" actId="478"/>
+          <ac:spMkLst>
+            <pc:docMk/>
+            <pc:sldMk cId="2062692403" sldId="258"/>
+            <ac:spMk id="16" creationId="{C236E98E-9554-4A5E-BD6F-82271ACF9296}"/>
+          </ac:spMkLst>
+        </pc:spChg>
+        <pc:spChg chg="add mod">
+          <ac:chgData name="남 상현" userId="03ad4a8e8f7310f3" providerId="LiveId" clId="{521DF1D0-0B42-4754-A2D3-F73E048BFA74}" dt="2021-10-06T06:50:44.195" v="169" actId="1076"/>
+          <ac:spMkLst>
+            <pc:docMk/>
+            <pc:sldMk cId="2062692403" sldId="258"/>
+            <ac:spMk id="17" creationId="{C679D33D-6BD6-4B05-A0B0-2D1975001157}"/>
+          </ac:spMkLst>
+        </pc:spChg>
+        <pc:spChg chg="add mod">
+          <ac:chgData name="남 상현" userId="03ad4a8e8f7310f3" providerId="LiveId" clId="{521DF1D0-0B42-4754-A2D3-F73E048BFA74}" dt="2021-10-06T06:50:44.195" v="169" actId="1076"/>
+          <ac:spMkLst>
+            <pc:docMk/>
+            <pc:sldMk cId="2062692403" sldId="258"/>
+            <ac:spMk id="18" creationId="{E6C6F312-E877-4FA5-A845-231D0CB8E7AB}"/>
+          </ac:spMkLst>
+        </pc:spChg>
+        <pc:spChg chg="mod">
+          <ac:chgData name="남 상현" userId="03ad4a8e8f7310f3" providerId="LiveId" clId="{521DF1D0-0B42-4754-A2D3-F73E048BFA74}" dt="2021-10-06T06:45:39.669" v="132"/>
+          <ac:spMkLst>
+            <pc:docMk/>
+            <pc:sldMk cId="2062692403" sldId="258"/>
+            <ac:spMk id="25" creationId="{721AE23A-3C93-46FE-84B6-EF56EA836C45}"/>
+          </ac:spMkLst>
+        </pc:spChg>
+        <pc:spChg chg="mod">
+          <ac:chgData name="남 상현" userId="03ad4a8e8f7310f3" providerId="LiveId" clId="{521DF1D0-0B42-4754-A2D3-F73E048BFA74}" dt="2021-10-06T06:45:39.669" v="132"/>
+          <ac:spMkLst>
+            <pc:docMk/>
+            <pc:sldMk cId="2062692403" sldId="258"/>
+            <ac:spMk id="26" creationId="{0365C052-AC36-4ACA-AACC-1F9318050F24}"/>
+          </ac:spMkLst>
+        </pc:spChg>
+        <pc:spChg chg="mod">
+          <ac:chgData name="남 상현" userId="03ad4a8e8f7310f3" providerId="LiveId" clId="{521DF1D0-0B42-4754-A2D3-F73E048BFA74}" dt="2021-10-06T06:45:39.669" v="132"/>
+          <ac:spMkLst>
+            <pc:docMk/>
+            <pc:sldMk cId="2062692403" sldId="258"/>
+            <ac:spMk id="27" creationId="{E6656F6D-EBB6-433C-B2B9-6028289DF755}"/>
+          </ac:spMkLst>
+        </pc:spChg>
+        <pc:spChg chg="mod">
+          <ac:chgData name="남 상현" userId="03ad4a8e8f7310f3" providerId="LiveId" clId="{521DF1D0-0B42-4754-A2D3-F73E048BFA74}" dt="2021-10-06T06:45:39.669" v="132"/>
+          <ac:spMkLst>
+            <pc:docMk/>
+            <pc:sldMk cId="2062692403" sldId="258"/>
+            <ac:spMk id="28" creationId="{D780B4D9-5FBE-4889-8D87-C2EFDF756CAF}"/>
+          </ac:spMkLst>
+        </pc:spChg>
+        <pc:spChg chg="mod">
+          <ac:chgData name="남 상현" userId="03ad4a8e8f7310f3" providerId="LiveId" clId="{521DF1D0-0B42-4754-A2D3-F73E048BFA74}" dt="2021-10-06T06:45:39.669" v="132"/>
+          <ac:spMkLst>
+            <pc:docMk/>
+            <pc:sldMk cId="2062692403" sldId="258"/>
+            <ac:spMk id="29" creationId="{0DB0DBCE-582B-42F2-94E0-F829F366F041}"/>
+          </ac:spMkLst>
+        </pc:spChg>
+        <pc:grpChg chg="del mod">
+          <ac:chgData name="남 상현" userId="03ad4a8e8f7310f3" providerId="LiveId" clId="{521DF1D0-0B42-4754-A2D3-F73E048BFA74}" dt="2021-10-06T10:32:07.627" v="186" actId="21"/>
+          <ac:grpSpMkLst>
+            <pc:docMk/>
+            <pc:sldMk cId="2062692403" sldId="258"/>
+            <ac:grpSpMk id="9" creationId="{707E1BBB-6B8A-4164-AF59-918C45DC8EDE}"/>
+          </ac:grpSpMkLst>
+        </pc:grpChg>
+        <pc:grpChg chg="add mod">
+          <ac:chgData name="남 상현" userId="03ad4a8e8f7310f3" providerId="LiveId" clId="{521DF1D0-0B42-4754-A2D3-F73E048BFA74}" dt="2021-10-06T06:50:44.195" v="169" actId="1076"/>
+          <ac:grpSpMkLst>
+            <pc:docMk/>
+            <pc:sldMk cId="2062692403" sldId="258"/>
+            <ac:grpSpMk id="19" creationId="{45FAEDC4-DA03-40E4-928A-F0AB66B164FD}"/>
+          </ac:grpSpMkLst>
+        </pc:grpChg>
+        <pc:grpChg chg="add del mod">
+          <ac:chgData name="남 상현" userId="03ad4a8e8f7310f3" providerId="LiveId" clId="{521DF1D0-0B42-4754-A2D3-F73E048BFA74}" dt="2021-10-06T06:45:40.106" v="133"/>
+          <ac:grpSpMkLst>
+            <pc:docMk/>
+            <pc:sldMk cId="2062692403" sldId="258"/>
+            <ac:grpSpMk id="23" creationId="{028AA28F-3975-453A-8C76-BDD9FA3BB00F}"/>
+          </ac:grpSpMkLst>
+        </pc:grpChg>
+        <pc:graphicFrameChg chg="add del mod modGraphic">
+          <ac:chgData name="남 상현" userId="03ad4a8e8f7310f3" providerId="LiveId" clId="{521DF1D0-0B42-4754-A2D3-F73E048BFA74}" dt="2021-10-06T06:50:44.195" v="169" actId="1076"/>
+          <ac:graphicFrameMkLst>
+            <pc:docMk/>
+            <pc:sldMk cId="2062692403" sldId="258"/>
+            <ac:graphicFrameMk id="6" creationId="{ECD15934-57A5-44D6-8E7B-112662FA72A8}"/>
+          </ac:graphicFrameMkLst>
+        </pc:graphicFrameChg>
+        <pc:graphicFrameChg chg="add mod">
+          <ac:chgData name="남 상현" userId="03ad4a8e8f7310f3" providerId="LiveId" clId="{521DF1D0-0B42-4754-A2D3-F73E048BFA74}" dt="2021-10-06T06:38:14.492" v="30"/>
+          <ac:graphicFrameMkLst>
+            <pc:docMk/>
+            <pc:sldMk cId="2062692403" sldId="258"/>
+            <ac:graphicFrameMk id="10" creationId="{D90BB3D2-F16D-4891-B384-BA60008B596F}"/>
+          </ac:graphicFrameMkLst>
+        </pc:graphicFrameChg>
+        <pc:graphicFrameChg chg="mod">
+          <ac:chgData name="남 상현" userId="03ad4a8e8f7310f3" providerId="LiveId" clId="{521DF1D0-0B42-4754-A2D3-F73E048BFA74}" dt="2021-10-06T06:45:39.669" v="132"/>
+          <ac:graphicFrameMkLst>
+            <pc:docMk/>
+            <pc:sldMk cId="2062692403" sldId="258"/>
+            <ac:graphicFrameMk id="24" creationId="{8EAF3FAB-9D36-44AD-AD0C-FF62C24F09F9}"/>
+          </ac:graphicFrameMkLst>
+        </pc:graphicFrameChg>
+        <pc:picChg chg="add mod">
+          <ac:chgData name="남 상현" userId="03ad4a8e8f7310f3" providerId="LiveId" clId="{521DF1D0-0B42-4754-A2D3-F73E048BFA74}" dt="2021-10-06T06:50:44.195" v="169" actId="1076"/>
+          <ac:picMkLst>
+            <pc:docMk/>
+            <pc:sldMk cId="2062692403" sldId="258"/>
+            <ac:picMk id="20" creationId="{A8E76522-AE6B-4D92-82D7-396AEEEA09FF}"/>
+          </ac:picMkLst>
+        </pc:picChg>
+        <pc:picChg chg="add del mod">
+          <ac:chgData name="남 상현" userId="03ad4a8e8f7310f3" providerId="LiveId" clId="{521DF1D0-0B42-4754-A2D3-F73E048BFA74}" dt="2021-10-06T06:45:50.333" v="138" actId="478"/>
+          <ac:picMkLst>
+            <pc:docMk/>
+            <pc:sldMk cId="2062692403" sldId="258"/>
+            <ac:picMk id="21" creationId="{21DFD14A-42CE-496E-9CFF-3668A16224A0}"/>
+          </ac:picMkLst>
+        </pc:picChg>
+        <pc:picChg chg="add del mod">
+          <ac:chgData name="남 상현" userId="03ad4a8e8f7310f3" providerId="LiveId" clId="{521DF1D0-0B42-4754-A2D3-F73E048BFA74}" dt="2021-10-06T06:45:45.209" v="136" actId="21"/>
+          <ac:picMkLst>
+            <pc:docMk/>
+            <pc:sldMk cId="2062692403" sldId="258"/>
+            <ac:picMk id="22" creationId="{9C6DA12C-8556-4B70-A6AA-E5C651F9EC6E}"/>
+          </ac:picMkLst>
+        </pc:picChg>
+        <pc:picChg chg="mod">
+          <ac:chgData name="남 상현" userId="03ad4a8e8f7310f3" providerId="LiveId" clId="{521DF1D0-0B42-4754-A2D3-F73E048BFA74}" dt="2021-10-06T06:45:39.669" v="132"/>
+          <ac:picMkLst>
+            <pc:docMk/>
+            <pc:sldMk cId="2062692403" sldId="258"/>
+            <ac:picMk id="30" creationId="{0706EA8B-EC4D-4F97-9AB3-2DC827E61C45}"/>
+          </ac:picMkLst>
+        </pc:picChg>
+        <pc:picChg chg="add del">
+          <ac:chgData name="남 상현" userId="03ad4a8e8f7310f3" providerId="LiveId" clId="{521DF1D0-0B42-4754-A2D3-F73E048BFA74}" dt="2021-10-06T06:49:26.661" v="143" actId="478"/>
+          <ac:picMkLst>
+            <pc:docMk/>
+            <pc:sldMk cId="2062692403" sldId="258"/>
+            <ac:picMk id="31" creationId="{2B49B110-DA4B-4799-B967-FBFBF4A42FD1}"/>
+          </ac:picMkLst>
+        </pc:picChg>
+        <pc:picChg chg="add del">
+          <ac:chgData name="남 상현" userId="03ad4a8e8f7310f3" providerId="LiveId" clId="{521DF1D0-0B42-4754-A2D3-F73E048BFA74}" dt="2021-10-06T06:50:10.045" v="156" actId="21"/>
+          <ac:picMkLst>
+            <pc:docMk/>
+            <pc:sldMk cId="2062692403" sldId="258"/>
+            <ac:picMk id="32" creationId="{D0830911-6656-4D82-8B28-1CBEEAE22459}"/>
+          </ac:picMkLst>
+        </pc:picChg>
+        <pc:picChg chg="add mod">
+          <ac:chgData name="남 상현" userId="03ad4a8e8f7310f3" providerId="LiveId" clId="{521DF1D0-0B42-4754-A2D3-F73E048BFA74}" dt="2021-10-06T10:27:35.673" v="184" actId="1076"/>
+          <ac:picMkLst>
+            <pc:docMk/>
+            <pc:sldMk cId="2062692403" sldId="258"/>
+            <ac:picMk id="33" creationId="{EDD555D9-95DA-469B-AA17-9A23C9E6ABCB}"/>
+          </ac:picMkLst>
+        </pc:picChg>
+        <pc:picChg chg="add del mod">
+          <ac:chgData name="남 상현" userId="03ad4a8e8f7310f3" providerId="LiveId" clId="{521DF1D0-0B42-4754-A2D3-F73E048BFA74}" dt="2021-10-06T06:50:33.493" v="166" actId="478"/>
+          <ac:picMkLst>
+            <pc:docMk/>
+            <pc:sldMk cId="2062692403" sldId="258"/>
+            <ac:picMk id="34" creationId="{32B55AB6-4E54-4A5E-B103-94F94CC53C02}"/>
+          </ac:picMkLst>
+        </pc:picChg>
+        <pc:picChg chg="add del mod">
+          <ac:chgData name="남 상현" userId="03ad4a8e8f7310f3" providerId="LiveId" clId="{521DF1D0-0B42-4754-A2D3-F73E048BFA74}" dt="2021-10-06T06:44:43.615" v="117" actId="21"/>
+          <ac:picMkLst>
+            <pc:docMk/>
+            <pc:sldMk cId="2062692403" sldId="258"/>
+            <ac:picMk id="1026" creationId="{4B62968C-6DDC-4B72-AA55-8FA174E566B8}"/>
+          </ac:picMkLst>
+        </pc:picChg>
+      </pc:sldChg>
+      <pc:sldChg chg="addSp delSp modSp new mod">
+        <pc:chgData name="남 상현" userId="03ad4a8e8f7310f3" providerId="LiveId" clId="{521DF1D0-0B42-4754-A2D3-F73E048BFA74}" dt="2021-10-06T11:02:41.686" v="341" actId="1076"/>
+        <pc:sldMkLst>
+          <pc:docMk/>
+          <pc:sldMk cId="181490531" sldId="260"/>
+        </pc:sldMkLst>
+        <pc:spChg chg="del">
+          <ac:chgData name="남 상현" userId="03ad4a8e8f7310f3" providerId="LiveId" clId="{521DF1D0-0B42-4754-A2D3-F73E048BFA74}" dt="2021-10-06T09:18:09.422" v="174" actId="478"/>
+          <ac:spMkLst>
+            <pc:docMk/>
+            <pc:sldMk cId="181490531" sldId="260"/>
+            <ac:spMk id="2" creationId="{964083D0-014D-4FC7-8BA4-715EC612EDA4}"/>
+          </ac:spMkLst>
+        </pc:spChg>
+        <pc:spChg chg="mod">
+          <ac:chgData name="남 상현" userId="03ad4a8e8f7310f3" providerId="LiveId" clId="{521DF1D0-0B42-4754-A2D3-F73E048BFA74}" dt="2021-10-06T10:57:21.305" v="272" actId="207"/>
+          <ac:spMkLst>
+            <pc:docMk/>
+            <pc:sldMk cId="181490531" sldId="260"/>
+            <ac:spMk id="6" creationId="{8CBDB851-3BFF-42AD-AF3B-9EE8D67F6F9A}"/>
+          </ac:spMkLst>
+        </pc:spChg>
+        <pc:spChg chg="mod">
+          <ac:chgData name="남 상현" userId="03ad4a8e8f7310f3" providerId="LiveId" clId="{521DF1D0-0B42-4754-A2D3-F73E048BFA74}" dt="2021-10-06T10:35:03.907" v="228" actId="207"/>
+          <ac:spMkLst>
+            <pc:docMk/>
+            <pc:sldMk cId="181490531" sldId="260"/>
+            <ac:spMk id="7" creationId="{4EAA385C-2EDA-4697-9597-FC7BC8A5C0EB}"/>
+          </ac:spMkLst>
+        </pc:spChg>
+        <pc:spChg chg="mod">
+          <ac:chgData name="남 상현" userId="03ad4a8e8f7310f3" providerId="LiveId" clId="{521DF1D0-0B42-4754-A2D3-F73E048BFA74}" dt="2021-10-06T10:58:53.798" v="290" actId="207"/>
+          <ac:spMkLst>
+            <pc:docMk/>
+            <pc:sldMk cId="181490531" sldId="260"/>
+            <ac:spMk id="8" creationId="{7B4A6CAE-13E6-47CB-B92F-3BAF6CE18796}"/>
+          </ac:spMkLst>
+        </pc:spChg>
+        <pc:spChg chg="mod">
+          <ac:chgData name="남 상현" userId="03ad4a8e8f7310f3" providerId="LiveId" clId="{521DF1D0-0B42-4754-A2D3-F73E048BFA74}" dt="2021-10-06T11:01:44.539" v="318" actId="207"/>
+          <ac:spMkLst>
+            <pc:docMk/>
+            <pc:sldMk cId="181490531" sldId="260"/>
+            <ac:spMk id="9" creationId="{10C4B186-3DBF-445B-BB2E-BF0CCC867A28}"/>
+          </ac:spMkLst>
+        </pc:spChg>
+        <pc:spChg chg="add mod ord">
+          <ac:chgData name="남 상현" userId="03ad4a8e8f7310f3" providerId="LiveId" clId="{521DF1D0-0B42-4754-A2D3-F73E048BFA74}" dt="2021-10-06T11:01:20.099" v="310" actId="14100"/>
+          <ac:spMkLst>
+            <pc:docMk/>
+            <pc:sldMk cId="181490531" sldId="260"/>
+            <ac:spMk id="10" creationId="{54D1ADB1-01E1-4A2F-81B5-4E84D586C9CF}"/>
+          </ac:spMkLst>
+        </pc:spChg>
+        <pc:spChg chg="add mod">
+          <ac:chgData name="남 상현" userId="03ad4a8e8f7310f3" providerId="LiveId" clId="{521DF1D0-0B42-4754-A2D3-F73E048BFA74}" dt="2021-10-06T10:34:20.923" v="214" actId="1076"/>
+          <ac:spMkLst>
+            <pc:docMk/>
+            <pc:sldMk cId="181490531" sldId="260"/>
+            <ac:spMk id="14" creationId="{BC1B003A-4ECD-446F-9CEE-7161047C9366}"/>
+          </ac:spMkLst>
+        </pc:spChg>
+        <pc:spChg chg="add mod">
+          <ac:chgData name="남 상현" userId="03ad4a8e8f7310f3" providerId="LiveId" clId="{521DF1D0-0B42-4754-A2D3-F73E048BFA74}" dt="2021-10-06T11:01:18.479" v="309" actId="14100"/>
+          <ac:spMkLst>
+            <pc:docMk/>
+            <pc:sldMk cId="181490531" sldId="260"/>
+            <ac:spMk id="18" creationId="{D9188FB6-A43A-4367-B26C-8A3643BFD0CF}"/>
+          </ac:spMkLst>
+        </pc:spChg>
+        <pc:spChg chg="add mod">
+          <ac:chgData name="남 상현" userId="03ad4a8e8f7310f3" providerId="LiveId" clId="{521DF1D0-0B42-4754-A2D3-F73E048BFA74}" dt="2021-10-06T11:01:15.201" v="307" actId="14100"/>
+          <ac:spMkLst>
+            <pc:docMk/>
+            <pc:sldMk cId="181490531" sldId="260"/>
+            <ac:spMk id="23" creationId="{F2E204AD-C33A-4452-B469-64C1590B93E6}"/>
+          </ac:spMkLst>
+        </pc:spChg>
+        <pc:spChg chg="add mod">
+          <ac:chgData name="남 상현" userId="03ad4a8e8f7310f3" providerId="LiveId" clId="{521DF1D0-0B42-4754-A2D3-F73E048BFA74}" dt="2021-10-06T11:02:17.178" v="330" actId="1076"/>
+          <ac:spMkLst>
+            <pc:docMk/>
+            <pc:sldMk cId="181490531" sldId="260"/>
+            <ac:spMk id="28" creationId="{3F1BBB08-625F-4DF9-8C63-AE27AB92ADF6}"/>
+          </ac:spMkLst>
+        </pc:spChg>
+        <pc:grpChg chg="add mod">
+          <ac:chgData name="남 상현" userId="03ad4a8e8f7310f3" providerId="LiveId" clId="{521DF1D0-0B42-4754-A2D3-F73E048BFA74}" dt="2021-10-06T10:35:09.811" v="229" actId="164"/>
+          <ac:grpSpMkLst>
+            <pc:docMk/>
+            <pc:sldMk cId="181490531" sldId="260"/>
+            <ac:grpSpMk id="5" creationId="{648E4E98-B455-408D-B831-3CC7BE95522C}"/>
+          </ac:grpSpMkLst>
+        </pc:grpChg>
+        <pc:grpChg chg="add mod">
+          <ac:chgData name="남 상현" userId="03ad4a8e8f7310f3" providerId="LiveId" clId="{521DF1D0-0B42-4754-A2D3-F73E048BFA74}" dt="2021-10-06T11:01:20.099" v="310" actId="14100"/>
+          <ac:grpSpMkLst>
+            <pc:docMk/>
+            <pc:sldMk cId="181490531" sldId="260"/>
+            <ac:grpSpMk id="11" creationId="{E35E09B2-AE64-4D0C-B145-9826092DC7CA}"/>
+          </ac:grpSpMkLst>
+        </pc:grpChg>
+        <pc:grpChg chg="add mod">
+          <ac:chgData name="남 상현" userId="03ad4a8e8f7310f3" providerId="LiveId" clId="{521DF1D0-0B42-4754-A2D3-F73E048BFA74}" dt="2021-10-06T10:57:25.211" v="273" actId="164"/>
+          <ac:grpSpMkLst>
+            <pc:docMk/>
+            <pc:sldMk cId="181490531" sldId="260"/>
+            <ac:grpSpMk id="13" creationId="{0BDF725C-F388-41D8-B28D-D7BE4B52A11E}"/>
+          </ac:grpSpMkLst>
+        </pc:grpChg>
+        <pc:grpChg chg="add mod">
+          <ac:chgData name="남 상현" userId="03ad4a8e8f7310f3" providerId="LiveId" clId="{521DF1D0-0B42-4754-A2D3-F73E048BFA74}" dt="2021-10-06T11:01:18.479" v="309" actId="14100"/>
+          <ac:grpSpMkLst>
+            <pc:docMk/>
+            <pc:sldMk cId="181490531" sldId="260"/>
+            <ac:grpSpMk id="15" creationId="{16B0E2CF-CD7A-47DF-B97F-0AA343CC1E3B}"/>
+          </ac:grpSpMkLst>
+        </pc:grpChg>
+        <pc:grpChg chg="add mod">
+          <ac:chgData name="남 상현" userId="03ad4a8e8f7310f3" providerId="LiveId" clId="{521DF1D0-0B42-4754-A2D3-F73E048BFA74}" dt="2021-10-06T11:02:27.282" v="338" actId="164"/>
+          <ac:grpSpMkLst>
+            <pc:docMk/>
+            <pc:sldMk cId="181490531" sldId="260"/>
+            <ac:grpSpMk id="17" creationId="{CB17EBC4-66A9-4C11-91E9-1C398F6DD3AB}"/>
+          </ac:grpSpMkLst>
+        </pc:grpChg>
+        <pc:grpChg chg="add mod">
+          <ac:chgData name="남 상현" userId="03ad4a8e8f7310f3" providerId="LiveId" clId="{521DF1D0-0B42-4754-A2D3-F73E048BFA74}" dt="2021-10-06T11:01:15.201" v="307" actId="14100"/>
+          <ac:grpSpMkLst>
+            <pc:docMk/>
+            <pc:sldMk cId="181490531" sldId="260"/>
+            <ac:grpSpMk id="19" creationId="{3244AF38-6E64-4958-87BF-F967CCB85A6B}"/>
+          </ac:grpSpMkLst>
+        </pc:grpChg>
+        <pc:grpChg chg="add mod">
+          <ac:chgData name="남 상현" userId="03ad4a8e8f7310f3" providerId="LiveId" clId="{521DF1D0-0B42-4754-A2D3-F73E048BFA74}" dt="2021-10-06T11:02:17.493" v="331" actId="11530"/>
+          <ac:grpSpMkLst>
+            <pc:docMk/>
+            <pc:sldMk cId="181490531" sldId="260"/>
+            <ac:grpSpMk id="21" creationId="{CCF68140-F231-411A-AB51-E739E9ED6E72}"/>
+          </ac:grpSpMkLst>
+        </pc:grpChg>
+        <pc:grpChg chg="add mod">
+          <ac:chgData name="남 상현" userId="03ad4a8e8f7310f3" providerId="LiveId" clId="{521DF1D0-0B42-4754-A2D3-F73E048BFA74}" dt="2021-10-06T11:02:41.686" v="341" actId="1076"/>
+          <ac:grpSpMkLst>
+            <pc:docMk/>
+            <pc:sldMk cId="181490531" sldId="260"/>
+            <ac:grpSpMk id="25" creationId="{01E94FF7-2C0A-45A1-9BF5-B9CC67A3D71D}"/>
+          </ac:grpSpMkLst>
+        </pc:grpChg>
+        <pc:picChg chg="add del mod">
+          <ac:chgData name="남 상현" userId="03ad4a8e8f7310f3" providerId="LiveId" clId="{521DF1D0-0B42-4754-A2D3-F73E048BFA74}" dt="2021-10-06T10:24:37.868" v="183" actId="478"/>
+          <ac:picMkLst>
+            <pc:docMk/>
+            <pc:sldMk cId="181490531" sldId="260"/>
+            <ac:picMk id="4" creationId="{C037DE80-80A5-438B-B15A-7AB2B5A917FB}"/>
+          </ac:picMkLst>
+        </pc:picChg>
+        <pc:picChg chg="add mod ord">
+          <ac:chgData name="남 상현" userId="03ad4a8e8f7310f3" providerId="LiveId" clId="{521DF1D0-0B42-4754-A2D3-F73E048BFA74}" dt="2021-10-06T10:35:17.290" v="234" actId="14100"/>
+          <ac:picMkLst>
+            <pc:docMk/>
+            <pc:sldMk cId="181490531" sldId="260"/>
+            <ac:picMk id="12" creationId="{C2A18B87-ACDF-4C55-A974-768E0D10A5B8}"/>
+          </ac:picMkLst>
+        </pc:picChg>
+        <pc:picChg chg="add mod ord">
+          <ac:chgData name="남 상현" userId="03ad4a8e8f7310f3" providerId="LiveId" clId="{521DF1D0-0B42-4754-A2D3-F73E048BFA74}" dt="2021-10-06T10:57:25.211" v="273" actId="164"/>
+          <ac:picMkLst>
+            <pc:docMk/>
+            <pc:sldMk cId="181490531" sldId="260"/>
+            <ac:picMk id="16" creationId="{8E0E3B23-3CB9-4191-9C99-5D3F9E908CE4}"/>
+          </ac:picMkLst>
+        </pc:picChg>
+        <pc:picChg chg="add mod ord">
+          <ac:chgData name="남 상현" userId="03ad4a8e8f7310f3" providerId="LiveId" clId="{521DF1D0-0B42-4754-A2D3-F73E048BFA74}" dt="2021-10-06T11:02:27.282" v="338" actId="164"/>
+          <ac:picMkLst>
+            <pc:docMk/>
+            <pc:sldMk cId="181490531" sldId="260"/>
+            <ac:picMk id="20" creationId="{EDF9B703-2C6C-48DA-AD23-CC8E03D3D6A9}"/>
+          </ac:picMkLst>
+        </pc:picChg>
+        <pc:picChg chg="add mod ord">
+          <ac:chgData name="남 상현" userId="03ad4a8e8f7310f3" providerId="LiveId" clId="{521DF1D0-0B42-4754-A2D3-F73E048BFA74}" dt="2021-10-06T11:02:27.282" v="338" actId="164"/>
+          <ac:picMkLst>
+            <pc:docMk/>
+            <pc:sldMk cId="181490531" sldId="260"/>
+            <ac:picMk id="22" creationId="{6AF64768-C0C8-414B-AE1E-CA640A0C65C7}"/>
+          </ac:picMkLst>
+        </pc:picChg>
+        <pc:picChg chg="add del mod">
+          <ac:chgData name="남 상현" userId="03ad4a8e8f7310f3" providerId="LiveId" clId="{521DF1D0-0B42-4754-A2D3-F73E048BFA74}" dt="2021-10-06T11:02:23.310" v="337"/>
+          <ac:picMkLst>
+            <pc:docMk/>
+            <pc:sldMk cId="181490531" sldId="260"/>
+            <ac:picMk id="24" creationId="{95ED0DBC-58B9-4523-8967-474E2EF7A4B6}"/>
+          </ac:picMkLst>
+        </pc:picChg>
+        <pc:picChg chg="add del mod">
+          <ac:chgData name="남 상현" userId="03ad4a8e8f7310f3" providerId="LiveId" clId="{521DF1D0-0B42-4754-A2D3-F73E048BFA74}" dt="2021-10-06T10:33:46.113" v="202" actId="478"/>
+          <ac:picMkLst>
+            <pc:docMk/>
+            <pc:sldMk cId="181490531" sldId="260"/>
+            <ac:picMk id="2050" creationId="{6C9893D4-85AA-41C5-84E7-577A8A67295B}"/>
+          </ac:picMkLst>
+        </pc:picChg>
+        <pc:picChg chg="add mod">
+          <ac:chgData name="남 상현" userId="03ad4a8e8f7310f3" providerId="LiveId" clId="{521DF1D0-0B42-4754-A2D3-F73E048BFA74}" dt="2021-10-06T11:01:20.099" v="310" actId="14100"/>
+          <ac:picMkLst>
+            <pc:docMk/>
+            <pc:sldMk cId="181490531" sldId="260"/>
+            <ac:picMk id="2052" creationId="{19AEF06C-E418-4D85-A9FA-BF510A58A184}"/>
+          </ac:picMkLst>
+        </pc:picChg>
+        <pc:picChg chg="add mod">
+          <ac:chgData name="남 상현" userId="03ad4a8e8f7310f3" providerId="LiveId" clId="{521DF1D0-0B42-4754-A2D3-F73E048BFA74}" dt="2021-10-06T11:01:18.479" v="309" actId="14100"/>
+          <ac:picMkLst>
+            <pc:docMk/>
+            <pc:sldMk cId="181490531" sldId="260"/>
+            <ac:picMk id="2054" creationId="{BDE6FDCC-8A50-44E8-8FEB-E3C1286EBCFD}"/>
+          </ac:picMkLst>
+        </pc:picChg>
+        <pc:picChg chg="add mod">
+          <ac:chgData name="남 상현" userId="03ad4a8e8f7310f3" providerId="LiveId" clId="{521DF1D0-0B42-4754-A2D3-F73E048BFA74}" dt="2021-10-06T11:01:15.201" v="307" actId="14100"/>
+          <ac:picMkLst>
+            <pc:docMk/>
+            <pc:sldMk cId="181490531" sldId="260"/>
+            <ac:picMk id="2056" creationId="{26AFA8A6-6185-4F98-8B6D-04F2099CD925}"/>
+          </ac:picMkLst>
+        </pc:picChg>
+        <pc:picChg chg="add mod">
+          <ac:chgData name="남 상현" userId="03ad4a8e8f7310f3" providerId="LiveId" clId="{521DF1D0-0B42-4754-A2D3-F73E048BFA74}" dt="2021-10-06T11:02:17.178" v="330" actId="1076"/>
+          <ac:picMkLst>
+            <pc:docMk/>
+            <pc:sldMk cId="181490531" sldId="260"/>
+            <ac:picMk id="2058" creationId="{5F99BE54-7CBB-40EB-8760-95805DC901A5}"/>
+          </ac:picMkLst>
+        </pc:picChg>
+        <pc:picChg chg="add del">
+          <ac:chgData name="남 상현" userId="03ad4a8e8f7310f3" providerId="LiveId" clId="{521DF1D0-0B42-4754-A2D3-F73E048BFA74}" dt="2021-10-06T11:00:42.829" v="294"/>
+          <ac:picMkLst>
+            <pc:docMk/>
+            <pc:sldMk cId="181490531" sldId="260"/>
+            <ac:picMk id="2060" creationId="{D574636E-ED21-41A4-B395-9C6987D69A4C}"/>
+          </ac:picMkLst>
+        </pc:picChg>
+      </pc:sldChg>
+    </pc:docChg>
+  </pc:docChgLst>
   <pc:docChgLst>
     <pc:chgData name="남 상현" userId="03ad4a8e8f7310f3" providerId="LiveId" clId="{968F77AD-68F9-42FF-83F1-759F5246BEF7}"/>
     <pc:docChg chg="undo custSel addSld modSld">
@@ -396,6 +892,2920 @@
 </pc:chgInfo>
 </file>
 
+<file path=ppt/diagrams/colors1.xml><?xml version="1.0" encoding="utf-8"?>
+<dgm:colorsDef xmlns:dgm="http://schemas.openxmlformats.org/drawingml/2006/diagram" xmlns:a="http://schemas.openxmlformats.org/drawingml/2006/main" uniqueId="urn:microsoft.com/office/officeart/2005/8/colors/accent1_2">
+  <dgm:title val=""/>
+  <dgm:desc val=""/>
+  <dgm:catLst>
+    <dgm:cat type="accent1" pri="11200"/>
+  </dgm:catLst>
+  <dgm:styleLbl name="node0">
+    <dgm:fillClrLst meth="repeat">
+      <a:schemeClr val="accent1"/>
+    </dgm:fillClrLst>
+    <dgm:linClrLst meth="repeat">
+      <a:schemeClr val="lt1"/>
+    </dgm:linClrLst>
+    <dgm:effectClrLst/>
+    <dgm:txLinClrLst/>
+    <dgm:txFillClrLst/>
+    <dgm:txEffectClrLst/>
+  </dgm:styleLbl>
+  <dgm:styleLbl name="alignNode1">
+    <dgm:fillClrLst meth="repeat">
+      <a:schemeClr val="accent1"/>
+    </dgm:fillClrLst>
+    <dgm:linClrLst meth="repeat">
+      <a:schemeClr val="accent1"/>
+    </dgm:linClrLst>
+    <dgm:effectClrLst/>
+    <dgm:txLinClrLst/>
+    <dgm:txFillClrLst/>
+    <dgm:txEffectClrLst/>
+  </dgm:styleLbl>
+  <dgm:styleLbl name="node1">
+    <dgm:fillClrLst meth="repeat">
+      <a:schemeClr val="accent1"/>
+    </dgm:fillClrLst>
+    <dgm:linClrLst meth="repeat">
+      <a:schemeClr val="lt1"/>
+    </dgm:linClrLst>
+    <dgm:effectClrLst/>
+    <dgm:txLinClrLst/>
+    <dgm:txFillClrLst/>
+    <dgm:txEffectClrLst/>
+  </dgm:styleLbl>
+  <dgm:styleLbl name="lnNode1">
+    <dgm:fillClrLst meth="repeat">
+      <a:schemeClr val="accent1"/>
+    </dgm:fillClrLst>
+    <dgm:linClrLst meth="repeat">
+      <a:schemeClr val="lt1"/>
+    </dgm:linClrLst>
+    <dgm:effectClrLst/>
+    <dgm:txLinClrLst/>
+    <dgm:txFillClrLst/>
+    <dgm:txEffectClrLst/>
+  </dgm:styleLbl>
+  <dgm:styleLbl name="vennNode1">
+    <dgm:fillClrLst meth="repeat">
+      <a:schemeClr val="accent1">
+        <a:alpha val="50000"/>
+      </a:schemeClr>
+    </dgm:fillClrLst>
+    <dgm:linClrLst meth="repeat">
+      <a:schemeClr val="lt1"/>
+    </dgm:linClrLst>
+    <dgm:effectClrLst/>
+    <dgm:txLinClrLst/>
+    <dgm:txFillClrLst/>
+    <dgm:txEffectClrLst/>
+  </dgm:styleLbl>
+  <dgm:styleLbl name="node2">
+    <dgm:fillClrLst meth="repeat">
+      <a:schemeClr val="accent1"/>
+    </dgm:fillClrLst>
+    <dgm:linClrLst meth="repeat">
+      <a:schemeClr val="lt1"/>
+    </dgm:linClrLst>
+    <dgm:effectClrLst/>
+    <dgm:txLinClrLst/>
+    <dgm:txFillClrLst/>
+    <dgm:txEffectClrLst/>
+  </dgm:styleLbl>
+  <dgm:styleLbl name="node3">
+    <dgm:fillClrLst meth="repeat">
+      <a:schemeClr val="accent1"/>
+    </dgm:fillClrLst>
+    <dgm:linClrLst meth="repeat">
+      <a:schemeClr val="lt1"/>
+    </dgm:linClrLst>
+    <dgm:effectClrLst/>
+    <dgm:txLinClrLst/>
+    <dgm:txFillClrLst/>
+    <dgm:txEffectClrLst/>
+  </dgm:styleLbl>
+  <dgm:styleLbl name="node4">
+    <dgm:fillClrLst meth="repeat">
+      <a:schemeClr val="accent1"/>
+    </dgm:fillClrLst>
+    <dgm:linClrLst meth="repeat">
+      <a:schemeClr val="lt1"/>
+    </dgm:linClrLst>
+    <dgm:effectClrLst/>
+    <dgm:txLinClrLst/>
+    <dgm:txFillClrLst/>
+    <dgm:txEffectClrLst/>
+  </dgm:styleLbl>
+  <dgm:styleLbl name="fgImgPlace1">
+    <dgm:fillClrLst meth="repeat">
+      <a:schemeClr val="accent1">
+        <a:tint val="50000"/>
+      </a:schemeClr>
+    </dgm:fillClrLst>
+    <dgm:linClrLst meth="repeat">
+      <a:schemeClr val="lt1"/>
+    </dgm:linClrLst>
+    <dgm:effectClrLst/>
+    <dgm:txLinClrLst/>
+    <dgm:txFillClrLst meth="repeat">
+      <a:schemeClr val="lt1"/>
+    </dgm:txFillClrLst>
+    <dgm:txEffectClrLst/>
+  </dgm:styleLbl>
+  <dgm:styleLbl name="alignImgPlace1">
+    <dgm:fillClrLst meth="repeat">
+      <a:schemeClr val="accent1">
+        <a:tint val="50000"/>
+      </a:schemeClr>
+    </dgm:fillClrLst>
+    <dgm:linClrLst meth="repeat">
+      <a:schemeClr val="lt1"/>
+    </dgm:linClrLst>
+    <dgm:effectClrLst/>
+    <dgm:txLinClrLst/>
+    <dgm:txFillClrLst meth="repeat">
+      <a:schemeClr val="lt1"/>
+    </dgm:txFillClrLst>
+    <dgm:txEffectClrLst/>
+  </dgm:styleLbl>
+  <dgm:styleLbl name="bgImgPlace1">
+    <dgm:fillClrLst meth="repeat">
+      <a:schemeClr val="accent1">
+        <a:tint val="50000"/>
+      </a:schemeClr>
+    </dgm:fillClrLst>
+    <dgm:linClrLst meth="repeat">
+      <a:schemeClr val="lt1"/>
+    </dgm:linClrLst>
+    <dgm:effectClrLst/>
+    <dgm:txLinClrLst/>
+    <dgm:txFillClrLst meth="repeat">
+      <a:schemeClr val="lt1"/>
+    </dgm:txFillClrLst>
+    <dgm:txEffectClrLst/>
+  </dgm:styleLbl>
+  <dgm:styleLbl name="sibTrans2D1">
+    <dgm:fillClrLst meth="repeat">
+      <a:schemeClr val="accent1">
+        <a:tint val="60000"/>
+      </a:schemeClr>
+    </dgm:fillClrLst>
+    <dgm:linClrLst meth="repeat">
+      <a:schemeClr val="accent1">
+        <a:tint val="60000"/>
+      </a:schemeClr>
+    </dgm:linClrLst>
+    <dgm:effectClrLst/>
+    <dgm:txLinClrLst/>
+    <dgm:txFillClrLst/>
+    <dgm:txEffectClrLst/>
+  </dgm:styleLbl>
+  <dgm:styleLbl name="fgSibTrans2D1">
+    <dgm:fillClrLst meth="repeat">
+      <a:schemeClr val="accent1">
+        <a:tint val="60000"/>
+      </a:schemeClr>
+    </dgm:fillClrLst>
+    <dgm:linClrLst meth="repeat">
+      <a:schemeClr val="accent1">
+        <a:tint val="60000"/>
+      </a:schemeClr>
+    </dgm:linClrLst>
+    <dgm:effectClrLst/>
+    <dgm:txLinClrLst/>
+    <dgm:txFillClrLst/>
+    <dgm:txEffectClrLst/>
+  </dgm:styleLbl>
+  <dgm:styleLbl name="bgSibTrans2D1">
+    <dgm:fillClrLst meth="repeat">
+      <a:schemeClr val="accent1">
+        <a:tint val="60000"/>
+      </a:schemeClr>
+    </dgm:fillClrLst>
+    <dgm:linClrLst meth="repeat">
+      <a:schemeClr val="accent1">
+        <a:tint val="60000"/>
+      </a:schemeClr>
+    </dgm:linClrLst>
+    <dgm:effectClrLst/>
+    <dgm:txLinClrLst/>
+    <dgm:txFillClrLst/>
+    <dgm:txEffectClrLst/>
+  </dgm:styleLbl>
+  <dgm:styleLbl name="sibTrans1D1">
+    <dgm:fillClrLst meth="repeat">
+      <a:schemeClr val="accent1"/>
+    </dgm:fillClrLst>
+    <dgm:linClrLst meth="repeat">
+      <a:schemeClr val="accent1"/>
+    </dgm:linClrLst>
+    <dgm:effectClrLst/>
+    <dgm:txLinClrLst/>
+    <dgm:txFillClrLst meth="repeat">
+      <a:schemeClr val="tx1"/>
+    </dgm:txFillClrLst>
+    <dgm:txEffectClrLst/>
+  </dgm:styleLbl>
+  <dgm:styleLbl name="callout">
+    <dgm:fillClrLst meth="repeat">
+      <a:schemeClr val="accent1"/>
+    </dgm:fillClrLst>
+    <dgm:linClrLst meth="repeat">
+      <a:schemeClr val="accent1">
+        <a:tint val="50000"/>
+      </a:schemeClr>
+    </dgm:linClrLst>
+    <dgm:effectClrLst/>
+    <dgm:txLinClrLst/>
+    <dgm:txFillClrLst meth="repeat">
+      <a:schemeClr val="tx1"/>
+    </dgm:txFillClrLst>
+    <dgm:txEffectClrLst/>
+  </dgm:styleLbl>
+  <dgm:styleLbl name="asst0">
+    <dgm:fillClrLst meth="repeat">
+      <a:schemeClr val="accent1"/>
+    </dgm:fillClrLst>
+    <dgm:linClrLst meth="repeat">
+      <a:schemeClr val="lt1"/>
+    </dgm:linClrLst>
+    <dgm:effectClrLst/>
+    <dgm:txLinClrLst/>
+    <dgm:txFillClrLst/>
+    <dgm:txEffectClrLst/>
+  </dgm:styleLbl>
+  <dgm:styleLbl name="asst1">
+    <dgm:fillClrLst meth="repeat">
+      <a:schemeClr val="accent1"/>
+    </dgm:fillClrLst>
+    <dgm:linClrLst meth="repeat">
+      <a:schemeClr val="lt1"/>
+    </dgm:linClrLst>
+    <dgm:effectClrLst/>
+    <dgm:txLinClrLst/>
+    <dgm:txFillClrLst/>
+    <dgm:txEffectClrLst/>
+  </dgm:styleLbl>
+  <dgm:styleLbl name="asst2">
+    <dgm:fillClrLst meth="repeat">
+      <a:schemeClr val="accent1"/>
+    </dgm:fillClrLst>
+    <dgm:linClrLst meth="repeat">
+      <a:schemeClr val="lt1"/>
+    </dgm:linClrLst>
+    <dgm:effectClrLst/>
+    <dgm:txLinClrLst/>
+    <dgm:txFillClrLst/>
+    <dgm:txEffectClrLst/>
+  </dgm:styleLbl>
+  <dgm:styleLbl name="asst3">
+    <dgm:fillClrLst meth="repeat">
+      <a:schemeClr val="accent1"/>
+    </dgm:fillClrLst>
+    <dgm:linClrLst meth="repeat">
+      <a:schemeClr val="lt1"/>
+    </dgm:linClrLst>
+    <dgm:effectClrLst/>
+    <dgm:txLinClrLst/>
+    <dgm:txFillClrLst/>
+    <dgm:txEffectClrLst/>
+  </dgm:styleLbl>
+  <dgm:styleLbl name="asst4">
+    <dgm:fillClrLst meth="repeat">
+      <a:schemeClr val="accent1"/>
+    </dgm:fillClrLst>
+    <dgm:linClrLst meth="repeat">
+      <a:schemeClr val="lt1"/>
+    </dgm:linClrLst>
+    <dgm:effectClrLst/>
+    <dgm:txLinClrLst/>
+    <dgm:txFillClrLst/>
+    <dgm:txEffectClrLst/>
+  </dgm:styleLbl>
+  <dgm:styleLbl name="parChTrans2D1">
+    <dgm:fillClrLst meth="repeat">
+      <a:schemeClr val="accent1">
+        <a:tint val="60000"/>
+      </a:schemeClr>
+    </dgm:fillClrLst>
+    <dgm:linClrLst meth="repeat">
+      <a:schemeClr val="accent1">
+        <a:tint val="60000"/>
+      </a:schemeClr>
+    </dgm:linClrLst>
+    <dgm:effectClrLst/>
+    <dgm:txLinClrLst/>
+    <dgm:txFillClrLst meth="repeat">
+      <a:schemeClr val="lt1"/>
+    </dgm:txFillClrLst>
+    <dgm:txEffectClrLst/>
+  </dgm:styleLbl>
+  <dgm:styleLbl name="parChTrans2D2">
+    <dgm:fillClrLst meth="repeat">
+      <a:schemeClr val="accent1"/>
+    </dgm:fillClrLst>
+    <dgm:linClrLst meth="repeat">
+      <a:schemeClr val="accent1"/>
+    </dgm:linClrLst>
+    <dgm:effectClrLst/>
+    <dgm:txLinClrLst/>
+    <dgm:txFillClrLst meth="repeat">
+      <a:schemeClr val="lt1"/>
+    </dgm:txFillClrLst>
+    <dgm:txEffectClrLst/>
+  </dgm:styleLbl>
+  <dgm:styleLbl name="parChTrans2D3">
+    <dgm:fillClrLst meth="repeat">
+      <a:schemeClr val="accent1"/>
+    </dgm:fillClrLst>
+    <dgm:linClrLst meth="repeat">
+      <a:schemeClr val="accent1"/>
+    </dgm:linClrLst>
+    <dgm:effectClrLst/>
+    <dgm:txLinClrLst/>
+    <dgm:txFillClrLst meth="repeat">
+      <a:schemeClr val="lt1"/>
+    </dgm:txFillClrLst>
+    <dgm:txEffectClrLst/>
+  </dgm:styleLbl>
+  <dgm:styleLbl name="parChTrans2D4">
+    <dgm:fillClrLst meth="repeat">
+      <a:schemeClr val="accent1"/>
+    </dgm:fillClrLst>
+    <dgm:linClrLst meth="repeat">
+      <a:schemeClr val="accent1"/>
+    </dgm:linClrLst>
+    <dgm:effectClrLst/>
+    <dgm:txLinClrLst/>
+    <dgm:txFillClrLst meth="repeat">
+      <a:schemeClr val="lt1"/>
+    </dgm:txFillClrLst>
+    <dgm:txEffectClrLst/>
+  </dgm:styleLbl>
+  <dgm:styleLbl name="parChTrans1D1">
+    <dgm:fillClrLst meth="repeat">
+      <a:schemeClr val="accent1"/>
+    </dgm:fillClrLst>
+    <dgm:linClrLst meth="repeat">
+      <a:schemeClr val="accent1">
+        <a:shade val="60000"/>
+      </a:schemeClr>
+    </dgm:linClrLst>
+    <dgm:effectClrLst/>
+    <dgm:txLinClrLst/>
+    <dgm:txFillClrLst meth="repeat">
+      <a:schemeClr val="tx1"/>
+    </dgm:txFillClrLst>
+    <dgm:txEffectClrLst/>
+  </dgm:styleLbl>
+  <dgm:styleLbl name="parChTrans1D2">
+    <dgm:fillClrLst meth="repeat">
+      <a:schemeClr val="accent1"/>
+    </dgm:fillClrLst>
+    <dgm:linClrLst meth="repeat">
+      <a:schemeClr val="accent1">
+        <a:shade val="60000"/>
+      </a:schemeClr>
+    </dgm:linClrLst>
+    <dgm:effectClrLst/>
+    <dgm:txLinClrLst/>
+    <dgm:txFillClrLst meth="repeat">
+      <a:schemeClr val="tx1"/>
+    </dgm:txFillClrLst>
+    <dgm:txEffectClrLst/>
+  </dgm:styleLbl>
+  <dgm:styleLbl name="parChTrans1D3">
+    <dgm:fillClrLst meth="repeat">
+      <a:schemeClr val="accent1"/>
+    </dgm:fillClrLst>
+    <dgm:linClrLst meth="repeat">
+      <a:schemeClr val="accent1">
+        <a:shade val="80000"/>
+      </a:schemeClr>
+    </dgm:linClrLst>
+    <dgm:effectClrLst/>
+    <dgm:txLinClrLst/>
+    <dgm:txFillClrLst meth="repeat">
+      <a:schemeClr val="tx1"/>
+    </dgm:txFillClrLst>
+    <dgm:txEffectClrLst/>
+  </dgm:styleLbl>
+  <dgm:styleLbl name="parChTrans1D4">
+    <dgm:fillClrLst meth="repeat">
+      <a:schemeClr val="accent1"/>
+    </dgm:fillClrLst>
+    <dgm:linClrLst meth="repeat">
+      <a:schemeClr val="accent1">
+        <a:shade val="80000"/>
+      </a:schemeClr>
+    </dgm:linClrLst>
+    <dgm:effectClrLst/>
+    <dgm:txLinClrLst/>
+    <dgm:txFillClrLst meth="repeat">
+      <a:schemeClr val="tx1"/>
+    </dgm:txFillClrLst>
+    <dgm:txEffectClrLst/>
+  </dgm:styleLbl>
+  <dgm:styleLbl name="fgAcc1">
+    <dgm:fillClrLst meth="repeat">
+      <a:schemeClr val="lt1">
+        <a:alpha val="90000"/>
+      </a:schemeClr>
+    </dgm:fillClrLst>
+    <dgm:linClrLst meth="repeat">
+      <a:schemeClr val="accent1"/>
+    </dgm:linClrLst>
+    <dgm:effectClrLst/>
+    <dgm:txLinClrLst/>
+    <dgm:txFillClrLst meth="repeat">
+      <a:schemeClr val="dk1"/>
+    </dgm:txFillClrLst>
+    <dgm:txEffectClrLst/>
+  </dgm:styleLbl>
+  <dgm:styleLbl name="conFgAcc1">
+    <dgm:fillClrLst meth="repeat">
+      <a:schemeClr val="lt1">
+        <a:alpha val="90000"/>
+      </a:schemeClr>
+    </dgm:fillClrLst>
+    <dgm:linClrLst meth="repeat">
+      <a:schemeClr val="accent1"/>
+    </dgm:linClrLst>
+    <dgm:effectClrLst/>
+    <dgm:txLinClrLst/>
+    <dgm:txFillClrLst meth="repeat">
+      <a:schemeClr val="dk1"/>
+    </dgm:txFillClrLst>
+    <dgm:txEffectClrLst/>
+  </dgm:styleLbl>
+  <dgm:styleLbl name="alignAcc1">
+    <dgm:fillClrLst meth="repeat">
+      <a:schemeClr val="lt1">
+        <a:alpha val="90000"/>
+      </a:schemeClr>
+    </dgm:fillClrLst>
+    <dgm:linClrLst meth="repeat">
+      <a:schemeClr val="accent1"/>
+    </dgm:linClrLst>
+    <dgm:effectClrLst/>
+    <dgm:txLinClrLst/>
+    <dgm:txFillClrLst meth="repeat">
+      <a:schemeClr val="dk1"/>
+    </dgm:txFillClrLst>
+    <dgm:txEffectClrLst/>
+  </dgm:styleLbl>
+  <dgm:styleLbl name="trAlignAcc1">
+    <dgm:fillClrLst meth="repeat">
+      <a:schemeClr val="lt1">
+        <a:alpha val="40000"/>
+      </a:schemeClr>
+    </dgm:fillClrLst>
+    <dgm:linClrLst meth="repeat">
+      <a:schemeClr val="accent1"/>
+    </dgm:linClrLst>
+    <dgm:effectClrLst/>
+    <dgm:txLinClrLst/>
+    <dgm:txFillClrLst meth="repeat">
+      <a:schemeClr val="dk1"/>
+    </dgm:txFillClrLst>
+    <dgm:txEffectClrLst/>
+  </dgm:styleLbl>
+  <dgm:styleLbl name="bgAcc1">
+    <dgm:fillClrLst meth="repeat">
+      <a:schemeClr val="lt1">
+        <a:alpha val="90000"/>
+      </a:schemeClr>
+    </dgm:fillClrLst>
+    <dgm:linClrLst meth="repeat">
+      <a:schemeClr val="accent1"/>
+    </dgm:linClrLst>
+    <dgm:effectClrLst/>
+    <dgm:txLinClrLst/>
+    <dgm:txFillClrLst meth="repeat">
+      <a:schemeClr val="dk1"/>
+    </dgm:txFillClrLst>
+    <dgm:txEffectClrLst/>
+  </dgm:styleLbl>
+  <dgm:styleLbl name="solidFgAcc1">
+    <dgm:fillClrLst meth="repeat">
+      <a:schemeClr val="lt1"/>
+    </dgm:fillClrLst>
+    <dgm:linClrLst meth="repeat">
+      <a:schemeClr val="accent1"/>
+    </dgm:linClrLst>
+    <dgm:effectClrLst/>
+    <dgm:txLinClrLst/>
+    <dgm:txFillClrLst meth="repeat">
+      <a:schemeClr val="dk1"/>
+    </dgm:txFillClrLst>
+    <dgm:txEffectClrLst/>
+  </dgm:styleLbl>
+  <dgm:styleLbl name="solidAlignAcc1">
+    <dgm:fillClrLst meth="repeat">
+      <a:schemeClr val="lt1"/>
+    </dgm:fillClrLst>
+    <dgm:linClrLst meth="repeat">
+      <a:schemeClr val="accent1"/>
+    </dgm:linClrLst>
+    <dgm:effectClrLst/>
+    <dgm:txLinClrLst/>
+    <dgm:txFillClrLst meth="repeat">
+      <a:schemeClr val="dk1"/>
+    </dgm:txFillClrLst>
+    <dgm:txEffectClrLst/>
+  </dgm:styleLbl>
+  <dgm:styleLbl name="solidBgAcc1">
+    <dgm:fillClrLst meth="repeat">
+      <a:schemeClr val="lt1"/>
+    </dgm:fillClrLst>
+    <dgm:linClrLst meth="repeat">
+      <a:schemeClr val="accent1"/>
+    </dgm:linClrLst>
+    <dgm:effectClrLst/>
+    <dgm:txLinClrLst/>
+    <dgm:txFillClrLst meth="repeat">
+      <a:schemeClr val="dk1"/>
+    </dgm:txFillClrLst>
+    <dgm:txEffectClrLst/>
+  </dgm:styleLbl>
+  <dgm:styleLbl name="fgAccFollowNode1">
+    <dgm:fillClrLst meth="repeat">
+      <a:schemeClr val="accent1">
+        <a:alpha val="90000"/>
+        <a:tint val="40000"/>
+      </a:schemeClr>
+    </dgm:fillClrLst>
+    <dgm:linClrLst meth="repeat">
+      <a:schemeClr val="accent1">
+        <a:alpha val="90000"/>
+        <a:tint val="40000"/>
+      </a:schemeClr>
+    </dgm:linClrLst>
+    <dgm:effectClrLst/>
+    <dgm:txLinClrLst/>
+    <dgm:txFillClrLst meth="repeat">
+      <a:schemeClr val="dk1"/>
+    </dgm:txFillClrLst>
+    <dgm:txEffectClrLst/>
+  </dgm:styleLbl>
+  <dgm:styleLbl name="alignAccFollowNode1">
+    <dgm:fillClrLst meth="repeat">
+      <a:schemeClr val="accent1">
+        <a:alpha val="90000"/>
+        <a:tint val="40000"/>
+      </a:schemeClr>
+    </dgm:fillClrLst>
+    <dgm:linClrLst meth="repeat">
+      <a:schemeClr val="accent1">
+        <a:alpha val="90000"/>
+        <a:tint val="40000"/>
+      </a:schemeClr>
+    </dgm:linClrLst>
+    <dgm:effectClrLst/>
+    <dgm:txLinClrLst/>
+    <dgm:txFillClrLst meth="repeat">
+      <a:schemeClr val="dk1"/>
+    </dgm:txFillClrLst>
+    <dgm:txEffectClrLst/>
+  </dgm:styleLbl>
+  <dgm:styleLbl name="bgAccFollowNode1">
+    <dgm:fillClrLst meth="repeat">
+      <a:schemeClr val="accent1">
+        <a:alpha val="90000"/>
+        <a:tint val="40000"/>
+      </a:schemeClr>
+    </dgm:fillClrLst>
+    <dgm:linClrLst meth="repeat">
+      <a:schemeClr val="accent1">
+        <a:alpha val="90000"/>
+        <a:tint val="40000"/>
+      </a:schemeClr>
+    </dgm:linClrLst>
+    <dgm:effectClrLst/>
+    <dgm:txLinClrLst/>
+    <dgm:txFillClrLst meth="repeat">
+      <a:schemeClr val="dk1"/>
+    </dgm:txFillClrLst>
+    <dgm:txEffectClrLst/>
+  </dgm:styleLbl>
+  <dgm:styleLbl name="fgAcc0">
+    <dgm:fillClrLst meth="repeat">
+      <a:schemeClr val="lt1">
+        <a:alpha val="90000"/>
+      </a:schemeClr>
+    </dgm:fillClrLst>
+    <dgm:linClrLst meth="repeat">
+      <a:schemeClr val="accent1"/>
+    </dgm:linClrLst>
+    <dgm:effectClrLst/>
+    <dgm:txLinClrLst/>
+    <dgm:txFillClrLst meth="repeat">
+      <a:schemeClr val="dk1"/>
+    </dgm:txFillClrLst>
+    <dgm:txEffectClrLst/>
+  </dgm:styleLbl>
+  <dgm:styleLbl name="fgAcc2">
+    <dgm:fillClrLst meth="repeat">
+      <a:schemeClr val="lt1">
+        <a:alpha val="90000"/>
+      </a:schemeClr>
+    </dgm:fillClrLst>
+    <dgm:linClrLst meth="repeat">
+      <a:schemeClr val="accent1"/>
+    </dgm:linClrLst>
+    <dgm:effectClrLst/>
+    <dgm:txLinClrLst/>
+    <dgm:txFillClrLst meth="repeat">
+      <a:schemeClr val="dk1"/>
+    </dgm:txFillClrLst>
+    <dgm:txEffectClrLst/>
+  </dgm:styleLbl>
+  <dgm:styleLbl name="fgAcc3">
+    <dgm:fillClrLst meth="repeat">
+      <a:schemeClr val="lt1">
+        <a:alpha val="90000"/>
+      </a:schemeClr>
+    </dgm:fillClrLst>
+    <dgm:linClrLst meth="repeat">
+      <a:schemeClr val="accent1"/>
+    </dgm:linClrLst>
+    <dgm:effectClrLst/>
+    <dgm:txLinClrLst/>
+    <dgm:txFillClrLst meth="repeat">
+      <a:schemeClr val="dk1"/>
+    </dgm:txFillClrLst>
+    <dgm:txEffectClrLst/>
+  </dgm:styleLbl>
+  <dgm:styleLbl name="fgAcc4">
+    <dgm:fillClrLst meth="repeat">
+      <a:schemeClr val="lt1">
+        <a:alpha val="90000"/>
+      </a:schemeClr>
+    </dgm:fillClrLst>
+    <dgm:linClrLst meth="repeat">
+      <a:schemeClr val="accent1"/>
+    </dgm:linClrLst>
+    <dgm:effectClrLst/>
+    <dgm:txLinClrLst/>
+    <dgm:txFillClrLst meth="repeat">
+      <a:schemeClr val="dk1"/>
+    </dgm:txFillClrLst>
+    <dgm:txEffectClrLst/>
+  </dgm:styleLbl>
+  <dgm:styleLbl name="bgShp">
+    <dgm:fillClrLst meth="repeat">
+      <a:schemeClr val="accent1">
+        <a:tint val="40000"/>
+      </a:schemeClr>
+    </dgm:fillClrLst>
+    <dgm:linClrLst meth="repeat">
+      <a:schemeClr val="accent1"/>
+    </dgm:linClrLst>
+    <dgm:effectClrLst/>
+    <dgm:txLinClrLst/>
+    <dgm:txFillClrLst meth="repeat">
+      <a:schemeClr val="dk1"/>
+    </dgm:txFillClrLst>
+    <dgm:txEffectClrLst/>
+  </dgm:styleLbl>
+  <dgm:styleLbl name="dkBgShp">
+    <dgm:fillClrLst meth="repeat">
+      <a:schemeClr val="accent1">
+        <a:shade val="80000"/>
+      </a:schemeClr>
+    </dgm:fillClrLst>
+    <dgm:linClrLst meth="repeat">
+      <a:schemeClr val="accent1"/>
+    </dgm:linClrLst>
+    <dgm:effectClrLst/>
+    <dgm:txLinClrLst/>
+    <dgm:txFillClrLst meth="repeat">
+      <a:schemeClr val="lt1"/>
+    </dgm:txFillClrLst>
+    <dgm:txEffectClrLst/>
+  </dgm:styleLbl>
+  <dgm:styleLbl name="trBgShp">
+    <dgm:fillClrLst meth="repeat">
+      <a:schemeClr val="accent1">
+        <a:tint val="50000"/>
+        <a:alpha val="40000"/>
+      </a:schemeClr>
+    </dgm:fillClrLst>
+    <dgm:linClrLst meth="repeat">
+      <a:schemeClr val="accent1"/>
+    </dgm:linClrLst>
+    <dgm:effectClrLst/>
+    <dgm:txLinClrLst/>
+    <dgm:txFillClrLst meth="repeat">
+      <a:schemeClr val="lt1"/>
+    </dgm:txFillClrLst>
+    <dgm:txEffectClrLst/>
+  </dgm:styleLbl>
+  <dgm:styleLbl name="fgShp">
+    <dgm:fillClrLst meth="repeat">
+      <a:schemeClr val="accent1">
+        <a:tint val="60000"/>
+      </a:schemeClr>
+    </dgm:fillClrLst>
+    <dgm:linClrLst meth="repeat">
+      <a:schemeClr val="lt1"/>
+    </dgm:linClrLst>
+    <dgm:effectClrLst/>
+    <dgm:txLinClrLst/>
+    <dgm:txFillClrLst meth="repeat">
+      <a:schemeClr val="dk1"/>
+    </dgm:txFillClrLst>
+    <dgm:txEffectClrLst/>
+  </dgm:styleLbl>
+  <dgm:styleLbl name="revTx">
+    <dgm:fillClrLst meth="repeat">
+      <a:schemeClr val="lt1">
+        <a:alpha val="0"/>
+      </a:schemeClr>
+    </dgm:fillClrLst>
+    <dgm:linClrLst meth="repeat">
+      <a:schemeClr val="dk1">
+        <a:alpha val="0"/>
+      </a:schemeClr>
+    </dgm:linClrLst>
+    <dgm:effectClrLst/>
+    <dgm:txLinClrLst/>
+    <dgm:txFillClrLst meth="repeat">
+      <a:schemeClr val="tx1"/>
+    </dgm:txFillClrLst>
+    <dgm:txEffectClrLst/>
+  </dgm:styleLbl>
+</dgm:colorsDef>
+</file>
+
+<file path=ppt/diagrams/data1.xml><?xml version="1.0" encoding="utf-8"?>
+<dgm:dataModel xmlns:dgm="http://schemas.openxmlformats.org/drawingml/2006/diagram" xmlns:a="http://schemas.openxmlformats.org/drawingml/2006/main">
+  <dgm:ptLst>
+    <dgm:pt modelId="{4C54962F-2AFE-4ED3-8CB0-3F655F10F61C}" type="doc">
+      <dgm:prSet loTypeId="urn:microsoft.com/office/officeart/2005/8/layout/cycle3" loCatId="cycle" qsTypeId="urn:microsoft.com/office/officeart/2005/8/quickstyle/simple1" qsCatId="simple" csTypeId="urn:microsoft.com/office/officeart/2005/8/colors/accent1_2" csCatId="accent1" phldr="1"/>
+      <dgm:spPr/>
+      <dgm:t>
+        <a:bodyPr/>
+        <a:lstStyle/>
+        <a:p>
+          <a:pPr latinLnBrk="1"/>
+          <a:endParaRPr lang="ko-KR" altLang="en-US"/>
+        </a:p>
+      </dgm:t>
+    </dgm:pt>
+    <dgm:pt modelId="{E372CA64-1F0B-4452-BF7E-1343157D690B}">
+      <dgm:prSet phldrT="[텍스트]" phldr="1" custT="1"/>
+      <dgm:spPr>
+        <a:solidFill>
+          <a:srgbClr val="FF0000"/>
+        </a:solidFill>
+      </dgm:spPr>
+      <dgm:t>
+        <a:bodyPr/>
+        <a:lstStyle/>
+        <a:p>
+          <a:pPr latinLnBrk="1"/>
+          <a:endParaRPr lang="ko-KR" altLang="en-US" sz="100" baseline="0" dirty="0"/>
+        </a:p>
+      </dgm:t>
+    </dgm:pt>
+    <dgm:pt modelId="{02CD242E-9E68-41B6-A9FB-51FAE0253CC5}" type="parTrans" cxnId="{3F436EE7-68BF-4376-9FEF-8A6AB77AAB39}">
+      <dgm:prSet/>
+      <dgm:spPr/>
+      <dgm:t>
+        <a:bodyPr/>
+        <a:lstStyle/>
+        <a:p>
+          <a:pPr latinLnBrk="1"/>
+          <a:endParaRPr lang="ko-KR" altLang="en-US"/>
+        </a:p>
+      </dgm:t>
+    </dgm:pt>
+    <dgm:pt modelId="{83D077FE-8CA1-4D24-B193-49B9024602A7}" type="sibTrans" cxnId="{3F436EE7-68BF-4376-9FEF-8A6AB77AAB39}">
+      <dgm:prSet/>
+      <dgm:spPr/>
+      <dgm:t>
+        <a:bodyPr/>
+        <a:lstStyle/>
+        <a:p>
+          <a:pPr latinLnBrk="1"/>
+          <a:endParaRPr lang="ko-KR" altLang="en-US"/>
+        </a:p>
+      </dgm:t>
+    </dgm:pt>
+    <dgm:pt modelId="{74EC73B9-C53C-46CA-9B20-52C51A2CE4AC}">
+      <dgm:prSet phldrT="[텍스트]" phldr="1" custT="1"/>
+      <dgm:spPr>
+        <a:solidFill>
+          <a:srgbClr val="FF0000"/>
+        </a:solidFill>
+      </dgm:spPr>
+      <dgm:t>
+        <a:bodyPr/>
+        <a:lstStyle/>
+        <a:p>
+          <a:pPr latinLnBrk="1"/>
+          <a:endParaRPr lang="ko-KR" altLang="en-US" sz="100" baseline="0" dirty="0"/>
+        </a:p>
+      </dgm:t>
+    </dgm:pt>
+    <dgm:pt modelId="{2F995039-D6BC-488B-8C33-BDD07A00FF00}" type="parTrans" cxnId="{15EB45FE-4C2B-44A8-BC8A-E51C6DCE3560}">
+      <dgm:prSet/>
+      <dgm:spPr/>
+      <dgm:t>
+        <a:bodyPr/>
+        <a:lstStyle/>
+        <a:p>
+          <a:pPr latinLnBrk="1"/>
+          <a:endParaRPr lang="ko-KR" altLang="en-US"/>
+        </a:p>
+      </dgm:t>
+    </dgm:pt>
+    <dgm:pt modelId="{05F9649E-5F3C-4F9A-8F4A-2CA50027103A}" type="sibTrans" cxnId="{15EB45FE-4C2B-44A8-BC8A-E51C6DCE3560}">
+      <dgm:prSet/>
+      <dgm:spPr/>
+      <dgm:t>
+        <a:bodyPr/>
+        <a:lstStyle/>
+        <a:p>
+          <a:pPr latinLnBrk="1"/>
+          <a:endParaRPr lang="ko-KR" altLang="en-US"/>
+        </a:p>
+      </dgm:t>
+    </dgm:pt>
+    <dgm:pt modelId="{6DD85066-E2A2-4040-99A8-77EA69DE6497}">
+      <dgm:prSet phldrT="[텍스트]" phldr="1" custT="1"/>
+      <dgm:spPr>
+        <a:solidFill>
+          <a:srgbClr val="FF0000"/>
+        </a:solidFill>
+      </dgm:spPr>
+      <dgm:t>
+        <a:bodyPr/>
+        <a:lstStyle/>
+        <a:p>
+          <a:pPr latinLnBrk="1"/>
+          <a:endParaRPr lang="ko-KR" altLang="en-US" sz="100" baseline="0" dirty="0"/>
+        </a:p>
+      </dgm:t>
+    </dgm:pt>
+    <dgm:pt modelId="{311A8EE6-C478-453E-A378-A5B5DF8498B2}" type="parTrans" cxnId="{34A7CDDF-07BD-4819-86E3-841D7FF113F2}">
+      <dgm:prSet/>
+      <dgm:spPr/>
+      <dgm:t>
+        <a:bodyPr/>
+        <a:lstStyle/>
+        <a:p>
+          <a:pPr latinLnBrk="1"/>
+          <a:endParaRPr lang="ko-KR" altLang="en-US"/>
+        </a:p>
+      </dgm:t>
+    </dgm:pt>
+    <dgm:pt modelId="{A91E5556-ACB2-4B96-8A6B-2C34B8463201}" type="sibTrans" cxnId="{34A7CDDF-07BD-4819-86E3-841D7FF113F2}">
+      <dgm:prSet/>
+      <dgm:spPr/>
+      <dgm:t>
+        <a:bodyPr/>
+        <a:lstStyle/>
+        <a:p>
+          <a:pPr latinLnBrk="1"/>
+          <a:endParaRPr lang="ko-KR" altLang="en-US"/>
+        </a:p>
+      </dgm:t>
+    </dgm:pt>
+    <dgm:pt modelId="{4FD7B04E-5C10-4C0B-A37B-28E5E4DB40BE}">
+      <dgm:prSet phldrT="[텍스트]" phldr="1" custT="1"/>
+      <dgm:spPr>
+        <a:solidFill>
+          <a:srgbClr val="FF0000"/>
+        </a:solidFill>
+      </dgm:spPr>
+      <dgm:t>
+        <a:bodyPr/>
+        <a:lstStyle/>
+        <a:p>
+          <a:pPr latinLnBrk="1"/>
+          <a:endParaRPr lang="ko-KR" altLang="en-US" sz="100" baseline="0" dirty="0"/>
+        </a:p>
+      </dgm:t>
+    </dgm:pt>
+    <dgm:pt modelId="{0EEC4630-9D4B-4DF8-967F-A647FF07A3D0}" type="sibTrans" cxnId="{63EF02E5-B99D-4D2C-9FFB-499F14900037}">
+      <dgm:prSet/>
+      <dgm:spPr/>
+      <dgm:t>
+        <a:bodyPr/>
+        <a:lstStyle/>
+        <a:p>
+          <a:pPr latinLnBrk="1"/>
+          <a:endParaRPr lang="ko-KR" altLang="en-US"/>
+        </a:p>
+      </dgm:t>
+    </dgm:pt>
+    <dgm:pt modelId="{5137CBDD-B21C-4A34-912B-522004BEE3DB}" type="parTrans" cxnId="{63EF02E5-B99D-4D2C-9FFB-499F14900037}">
+      <dgm:prSet/>
+      <dgm:spPr/>
+      <dgm:t>
+        <a:bodyPr/>
+        <a:lstStyle/>
+        <a:p>
+          <a:pPr latinLnBrk="1"/>
+          <a:endParaRPr lang="ko-KR" altLang="en-US"/>
+        </a:p>
+      </dgm:t>
+    </dgm:pt>
+    <dgm:pt modelId="{A58AAB67-E61B-47D9-BD30-8378103E526E}">
+      <dgm:prSet phldrT="[텍스트]" phldr="1" custT="1"/>
+      <dgm:spPr>
+        <a:solidFill>
+          <a:srgbClr val="FF0000"/>
+        </a:solidFill>
+      </dgm:spPr>
+      <dgm:t>
+        <a:bodyPr/>
+        <a:lstStyle/>
+        <a:p>
+          <a:pPr latinLnBrk="1"/>
+          <a:endParaRPr lang="ko-KR" altLang="en-US" sz="100" baseline="0" dirty="0"/>
+        </a:p>
+      </dgm:t>
+    </dgm:pt>
+    <dgm:pt modelId="{283268EB-1596-4756-92C9-C4C043330581}" type="sibTrans" cxnId="{FC4C9D1B-D88F-4D0F-8A49-A4D30A165FC2}">
+      <dgm:prSet/>
+      <dgm:spPr/>
+      <dgm:t>
+        <a:bodyPr/>
+        <a:lstStyle/>
+        <a:p>
+          <a:pPr latinLnBrk="1"/>
+          <a:endParaRPr lang="ko-KR" altLang="en-US"/>
+        </a:p>
+      </dgm:t>
+    </dgm:pt>
+    <dgm:pt modelId="{8E19D328-97D8-4DF4-91AC-AA54806FC645}" type="parTrans" cxnId="{FC4C9D1B-D88F-4D0F-8A49-A4D30A165FC2}">
+      <dgm:prSet/>
+      <dgm:spPr/>
+      <dgm:t>
+        <a:bodyPr/>
+        <a:lstStyle/>
+        <a:p>
+          <a:pPr latinLnBrk="1"/>
+          <a:endParaRPr lang="ko-KR" altLang="en-US"/>
+        </a:p>
+      </dgm:t>
+    </dgm:pt>
+    <dgm:pt modelId="{B42F0223-C4B8-49F8-ACE9-48E895AD9203}" type="pres">
+      <dgm:prSet presAssocID="{4C54962F-2AFE-4ED3-8CB0-3F655F10F61C}" presName="Name0" presStyleCnt="0">
+        <dgm:presLayoutVars>
+          <dgm:dir/>
+          <dgm:resizeHandles val="exact"/>
+        </dgm:presLayoutVars>
+      </dgm:prSet>
+      <dgm:spPr/>
+    </dgm:pt>
+    <dgm:pt modelId="{5B85451D-03E5-4091-8EC7-7BCAD90B01F1}" type="pres">
+      <dgm:prSet presAssocID="{4C54962F-2AFE-4ED3-8CB0-3F655F10F61C}" presName="cycle" presStyleCnt="0"/>
+      <dgm:spPr/>
+    </dgm:pt>
+    <dgm:pt modelId="{C62D8681-F3F9-4928-999A-DC91D5B231E4}" type="pres">
+      <dgm:prSet presAssocID="{A58AAB67-E61B-47D9-BD30-8378103E526E}" presName="nodeFirstNode" presStyleLbl="node1" presStyleIdx="0" presStyleCnt="5" custScaleX="62997" custScaleY="132447">
+        <dgm:presLayoutVars>
+          <dgm:bulletEnabled val="1"/>
+        </dgm:presLayoutVars>
+      </dgm:prSet>
+      <dgm:spPr>
+        <a:prstGeom prst="ellipse">
+          <a:avLst/>
+        </a:prstGeom>
+      </dgm:spPr>
+    </dgm:pt>
+    <dgm:pt modelId="{E61132A3-99FE-4C08-AC24-E3BCA4795424}" type="pres">
+      <dgm:prSet presAssocID="{283268EB-1596-4756-92C9-C4C043330581}" presName="sibTransFirstNode" presStyleLbl="bgShp" presStyleIdx="0" presStyleCnt="1"/>
+      <dgm:spPr/>
+    </dgm:pt>
+    <dgm:pt modelId="{695866F5-6539-4C06-960D-2681CB11B9E0}" type="pres">
+      <dgm:prSet presAssocID="{4FD7B04E-5C10-4C0B-A37B-28E5E4DB40BE}" presName="nodeFollowingNodes" presStyleLbl="node1" presStyleIdx="1" presStyleCnt="5" custScaleX="62997" custScaleY="132447">
+        <dgm:presLayoutVars>
+          <dgm:bulletEnabled val="1"/>
+        </dgm:presLayoutVars>
+      </dgm:prSet>
+      <dgm:spPr>
+        <a:prstGeom prst="ellipse">
+          <a:avLst/>
+        </a:prstGeom>
+      </dgm:spPr>
+    </dgm:pt>
+    <dgm:pt modelId="{9A4C46E1-8B9A-4C68-8B39-BC34A14E169D}" type="pres">
+      <dgm:prSet presAssocID="{E372CA64-1F0B-4452-BF7E-1343157D690B}" presName="nodeFollowingNodes" presStyleLbl="node1" presStyleIdx="2" presStyleCnt="5" custScaleX="62997" custScaleY="132447">
+        <dgm:presLayoutVars>
+          <dgm:bulletEnabled val="1"/>
+        </dgm:presLayoutVars>
+      </dgm:prSet>
+      <dgm:spPr>
+        <a:prstGeom prst="ellipse">
+          <a:avLst/>
+        </a:prstGeom>
+      </dgm:spPr>
+    </dgm:pt>
+    <dgm:pt modelId="{EF46A026-9604-4ABA-A440-D011897B79AA}" type="pres">
+      <dgm:prSet presAssocID="{74EC73B9-C53C-46CA-9B20-52C51A2CE4AC}" presName="nodeFollowingNodes" presStyleLbl="node1" presStyleIdx="3" presStyleCnt="5" custScaleX="62997" custScaleY="132447">
+        <dgm:presLayoutVars>
+          <dgm:bulletEnabled val="1"/>
+        </dgm:presLayoutVars>
+      </dgm:prSet>
+      <dgm:spPr>
+        <a:prstGeom prst="ellipse">
+          <a:avLst/>
+        </a:prstGeom>
+      </dgm:spPr>
+    </dgm:pt>
+    <dgm:pt modelId="{A6E4377B-4B0C-4E55-B408-705992217D7C}" type="pres">
+      <dgm:prSet presAssocID="{6DD85066-E2A2-4040-99A8-77EA69DE6497}" presName="nodeFollowingNodes" presStyleLbl="node1" presStyleIdx="4" presStyleCnt="5" custScaleX="62997" custScaleY="132447">
+        <dgm:presLayoutVars>
+          <dgm:bulletEnabled val="1"/>
+        </dgm:presLayoutVars>
+      </dgm:prSet>
+      <dgm:spPr>
+        <a:prstGeom prst="ellipse">
+          <a:avLst/>
+        </a:prstGeom>
+      </dgm:spPr>
+    </dgm:pt>
+  </dgm:ptLst>
+  <dgm:cxnLst>
+    <dgm:cxn modelId="{FC4C9D1B-D88F-4D0F-8A49-A4D30A165FC2}" srcId="{4C54962F-2AFE-4ED3-8CB0-3F655F10F61C}" destId="{A58AAB67-E61B-47D9-BD30-8378103E526E}" srcOrd="0" destOrd="0" parTransId="{8E19D328-97D8-4DF4-91AC-AA54806FC645}" sibTransId="{283268EB-1596-4756-92C9-C4C043330581}"/>
+    <dgm:cxn modelId="{4DC10624-FCE2-46B8-90C2-9BB291F850C9}" type="presOf" srcId="{A58AAB67-E61B-47D9-BD30-8378103E526E}" destId="{C62D8681-F3F9-4928-999A-DC91D5B231E4}" srcOrd="0" destOrd="0" presId="urn:microsoft.com/office/officeart/2005/8/layout/cycle3"/>
+    <dgm:cxn modelId="{A7421666-28B9-4D31-BC64-5B426CBABAC2}" type="presOf" srcId="{74EC73B9-C53C-46CA-9B20-52C51A2CE4AC}" destId="{EF46A026-9604-4ABA-A440-D011897B79AA}" srcOrd="0" destOrd="0" presId="urn:microsoft.com/office/officeart/2005/8/layout/cycle3"/>
+    <dgm:cxn modelId="{643E2349-2384-4296-9215-547FB380F846}" type="presOf" srcId="{4C54962F-2AFE-4ED3-8CB0-3F655F10F61C}" destId="{B42F0223-C4B8-49F8-ACE9-48E895AD9203}" srcOrd="0" destOrd="0" presId="urn:microsoft.com/office/officeart/2005/8/layout/cycle3"/>
+    <dgm:cxn modelId="{CDC94450-E104-44BA-81EC-31F7A8A0CFAE}" type="presOf" srcId="{6DD85066-E2A2-4040-99A8-77EA69DE6497}" destId="{A6E4377B-4B0C-4E55-B408-705992217D7C}" srcOrd="0" destOrd="0" presId="urn:microsoft.com/office/officeart/2005/8/layout/cycle3"/>
+    <dgm:cxn modelId="{868EA953-3FB0-461B-B716-CF066A938760}" type="presOf" srcId="{283268EB-1596-4756-92C9-C4C043330581}" destId="{E61132A3-99FE-4C08-AC24-E3BCA4795424}" srcOrd="0" destOrd="0" presId="urn:microsoft.com/office/officeart/2005/8/layout/cycle3"/>
+    <dgm:cxn modelId="{E5CD12A4-D930-408C-8F78-716F6A25D147}" type="presOf" srcId="{4FD7B04E-5C10-4C0B-A37B-28E5E4DB40BE}" destId="{695866F5-6539-4C06-960D-2681CB11B9E0}" srcOrd="0" destOrd="0" presId="urn:microsoft.com/office/officeart/2005/8/layout/cycle3"/>
+    <dgm:cxn modelId="{34A7CDDF-07BD-4819-86E3-841D7FF113F2}" srcId="{4C54962F-2AFE-4ED3-8CB0-3F655F10F61C}" destId="{6DD85066-E2A2-4040-99A8-77EA69DE6497}" srcOrd="4" destOrd="0" parTransId="{311A8EE6-C478-453E-A378-A5B5DF8498B2}" sibTransId="{A91E5556-ACB2-4B96-8A6B-2C34B8463201}"/>
+    <dgm:cxn modelId="{63EF02E5-B99D-4D2C-9FFB-499F14900037}" srcId="{4C54962F-2AFE-4ED3-8CB0-3F655F10F61C}" destId="{4FD7B04E-5C10-4C0B-A37B-28E5E4DB40BE}" srcOrd="1" destOrd="0" parTransId="{5137CBDD-B21C-4A34-912B-522004BEE3DB}" sibTransId="{0EEC4630-9D4B-4DF8-967F-A647FF07A3D0}"/>
+    <dgm:cxn modelId="{3F436EE7-68BF-4376-9FEF-8A6AB77AAB39}" srcId="{4C54962F-2AFE-4ED3-8CB0-3F655F10F61C}" destId="{E372CA64-1F0B-4452-BF7E-1343157D690B}" srcOrd="2" destOrd="0" parTransId="{02CD242E-9E68-41B6-A9FB-51FAE0253CC5}" sibTransId="{83D077FE-8CA1-4D24-B193-49B9024602A7}"/>
+    <dgm:cxn modelId="{537C78EF-F3E6-45DB-8CDC-5017F6A80C00}" type="presOf" srcId="{E372CA64-1F0B-4452-BF7E-1343157D690B}" destId="{9A4C46E1-8B9A-4C68-8B39-BC34A14E169D}" srcOrd="0" destOrd="0" presId="urn:microsoft.com/office/officeart/2005/8/layout/cycle3"/>
+    <dgm:cxn modelId="{15EB45FE-4C2B-44A8-BC8A-E51C6DCE3560}" srcId="{4C54962F-2AFE-4ED3-8CB0-3F655F10F61C}" destId="{74EC73B9-C53C-46CA-9B20-52C51A2CE4AC}" srcOrd="3" destOrd="0" parTransId="{2F995039-D6BC-488B-8C33-BDD07A00FF00}" sibTransId="{05F9649E-5F3C-4F9A-8F4A-2CA50027103A}"/>
+    <dgm:cxn modelId="{174F9395-BF79-4C56-8F62-AA3DC4BA7A17}" type="presParOf" srcId="{B42F0223-C4B8-49F8-ACE9-48E895AD9203}" destId="{5B85451D-03E5-4091-8EC7-7BCAD90B01F1}" srcOrd="0" destOrd="0" presId="urn:microsoft.com/office/officeart/2005/8/layout/cycle3"/>
+    <dgm:cxn modelId="{108509BC-615D-49C7-90FF-ED5D315F7238}" type="presParOf" srcId="{5B85451D-03E5-4091-8EC7-7BCAD90B01F1}" destId="{C62D8681-F3F9-4928-999A-DC91D5B231E4}" srcOrd="0" destOrd="0" presId="urn:microsoft.com/office/officeart/2005/8/layout/cycle3"/>
+    <dgm:cxn modelId="{8135148D-F190-422B-BAAB-E793D06652FB}" type="presParOf" srcId="{5B85451D-03E5-4091-8EC7-7BCAD90B01F1}" destId="{E61132A3-99FE-4C08-AC24-E3BCA4795424}" srcOrd="1" destOrd="0" presId="urn:microsoft.com/office/officeart/2005/8/layout/cycle3"/>
+    <dgm:cxn modelId="{8CB78776-D5DC-4E77-A47D-0EF61F25ACE5}" type="presParOf" srcId="{5B85451D-03E5-4091-8EC7-7BCAD90B01F1}" destId="{695866F5-6539-4C06-960D-2681CB11B9E0}" srcOrd="2" destOrd="0" presId="urn:microsoft.com/office/officeart/2005/8/layout/cycle3"/>
+    <dgm:cxn modelId="{B03FFEE1-3123-4502-B444-48DB1004197F}" type="presParOf" srcId="{5B85451D-03E5-4091-8EC7-7BCAD90B01F1}" destId="{9A4C46E1-8B9A-4C68-8B39-BC34A14E169D}" srcOrd="3" destOrd="0" presId="urn:microsoft.com/office/officeart/2005/8/layout/cycle3"/>
+    <dgm:cxn modelId="{329E9544-A387-4A43-ABD7-9915F45475F9}" type="presParOf" srcId="{5B85451D-03E5-4091-8EC7-7BCAD90B01F1}" destId="{EF46A026-9604-4ABA-A440-D011897B79AA}" srcOrd="4" destOrd="0" presId="urn:microsoft.com/office/officeart/2005/8/layout/cycle3"/>
+    <dgm:cxn modelId="{AB0C29D9-116D-4BAF-9B1A-A77FFC18BCD9}" type="presParOf" srcId="{5B85451D-03E5-4091-8EC7-7BCAD90B01F1}" destId="{A6E4377B-4B0C-4E55-B408-705992217D7C}" srcOrd="5" destOrd="0" presId="urn:microsoft.com/office/officeart/2005/8/layout/cycle3"/>
+  </dgm:cxnLst>
+  <dgm:bg/>
+  <dgm:whole/>
+  <dgm:extLst>
+    <a:ext uri="http://schemas.microsoft.com/office/drawing/2008/diagram">
+      <dsp:dataModelExt xmlns:dsp="http://schemas.microsoft.com/office/drawing/2008/diagram" relId="rId6" minVer="http://schemas.openxmlformats.org/drawingml/2006/diagram"/>
+    </a:ext>
+    <a:ext uri="{C62137D5-CB1D-491B-B009-E17868A290BF}">
+      <dgm14:recolorImg xmlns:dgm14="http://schemas.microsoft.com/office/drawing/2010/diagram" val="1"/>
+    </a:ext>
+  </dgm:extLst>
+</dgm:dataModel>
+</file>
+
+<file path=ppt/diagrams/drawing1.xml><?xml version="1.0" encoding="utf-8"?>
+<dsp:drawing xmlns:dgm="http://schemas.openxmlformats.org/drawingml/2006/diagram" xmlns:dsp="http://schemas.microsoft.com/office/drawing/2008/diagram" xmlns:a="http://schemas.openxmlformats.org/drawingml/2006/main">
+  <dsp:spTree>
+    <dsp:nvGrpSpPr>
+      <dsp:cNvPr id="0" name=""/>
+      <dsp:cNvGrpSpPr/>
+    </dsp:nvGrpSpPr>
+    <dsp:grpSpPr/>
+    <dsp:sp modelId="{E61132A3-99FE-4C08-AC24-E3BCA4795424}">
+      <dsp:nvSpPr>
+        <dsp:cNvPr id="0" name=""/>
+        <dsp:cNvSpPr/>
+      </dsp:nvSpPr>
+      <dsp:spPr>
+        <a:xfrm>
+          <a:off x="1020730" y="140191"/>
+          <a:ext cx="4054539" cy="4054539"/>
+        </a:xfrm>
+        <a:prstGeom prst="circularArrow">
+          <a:avLst>
+            <a:gd name="adj1" fmla="val 5544"/>
+            <a:gd name="adj2" fmla="val 330680"/>
+            <a:gd name="adj3" fmla="val 14612020"/>
+            <a:gd name="adj4" fmla="val 16895367"/>
+            <a:gd name="adj5" fmla="val 5757"/>
+          </a:avLst>
+        </a:prstGeom>
+        <a:solidFill>
+          <a:schemeClr val="accent1">
+            <a:tint val="40000"/>
+            <a:hueOff val="0"/>
+            <a:satOff val="0"/>
+            <a:lumOff val="0"/>
+            <a:alphaOff val="0"/>
+          </a:schemeClr>
+        </a:solidFill>
+        <a:ln>
+          <a:noFill/>
+        </a:ln>
+        <a:effectLst/>
+      </dsp:spPr>
+      <dsp:style>
+        <a:lnRef idx="0">
+          <a:scrgbClr r="0" g="0" b="0"/>
+        </a:lnRef>
+        <a:fillRef idx="1">
+          <a:scrgbClr r="0" g="0" b="0"/>
+        </a:fillRef>
+        <a:effectRef idx="0">
+          <a:scrgbClr r="0" g="0" b="0"/>
+        </a:effectRef>
+        <a:fontRef idx="minor"/>
+      </dsp:style>
+    </dsp:sp>
+    <dsp:sp modelId="{C62D8681-F3F9-4928-999A-DC91D5B231E4}">
+      <dsp:nvSpPr>
+        <dsp:cNvPr id="0" name=""/>
+        <dsp:cNvSpPr/>
+      </dsp:nvSpPr>
+      <dsp:spPr>
+        <a:xfrm>
+          <a:off x="2460142" y="-149874"/>
+          <a:ext cx="1175715" cy="1235932"/>
+        </a:xfrm>
+        <a:prstGeom prst="ellipse">
+          <a:avLst/>
+        </a:prstGeom>
+        <a:solidFill>
+          <a:srgbClr val="FF0000"/>
+        </a:solidFill>
+        <a:ln w="25400" cap="flat" cmpd="sng" algn="ctr">
+          <a:solidFill>
+            <a:schemeClr val="lt1">
+              <a:hueOff val="0"/>
+              <a:satOff val="0"/>
+              <a:lumOff val="0"/>
+              <a:alphaOff val="0"/>
+            </a:schemeClr>
+          </a:solidFill>
+          <a:prstDash val="solid"/>
+        </a:ln>
+        <a:effectLst/>
+      </dsp:spPr>
+      <dsp:style>
+        <a:lnRef idx="2">
+          <a:scrgbClr r="0" g="0" b="0"/>
+        </a:lnRef>
+        <a:fillRef idx="1">
+          <a:scrgbClr r="0" g="0" b="0"/>
+        </a:fillRef>
+        <a:effectRef idx="0">
+          <a:scrgbClr r="0" g="0" b="0"/>
+        </a:effectRef>
+        <a:fontRef idx="minor">
+          <a:schemeClr val="lt1"/>
+        </a:fontRef>
+      </dsp:style>
+      <dsp:txBody>
+        <a:bodyPr spcFirstLastPara="0" vert="horz" wrap="square" lIns="3810" tIns="3810" rIns="3810" bIns="3810" numCol="1" spcCol="1270" anchor="ctr" anchorCtr="0">
+          <a:noAutofit/>
+        </a:bodyPr>
+        <a:lstStyle/>
+        <a:p>
+          <a:pPr marL="0" lvl="0" indent="0" algn="ctr" defTabSz="44450" latinLnBrk="1">
+            <a:lnSpc>
+              <a:spcPct val="90000"/>
+            </a:lnSpc>
+            <a:spcBef>
+              <a:spcPct val="0"/>
+            </a:spcBef>
+            <a:spcAft>
+              <a:spcPct val="35000"/>
+            </a:spcAft>
+            <a:buNone/>
+          </a:pPr>
+          <a:endParaRPr lang="ko-KR" altLang="en-US" sz="100" kern="1200" baseline="0" dirty="0"/>
+        </a:p>
+      </dsp:txBody>
+      <dsp:txXfrm>
+        <a:off x="2632321" y="31124"/>
+        <a:ext cx="831357" cy="873936"/>
+      </dsp:txXfrm>
+    </dsp:sp>
+    <dsp:sp modelId="{695866F5-6539-4C06-960D-2681CB11B9E0}">
+      <dsp:nvSpPr>
+        <dsp:cNvPr id="0" name=""/>
+        <dsp:cNvSpPr/>
+      </dsp:nvSpPr>
+      <dsp:spPr>
+        <a:xfrm>
+          <a:off x="4104532" y="1044845"/>
+          <a:ext cx="1175715" cy="1235932"/>
+        </a:xfrm>
+        <a:prstGeom prst="ellipse">
+          <a:avLst/>
+        </a:prstGeom>
+        <a:solidFill>
+          <a:srgbClr val="FF0000"/>
+        </a:solidFill>
+        <a:ln w="25400" cap="flat" cmpd="sng" algn="ctr">
+          <a:solidFill>
+            <a:schemeClr val="lt1">
+              <a:hueOff val="0"/>
+              <a:satOff val="0"/>
+              <a:lumOff val="0"/>
+              <a:alphaOff val="0"/>
+            </a:schemeClr>
+          </a:solidFill>
+          <a:prstDash val="solid"/>
+        </a:ln>
+        <a:effectLst/>
+      </dsp:spPr>
+      <dsp:style>
+        <a:lnRef idx="2">
+          <a:scrgbClr r="0" g="0" b="0"/>
+        </a:lnRef>
+        <a:fillRef idx="1">
+          <a:scrgbClr r="0" g="0" b="0"/>
+        </a:fillRef>
+        <a:effectRef idx="0">
+          <a:scrgbClr r="0" g="0" b="0"/>
+        </a:effectRef>
+        <a:fontRef idx="minor">
+          <a:schemeClr val="lt1"/>
+        </a:fontRef>
+      </dsp:style>
+      <dsp:txBody>
+        <a:bodyPr spcFirstLastPara="0" vert="horz" wrap="square" lIns="3810" tIns="3810" rIns="3810" bIns="3810" numCol="1" spcCol="1270" anchor="ctr" anchorCtr="0">
+          <a:noAutofit/>
+        </a:bodyPr>
+        <a:lstStyle/>
+        <a:p>
+          <a:pPr marL="0" lvl="0" indent="0" algn="ctr" defTabSz="44450" latinLnBrk="1">
+            <a:lnSpc>
+              <a:spcPct val="90000"/>
+            </a:lnSpc>
+            <a:spcBef>
+              <a:spcPct val="0"/>
+            </a:spcBef>
+            <a:spcAft>
+              <a:spcPct val="35000"/>
+            </a:spcAft>
+            <a:buNone/>
+          </a:pPr>
+          <a:endParaRPr lang="ko-KR" altLang="en-US" sz="100" kern="1200" baseline="0" dirty="0"/>
+        </a:p>
+      </dsp:txBody>
+      <dsp:txXfrm>
+        <a:off x="4276711" y="1225843"/>
+        <a:ext cx="831357" cy="873936"/>
+      </dsp:txXfrm>
+    </dsp:sp>
+    <dsp:sp modelId="{9A4C46E1-8B9A-4C68-8B39-BC34A14E169D}">
+      <dsp:nvSpPr>
+        <dsp:cNvPr id="0" name=""/>
+        <dsp:cNvSpPr/>
+      </dsp:nvSpPr>
+      <dsp:spPr>
+        <a:xfrm>
+          <a:off x="3476431" y="2977942"/>
+          <a:ext cx="1175715" cy="1235932"/>
+        </a:xfrm>
+        <a:prstGeom prst="ellipse">
+          <a:avLst/>
+        </a:prstGeom>
+        <a:solidFill>
+          <a:srgbClr val="FF0000"/>
+        </a:solidFill>
+        <a:ln w="25400" cap="flat" cmpd="sng" algn="ctr">
+          <a:solidFill>
+            <a:schemeClr val="lt1">
+              <a:hueOff val="0"/>
+              <a:satOff val="0"/>
+              <a:lumOff val="0"/>
+              <a:alphaOff val="0"/>
+            </a:schemeClr>
+          </a:solidFill>
+          <a:prstDash val="solid"/>
+        </a:ln>
+        <a:effectLst/>
+      </dsp:spPr>
+      <dsp:style>
+        <a:lnRef idx="2">
+          <a:scrgbClr r="0" g="0" b="0"/>
+        </a:lnRef>
+        <a:fillRef idx="1">
+          <a:scrgbClr r="0" g="0" b="0"/>
+        </a:fillRef>
+        <a:effectRef idx="0">
+          <a:scrgbClr r="0" g="0" b="0"/>
+        </a:effectRef>
+        <a:fontRef idx="minor">
+          <a:schemeClr val="lt1"/>
+        </a:fontRef>
+      </dsp:style>
+      <dsp:txBody>
+        <a:bodyPr spcFirstLastPara="0" vert="horz" wrap="square" lIns="3810" tIns="3810" rIns="3810" bIns="3810" numCol="1" spcCol="1270" anchor="ctr" anchorCtr="0">
+          <a:noAutofit/>
+        </a:bodyPr>
+        <a:lstStyle/>
+        <a:p>
+          <a:pPr marL="0" lvl="0" indent="0" algn="ctr" defTabSz="44450" latinLnBrk="1">
+            <a:lnSpc>
+              <a:spcPct val="90000"/>
+            </a:lnSpc>
+            <a:spcBef>
+              <a:spcPct val="0"/>
+            </a:spcBef>
+            <a:spcAft>
+              <a:spcPct val="35000"/>
+            </a:spcAft>
+            <a:buNone/>
+          </a:pPr>
+          <a:endParaRPr lang="ko-KR" altLang="en-US" sz="100" kern="1200" baseline="0" dirty="0"/>
+        </a:p>
+      </dsp:txBody>
+      <dsp:txXfrm>
+        <a:off x="3648610" y="3158940"/>
+        <a:ext cx="831357" cy="873936"/>
+      </dsp:txXfrm>
+    </dsp:sp>
+    <dsp:sp modelId="{EF46A026-9604-4ABA-A440-D011897B79AA}">
+      <dsp:nvSpPr>
+        <dsp:cNvPr id="0" name=""/>
+        <dsp:cNvSpPr/>
+      </dsp:nvSpPr>
+      <dsp:spPr>
+        <a:xfrm>
+          <a:off x="1443852" y="2977942"/>
+          <a:ext cx="1175715" cy="1235932"/>
+        </a:xfrm>
+        <a:prstGeom prst="ellipse">
+          <a:avLst/>
+        </a:prstGeom>
+        <a:solidFill>
+          <a:srgbClr val="FF0000"/>
+        </a:solidFill>
+        <a:ln w="25400" cap="flat" cmpd="sng" algn="ctr">
+          <a:solidFill>
+            <a:schemeClr val="lt1">
+              <a:hueOff val="0"/>
+              <a:satOff val="0"/>
+              <a:lumOff val="0"/>
+              <a:alphaOff val="0"/>
+            </a:schemeClr>
+          </a:solidFill>
+          <a:prstDash val="solid"/>
+        </a:ln>
+        <a:effectLst/>
+      </dsp:spPr>
+      <dsp:style>
+        <a:lnRef idx="2">
+          <a:scrgbClr r="0" g="0" b="0"/>
+        </a:lnRef>
+        <a:fillRef idx="1">
+          <a:scrgbClr r="0" g="0" b="0"/>
+        </a:fillRef>
+        <a:effectRef idx="0">
+          <a:scrgbClr r="0" g="0" b="0"/>
+        </a:effectRef>
+        <a:fontRef idx="minor">
+          <a:schemeClr val="lt1"/>
+        </a:fontRef>
+      </dsp:style>
+      <dsp:txBody>
+        <a:bodyPr spcFirstLastPara="0" vert="horz" wrap="square" lIns="3810" tIns="3810" rIns="3810" bIns="3810" numCol="1" spcCol="1270" anchor="ctr" anchorCtr="0">
+          <a:noAutofit/>
+        </a:bodyPr>
+        <a:lstStyle/>
+        <a:p>
+          <a:pPr marL="0" lvl="0" indent="0" algn="ctr" defTabSz="44450" latinLnBrk="1">
+            <a:lnSpc>
+              <a:spcPct val="90000"/>
+            </a:lnSpc>
+            <a:spcBef>
+              <a:spcPct val="0"/>
+            </a:spcBef>
+            <a:spcAft>
+              <a:spcPct val="35000"/>
+            </a:spcAft>
+            <a:buNone/>
+          </a:pPr>
+          <a:endParaRPr lang="ko-KR" altLang="en-US" sz="100" kern="1200" baseline="0" dirty="0"/>
+        </a:p>
+      </dsp:txBody>
+      <dsp:txXfrm>
+        <a:off x="1616031" y="3158940"/>
+        <a:ext cx="831357" cy="873936"/>
+      </dsp:txXfrm>
+    </dsp:sp>
+    <dsp:sp modelId="{A6E4377B-4B0C-4E55-B408-705992217D7C}">
+      <dsp:nvSpPr>
+        <dsp:cNvPr id="0" name=""/>
+        <dsp:cNvSpPr/>
+      </dsp:nvSpPr>
+      <dsp:spPr>
+        <a:xfrm>
+          <a:off x="815751" y="1044845"/>
+          <a:ext cx="1175715" cy="1235932"/>
+        </a:xfrm>
+        <a:prstGeom prst="ellipse">
+          <a:avLst/>
+        </a:prstGeom>
+        <a:solidFill>
+          <a:srgbClr val="FF0000"/>
+        </a:solidFill>
+        <a:ln w="25400" cap="flat" cmpd="sng" algn="ctr">
+          <a:solidFill>
+            <a:schemeClr val="lt1">
+              <a:hueOff val="0"/>
+              <a:satOff val="0"/>
+              <a:lumOff val="0"/>
+              <a:alphaOff val="0"/>
+            </a:schemeClr>
+          </a:solidFill>
+          <a:prstDash val="solid"/>
+        </a:ln>
+        <a:effectLst/>
+      </dsp:spPr>
+      <dsp:style>
+        <a:lnRef idx="2">
+          <a:scrgbClr r="0" g="0" b="0"/>
+        </a:lnRef>
+        <a:fillRef idx="1">
+          <a:scrgbClr r="0" g="0" b="0"/>
+        </a:fillRef>
+        <a:effectRef idx="0">
+          <a:scrgbClr r="0" g="0" b="0"/>
+        </a:effectRef>
+        <a:fontRef idx="minor">
+          <a:schemeClr val="lt1"/>
+        </a:fontRef>
+      </dsp:style>
+      <dsp:txBody>
+        <a:bodyPr spcFirstLastPara="0" vert="horz" wrap="square" lIns="3810" tIns="3810" rIns="3810" bIns="3810" numCol="1" spcCol="1270" anchor="ctr" anchorCtr="0">
+          <a:noAutofit/>
+        </a:bodyPr>
+        <a:lstStyle/>
+        <a:p>
+          <a:pPr marL="0" lvl="0" indent="0" algn="ctr" defTabSz="44450" latinLnBrk="1">
+            <a:lnSpc>
+              <a:spcPct val="90000"/>
+            </a:lnSpc>
+            <a:spcBef>
+              <a:spcPct val="0"/>
+            </a:spcBef>
+            <a:spcAft>
+              <a:spcPct val="35000"/>
+            </a:spcAft>
+            <a:buNone/>
+          </a:pPr>
+          <a:endParaRPr lang="ko-KR" altLang="en-US" sz="100" kern="1200" baseline="0" dirty="0"/>
+        </a:p>
+      </dsp:txBody>
+      <dsp:txXfrm>
+        <a:off x="987930" y="1225843"/>
+        <a:ext cx="831357" cy="873936"/>
+      </dsp:txXfrm>
+    </dsp:sp>
+  </dsp:spTree>
+</dsp:drawing>
+</file>
+
+<file path=ppt/diagrams/layout1.xml><?xml version="1.0" encoding="utf-8"?>
+<dgm:layoutDef xmlns:dgm="http://schemas.openxmlformats.org/drawingml/2006/diagram" xmlns:a="http://schemas.openxmlformats.org/drawingml/2006/main" uniqueId="urn:microsoft.com/office/officeart/2005/8/layout/cycle3">
+  <dgm:title val=""/>
+  <dgm:desc val=""/>
+  <dgm:catLst>
+    <dgm:cat type="cycle" pri="5000"/>
+  </dgm:catLst>
+  <dgm:sampData>
+    <dgm:dataModel>
+      <dgm:ptLst>
+        <dgm:pt modelId="0" type="doc"/>
+        <dgm:pt modelId="1">
+          <dgm:prSet phldr="1"/>
+        </dgm:pt>
+        <dgm:pt modelId="2">
+          <dgm:prSet phldr="1"/>
+        </dgm:pt>
+        <dgm:pt modelId="3">
+          <dgm:prSet phldr="1"/>
+        </dgm:pt>
+        <dgm:pt modelId="4">
+          <dgm:prSet phldr="1"/>
+        </dgm:pt>
+        <dgm:pt modelId="5">
+          <dgm:prSet phldr="1"/>
+        </dgm:pt>
+      </dgm:ptLst>
+      <dgm:cxnLst>
+        <dgm:cxn modelId="6" srcId="0" destId="1" srcOrd="0" destOrd="0"/>
+        <dgm:cxn modelId="7" srcId="0" destId="2" srcOrd="1" destOrd="0"/>
+        <dgm:cxn modelId="8" srcId="0" destId="3" srcOrd="2" destOrd="0"/>
+        <dgm:cxn modelId="9" srcId="0" destId="4" srcOrd="3" destOrd="0"/>
+        <dgm:cxn modelId="10" srcId="0" destId="5" srcOrd="4" destOrd="0"/>
+      </dgm:cxnLst>
+      <dgm:bg/>
+      <dgm:whole/>
+    </dgm:dataModel>
+  </dgm:sampData>
+  <dgm:styleData>
+    <dgm:dataModel>
+      <dgm:ptLst>
+        <dgm:pt modelId="0" type="doc"/>
+        <dgm:pt modelId="1"/>
+        <dgm:pt modelId="2"/>
+        <dgm:pt modelId="3"/>
+      </dgm:ptLst>
+      <dgm:cxnLst>
+        <dgm:cxn modelId="4" srcId="0" destId="1" srcOrd="0" destOrd="0"/>
+        <dgm:cxn modelId="5" srcId="0" destId="2" srcOrd="1" destOrd="0"/>
+        <dgm:cxn modelId="6" srcId="0" destId="3" srcOrd="2" destOrd="0"/>
+      </dgm:cxnLst>
+      <dgm:bg/>
+      <dgm:whole/>
+    </dgm:dataModel>
+  </dgm:styleData>
+  <dgm:clrData>
+    <dgm:dataModel>
+      <dgm:ptLst>
+        <dgm:pt modelId="0" type="doc"/>
+        <dgm:pt modelId="1"/>
+        <dgm:pt modelId="2"/>
+        <dgm:pt modelId="3"/>
+        <dgm:pt modelId="4"/>
+        <dgm:pt modelId="5"/>
+        <dgm:pt modelId="6"/>
+      </dgm:ptLst>
+      <dgm:cxnLst>
+        <dgm:cxn modelId="7" srcId="0" destId="1" srcOrd="0" destOrd="0"/>
+        <dgm:cxn modelId="8" srcId="0" destId="2" srcOrd="1" destOrd="0"/>
+        <dgm:cxn modelId="9" srcId="0" destId="3" srcOrd="2" destOrd="0"/>
+        <dgm:cxn modelId="10" srcId="0" destId="4" srcOrd="3" destOrd="0"/>
+        <dgm:cxn modelId="11" srcId="0" destId="5" srcOrd="4" destOrd="0"/>
+        <dgm:cxn modelId="12" srcId="0" destId="6" srcOrd="5" destOrd="0"/>
+      </dgm:cxnLst>
+      <dgm:bg/>
+      <dgm:whole/>
+    </dgm:dataModel>
+  </dgm:clrData>
+  <dgm:layoutNode name="Name0">
+    <dgm:varLst>
+      <dgm:dir/>
+      <dgm:resizeHandles val="exact"/>
+    </dgm:varLst>
+    <dgm:choose name="Name1">
+      <dgm:if name="Name2" axis="ch" ptType="node" func="cnt" op="equ" val="2">
+        <dgm:alg type="composite">
+          <dgm:param type="ar" val="0.9"/>
+        </dgm:alg>
+        <dgm:shape xmlns:r="http://schemas.openxmlformats.org/officeDocument/2006/relationships" r:blip="">
+          <dgm:adjLst/>
+        </dgm:shape>
+        <dgm:presOf/>
+        <dgm:constrLst>
+          <dgm:constr type="primFontSz" for="ch" ptType="node" op="equ" val="65"/>
+          <dgm:constr type="ctrX" for="ch" forName="node1" refType="w" fact="0.5"/>
+          <dgm:constr type="t" for="ch" forName="node1"/>
+          <dgm:constr type="w" for="ch" forName="node1" refType="w" fact="0.8"/>
+          <dgm:constr type="h" for="ch" forName="node1" refType="w" refFor="ch" refForName="node1" fact="0.5"/>
+          <dgm:constr type="ctrX" for="ch" forName="sibTrans" refType="w" fact="0.5"/>
+          <dgm:constr type="t" for="ch" forName="sibTrans"/>
+          <dgm:constr type="w" for="ch" forName="sibTrans" refType="w" fact="0.8"/>
+          <dgm:constr type="h" for="ch" forName="sibTrans" refType="w" refFor="ch" refForName="node1" fact="0.5"/>
+          <dgm:constr type="userA" for="ch" forName="sibTrans" refType="w" fact="1.07"/>
+          <dgm:constr type="ctrX" for="ch" forName="node2" refType="w" fact="0.5"/>
+          <dgm:constr type="b" for="ch" forName="node2" refType="h"/>
+          <dgm:constr type="w" for="ch" forName="node2" refType="w" fact="0.8"/>
+          <dgm:constr type="h" for="ch" forName="node2" refType="w" refFor="ch" refForName="node1" fact="0.5"/>
+          <dgm:constr type="l" for="ch" forName="sp1"/>
+          <dgm:constr type="t" for="ch" forName="sp1" refType="h" fact="0.5"/>
+          <dgm:constr type="w" for="ch" forName="sp1" val="1"/>
+          <dgm:constr type="h" for="ch" forName="sp1" val="1"/>
+          <dgm:constr type="r" for="ch" forName="sp2" refType="w"/>
+          <dgm:constr type="t" for="ch" forName="sp2" refType="h" fact="0.5"/>
+          <dgm:constr type="w" for="ch" forName="sp2" val="1"/>
+          <dgm:constr type="h" for="ch" forName="sp2" val="1"/>
+        </dgm:constrLst>
+        <dgm:ruleLst/>
+      </dgm:if>
+      <dgm:else name="Name3">
+        <dgm:alg type="composite"/>
+        <dgm:shape xmlns:r="http://schemas.openxmlformats.org/officeDocument/2006/relationships" r:blip="">
+          <dgm:adjLst/>
+        </dgm:shape>
+        <dgm:presOf/>
+        <dgm:constrLst>
+          <dgm:constr type="primFontSz" for="ch" ptType="node" op="equ" val="65"/>
+        </dgm:constrLst>
+        <dgm:ruleLst/>
+      </dgm:else>
+    </dgm:choose>
+    <dgm:choose name="Name4">
+      <dgm:if name="Name5" axis="ch" ptType="node" func="cnt" op="equ" val="2">
+        <dgm:layoutNode name="node1">
+          <dgm:varLst>
+            <dgm:bulletEnabled val="1"/>
+          </dgm:varLst>
+          <dgm:alg type="tx"/>
+          <dgm:shape xmlns:r="http://schemas.openxmlformats.org/officeDocument/2006/relationships" type="roundRect" r:blip="">
+            <dgm:adjLst/>
+          </dgm:shape>
+          <dgm:presOf axis="ch desOrSelf" ptType="node node" st="1 1" cnt="1 0"/>
+          <dgm:constrLst>
+            <dgm:constr type="tMarg" refType="primFontSz" fact="0.3"/>
+            <dgm:constr type="bMarg" refType="primFontSz" fact="0.3"/>
+            <dgm:constr type="lMarg" refType="primFontSz" fact="0.3"/>
+            <dgm:constr type="rMarg" refType="primFontSz" fact="0.3"/>
+          </dgm:constrLst>
+          <dgm:ruleLst>
+            <dgm:rule type="primFontSz" val="5" fact="NaN" max="NaN"/>
+          </dgm:ruleLst>
+        </dgm:layoutNode>
+        <dgm:layoutNode name="sibTrans" styleLbl="bgShp">
+          <dgm:choose name="Name6">
+            <dgm:if name="Name7" func="var" arg="dir" op="equ" val="norm">
+              <dgm:alg type="conn">
+                <dgm:param type="connRout" val="longCurve"/>
+                <dgm:param type="begPts" val="midR"/>
+                <dgm:param type="endPts" val="midL"/>
+                <dgm:param type="dstNode" val="node1"/>
+              </dgm:alg>
+              <dgm:shape xmlns:r="http://schemas.openxmlformats.org/officeDocument/2006/relationships" type="conn" r:blip="" zOrderOff="-2">
+                <dgm:adjLst/>
+              </dgm:shape>
+              <dgm:presOf axis="ch" ptType="sibTrans"/>
+              <dgm:constrLst>
+                <dgm:constr type="userA"/>
+                <dgm:constr type="diam" refType="userA" fact="-1"/>
+                <dgm:constr type="wArH" refType="userA" fact="0.05"/>
+                <dgm:constr type="hArH" refType="userA" fact="0.1"/>
+                <dgm:constr type="stemThick" refType="userA" fact="0.06"/>
+                <dgm:constr type="begPad" refType="connDist" fact="-0.2"/>
+                <dgm:constr type="endPad" refType="connDist" fact="0.05"/>
+              </dgm:constrLst>
+            </dgm:if>
+            <dgm:else name="Name8">
+              <dgm:alg type="conn">
+                <dgm:param type="connRout" val="longCurve"/>
+                <dgm:param type="begPts" val="midL"/>
+                <dgm:param type="endPts" val="midR"/>
+                <dgm:param type="dstNode" val="node1"/>
+              </dgm:alg>
+              <dgm:shape xmlns:r="http://schemas.openxmlformats.org/officeDocument/2006/relationships" type="conn" r:blip="" zOrderOff="-2">
+                <dgm:adjLst/>
+              </dgm:shape>
+              <dgm:presOf axis="ch" ptType="sibTrans"/>
+              <dgm:constrLst>
+                <dgm:constr type="userA"/>
+                <dgm:constr type="diam" refType="userA"/>
+                <dgm:constr type="wArH" refType="userA" fact="0.05"/>
+                <dgm:constr type="hArH" refType="userA" fact="0.1"/>
+                <dgm:constr type="stemThick" refType="userA" fact="0.06"/>
+                <dgm:constr type="begPad" refType="connDist" fact="-0.2"/>
+                <dgm:constr type="endPad" refType="connDist" fact="0.05"/>
+              </dgm:constrLst>
+            </dgm:else>
+          </dgm:choose>
+          <dgm:ruleLst/>
+        </dgm:layoutNode>
+        <dgm:layoutNode name="node2">
+          <dgm:varLst>
+            <dgm:bulletEnabled val="1"/>
+          </dgm:varLst>
+          <dgm:alg type="tx"/>
+          <dgm:shape xmlns:r="http://schemas.openxmlformats.org/officeDocument/2006/relationships" type="roundRect" r:blip="">
+            <dgm:adjLst/>
+          </dgm:shape>
+          <dgm:presOf axis="ch desOrSelf" ptType="node node" st="2 1" cnt="1 0"/>
+          <dgm:constrLst>
+            <dgm:constr type="tMarg" refType="primFontSz" fact="0.3"/>
+            <dgm:constr type="bMarg" refType="primFontSz" fact="0.3"/>
+            <dgm:constr type="lMarg" refType="primFontSz" fact="0.3"/>
+            <dgm:constr type="rMarg" refType="primFontSz" fact="0.3"/>
+          </dgm:constrLst>
+          <dgm:ruleLst>
+            <dgm:rule type="primFontSz" val="5" fact="NaN" max="NaN"/>
+          </dgm:ruleLst>
+        </dgm:layoutNode>
+        <dgm:layoutNode name="sp1">
+          <dgm:alg type="sp"/>
+          <dgm:shape xmlns:r="http://schemas.openxmlformats.org/officeDocument/2006/relationships" r:blip="">
+            <dgm:adjLst/>
+          </dgm:shape>
+          <dgm:presOf/>
+          <dgm:constrLst/>
+          <dgm:ruleLst/>
+        </dgm:layoutNode>
+        <dgm:layoutNode name="sp2">
+          <dgm:alg type="sp"/>
+          <dgm:shape xmlns:r="http://schemas.openxmlformats.org/officeDocument/2006/relationships" r:blip="">
+            <dgm:adjLst/>
+          </dgm:shape>
+          <dgm:presOf/>
+          <dgm:constrLst/>
+          <dgm:ruleLst/>
+        </dgm:layoutNode>
+      </dgm:if>
+      <dgm:else name="Name9">
+        <dgm:layoutNode name="cycle">
+          <dgm:choose name="Name10">
+            <dgm:if name="Name11" func="var" arg="dir" op="equ" val="norm">
+              <dgm:alg type="cycle">
+                <dgm:param type="stAng" val="0"/>
+                <dgm:param type="spanAng" val="360"/>
+              </dgm:alg>
+              <dgm:shape xmlns:r="http://schemas.openxmlformats.org/officeDocument/2006/relationships" r:blip="">
+                <dgm:adjLst/>
+              </dgm:shape>
+              <dgm:presOf/>
+              <dgm:constrLst>
+                <dgm:constr type="diam" refType="w"/>
+                <dgm:constr type="w" for="ch" ptType="node" refType="w"/>
+                <dgm:constr type="sibSp" val="15"/>
+                <dgm:constr type="userA" for="ch" ptType="sibTrans" refType="diam" op="equ" fact="-1"/>
+                <dgm:constr type="wArH" for="ch" ptType="sibTrans" refType="diam" op="equ" fact="0.05"/>
+                <dgm:constr type="hArH" for="ch" ptType="sibTrans" refType="diam" op="equ" fact="0.1"/>
+                <dgm:constr type="stemThick" for="ch" ptType="sibTrans" refType="diam" op="equ" fact="0.065"/>
+                <dgm:constr type="primFontSz" for="ch" ptType="node" op="equ"/>
+              </dgm:constrLst>
+            </dgm:if>
+            <dgm:else name="Name12">
+              <dgm:alg type="cycle">
+                <dgm:param type="stAng" val="0"/>
+                <dgm:param type="spanAng" val="-360"/>
+              </dgm:alg>
+              <dgm:shape xmlns:r="http://schemas.openxmlformats.org/officeDocument/2006/relationships" r:blip="">
+                <dgm:adjLst/>
+              </dgm:shape>
+              <dgm:presOf/>
+              <dgm:constrLst>
+                <dgm:constr type="diam" refType="w"/>
+                <dgm:constr type="w" for="ch" ptType="node" refType="w"/>
+                <dgm:constr type="sibSp" val="15"/>
+                <dgm:constr type="userA" for="ch" ptType="sibTrans" refType="diam" op="equ"/>
+                <dgm:constr type="wArH" for="ch" ptType="sibTrans" refType="diam" op="equ" fact="0.05"/>
+                <dgm:constr type="hArH" for="ch" ptType="sibTrans" refType="diam" op="equ" fact="0.1"/>
+                <dgm:constr type="stemThick" for="ch" ptType="sibTrans" refType="diam" op="equ" fact="0.065"/>
+                <dgm:constr type="primFontSz" for="ch" ptType="node" op="equ"/>
+              </dgm:constrLst>
+            </dgm:else>
+          </dgm:choose>
+          <dgm:ruleLst/>
+          <dgm:forEach name="nodesFirstNodeForEach" axis="ch" ptType="node" cnt="1">
+            <dgm:layoutNode name="nodeFirstNode">
+              <dgm:varLst>
+                <dgm:bulletEnabled val="1"/>
+              </dgm:varLst>
+              <dgm:alg type="tx"/>
+              <dgm:shape xmlns:r="http://schemas.openxmlformats.org/officeDocument/2006/relationships" type="roundRect" r:blip="">
+                <dgm:adjLst/>
+              </dgm:shape>
+              <dgm:presOf axis="desOrSelf" ptType="node"/>
+              <dgm:constrLst>
+                <dgm:constr type="h" refType="w" fact="0.5"/>
+                <dgm:constr type="primFontSz" val="65"/>
+                <dgm:constr type="tMarg" refType="primFontSz" fact="0.3"/>
+                <dgm:constr type="bMarg" refType="primFontSz" fact="0.3"/>
+                <dgm:constr type="lMarg" refType="primFontSz" fact="0.3"/>
+                <dgm:constr type="rMarg" refType="primFontSz" fact="0.3"/>
+              </dgm:constrLst>
+              <dgm:ruleLst>
+                <dgm:rule type="primFontSz" val="5" fact="NaN" max="NaN"/>
+              </dgm:ruleLst>
+            </dgm:layoutNode>
+            <dgm:forEach name="sibTransForEach" axis="followSib" ptType="sibTrans" cnt="1">
+              <dgm:layoutNode name="sibTransFirstNode" styleLbl="bgShp">
+                <dgm:choose name="Name13">
+                  <dgm:if name="Name14" func="var" arg="dir" op="equ" val="norm">
+                    <dgm:alg type="conn">
+                      <dgm:param type="connRout" val="longCurve"/>
+                      <dgm:param type="begPts" val="midR"/>
+                      <dgm:param type="endPts" val="midL"/>
+                      <dgm:param type="dstNode" val="nodeFirstNode"/>
+                    </dgm:alg>
+                  </dgm:if>
+                  <dgm:else name="Name15">
+                    <dgm:alg type="conn">
+                      <dgm:param type="connRout" val="longCurve"/>
+                      <dgm:param type="begPts" val="midL"/>
+                      <dgm:param type="endPts" val="midR"/>
+                      <dgm:param type="dstNode" val="nodeFirstNode"/>
+                    </dgm:alg>
+                  </dgm:else>
+                </dgm:choose>
+                <dgm:shape xmlns:r="http://schemas.openxmlformats.org/officeDocument/2006/relationships" type="conn" r:blip="" zOrderOff="-2">
+                  <dgm:adjLst/>
+                </dgm:shape>
+                <dgm:presOf axis="self"/>
+                <dgm:choose name="Name16">
+                  <dgm:if name="Name17" axis="par ch" ptType="doc node" func="cnt" op="equ" val="3">
+                    <dgm:constrLst>
+                      <dgm:constr type="userA"/>
+                      <dgm:constr type="diam" refType="userA" fact="1.01"/>
+                      <dgm:constr type="begPad" refType="connDist" fact="-0.2"/>
+                      <dgm:constr type="endPad" refType="connDist" fact="0.05"/>
+                    </dgm:constrLst>
+                  </dgm:if>
+                  <dgm:if name="Name18" axis="par ch" ptType="doc node" func="cnt" op="equ" val="4">
+                    <dgm:constrLst>
+                      <dgm:constr type="userA"/>
+                      <dgm:constr type="diam" refType="userA" fact="1.26"/>
+                      <dgm:constr type="begPad" refType="connDist" fact="-0.2"/>
+                      <dgm:constr type="endPad" refType="connDist" fact="0.05"/>
+                    </dgm:constrLst>
+                  </dgm:if>
+                  <dgm:if name="Name19" axis="par ch" ptType="doc node" func="cnt" op="equ" val="5">
+                    <dgm:constrLst>
+                      <dgm:constr type="userA"/>
+                      <dgm:constr type="diam" refType="userA" fact="1.04"/>
+                      <dgm:constr type="begPad" refType="connDist" fact="-0.2"/>
+                      <dgm:constr type="endPad" refType="connDist" fact="0.05"/>
+                    </dgm:constrLst>
+                  </dgm:if>
+                  <dgm:if name="Name20" axis="par ch" ptType="doc node" func="cnt" op="equ" val="6">
+                    <dgm:constrLst>
+                      <dgm:constr type="userA"/>
+                      <dgm:constr type="diam" refType="userA" fact="1.1"/>
+                      <dgm:constr type="begPad" refType="connDist" fact="-0.2"/>
+                      <dgm:constr type="endPad" refType="connDist" fact="0.05"/>
+                    </dgm:constrLst>
+                  </dgm:if>
+                  <dgm:else name="Name21">
+                    <dgm:constrLst>
+                      <dgm:constr type="userA"/>
+                      <dgm:constr type="diam" refType="userA" fact="1.04"/>
+                      <dgm:constr type="begPad" refType="connDist" fact="-0.2"/>
+                      <dgm:constr type="endPad" refType="connDist" fact="0.05"/>
+                    </dgm:constrLst>
+                  </dgm:else>
+                </dgm:choose>
+                <dgm:ruleLst/>
+              </dgm:layoutNode>
+            </dgm:forEach>
+          </dgm:forEach>
+          <dgm:forEach name="followingNodesForEach" axis="ch" ptType="node" st="2">
+            <dgm:layoutNode name="nodeFollowingNodes">
+              <dgm:varLst>
+                <dgm:bulletEnabled val="1"/>
+              </dgm:varLst>
+              <dgm:alg type="tx"/>
+              <dgm:shape xmlns:r="http://schemas.openxmlformats.org/officeDocument/2006/relationships" type="roundRect" r:blip="">
+                <dgm:adjLst/>
+              </dgm:shape>
+              <dgm:presOf axis="desOrSelf" ptType="node"/>
+              <dgm:constrLst>
+                <dgm:constr type="h" refType="w" fact="0.5"/>
+                <dgm:constr type="primFontSz" val="65"/>
+                <dgm:constr type="tMarg" refType="primFontSz" fact="0.3"/>
+                <dgm:constr type="bMarg" refType="primFontSz" fact="0.3"/>
+                <dgm:constr type="lMarg" refType="primFontSz" fact="0.3"/>
+                <dgm:constr type="rMarg" refType="primFontSz" fact="0.3"/>
+              </dgm:constrLst>
+              <dgm:ruleLst>
+                <dgm:rule type="primFontSz" val="5" fact="NaN" max="NaN"/>
+              </dgm:ruleLst>
+            </dgm:layoutNode>
+          </dgm:forEach>
+        </dgm:layoutNode>
+      </dgm:else>
+    </dgm:choose>
+  </dgm:layoutNode>
+</dgm:layoutDef>
+</file>
+
+<file path=ppt/diagrams/quickStyle1.xml><?xml version="1.0" encoding="utf-8"?>
+<dgm:styleDef xmlns:dgm="http://schemas.openxmlformats.org/drawingml/2006/diagram" xmlns:a="http://schemas.openxmlformats.org/drawingml/2006/main" uniqueId="urn:microsoft.com/office/officeart/2005/8/quickstyle/simple1">
+  <dgm:title val=""/>
+  <dgm:desc val=""/>
+  <dgm:catLst>
+    <dgm:cat type="simple" pri="10100"/>
+  </dgm:catLst>
+  <dgm:scene3d>
+    <a:camera prst="orthographicFront"/>
+    <a:lightRig rig="threePt" dir="t"/>
+  </dgm:scene3d>
+  <dgm:styleLbl name="node0">
+    <dgm:scene3d>
+      <a:camera prst="orthographicFront"/>
+      <a:lightRig rig="threePt" dir="t"/>
+    </dgm:scene3d>
+    <dgm:sp3d/>
+    <dgm:txPr/>
+    <dgm:style>
+      <a:lnRef idx="2">
+        <a:scrgbClr r="0" g="0" b="0"/>
+      </a:lnRef>
+      <a:fillRef idx="1">
+        <a:scrgbClr r="0" g="0" b="0"/>
+      </a:fillRef>
+      <a:effectRef idx="0">
+        <a:scrgbClr r="0" g="0" b="0"/>
+      </a:effectRef>
+      <a:fontRef idx="minor">
+        <a:schemeClr val="lt1"/>
+      </a:fontRef>
+    </dgm:style>
+  </dgm:styleLbl>
+  <dgm:styleLbl name="lnNode1">
+    <dgm:scene3d>
+      <a:camera prst="orthographicFront"/>
+      <a:lightRig rig="threePt" dir="t"/>
+    </dgm:scene3d>
+    <dgm:sp3d/>
+    <dgm:txPr/>
+    <dgm:style>
+      <a:lnRef idx="2">
+        <a:scrgbClr r="0" g="0" b="0"/>
+      </a:lnRef>
+      <a:fillRef idx="1">
+        <a:scrgbClr r="0" g="0" b="0"/>
+      </a:fillRef>
+      <a:effectRef idx="0">
+        <a:scrgbClr r="0" g="0" b="0"/>
+      </a:effectRef>
+      <a:fontRef idx="minor">
+        <a:schemeClr val="lt1"/>
+      </a:fontRef>
+    </dgm:style>
+  </dgm:styleLbl>
+  <dgm:styleLbl name="vennNode1">
+    <dgm:scene3d>
+      <a:camera prst="orthographicFront"/>
+      <a:lightRig rig="threePt" dir="t"/>
+    </dgm:scene3d>
+    <dgm:sp3d/>
+    <dgm:txPr/>
+    <dgm:style>
+      <a:lnRef idx="2">
+        <a:scrgbClr r="0" g="0" b="0"/>
+      </a:lnRef>
+      <a:fillRef idx="1">
+        <a:scrgbClr r="0" g="0" b="0"/>
+      </a:fillRef>
+      <a:effectRef idx="0">
+        <a:scrgbClr r="0" g="0" b="0"/>
+      </a:effectRef>
+      <a:fontRef idx="minor">
+        <a:schemeClr val="tx1"/>
+      </a:fontRef>
+    </dgm:style>
+  </dgm:styleLbl>
+  <dgm:styleLbl name="alignNode1">
+    <dgm:scene3d>
+      <a:camera prst="orthographicFront"/>
+      <a:lightRig rig="threePt" dir="t"/>
+    </dgm:scene3d>
+    <dgm:sp3d/>
+    <dgm:txPr/>
+    <dgm:style>
+      <a:lnRef idx="2">
+        <a:scrgbClr r="0" g="0" b="0"/>
+      </a:lnRef>
+      <a:fillRef idx="1">
+        <a:scrgbClr r="0" g="0" b="0"/>
+      </a:fillRef>
+      <a:effectRef idx="0">
+        <a:scrgbClr r="0" g="0" b="0"/>
+      </a:effectRef>
+      <a:fontRef idx="minor">
+        <a:schemeClr val="lt1"/>
+      </a:fontRef>
+    </dgm:style>
+  </dgm:styleLbl>
+  <dgm:styleLbl name="node1">
+    <dgm:scene3d>
+      <a:camera prst="orthographicFront"/>
+      <a:lightRig rig="threePt" dir="t"/>
+    </dgm:scene3d>
+    <dgm:sp3d/>
+    <dgm:txPr/>
+    <dgm:style>
+      <a:lnRef idx="2">
+        <a:scrgbClr r="0" g="0" b="0"/>
+      </a:lnRef>
+      <a:fillRef idx="1">
+        <a:scrgbClr r="0" g="0" b="0"/>
+      </a:fillRef>
+      <a:effectRef idx="0">
+        <a:scrgbClr r="0" g="0" b="0"/>
+      </a:effectRef>
+      <a:fontRef idx="minor">
+        <a:schemeClr val="lt1"/>
+      </a:fontRef>
+    </dgm:style>
+  </dgm:styleLbl>
+  <dgm:styleLbl name="node2">
+    <dgm:scene3d>
+      <a:camera prst="orthographicFront"/>
+      <a:lightRig rig="threePt" dir="t"/>
+    </dgm:scene3d>
+    <dgm:sp3d/>
+    <dgm:txPr/>
+    <dgm:style>
+      <a:lnRef idx="2">
+        <a:scrgbClr r="0" g="0" b="0"/>
+      </a:lnRef>
+      <a:fillRef idx="1">
+        <a:scrgbClr r="0" g="0" b="0"/>
+      </a:fillRef>
+      <a:effectRef idx="0">
+        <a:scrgbClr r="0" g="0" b="0"/>
+      </a:effectRef>
+      <a:fontRef idx="minor">
+        <a:schemeClr val="lt1"/>
+      </a:fontRef>
+    </dgm:style>
+  </dgm:styleLbl>
+  <dgm:styleLbl name="node3">
+    <dgm:scene3d>
+      <a:camera prst="orthographicFront"/>
+      <a:lightRig rig="threePt" dir="t"/>
+    </dgm:scene3d>
+    <dgm:sp3d/>
+    <dgm:txPr/>
+    <dgm:style>
+      <a:lnRef idx="2">
+        <a:scrgbClr r="0" g="0" b="0"/>
+      </a:lnRef>
+      <a:fillRef idx="1">
+        <a:scrgbClr r="0" g="0" b="0"/>
+      </a:fillRef>
+      <a:effectRef idx="0">
+        <a:scrgbClr r="0" g="0" b="0"/>
+      </a:effectRef>
+      <a:fontRef idx="minor">
+        <a:schemeClr val="lt1"/>
+      </a:fontRef>
+    </dgm:style>
+  </dgm:styleLbl>
+  <dgm:styleLbl name="node4">
+    <dgm:scene3d>
+      <a:camera prst="orthographicFront"/>
+      <a:lightRig rig="threePt" dir="t"/>
+    </dgm:scene3d>
+    <dgm:sp3d/>
+    <dgm:txPr/>
+    <dgm:style>
+      <a:lnRef idx="2">
+        <a:scrgbClr r="0" g="0" b="0"/>
+      </a:lnRef>
+      <a:fillRef idx="1">
+        <a:scrgbClr r="0" g="0" b="0"/>
+      </a:fillRef>
+      <a:effectRef idx="0">
+        <a:scrgbClr r="0" g="0" b="0"/>
+      </a:effectRef>
+      <a:fontRef idx="minor">
+        <a:schemeClr val="lt1"/>
+      </a:fontRef>
+    </dgm:style>
+  </dgm:styleLbl>
+  <dgm:styleLbl name="fgImgPlace1">
+    <dgm:scene3d>
+      <a:camera prst="orthographicFront"/>
+      <a:lightRig rig="threePt" dir="t"/>
+    </dgm:scene3d>
+    <dgm:sp3d/>
+    <dgm:txPr/>
+    <dgm:style>
+      <a:lnRef idx="2">
+        <a:scrgbClr r="0" g="0" b="0"/>
+      </a:lnRef>
+      <a:fillRef idx="1">
+        <a:scrgbClr r="0" g="0" b="0"/>
+      </a:fillRef>
+      <a:effectRef idx="0">
+        <a:scrgbClr r="0" g="0" b="0"/>
+      </a:effectRef>
+      <a:fontRef idx="minor"/>
+    </dgm:style>
+  </dgm:styleLbl>
+  <dgm:styleLbl name="alignImgPlace1">
+    <dgm:scene3d>
+      <a:camera prst="orthographicFront"/>
+      <a:lightRig rig="threePt" dir="t"/>
+    </dgm:scene3d>
+    <dgm:sp3d/>
+    <dgm:txPr/>
+    <dgm:style>
+      <a:lnRef idx="2">
+        <a:scrgbClr r="0" g="0" b="0"/>
+      </a:lnRef>
+      <a:fillRef idx="1">
+        <a:scrgbClr r="0" g="0" b="0"/>
+      </a:fillRef>
+      <a:effectRef idx="0">
+        <a:scrgbClr r="0" g="0" b="0"/>
+      </a:effectRef>
+      <a:fontRef idx="minor"/>
+    </dgm:style>
+  </dgm:styleLbl>
+  <dgm:styleLbl name="bgImgPlace1">
+    <dgm:scene3d>
+      <a:camera prst="orthographicFront"/>
+      <a:lightRig rig="threePt" dir="t"/>
+    </dgm:scene3d>
+    <dgm:sp3d/>
+    <dgm:txPr/>
+    <dgm:style>
+      <a:lnRef idx="2">
+        <a:scrgbClr r="0" g="0" b="0"/>
+      </a:lnRef>
+      <a:fillRef idx="1">
+        <a:scrgbClr r="0" g="0" b="0"/>
+      </a:fillRef>
+      <a:effectRef idx="0">
+        <a:scrgbClr r="0" g="0" b="0"/>
+      </a:effectRef>
+      <a:fontRef idx="minor"/>
+    </dgm:style>
+  </dgm:styleLbl>
+  <dgm:styleLbl name="sibTrans2D1">
+    <dgm:scene3d>
+      <a:camera prst="orthographicFront"/>
+      <a:lightRig rig="threePt" dir="t"/>
+    </dgm:scene3d>
+    <dgm:sp3d/>
+    <dgm:txPr/>
+    <dgm:style>
+      <a:lnRef idx="0">
+        <a:scrgbClr r="0" g="0" b="0"/>
+      </a:lnRef>
+      <a:fillRef idx="1">
+        <a:scrgbClr r="0" g="0" b="0"/>
+      </a:fillRef>
+      <a:effectRef idx="0">
+        <a:scrgbClr r="0" g="0" b="0"/>
+      </a:effectRef>
+      <a:fontRef idx="minor">
+        <a:schemeClr val="lt1"/>
+      </a:fontRef>
+    </dgm:style>
+  </dgm:styleLbl>
+  <dgm:styleLbl name="fgSibTrans2D1">
+    <dgm:scene3d>
+      <a:camera prst="orthographicFront"/>
+      <a:lightRig rig="threePt" dir="t"/>
+    </dgm:scene3d>
+    <dgm:sp3d/>
+    <dgm:txPr/>
+    <dgm:style>
+      <a:lnRef idx="0">
+        <a:scrgbClr r="0" g="0" b="0"/>
+      </a:lnRef>
+      <a:fillRef idx="1">
+        <a:scrgbClr r="0" g="0" b="0"/>
+      </a:fillRef>
+      <a:effectRef idx="0">
+        <a:scrgbClr r="0" g="0" b="0"/>
+      </a:effectRef>
+      <a:fontRef idx="minor">
+        <a:schemeClr val="lt1"/>
+      </a:fontRef>
+    </dgm:style>
+  </dgm:styleLbl>
+  <dgm:styleLbl name="bgSibTrans2D1">
+    <dgm:scene3d>
+      <a:camera prst="orthographicFront"/>
+      <a:lightRig rig="threePt" dir="t"/>
+    </dgm:scene3d>
+    <dgm:sp3d/>
+    <dgm:txPr/>
+    <dgm:style>
+      <a:lnRef idx="0">
+        <a:scrgbClr r="0" g="0" b="0"/>
+      </a:lnRef>
+      <a:fillRef idx="1">
+        <a:scrgbClr r="0" g="0" b="0"/>
+      </a:fillRef>
+      <a:effectRef idx="0">
+        <a:scrgbClr r="0" g="0" b="0"/>
+      </a:effectRef>
+      <a:fontRef idx="minor">
+        <a:schemeClr val="lt1"/>
+      </a:fontRef>
+    </dgm:style>
+  </dgm:styleLbl>
+  <dgm:styleLbl name="sibTrans1D1">
+    <dgm:scene3d>
+      <a:camera prst="orthographicFront"/>
+      <a:lightRig rig="threePt" dir="t"/>
+    </dgm:scene3d>
+    <dgm:sp3d/>
+    <dgm:txPr/>
+    <dgm:style>
+      <a:lnRef idx="1">
+        <a:scrgbClr r="0" g="0" b="0"/>
+      </a:lnRef>
+      <a:fillRef idx="0">
+        <a:scrgbClr r="0" g="0" b="0"/>
+      </a:fillRef>
+      <a:effectRef idx="0">
+        <a:scrgbClr r="0" g="0" b="0"/>
+      </a:effectRef>
+      <a:fontRef idx="minor"/>
+    </dgm:style>
+  </dgm:styleLbl>
+  <dgm:styleLbl name="callout">
+    <dgm:scene3d>
+      <a:camera prst="orthographicFront"/>
+      <a:lightRig rig="threePt" dir="t"/>
+    </dgm:scene3d>
+    <dgm:sp3d/>
+    <dgm:txPr/>
+    <dgm:style>
+      <a:lnRef idx="2">
+        <a:scrgbClr r="0" g="0" b="0"/>
+      </a:lnRef>
+      <a:fillRef idx="1">
+        <a:scrgbClr r="0" g="0" b="0"/>
+      </a:fillRef>
+      <a:effectRef idx="0">
+        <a:scrgbClr r="0" g="0" b="0"/>
+      </a:effectRef>
+      <a:fontRef idx="minor"/>
+    </dgm:style>
+  </dgm:styleLbl>
+  <dgm:styleLbl name="asst0">
+    <dgm:scene3d>
+      <a:camera prst="orthographicFront"/>
+      <a:lightRig rig="threePt" dir="t"/>
+    </dgm:scene3d>
+    <dgm:sp3d/>
+    <dgm:txPr/>
+    <dgm:style>
+      <a:lnRef idx="2">
+        <a:scrgbClr r="0" g="0" b="0"/>
+      </a:lnRef>
+      <a:fillRef idx="1">
+        <a:scrgbClr r="0" g="0" b="0"/>
+      </a:fillRef>
+      <a:effectRef idx="0">
+        <a:scrgbClr r="0" g="0" b="0"/>
+      </a:effectRef>
+      <a:fontRef idx="minor">
+        <a:schemeClr val="lt1"/>
+      </a:fontRef>
+    </dgm:style>
+  </dgm:styleLbl>
+  <dgm:styleLbl name="asst1">
+    <dgm:scene3d>
+      <a:camera prst="orthographicFront"/>
+      <a:lightRig rig="threePt" dir="t"/>
+    </dgm:scene3d>
+    <dgm:sp3d/>
+    <dgm:txPr/>
+    <dgm:style>
+      <a:lnRef idx="2">
+        <a:scrgbClr r="0" g="0" b="0"/>
+      </a:lnRef>
+      <a:fillRef idx="1">
+        <a:scrgbClr r="0" g="0" b="0"/>
+      </a:fillRef>
+      <a:effectRef idx="0">
+        <a:scrgbClr r="0" g="0" b="0"/>
+      </a:effectRef>
+      <a:fontRef idx="minor">
+        <a:schemeClr val="lt1"/>
+      </a:fontRef>
+    </dgm:style>
+  </dgm:styleLbl>
+  <dgm:styleLbl name="asst2">
+    <dgm:scene3d>
+      <a:camera prst="orthographicFront"/>
+      <a:lightRig rig="threePt" dir="t"/>
+    </dgm:scene3d>
+    <dgm:sp3d/>
+    <dgm:txPr/>
+    <dgm:style>
+      <a:lnRef idx="2">
+        <a:scrgbClr r="0" g="0" b="0"/>
+      </a:lnRef>
+      <a:fillRef idx="1">
+        <a:scrgbClr r="0" g="0" b="0"/>
+      </a:fillRef>
+      <a:effectRef idx="0">
+        <a:scrgbClr r="0" g="0" b="0"/>
+      </a:effectRef>
+      <a:fontRef idx="minor">
+        <a:schemeClr val="lt1"/>
+      </a:fontRef>
+    </dgm:style>
+  </dgm:styleLbl>
+  <dgm:styleLbl name="asst3">
+    <dgm:scene3d>
+      <a:camera prst="orthographicFront"/>
+      <a:lightRig rig="threePt" dir="t"/>
+    </dgm:scene3d>
+    <dgm:sp3d/>
+    <dgm:txPr/>
+    <dgm:style>
+      <a:lnRef idx="2">
+        <a:scrgbClr r="0" g="0" b="0"/>
+      </a:lnRef>
+      <a:fillRef idx="1">
+        <a:scrgbClr r="0" g="0" b="0"/>
+      </a:fillRef>
+      <a:effectRef idx="0">
+        <a:scrgbClr r="0" g="0" b="0"/>
+      </a:effectRef>
+      <a:fontRef idx="minor">
+        <a:schemeClr val="lt1"/>
+      </a:fontRef>
+    </dgm:style>
+  </dgm:styleLbl>
+  <dgm:styleLbl name="asst4">
+    <dgm:scene3d>
+      <a:camera prst="orthographicFront"/>
+      <a:lightRig rig="threePt" dir="t"/>
+    </dgm:scene3d>
+    <dgm:sp3d/>
+    <dgm:txPr/>
+    <dgm:style>
+      <a:lnRef idx="2">
+        <a:scrgbClr r="0" g="0" b="0"/>
+      </a:lnRef>
+      <a:fillRef idx="1">
+        <a:scrgbClr r="0" g="0" b="0"/>
+      </a:fillRef>
+      <a:effectRef idx="0">
+        <a:scrgbClr r="0" g="0" b="0"/>
+      </a:effectRef>
+      <a:fontRef idx="minor">
+        <a:schemeClr val="lt1"/>
+      </a:fontRef>
+    </dgm:style>
+  </dgm:styleLbl>
+  <dgm:styleLbl name="parChTrans2D1">
+    <dgm:scene3d>
+      <a:camera prst="orthographicFront"/>
+      <a:lightRig rig="threePt" dir="t"/>
+    </dgm:scene3d>
+    <dgm:sp3d/>
+    <dgm:txPr/>
+    <dgm:style>
+      <a:lnRef idx="2">
+        <a:scrgbClr r="0" g="0" b="0"/>
+      </a:lnRef>
+      <a:fillRef idx="1">
+        <a:scrgbClr r="0" g="0" b="0"/>
+      </a:fillRef>
+      <a:effectRef idx="0">
+        <a:scrgbClr r="0" g="0" b="0"/>
+      </a:effectRef>
+      <a:fontRef idx="minor">
+        <a:schemeClr val="lt1"/>
+      </a:fontRef>
+    </dgm:style>
+  </dgm:styleLbl>
+  <dgm:styleLbl name="parChTrans2D2">
+    <dgm:scene3d>
+      <a:camera prst="orthographicFront"/>
+      <a:lightRig rig="threePt" dir="t"/>
+    </dgm:scene3d>
+    <dgm:sp3d/>
+    <dgm:txPr/>
+    <dgm:style>
+      <a:lnRef idx="2">
+        <a:scrgbClr r="0" g="0" b="0"/>
+      </a:lnRef>
+      <a:fillRef idx="1">
+        <a:scrgbClr r="0" g="0" b="0"/>
+      </a:fillRef>
+      <a:effectRef idx="0">
+        <a:scrgbClr r="0" g="0" b="0"/>
+      </a:effectRef>
+      <a:fontRef idx="minor">
+        <a:schemeClr val="lt1"/>
+      </a:fontRef>
+    </dgm:style>
+  </dgm:styleLbl>
+  <dgm:styleLbl name="parChTrans2D3">
+    <dgm:scene3d>
+      <a:camera prst="orthographicFront"/>
+      <a:lightRig rig="threePt" dir="t"/>
+    </dgm:scene3d>
+    <dgm:sp3d/>
+    <dgm:txPr/>
+    <dgm:style>
+      <a:lnRef idx="2">
+        <a:scrgbClr r="0" g="0" b="0"/>
+      </a:lnRef>
+      <a:fillRef idx="1">
+        <a:scrgbClr r="0" g="0" b="0"/>
+      </a:fillRef>
+      <a:effectRef idx="0">
+        <a:scrgbClr r="0" g="0" b="0"/>
+      </a:effectRef>
+      <a:fontRef idx="minor">
+        <a:schemeClr val="lt1"/>
+      </a:fontRef>
+    </dgm:style>
+  </dgm:styleLbl>
+  <dgm:styleLbl name="parChTrans2D4">
+    <dgm:scene3d>
+      <a:camera prst="orthographicFront"/>
+      <a:lightRig rig="threePt" dir="t"/>
+    </dgm:scene3d>
+    <dgm:sp3d/>
+    <dgm:txPr/>
+    <dgm:style>
+      <a:lnRef idx="2">
+        <a:scrgbClr r="0" g="0" b="0"/>
+      </a:lnRef>
+      <a:fillRef idx="1">
+        <a:scrgbClr r="0" g="0" b="0"/>
+      </a:fillRef>
+      <a:effectRef idx="0">
+        <a:scrgbClr r="0" g="0" b="0"/>
+      </a:effectRef>
+      <a:fontRef idx="minor">
+        <a:schemeClr val="lt1"/>
+      </a:fontRef>
+    </dgm:style>
+  </dgm:styleLbl>
+  <dgm:styleLbl name="parChTrans1D1">
+    <dgm:scene3d>
+      <a:camera prst="orthographicFront"/>
+      <a:lightRig rig="threePt" dir="t"/>
+    </dgm:scene3d>
+    <dgm:sp3d/>
+    <dgm:txPr/>
+    <dgm:style>
+      <a:lnRef idx="2">
+        <a:scrgbClr r="0" g="0" b="0"/>
+      </a:lnRef>
+      <a:fillRef idx="0">
+        <a:scrgbClr r="0" g="0" b="0"/>
+      </a:fillRef>
+      <a:effectRef idx="0">
+        <a:scrgbClr r="0" g="0" b="0"/>
+      </a:effectRef>
+      <a:fontRef idx="minor"/>
+    </dgm:style>
+  </dgm:styleLbl>
+  <dgm:styleLbl name="parChTrans1D2">
+    <dgm:scene3d>
+      <a:camera prst="orthographicFront"/>
+      <a:lightRig rig="threePt" dir="t"/>
+    </dgm:scene3d>
+    <dgm:sp3d/>
+    <dgm:txPr/>
+    <dgm:style>
+      <a:lnRef idx="2">
+        <a:scrgbClr r="0" g="0" b="0"/>
+      </a:lnRef>
+      <a:fillRef idx="0">
+        <a:scrgbClr r="0" g="0" b="0"/>
+      </a:fillRef>
+      <a:effectRef idx="0">
+        <a:scrgbClr r="0" g="0" b="0"/>
+      </a:effectRef>
+      <a:fontRef idx="minor"/>
+    </dgm:style>
+  </dgm:styleLbl>
+  <dgm:styleLbl name="parChTrans1D3">
+    <dgm:scene3d>
+      <a:camera prst="orthographicFront"/>
+      <a:lightRig rig="threePt" dir="t"/>
+    </dgm:scene3d>
+    <dgm:sp3d/>
+    <dgm:txPr/>
+    <dgm:style>
+      <a:lnRef idx="2">
+        <a:scrgbClr r="0" g="0" b="0"/>
+      </a:lnRef>
+      <a:fillRef idx="0">
+        <a:scrgbClr r="0" g="0" b="0"/>
+      </a:fillRef>
+      <a:effectRef idx="0">
+        <a:scrgbClr r="0" g="0" b="0"/>
+      </a:effectRef>
+      <a:fontRef idx="minor"/>
+    </dgm:style>
+  </dgm:styleLbl>
+  <dgm:styleLbl name="parChTrans1D4">
+    <dgm:scene3d>
+      <a:camera prst="orthographicFront"/>
+      <a:lightRig rig="threePt" dir="t"/>
+    </dgm:scene3d>
+    <dgm:sp3d/>
+    <dgm:txPr/>
+    <dgm:style>
+      <a:lnRef idx="2">
+        <a:scrgbClr r="0" g="0" b="0"/>
+      </a:lnRef>
+      <a:fillRef idx="0">
+        <a:scrgbClr r="0" g="0" b="0"/>
+      </a:fillRef>
+      <a:effectRef idx="0">
+        <a:scrgbClr r="0" g="0" b="0"/>
+      </a:effectRef>
+      <a:fontRef idx="minor"/>
+    </dgm:style>
+  </dgm:styleLbl>
+  <dgm:styleLbl name="fgAcc1">
+    <dgm:scene3d>
+      <a:camera prst="orthographicFront"/>
+      <a:lightRig rig="threePt" dir="t"/>
+    </dgm:scene3d>
+    <dgm:sp3d/>
+    <dgm:txPr/>
+    <dgm:style>
+      <a:lnRef idx="2">
+        <a:scrgbClr r="0" g="0" b="0"/>
+      </a:lnRef>
+      <a:fillRef idx="1">
+        <a:scrgbClr r="0" g="0" b="0"/>
+      </a:fillRef>
+      <a:effectRef idx="0">
+        <a:scrgbClr r="0" g="0" b="0"/>
+      </a:effectRef>
+      <a:fontRef idx="minor"/>
+    </dgm:style>
+  </dgm:styleLbl>
+  <dgm:styleLbl name="conFgAcc1">
+    <dgm:scene3d>
+      <a:camera prst="orthographicFront"/>
+      <a:lightRig rig="threePt" dir="t"/>
+    </dgm:scene3d>
+    <dgm:sp3d/>
+    <dgm:txPr/>
+    <dgm:style>
+      <a:lnRef idx="2">
+        <a:scrgbClr r="0" g="0" b="0"/>
+      </a:lnRef>
+      <a:fillRef idx="1">
+        <a:scrgbClr r="0" g="0" b="0"/>
+      </a:fillRef>
+      <a:effectRef idx="0">
+        <a:scrgbClr r="0" g="0" b="0"/>
+      </a:effectRef>
+      <a:fontRef idx="minor"/>
+    </dgm:style>
+  </dgm:styleLbl>
+  <dgm:styleLbl name="alignAcc1">
+    <dgm:scene3d>
+      <a:camera prst="orthographicFront"/>
+      <a:lightRig rig="threePt" dir="t"/>
+    </dgm:scene3d>
+    <dgm:sp3d/>
+    <dgm:txPr/>
+    <dgm:style>
+      <a:lnRef idx="2">
+        <a:scrgbClr r="0" g="0" b="0"/>
+      </a:lnRef>
+      <a:fillRef idx="1">
+        <a:scrgbClr r="0" g="0" b="0"/>
+      </a:fillRef>
+      <a:effectRef idx="0">
+        <a:scrgbClr r="0" g="0" b="0"/>
+      </a:effectRef>
+      <a:fontRef idx="minor"/>
+    </dgm:style>
+  </dgm:styleLbl>
+  <dgm:styleLbl name="trAlignAcc1">
+    <dgm:scene3d>
+      <a:camera prst="orthographicFront"/>
+      <a:lightRig rig="threePt" dir="t"/>
+    </dgm:scene3d>
+    <dgm:sp3d/>
+    <dgm:txPr/>
+    <dgm:style>
+      <a:lnRef idx="1">
+        <a:scrgbClr r="0" g="0" b="0"/>
+      </a:lnRef>
+      <a:fillRef idx="1">
+        <a:scrgbClr r="0" g="0" b="0"/>
+      </a:fillRef>
+      <a:effectRef idx="0">
+        <a:scrgbClr r="0" g="0" b="0"/>
+      </a:effectRef>
+      <a:fontRef idx="minor"/>
+    </dgm:style>
+  </dgm:styleLbl>
+  <dgm:styleLbl name="bgAcc1">
+    <dgm:scene3d>
+      <a:camera prst="orthographicFront"/>
+      <a:lightRig rig="threePt" dir="t"/>
+    </dgm:scene3d>
+    <dgm:sp3d/>
+    <dgm:txPr/>
+    <dgm:style>
+      <a:lnRef idx="2">
+        <a:scrgbClr r="0" g="0" b="0"/>
+      </a:lnRef>
+      <a:fillRef idx="1">
+        <a:scrgbClr r="0" g="0" b="0"/>
+      </a:fillRef>
+      <a:effectRef idx="0">
+        <a:scrgbClr r="0" g="0" b="0"/>
+      </a:effectRef>
+      <a:fontRef idx="minor"/>
+    </dgm:style>
+  </dgm:styleLbl>
+  <dgm:styleLbl name="solidFgAcc1">
+    <dgm:scene3d>
+      <a:camera prst="orthographicFront"/>
+      <a:lightRig rig="threePt" dir="t"/>
+    </dgm:scene3d>
+    <dgm:sp3d/>
+    <dgm:txPr/>
+    <dgm:style>
+      <a:lnRef idx="2">
+        <a:scrgbClr r="0" g="0" b="0"/>
+      </a:lnRef>
+      <a:fillRef idx="1">
+        <a:scrgbClr r="0" g="0" b="0"/>
+      </a:fillRef>
+      <a:effectRef idx="0">
+        <a:scrgbClr r="0" g="0" b="0"/>
+      </a:effectRef>
+      <a:fontRef idx="minor"/>
+    </dgm:style>
+  </dgm:styleLbl>
+  <dgm:styleLbl name="solidAlignAcc1">
+    <dgm:scene3d>
+      <a:camera prst="orthographicFront"/>
+      <a:lightRig rig="threePt" dir="t"/>
+    </dgm:scene3d>
+    <dgm:sp3d/>
+    <dgm:txPr/>
+    <dgm:style>
+      <a:lnRef idx="2">
+        <a:scrgbClr r="0" g="0" b="0"/>
+      </a:lnRef>
+      <a:fillRef idx="1">
+        <a:scrgbClr r="0" g="0" b="0"/>
+      </a:fillRef>
+      <a:effectRef idx="0">
+        <a:scrgbClr r="0" g="0" b="0"/>
+      </a:effectRef>
+      <a:fontRef idx="minor"/>
+    </dgm:style>
+  </dgm:styleLbl>
+  <dgm:styleLbl name="solidBgAcc1">
+    <dgm:scene3d>
+      <a:camera prst="orthographicFront"/>
+      <a:lightRig rig="threePt" dir="t"/>
+    </dgm:scene3d>
+    <dgm:sp3d/>
+    <dgm:txPr/>
+    <dgm:style>
+      <a:lnRef idx="2">
+        <a:scrgbClr r="0" g="0" b="0"/>
+      </a:lnRef>
+      <a:fillRef idx="1">
+        <a:scrgbClr r="0" g="0" b="0"/>
+      </a:fillRef>
+      <a:effectRef idx="0">
+        <a:scrgbClr r="0" g="0" b="0"/>
+      </a:effectRef>
+      <a:fontRef idx="minor"/>
+    </dgm:style>
+  </dgm:styleLbl>
+  <dgm:styleLbl name="fgAccFollowNode1">
+    <dgm:scene3d>
+      <a:camera prst="orthographicFront"/>
+      <a:lightRig rig="threePt" dir="t"/>
+    </dgm:scene3d>
+    <dgm:sp3d/>
+    <dgm:txPr/>
+    <dgm:style>
+      <a:lnRef idx="2">
+        <a:scrgbClr r="0" g="0" b="0"/>
+      </a:lnRef>
+      <a:fillRef idx="1">
+        <a:scrgbClr r="0" g="0" b="0"/>
+      </a:fillRef>
+      <a:effectRef idx="0">
+        <a:scrgbClr r="0" g="0" b="0"/>
+      </a:effectRef>
+      <a:fontRef idx="minor"/>
+    </dgm:style>
+  </dgm:styleLbl>
+  <dgm:styleLbl name="alignAccFollowNode1">
+    <dgm:scene3d>
+      <a:camera prst="orthographicFront"/>
+      <a:lightRig rig="threePt" dir="t"/>
+    </dgm:scene3d>
+    <dgm:sp3d/>
+    <dgm:txPr/>
+    <dgm:style>
+      <a:lnRef idx="2">
+        <a:scrgbClr r="0" g="0" b="0"/>
+      </a:lnRef>
+      <a:fillRef idx="1">
+        <a:scrgbClr r="0" g="0" b="0"/>
+      </a:fillRef>
+      <a:effectRef idx="0">
+        <a:scrgbClr r="0" g="0" b="0"/>
+      </a:effectRef>
+      <a:fontRef idx="minor"/>
+    </dgm:style>
+  </dgm:styleLbl>
+  <dgm:styleLbl name="bgAccFollowNode1">
+    <dgm:scene3d>
+      <a:camera prst="orthographicFront"/>
+      <a:lightRig rig="threePt" dir="t"/>
+    </dgm:scene3d>
+    <dgm:sp3d/>
+    <dgm:txPr/>
+    <dgm:style>
+      <a:lnRef idx="2">
+        <a:scrgbClr r="0" g="0" b="0"/>
+      </a:lnRef>
+      <a:fillRef idx="1">
+        <a:scrgbClr r="0" g="0" b="0"/>
+      </a:fillRef>
+      <a:effectRef idx="0">
+        <a:scrgbClr r="0" g="0" b="0"/>
+      </a:effectRef>
+      <a:fontRef idx="minor"/>
+    </dgm:style>
+  </dgm:styleLbl>
+  <dgm:styleLbl name="fgAcc0">
+    <dgm:scene3d>
+      <a:camera prst="orthographicFront"/>
+      <a:lightRig rig="threePt" dir="t"/>
+    </dgm:scene3d>
+    <dgm:sp3d/>
+    <dgm:txPr/>
+    <dgm:style>
+      <a:lnRef idx="2">
+        <a:scrgbClr r="0" g="0" b="0"/>
+      </a:lnRef>
+      <a:fillRef idx="1">
+        <a:scrgbClr r="0" g="0" b="0"/>
+      </a:fillRef>
+      <a:effectRef idx="0">
+        <a:scrgbClr r="0" g="0" b="0"/>
+      </a:effectRef>
+      <a:fontRef idx="minor"/>
+    </dgm:style>
+  </dgm:styleLbl>
+  <dgm:styleLbl name="fgAcc2">
+    <dgm:scene3d>
+      <a:camera prst="orthographicFront"/>
+      <a:lightRig rig="threePt" dir="t"/>
+    </dgm:scene3d>
+    <dgm:sp3d/>
+    <dgm:txPr/>
+    <dgm:style>
+      <a:lnRef idx="2">
+        <a:scrgbClr r="0" g="0" b="0"/>
+      </a:lnRef>
+      <a:fillRef idx="1">
+        <a:scrgbClr r="0" g="0" b="0"/>
+      </a:fillRef>
+      <a:effectRef idx="0">
+        <a:scrgbClr r="0" g="0" b="0"/>
+      </a:effectRef>
+      <a:fontRef idx="minor"/>
+    </dgm:style>
+  </dgm:styleLbl>
+  <dgm:styleLbl name="fgAcc3">
+    <dgm:scene3d>
+      <a:camera prst="orthographicFront"/>
+      <a:lightRig rig="threePt" dir="t"/>
+    </dgm:scene3d>
+    <dgm:sp3d/>
+    <dgm:txPr/>
+    <dgm:style>
+      <a:lnRef idx="2">
+        <a:scrgbClr r="0" g="0" b="0"/>
+      </a:lnRef>
+      <a:fillRef idx="1">
+        <a:scrgbClr r="0" g="0" b="0"/>
+      </a:fillRef>
+      <a:effectRef idx="0">
+        <a:scrgbClr r="0" g="0" b="0"/>
+      </a:effectRef>
+      <a:fontRef idx="minor"/>
+    </dgm:style>
+  </dgm:styleLbl>
+  <dgm:styleLbl name="fgAcc4">
+    <dgm:scene3d>
+      <a:camera prst="orthographicFront"/>
+      <a:lightRig rig="threePt" dir="t"/>
+    </dgm:scene3d>
+    <dgm:sp3d/>
+    <dgm:txPr/>
+    <dgm:style>
+      <a:lnRef idx="2">
+        <a:scrgbClr r="0" g="0" b="0"/>
+      </a:lnRef>
+      <a:fillRef idx="1">
+        <a:scrgbClr r="0" g="0" b="0"/>
+      </a:fillRef>
+      <a:effectRef idx="0">
+        <a:scrgbClr r="0" g="0" b="0"/>
+      </a:effectRef>
+      <a:fontRef idx="minor"/>
+    </dgm:style>
+  </dgm:styleLbl>
+  <dgm:styleLbl name="bgShp">
+    <dgm:scene3d>
+      <a:camera prst="orthographicFront"/>
+      <a:lightRig rig="threePt" dir="t"/>
+    </dgm:scene3d>
+    <dgm:sp3d/>
+    <dgm:txPr/>
+    <dgm:style>
+      <a:lnRef idx="0">
+        <a:scrgbClr r="0" g="0" b="0"/>
+      </a:lnRef>
+      <a:fillRef idx="1">
+        <a:scrgbClr r="0" g="0" b="0"/>
+      </a:fillRef>
+      <a:effectRef idx="0">
+        <a:scrgbClr r="0" g="0" b="0"/>
+      </a:effectRef>
+      <a:fontRef idx="minor"/>
+    </dgm:style>
+  </dgm:styleLbl>
+  <dgm:styleLbl name="dkBgShp">
+    <dgm:scene3d>
+      <a:camera prst="orthographicFront"/>
+      <a:lightRig rig="threePt" dir="t"/>
+    </dgm:scene3d>
+    <dgm:sp3d/>
+    <dgm:txPr/>
+    <dgm:style>
+      <a:lnRef idx="0">
+        <a:scrgbClr r="0" g="0" b="0"/>
+      </a:lnRef>
+      <a:fillRef idx="1">
+        <a:scrgbClr r="0" g="0" b="0"/>
+      </a:fillRef>
+      <a:effectRef idx="0">
+        <a:scrgbClr r="0" g="0" b="0"/>
+      </a:effectRef>
+      <a:fontRef idx="minor"/>
+    </dgm:style>
+  </dgm:styleLbl>
+  <dgm:styleLbl name="trBgShp">
+    <dgm:scene3d>
+      <a:camera prst="orthographicFront"/>
+      <a:lightRig rig="threePt" dir="t"/>
+    </dgm:scene3d>
+    <dgm:sp3d/>
+    <dgm:txPr/>
+    <dgm:style>
+      <a:lnRef idx="0">
+        <a:scrgbClr r="0" g="0" b="0"/>
+      </a:lnRef>
+      <a:fillRef idx="1">
+        <a:scrgbClr r="0" g="0" b="0"/>
+      </a:fillRef>
+      <a:effectRef idx="0">
+        <a:scrgbClr r="0" g="0" b="0"/>
+      </a:effectRef>
+      <a:fontRef idx="minor"/>
+    </dgm:style>
+  </dgm:styleLbl>
+  <dgm:styleLbl name="fgShp">
+    <dgm:scene3d>
+      <a:camera prst="orthographicFront"/>
+      <a:lightRig rig="threePt" dir="t"/>
+    </dgm:scene3d>
+    <dgm:sp3d/>
+    <dgm:txPr/>
+    <dgm:style>
+      <a:lnRef idx="2">
+        <a:scrgbClr r="0" g="0" b="0"/>
+      </a:lnRef>
+      <a:fillRef idx="1">
+        <a:scrgbClr r="0" g="0" b="0"/>
+      </a:fillRef>
+      <a:effectRef idx="0">
+        <a:scrgbClr r="0" g="0" b="0"/>
+      </a:effectRef>
+      <a:fontRef idx="minor"/>
+    </dgm:style>
+  </dgm:styleLbl>
+  <dgm:styleLbl name="revTx">
+    <dgm:scene3d>
+      <a:camera prst="orthographicFront"/>
+      <a:lightRig rig="threePt" dir="t"/>
+    </dgm:scene3d>
+    <dgm:sp3d/>
+    <dgm:txPr/>
+    <dgm:style>
+      <a:lnRef idx="0">
+        <a:scrgbClr r="0" g="0" b="0"/>
+      </a:lnRef>
+      <a:fillRef idx="0">
+        <a:scrgbClr r="0" g="0" b="0"/>
+      </a:fillRef>
+      <a:effectRef idx="0">
+        <a:scrgbClr r="0" g="0" b="0"/>
+      </a:effectRef>
+      <a:fontRef idx="minor"/>
+    </dgm:style>
+  </dgm:styleLbl>
+</dgm:styleDef>
+</file>
+
 <file path=ppt/notesMasters/notesMaster1.xml><?xml version="1.0" encoding="utf-8"?>
 <p:notesMaster xmlns:a="http://schemas.openxmlformats.org/drawingml/2006/main" xmlns:r="http://schemas.openxmlformats.org/officeDocument/2006/relationships" xmlns:p="http://schemas.openxmlformats.org/presentationml/2006/main">
   <p:cSld>
@@ -478,7 +3888,7 @@
           <a:p>
             <a:fld id="{0188BD66-E6E7-4C45-AB6D-5D322163BA3A}" type="datetimeFigureOut">
               <a:rPr lang="ko-KR" altLang="en-US" smtClean="0"/>
-              <a:t>2021-09-23</a:t>
+              <a:t>2021-10-06</a:t>
             </a:fld>
             <a:endParaRPr lang="ko-KR" altLang="en-US"/>
           </a:p>
@@ -745,6 +4155,90 @@
 </p:notesMaster>
 </file>
 
+<file path=ppt/notesSlides/notesSlide1.xml><?xml version="1.0" encoding="utf-8"?>
+<p:notes xmlns:a="http://schemas.openxmlformats.org/drawingml/2006/main" xmlns:r="http://schemas.openxmlformats.org/officeDocument/2006/relationships" xmlns:p="http://schemas.openxmlformats.org/presentationml/2006/main">
+  <p:cSld>
+    <p:spTree>
+      <p:nvGrpSpPr>
+        <p:cNvPr id="1" name=""/>
+        <p:cNvGrpSpPr/>
+        <p:nvPr/>
+      </p:nvGrpSpPr>
+      <p:grpSpPr>
+        <a:xfrm>
+          <a:off x="0" y="0"/>
+          <a:ext cx="0" cy="0"/>
+          <a:chOff x="0" y="0"/>
+          <a:chExt cx="0" cy="0"/>
+        </a:xfrm>
+      </p:grpSpPr>
+      <p:sp>
+        <p:nvSpPr>
+          <p:cNvPr id="2" name="슬라이드 이미지 개체 틀 1"/>
+          <p:cNvSpPr>
+            <a:spLocks noGrp="1" noRot="1" noChangeAspect="1"/>
+          </p:cNvSpPr>
+          <p:nvPr>
+            <p:ph type="sldImg"/>
+          </p:nvPr>
+        </p:nvSpPr>
+        <p:spPr/>
+      </p:sp>
+      <p:sp>
+        <p:nvSpPr>
+          <p:cNvPr id="3" name="슬라이드 노트 개체 틀 2"/>
+          <p:cNvSpPr>
+            <a:spLocks noGrp="1"/>
+          </p:cNvSpPr>
+          <p:nvPr>
+            <p:ph type="body" idx="1"/>
+          </p:nvPr>
+        </p:nvSpPr>
+        <p:spPr/>
+        <p:txBody>
+          <a:bodyPr/>
+          <a:lstStyle/>
+          <a:p>
+            <a:endParaRPr lang="ko-KR" altLang="en-US" dirty="0"/>
+          </a:p>
+        </p:txBody>
+      </p:sp>
+      <p:sp>
+        <p:nvSpPr>
+          <p:cNvPr id="4" name="슬라이드 번호 개체 틀 3"/>
+          <p:cNvSpPr>
+            <a:spLocks noGrp="1"/>
+          </p:cNvSpPr>
+          <p:nvPr>
+            <p:ph type="sldNum" sz="quarter" idx="5"/>
+          </p:nvPr>
+        </p:nvSpPr>
+        <p:spPr/>
+        <p:txBody>
+          <a:bodyPr/>
+          <a:lstStyle/>
+          <a:p>
+            <a:fld id="{291406B7-BE9D-4C70-8440-890E6A8538B3}" type="slidenum">
+              <a:rPr lang="ko-KR" altLang="en-US" smtClean="0"/>
+              <a:t>5</a:t>
+            </a:fld>
+            <a:endParaRPr lang="ko-KR" altLang="en-US"/>
+          </a:p>
+        </p:txBody>
+      </p:sp>
+    </p:spTree>
+    <p:extLst>
+      <p:ext uri="{BB962C8B-B14F-4D97-AF65-F5344CB8AC3E}">
+        <p14:creationId xmlns:p14="http://schemas.microsoft.com/office/powerpoint/2010/main" val="2831374610"/>
+      </p:ext>
+    </p:extLst>
+  </p:cSld>
+  <p:clrMapOvr>
+    <a:masterClrMapping/>
+  </p:clrMapOvr>
+</p:notes>
+</file>
+
 <file path=ppt/slideLayouts/slideLayout1.xml><?xml version="1.0" encoding="utf-8"?>
 <p:sldLayout xmlns:a="http://schemas.openxmlformats.org/drawingml/2006/main" xmlns:r="http://schemas.openxmlformats.org/officeDocument/2006/relationships" xmlns:p="http://schemas.openxmlformats.org/presentationml/2006/main" type="title" preserve="1">
   <p:cSld name="제목 슬라이드">
@@ -924,7 +4418,7 @@
           <a:p>
             <a:fld id="{A5AFA60C-1338-43DD-9992-72F57E60546C}" type="datetimeFigureOut">
               <a:rPr lang="ko-KR" altLang="en-US" smtClean="0"/>
-              <a:t>2021-09-23</a:t>
+              <a:t>2021-10-06</a:t>
             </a:fld>
             <a:endParaRPr lang="ko-KR" altLang="en-US"/>
           </a:p>
@@ -1092,7 +4586,7 @@
           <a:p>
             <a:fld id="{A5AFA60C-1338-43DD-9992-72F57E60546C}" type="datetimeFigureOut">
               <a:rPr lang="ko-KR" altLang="en-US" smtClean="0"/>
-              <a:t>2021-09-23</a:t>
+              <a:t>2021-10-06</a:t>
             </a:fld>
             <a:endParaRPr lang="ko-KR" altLang="en-US"/>
           </a:p>
@@ -1270,7 +4764,7 @@
           <a:p>
             <a:fld id="{A5AFA60C-1338-43DD-9992-72F57E60546C}" type="datetimeFigureOut">
               <a:rPr lang="ko-KR" altLang="en-US" smtClean="0"/>
-              <a:t>2021-09-23</a:t>
+              <a:t>2021-10-06</a:t>
             </a:fld>
             <a:endParaRPr lang="ko-KR" altLang="en-US"/>
           </a:p>
@@ -1438,7 +4932,7 @@
           <a:p>
             <a:fld id="{A5AFA60C-1338-43DD-9992-72F57E60546C}" type="datetimeFigureOut">
               <a:rPr lang="ko-KR" altLang="en-US" smtClean="0"/>
-              <a:t>2021-09-23</a:t>
+              <a:t>2021-10-06</a:t>
             </a:fld>
             <a:endParaRPr lang="ko-KR" altLang="en-US"/>
           </a:p>
@@ -1683,7 +5177,7 @@
           <a:p>
             <a:fld id="{A5AFA60C-1338-43DD-9992-72F57E60546C}" type="datetimeFigureOut">
               <a:rPr lang="ko-KR" altLang="en-US" smtClean="0"/>
-              <a:t>2021-09-23</a:t>
+              <a:t>2021-10-06</a:t>
             </a:fld>
             <a:endParaRPr lang="ko-KR" altLang="en-US"/>
           </a:p>
@@ -1968,7 +5462,7 @@
           <a:p>
             <a:fld id="{A5AFA60C-1338-43DD-9992-72F57E60546C}" type="datetimeFigureOut">
               <a:rPr lang="ko-KR" altLang="en-US" smtClean="0"/>
-              <a:t>2021-09-23</a:t>
+              <a:t>2021-10-06</a:t>
             </a:fld>
             <a:endParaRPr lang="ko-KR" altLang="en-US"/>
           </a:p>
@@ -2387,7 +5881,7 @@
           <a:p>
             <a:fld id="{A5AFA60C-1338-43DD-9992-72F57E60546C}" type="datetimeFigureOut">
               <a:rPr lang="ko-KR" altLang="en-US" smtClean="0"/>
-              <a:t>2021-09-23</a:t>
+              <a:t>2021-10-06</a:t>
             </a:fld>
             <a:endParaRPr lang="ko-KR" altLang="en-US"/>
           </a:p>
@@ -2504,7 +5998,7 @@
           <a:p>
             <a:fld id="{A5AFA60C-1338-43DD-9992-72F57E60546C}" type="datetimeFigureOut">
               <a:rPr lang="ko-KR" altLang="en-US" smtClean="0"/>
-              <a:t>2021-09-23</a:t>
+              <a:t>2021-10-06</a:t>
             </a:fld>
             <a:endParaRPr lang="ko-KR" altLang="en-US"/>
           </a:p>
@@ -2599,7 +6093,7 @@
           <a:p>
             <a:fld id="{A5AFA60C-1338-43DD-9992-72F57E60546C}" type="datetimeFigureOut">
               <a:rPr lang="ko-KR" altLang="en-US" smtClean="0"/>
-              <a:t>2021-09-23</a:t>
+              <a:t>2021-10-06</a:t>
             </a:fld>
             <a:endParaRPr lang="ko-KR" altLang="en-US"/>
           </a:p>
@@ -2874,7 +6368,7 @@
           <a:p>
             <a:fld id="{A5AFA60C-1338-43DD-9992-72F57E60546C}" type="datetimeFigureOut">
               <a:rPr lang="ko-KR" altLang="en-US" smtClean="0"/>
-              <a:t>2021-09-23</a:t>
+              <a:t>2021-10-06</a:t>
             </a:fld>
             <a:endParaRPr lang="ko-KR" altLang="en-US"/>
           </a:p>
@@ -3126,7 +6620,7 @@
           <a:p>
             <a:fld id="{A5AFA60C-1338-43DD-9992-72F57E60546C}" type="datetimeFigureOut">
               <a:rPr lang="ko-KR" altLang="en-US" smtClean="0"/>
-              <a:t>2021-09-23</a:t>
+              <a:t>2021-10-06</a:t>
             </a:fld>
             <a:endParaRPr lang="ko-KR" altLang="en-US"/>
           </a:p>
@@ -3337,7 +6831,7 @@
           <a:p>
             <a:fld id="{A5AFA60C-1338-43DD-9992-72F57E60546C}" type="datetimeFigureOut">
               <a:rPr lang="ko-KR" altLang="en-US" smtClean="0"/>
-              <a:t>2021-09-23</a:t>
+              <a:t>2021-10-06</a:t>
             </a:fld>
             <a:endParaRPr lang="ko-KR" altLang="en-US"/>
           </a:p>
@@ -6689,51 +10183,12 @@
           <a:chExt cx="0" cy="0"/>
         </a:xfrm>
       </p:grpSpPr>
-      <p:sp>
-        <p:nvSpPr>
-          <p:cNvPr id="2" name="제목 1">
+      <p:grpSp>
+        <p:nvGrpSpPr>
+          <p:cNvPr id="19" name="그룹 18">
             <a:extLst>
               <a:ext uri="{FF2B5EF4-FFF2-40B4-BE49-F238E27FC236}">
-                <a16:creationId xmlns:a16="http://schemas.microsoft.com/office/drawing/2014/main" id="{7FEEB4F8-D47E-46ED-AEB9-AF15482B1A3F}"/>
-              </a:ext>
-            </a:extLst>
-          </p:cNvPr>
-          <p:cNvSpPr>
-            <a:spLocks noGrp="1"/>
-          </p:cNvSpPr>
-          <p:nvPr>
-            <p:ph type="title"/>
-          </p:nvPr>
-        </p:nvSpPr>
-        <p:spPr>
-          <a:xfrm>
-            <a:off x="0" y="0"/>
-            <a:ext cx="9144000" cy="1143000"/>
-          </a:xfrm>
-          <a:solidFill>
-            <a:schemeClr val="bg1">
-              <a:lumMod val="50000"/>
-            </a:schemeClr>
-          </a:solidFill>
-        </p:spPr>
-        <p:txBody>
-          <a:bodyPr/>
-          <a:lstStyle/>
-          <a:p>
-            <a:endParaRPr lang="ko-KR" altLang="en-US" dirty="0">
-              <a:solidFill>
-                <a:schemeClr val="bg1"/>
-              </a:solidFill>
-            </a:endParaRPr>
-          </a:p>
-        </p:txBody>
-      </p:sp>
-      <p:grpSp>
-        <p:nvGrpSpPr>
-          <p:cNvPr id="9" name="그룹 8">
-            <a:extLst>
-              <a:ext uri="{FF2B5EF4-FFF2-40B4-BE49-F238E27FC236}">
-                <a16:creationId xmlns:a16="http://schemas.microsoft.com/office/drawing/2014/main" id="{707E1BBB-6B8A-4164-AF59-918C45DC8EDE}"/>
+                <a16:creationId xmlns:a16="http://schemas.microsoft.com/office/drawing/2014/main" id="{45FAEDC4-DA03-40E4-928A-F0AB66B164FD}"/>
               </a:ext>
             </a:extLst>
           </p:cNvPr>
@@ -6742,447 +10197,405 @@
         </p:nvGrpSpPr>
         <p:grpSpPr>
           <a:xfrm>
-            <a:off x="827584" y="1484784"/>
-            <a:ext cx="5084947" cy="5121944"/>
-            <a:chOff x="-42428" y="1619424"/>
-            <a:chExt cx="5084947" cy="5121944"/>
+            <a:off x="1524000" y="1397000"/>
+            <a:ext cx="6096000" cy="4074586"/>
+            <a:chOff x="1524000" y="1397000"/>
+            <a:chExt cx="6096000" cy="4074586"/>
           </a:xfrm>
         </p:grpSpPr>
-        <p:sp>
-          <p:nvSpPr>
-            <p:cNvPr id="3" name="사각형: 둥근 모서리 2">
+        <p:graphicFrame>
+          <p:nvGraphicFramePr>
+            <p:cNvPr id="6" name="다이어그램 5">
               <a:extLst>
                 <a:ext uri="{FF2B5EF4-FFF2-40B4-BE49-F238E27FC236}">
-                  <a16:creationId xmlns:a16="http://schemas.microsoft.com/office/drawing/2014/main" id="{AA040F99-4DB2-45D8-8ED3-B7B21BCDD8CD}"/>
+                  <a16:creationId xmlns:a16="http://schemas.microsoft.com/office/drawing/2014/main" id="{ECD15934-57A5-44D6-8E7B-112662FA72A8}"/>
                 </a:ext>
               </a:extLst>
             </p:cNvPr>
-            <p:cNvSpPr/>
+            <p:cNvGraphicFramePr/>
+            <p:nvPr>
+              <p:extLst>
+                <p:ext uri="{D42A27DB-BD31-4B8C-83A1-F6EECF244321}">
+                  <p14:modId xmlns:p14="http://schemas.microsoft.com/office/powerpoint/2010/main" val="177387567"/>
+                </p:ext>
+              </p:extLst>
+            </p:nvPr>
+          </p:nvGraphicFramePr>
+          <p:xfrm>
+            <a:off x="1524000" y="1397000"/>
+            <a:ext cx="6096000" cy="4064000"/>
+          </p:xfrm>
+          <a:graphic>
+            <a:graphicData uri="http://schemas.openxmlformats.org/drawingml/2006/diagram">
+              <dgm:relIds xmlns:dgm="http://schemas.openxmlformats.org/drawingml/2006/diagram" xmlns:r="http://schemas.openxmlformats.org/officeDocument/2006/relationships" r:dm="rId2" r:lo="rId3" r:qs="rId4" r:cs="rId5"/>
+            </a:graphicData>
+          </a:graphic>
+        </p:graphicFrame>
+        <p:sp>
+          <p:nvSpPr>
+            <p:cNvPr id="11" name="TextBox 10">
+              <a:extLst>
+                <a:ext uri="{FF2B5EF4-FFF2-40B4-BE49-F238E27FC236}">
+                  <a16:creationId xmlns:a16="http://schemas.microsoft.com/office/drawing/2014/main" id="{1E877DDC-E75A-402B-ACE3-A7C06D1DADF0}"/>
+                </a:ext>
+              </a:extLst>
+            </p:cNvPr>
+            <p:cNvSpPr txBox="1"/>
             <p:nvPr/>
           </p:nvSpPr>
           <p:spPr>
             <a:xfrm>
-              <a:off x="-42428" y="1619424"/>
-              <a:ext cx="2448272" cy="2448272"/>
+              <a:off x="3995452" y="1628800"/>
+              <a:ext cx="1169378" cy="523220"/>
             </a:xfrm>
-            <a:prstGeom prst="roundRect">
-              <a:avLst>
-                <a:gd name="adj" fmla="val 8327"/>
-              </a:avLst>
+            <a:prstGeom prst="rect">
+              <a:avLst/>
             </a:prstGeom>
-            <a:solidFill>
-              <a:schemeClr val="bg1"/>
-            </a:solidFill>
-            <a:ln>
-              <a:solidFill>
-                <a:srgbClr val="C00000"/>
-              </a:solidFill>
-            </a:ln>
+            <a:noFill/>
           </p:spPr>
-          <p:style>
-            <a:lnRef idx="2">
-              <a:schemeClr val="accent1">
-                <a:shade val="50000"/>
-              </a:schemeClr>
-            </a:lnRef>
-            <a:fillRef idx="1">
-              <a:schemeClr val="accent1"/>
-            </a:fillRef>
-            <a:effectRef idx="0">
-              <a:schemeClr val="accent1"/>
-            </a:effectRef>
-            <a:fontRef idx="minor">
-              <a:schemeClr val="lt1"/>
-            </a:fontRef>
-          </p:style>
           <p:txBody>
-            <a:bodyPr rtlCol="0" anchor="ctr"/>
+            <a:bodyPr wrap="square">
+              <a:spAutoFit/>
+            </a:bodyPr>
             <a:lstStyle/>
             <a:p>
               <a:pPr algn="ctr"/>
               <a:r>
-                <a:rPr lang="ko-KR" altLang="en-US" b="1" dirty="0">
+                <a:rPr lang="ko-KR" altLang="en-US" sz="1400" b="1" dirty="0">
                   <a:solidFill>
-                    <a:schemeClr val="tx1"/>
+                    <a:schemeClr val="bg1"/>
                   </a:solidFill>
                 </a:rPr>
-                <a:t>은은한 공포와</a:t>
+                <a:t>배달 리스트 </a:t>
               </a:r>
-              <a:endParaRPr lang="en-US" altLang="ko-KR" b="1" dirty="0">
+              <a:endParaRPr lang="en-US" altLang="ko-KR" sz="1400" b="1" dirty="0">
                 <a:solidFill>
-                  <a:schemeClr val="tx1"/>
+                  <a:schemeClr val="bg1"/>
                 </a:solidFill>
               </a:endParaRPr>
             </a:p>
             <a:p>
               <a:pPr algn="ctr"/>
               <a:r>
-                <a:rPr lang="ko-KR" altLang="en-US" b="1" dirty="0">
+                <a:rPr lang="ko-KR" altLang="en-US" sz="1400" b="1" dirty="0">
                   <a:solidFill>
-                    <a:schemeClr val="tx1"/>
+                    <a:schemeClr val="bg1"/>
                   </a:solidFill>
                 </a:rPr>
-                <a:t>흥미로움</a:t>
+                <a:t>확인</a:t>
               </a:r>
             </a:p>
           </p:txBody>
         </p:sp>
         <p:sp>
           <p:nvSpPr>
-            <p:cNvPr id="4" name="사각형: 둥근 모서리 3">
+            <p:cNvPr id="12" name="TextBox 11">
               <a:extLst>
                 <a:ext uri="{FF2B5EF4-FFF2-40B4-BE49-F238E27FC236}">
-                  <a16:creationId xmlns:a16="http://schemas.microsoft.com/office/drawing/2014/main" id="{0C6D737B-1228-41B0-B62B-3CD9561018C1}"/>
+                  <a16:creationId xmlns:a16="http://schemas.microsoft.com/office/drawing/2014/main" id="{B9BBF9AB-8105-42C7-9E43-D437FAC7D2EC}"/>
                 </a:ext>
               </a:extLst>
             </p:cNvPr>
-            <p:cNvSpPr/>
+            <p:cNvSpPr txBox="1"/>
             <p:nvPr/>
           </p:nvSpPr>
           <p:spPr>
             <a:xfrm>
-              <a:off x="2594247" y="1619424"/>
-              <a:ext cx="2448272" cy="2448272"/>
+              <a:off x="5652120" y="2924944"/>
+              <a:ext cx="1169378" cy="307777"/>
             </a:xfrm>
-            <a:prstGeom prst="roundRect">
-              <a:avLst>
-                <a:gd name="adj" fmla="val 8327"/>
-              </a:avLst>
+            <a:prstGeom prst="rect">
+              <a:avLst/>
             </a:prstGeom>
-            <a:solidFill>
-              <a:schemeClr val="bg1"/>
-            </a:solidFill>
-            <a:ln>
-              <a:solidFill>
-                <a:srgbClr val="C00000"/>
-              </a:solidFill>
-            </a:ln>
+            <a:noFill/>
           </p:spPr>
-          <p:style>
-            <a:lnRef idx="2">
-              <a:schemeClr val="accent1">
-                <a:shade val="50000"/>
-              </a:schemeClr>
-            </a:lnRef>
-            <a:fillRef idx="1">
-              <a:schemeClr val="accent1"/>
-            </a:fillRef>
-            <a:effectRef idx="0">
-              <a:schemeClr val="accent1"/>
-            </a:effectRef>
-            <a:fontRef idx="minor">
-              <a:schemeClr val="lt1"/>
-            </a:fontRef>
-          </p:style>
           <p:txBody>
-            <a:bodyPr rtlCol="0" anchor="ctr"/>
+            <a:bodyPr wrap="square">
+              <a:spAutoFit/>
+            </a:bodyPr>
             <a:lstStyle/>
             <a:p>
               <a:pPr algn="ctr"/>
-              <a:endParaRPr lang="en-US" altLang="ko-KR" sz="1800" b="1" kern="100" dirty="0">
+              <a:r>
+                <a:rPr lang="ko-KR" altLang="en-US" sz="1400" b="1" dirty="0">
+                  <a:solidFill>
+                    <a:schemeClr val="bg1"/>
+                  </a:solidFill>
+                </a:rPr>
+                <a:t>배달 시작</a:t>
+              </a:r>
+            </a:p>
+          </p:txBody>
+        </p:sp>
+        <p:sp>
+          <p:nvSpPr>
+            <p:cNvPr id="15" name="TextBox 14">
+              <a:extLst>
+                <a:ext uri="{FF2B5EF4-FFF2-40B4-BE49-F238E27FC236}">
+                  <a16:creationId xmlns:a16="http://schemas.microsoft.com/office/drawing/2014/main" id="{4F962896-133F-4D30-8E4A-7B471C48FC16}"/>
+                </a:ext>
+              </a:extLst>
+            </p:cNvPr>
+            <p:cNvSpPr txBox="1"/>
+            <p:nvPr/>
+          </p:nvSpPr>
+          <p:spPr>
+            <a:xfrm>
+              <a:off x="4860032" y="4670112"/>
+              <a:ext cx="1389076" cy="738664"/>
+            </a:xfrm>
+            <a:prstGeom prst="rect">
+              <a:avLst/>
+            </a:prstGeom>
+            <a:noFill/>
+          </p:spPr>
+          <p:txBody>
+            <a:bodyPr wrap="square">
+              <a:spAutoFit/>
+            </a:bodyPr>
+            <a:lstStyle/>
+            <a:p>
+              <a:pPr algn="ctr"/>
+              <a:r>
+                <a:rPr lang="ko-KR" altLang="en-US" sz="1400" b="1" dirty="0">
+                  <a:solidFill>
+                    <a:schemeClr val="bg1"/>
+                  </a:solidFill>
+                </a:rPr>
+                <a:t> </a:t>
+              </a:r>
+              <a:r>
+                <a:rPr lang="en-US" altLang="ko-KR" sz="1400" b="1" dirty="0">
+                  <a:solidFill>
+                    <a:schemeClr val="bg1"/>
+                  </a:solidFill>
+                </a:rPr>
+                <a:t>npc</a:t>
+              </a:r>
+              <a:r>
+                <a:rPr lang="ko-KR" altLang="en-US" sz="1400" b="1" dirty="0">
+                  <a:solidFill>
+                    <a:schemeClr val="bg1"/>
+                  </a:solidFill>
+                </a:rPr>
+                <a:t>와의 대화 </a:t>
+              </a:r>
+              <a:r>
+                <a:rPr lang="en-US" altLang="ko-KR" sz="1400" b="1" dirty="0">
+                  <a:solidFill>
+                    <a:schemeClr val="bg1"/>
+                  </a:solidFill>
+                </a:rPr>
+                <a:t>or </a:t>
+              </a:r>
+            </a:p>
+            <a:p>
+              <a:pPr algn="ctr"/>
+              <a:r>
+                <a:rPr lang="ko-KR" altLang="en-US" sz="1400" b="1" dirty="0">
+                  <a:solidFill>
+                    <a:schemeClr val="bg1"/>
+                  </a:solidFill>
+                </a:rPr>
+                <a:t>사건 발생</a:t>
+              </a:r>
+            </a:p>
+          </p:txBody>
+        </p:sp>
+        <p:sp>
+          <p:nvSpPr>
+            <p:cNvPr id="17" name="TextBox 16">
+              <a:extLst>
+                <a:ext uri="{FF2B5EF4-FFF2-40B4-BE49-F238E27FC236}">
+                  <a16:creationId xmlns:a16="http://schemas.microsoft.com/office/drawing/2014/main" id="{C679D33D-6BD6-4B05-A0B0-2D1975001157}"/>
+                </a:ext>
+              </a:extLst>
+            </p:cNvPr>
+            <p:cNvSpPr txBox="1"/>
+            <p:nvPr/>
+          </p:nvSpPr>
+          <p:spPr>
+            <a:xfrm>
+              <a:off x="2980532" y="4732922"/>
+              <a:ext cx="1169378" cy="738664"/>
+            </a:xfrm>
+            <a:prstGeom prst="rect">
+              <a:avLst/>
+            </a:prstGeom>
+            <a:noFill/>
+          </p:spPr>
+          <p:txBody>
+            <a:bodyPr wrap="square">
+              <a:spAutoFit/>
+            </a:bodyPr>
+            <a:lstStyle/>
+            <a:p>
+              <a:pPr algn="ctr"/>
+              <a:r>
+                <a:rPr lang="ko-KR" altLang="en-US" sz="1400" b="1" dirty="0">
+                  <a:solidFill>
+                    <a:schemeClr val="bg1"/>
+                  </a:solidFill>
+                </a:rPr>
+                <a:t>복귀 도중 상황에 대처</a:t>
+              </a:r>
+              <a:r>
+                <a:rPr lang="en-US" altLang="ko-KR" sz="1400" b="1" dirty="0">
+                  <a:solidFill>
+                    <a:schemeClr val="bg1"/>
+                  </a:solidFill>
+                </a:rPr>
+                <a:t>	</a:t>
+              </a:r>
+              <a:endParaRPr lang="ko-KR" altLang="en-US" sz="1400" b="1" dirty="0">
                 <a:solidFill>
-                  <a:srgbClr val="000000"/>
+                  <a:schemeClr val="bg1"/>
                 </a:solidFill>
-                <a:effectLst/>
-                <a:latin typeface="맑은 고딕" panose="020B0503020000020004" pitchFamily="50" charset="-127"/>
-                <a:ea typeface="맑은 고딕" panose="020B0503020000020004" pitchFamily="50" charset="-127"/>
-                <a:cs typeface="Times New Roman" panose="02020603050405020304" pitchFamily="18" charset="0"/>
+              </a:endParaRPr>
+            </a:p>
+          </p:txBody>
+        </p:sp>
+        <p:sp>
+          <p:nvSpPr>
+            <p:cNvPr id="18" name="TextBox 17">
+              <a:extLst>
+                <a:ext uri="{FF2B5EF4-FFF2-40B4-BE49-F238E27FC236}">
+                  <a16:creationId xmlns:a16="http://schemas.microsoft.com/office/drawing/2014/main" id="{E6C6F312-E877-4FA5-A845-231D0CB8E7AB}"/>
+                </a:ext>
+              </a:extLst>
+            </p:cNvPr>
+            <p:cNvSpPr txBox="1"/>
+            <p:nvPr/>
+          </p:nvSpPr>
+          <p:spPr>
+            <a:xfrm>
+              <a:off x="2339752" y="2817222"/>
+              <a:ext cx="1169378" cy="523220"/>
+            </a:xfrm>
+            <a:prstGeom prst="rect">
+              <a:avLst/>
+            </a:prstGeom>
+            <a:noFill/>
+          </p:spPr>
+          <p:txBody>
+            <a:bodyPr wrap="square">
+              <a:spAutoFit/>
+            </a:bodyPr>
+            <a:lstStyle/>
+            <a:p>
+              <a:pPr algn="ctr"/>
+              <a:r>
+                <a:rPr lang="ko-KR" altLang="en-US" sz="1400" b="1" dirty="0">
+                  <a:solidFill>
+                    <a:schemeClr val="bg1"/>
+                  </a:solidFill>
+                </a:rPr>
+                <a:t> 안전지대</a:t>
+              </a:r>
+              <a:endParaRPr lang="en-US" altLang="ko-KR" sz="1400" b="1" dirty="0">
+                <a:solidFill>
+                  <a:schemeClr val="bg1"/>
+                </a:solidFill>
               </a:endParaRPr>
             </a:p>
             <a:p>
               <a:pPr algn="ctr"/>
               <a:r>
-                <a:rPr lang="ko-KR" altLang="en-US" b="1" kern="100" dirty="0">
+                <a:rPr lang="ko-KR" altLang="en-US" sz="1400" b="1" dirty="0">
                   <a:solidFill>
-                    <a:srgbClr val="000000"/>
+                    <a:schemeClr val="bg1"/>
                   </a:solidFill>
-                  <a:latin typeface="맑은 고딕" panose="020B0503020000020004" pitchFamily="50" charset="-127"/>
-                  <a:ea typeface="맑은 고딕" panose="020B0503020000020004" pitchFamily="50" charset="-127"/>
-                  <a:cs typeface="Times New Roman" panose="02020603050405020304" pitchFamily="18" charset="0"/>
                 </a:rPr>
-                <a:t>확실성 없는 </a:t>
+                <a:t>복귀</a:t>
               </a:r>
-              <a:endParaRPr lang="en-US" altLang="ko-KR" b="1" kern="100" dirty="0">
-                <a:solidFill>
-                  <a:srgbClr val="000000"/>
-                </a:solidFill>
-                <a:latin typeface="맑은 고딕" panose="020B0503020000020004" pitchFamily="50" charset="-127"/>
-                <a:ea typeface="맑은 고딕" panose="020B0503020000020004" pitchFamily="50" charset="-127"/>
-                <a:cs typeface="Times New Roman" panose="02020603050405020304" pitchFamily="18" charset="0"/>
-              </a:endParaRPr>
-            </a:p>
-            <a:p>
-              <a:pPr algn="ctr"/>
-              <a:r>
-                <a:rPr lang="ko-KR" altLang="en-US" b="1" kern="100" dirty="0">
-                  <a:solidFill>
-                    <a:srgbClr val="000000"/>
-                  </a:solidFill>
-                  <a:latin typeface="맑은 고딕" panose="020B0503020000020004" pitchFamily="50" charset="-127"/>
-                  <a:ea typeface="맑은 고딕" panose="020B0503020000020004" pitchFamily="50" charset="-127"/>
-                  <a:cs typeface="Times New Roman" panose="02020603050405020304" pitchFamily="18" charset="0"/>
-                </a:rPr>
-                <a:t>이야기 진행</a:t>
-              </a:r>
-              <a:r>
-                <a:rPr lang="ko-KR" altLang="ko-KR" sz="1800" b="1" kern="100" dirty="0">
-                  <a:solidFill>
-                    <a:srgbClr val="000000"/>
-                  </a:solidFill>
-                  <a:effectLst/>
-                  <a:latin typeface="맑은 고딕" panose="020B0503020000020004" pitchFamily="50" charset="-127"/>
-                  <a:ea typeface="맑은 고딕" panose="020B0503020000020004" pitchFamily="50" charset="-127"/>
-                  <a:cs typeface="Times New Roman" panose="02020603050405020304" pitchFamily="18" charset="0"/>
-                </a:rPr>
-                <a:t> </a:t>
-              </a:r>
-              <a:endParaRPr lang="ko-KR" altLang="ko-KR" sz="1800" kern="100" dirty="0">
-                <a:noFill/>
-                <a:effectLst/>
-                <a:latin typeface="맑은 고딕" panose="020B0503020000020004" pitchFamily="50" charset="-127"/>
-                <a:ea typeface="맑은 고딕" panose="020B0503020000020004" pitchFamily="50" charset="-127"/>
-                <a:cs typeface="Times New Roman" panose="02020603050405020304" pitchFamily="18" charset="0"/>
-              </a:endParaRPr>
-            </a:p>
-            <a:p>
-              <a:pPr algn="ctr"/>
-              <a:endParaRPr lang="ko-KR" altLang="en-US" dirty="0"/>
             </a:p>
           </p:txBody>
         </p:sp>
-        <p:sp>
-          <p:nvSpPr>
-            <p:cNvPr id="5" name="사각형: 둥근 모서리 4">
+        <p:pic>
+          <p:nvPicPr>
+            <p:cNvPr id="20" name="Picture 2" descr="Free Infinity Loop Icon, Symbol. PNG, SVG Download.">
               <a:extLst>
                 <a:ext uri="{FF2B5EF4-FFF2-40B4-BE49-F238E27FC236}">
-                  <a16:creationId xmlns:a16="http://schemas.microsoft.com/office/drawing/2014/main" id="{B49FD741-2F04-40C3-82E1-5647DBCB059D}"/>
+                  <a16:creationId xmlns:a16="http://schemas.microsoft.com/office/drawing/2014/main" id="{A8E76522-AE6B-4D92-82D7-396AEEEA09FF}"/>
                 </a:ext>
               </a:extLst>
             </p:cNvPr>
-            <p:cNvSpPr/>
+            <p:cNvPicPr>
+              <a:picLocks noChangeAspect="1" noChangeArrowheads="1"/>
+            </p:cNvPicPr>
             <p:nvPr/>
-          </p:nvSpPr>
-          <p:spPr>
-            <a:xfrm>
-              <a:off x="-42428" y="4293096"/>
-              <a:ext cx="2448272" cy="2448272"/>
-            </a:xfrm>
-            <a:prstGeom prst="roundRect">
-              <a:avLst>
-                <a:gd name="adj" fmla="val 8327"/>
-              </a:avLst>
-            </a:prstGeom>
-            <a:solidFill>
-              <a:schemeClr val="bg1"/>
-            </a:solidFill>
-            <a:ln>
-              <a:solidFill>
-                <a:srgbClr val="C00000"/>
-              </a:solidFill>
-            </a:ln>
-          </p:spPr>
-          <p:style>
-            <a:lnRef idx="2">
-              <a:schemeClr val="accent1">
-                <a:shade val="50000"/>
-              </a:schemeClr>
-            </a:lnRef>
-            <a:fillRef idx="1">
-              <a:schemeClr val="accent1"/>
-            </a:fillRef>
-            <a:effectRef idx="0">
-              <a:schemeClr val="accent1"/>
-            </a:effectRef>
-            <a:fontRef idx="minor">
-              <a:schemeClr val="lt1"/>
-            </a:fontRef>
-          </p:style>
-          <p:txBody>
-            <a:bodyPr rtlCol="0" anchor="ctr"/>
-            <a:lstStyle/>
-            <a:p>
-              <a:pPr algn="ctr"/>
-              <a:r>
-                <a:rPr lang="ko-KR" altLang="ko-KR" sz="1800" b="1" dirty="0">
-                  <a:solidFill>
-                    <a:srgbClr val="000000"/>
-                  </a:solidFill>
-                  <a:effectLst/>
-                  <a:ea typeface="맑은 고딕" panose="020B0503020000020004" pitchFamily="50" charset="-127"/>
-                  <a:cs typeface="Times New Roman" panose="02020603050405020304" pitchFamily="18" charset="0"/>
-                </a:rPr>
-                <a:t>일정확률로 </a:t>
-              </a:r>
-              <a:endParaRPr lang="en-US" altLang="ko-KR" sz="1800" b="1" dirty="0">
-                <a:solidFill>
-                  <a:srgbClr val="000000"/>
-                </a:solidFill>
-                <a:effectLst/>
-                <a:ea typeface="맑은 고딕" panose="020B0503020000020004" pitchFamily="50" charset="-127"/>
-                <a:cs typeface="Times New Roman" panose="02020603050405020304" pitchFamily="18" charset="0"/>
-              </a:endParaRPr>
-            </a:p>
-            <a:p>
-              <a:pPr algn="ctr"/>
-              <a:r>
-                <a:rPr lang="ko-KR" altLang="en-US" sz="1800" b="1" dirty="0">
-                  <a:solidFill>
-                    <a:srgbClr val="000000"/>
-                  </a:solidFill>
-                  <a:effectLst/>
-                  <a:ea typeface="맑은 고딕" panose="020B0503020000020004" pitchFamily="50" charset="-127"/>
-                  <a:cs typeface="Times New Roman" panose="02020603050405020304" pitchFamily="18" charset="0"/>
-                </a:rPr>
-                <a:t>발생하는</a:t>
-              </a:r>
-              <a:r>
-                <a:rPr lang="en-US" altLang="ko-KR" b="1" dirty="0">
-                  <a:solidFill>
-                    <a:srgbClr val="000000"/>
-                  </a:solidFill>
-                  <a:ea typeface="맑은 고딕" panose="020B0503020000020004" pitchFamily="50" charset="-127"/>
-                  <a:cs typeface="Times New Roman" panose="02020603050405020304" pitchFamily="18" charset="0"/>
-                </a:rPr>
-                <a:t> </a:t>
-              </a:r>
-              <a:r>
-                <a:rPr lang="ko-KR" altLang="ko-KR" sz="1800" b="1" dirty="0">
-                  <a:solidFill>
-                    <a:srgbClr val="000000"/>
-                  </a:solidFill>
-                  <a:effectLst/>
-                  <a:ea typeface="맑은 고딕" panose="020B0503020000020004" pitchFamily="50" charset="-127"/>
-                  <a:cs typeface="Times New Roman" panose="02020603050405020304" pitchFamily="18" charset="0"/>
-                </a:rPr>
-                <a:t>변수</a:t>
-              </a:r>
-              <a:endParaRPr lang="ko-KR" altLang="en-US" dirty="0"/>
-            </a:p>
-          </p:txBody>
-        </p:sp>
-        <p:sp>
-          <p:nvSpPr>
-            <p:cNvPr id="7" name="사각형: 둥근 모서리 6">
+          </p:nvPicPr>
+          <p:blipFill>
+            <a:blip r:embed="rId7">
+              <a:duotone>
+                <a:schemeClr val="accent2">
+                  <a:shade val="45000"/>
+                  <a:satMod val="135000"/>
+                </a:schemeClr>
+                <a:prstClr val="white"/>
+              </a:duotone>
               <a:extLst>
-                <a:ext uri="{FF2B5EF4-FFF2-40B4-BE49-F238E27FC236}">
-                  <a16:creationId xmlns:a16="http://schemas.microsoft.com/office/drawing/2014/main" id="{55805222-B9C5-485A-A594-546FEE77AC52}"/>
+                <a:ext uri="{28A0092B-C50C-407E-A947-70E740481C1C}">
+                  <a14:useLocalDpi xmlns:a14="http://schemas.microsoft.com/office/drawing/2010/main" val="0"/>
                 </a:ext>
               </a:extLst>
-            </p:cNvPr>
-            <p:cNvSpPr/>
-            <p:nvPr/>
-          </p:nvSpPr>
-          <p:spPr>
+            </a:blip>
+            <a:srcRect/>
+            <a:stretch>
+              <a:fillRect/>
+            </a:stretch>
+          </p:blipFill>
+          <p:spPr bwMode="auto">
             <a:xfrm>
-              <a:off x="2594247" y="4293096"/>
-              <a:ext cx="2448272" cy="2448272"/>
+              <a:off x="3308521" y="2342202"/>
+              <a:ext cx="2526958" cy="2526958"/>
             </a:xfrm>
-            <a:prstGeom prst="roundRect">
-              <a:avLst>
-                <a:gd name="adj" fmla="val 8327"/>
-              </a:avLst>
+            <a:prstGeom prst="rect">
+              <a:avLst/>
             </a:prstGeom>
-            <a:solidFill>
-              <a:schemeClr val="bg1"/>
-            </a:solidFill>
-            <a:ln>
-              <a:solidFill>
-                <a:srgbClr val="C00000"/>
-              </a:solidFill>
-            </a:ln>
+            <a:noFill/>
+            <a:extLst>
+              <a:ext uri="{909E8E84-426E-40DD-AFC4-6F175D3DCCD1}">
+                <a14:hiddenFill xmlns:a14="http://schemas.microsoft.com/office/drawing/2010/main">
+                  <a:solidFill>
+                    <a:srgbClr val="FFFFFF"/>
+                  </a:solidFill>
+                </a14:hiddenFill>
+              </a:ext>
+            </a:extLst>
           </p:spPr>
-          <p:style>
-            <a:lnRef idx="2">
-              <a:schemeClr val="accent1">
-                <a:shade val="50000"/>
-              </a:schemeClr>
-            </a:lnRef>
-            <a:fillRef idx="1">
-              <a:schemeClr val="accent1"/>
-            </a:fillRef>
-            <a:effectRef idx="0">
-              <a:schemeClr val="accent1"/>
-            </a:effectRef>
-            <a:fontRef idx="minor">
-              <a:schemeClr val="lt1"/>
-            </a:fontRef>
-          </p:style>
-          <p:txBody>
-            <a:bodyPr rtlCol="0" anchor="ctr"/>
-            <a:lstStyle/>
-            <a:p>
-              <a:pPr algn="ctr"/>
-              <a:r>
-                <a:rPr lang="ko-KR" altLang="ko-KR" sz="1800" b="1" dirty="0">
-                  <a:solidFill>
-                    <a:srgbClr val="000000"/>
-                  </a:solidFill>
-                  <a:effectLst/>
-                  <a:ea typeface="맑은 고딕" panose="020B0503020000020004" pitchFamily="50" charset="-127"/>
-                  <a:cs typeface="Times New Roman" panose="02020603050405020304" pitchFamily="18" charset="0"/>
-                </a:rPr>
-                <a:t>선택</a:t>
-              </a:r>
-              <a:r>
-                <a:rPr lang="ko-KR" altLang="en-US" sz="1800" b="1" dirty="0">
-                  <a:solidFill>
-                    <a:srgbClr val="000000"/>
-                  </a:solidFill>
-                  <a:effectLst/>
-                  <a:ea typeface="맑은 고딕" panose="020B0503020000020004" pitchFamily="50" charset="-127"/>
-                  <a:cs typeface="Times New Roman" panose="02020603050405020304" pitchFamily="18" charset="0"/>
-                </a:rPr>
-                <a:t>들</a:t>
-              </a:r>
-              <a:r>
-                <a:rPr lang="ko-KR" altLang="ko-KR" sz="1800" b="1" dirty="0">
-                  <a:solidFill>
-                    <a:srgbClr val="000000"/>
-                  </a:solidFill>
-                  <a:effectLst/>
-                  <a:ea typeface="맑은 고딕" panose="020B0503020000020004" pitchFamily="50" charset="-127"/>
-                  <a:cs typeface="Times New Roman" panose="02020603050405020304" pitchFamily="18" charset="0"/>
-                </a:rPr>
-                <a:t>에 따른 </a:t>
-              </a:r>
-              <a:endParaRPr lang="en-US" altLang="ko-KR" sz="1800" b="1" dirty="0">
-                <a:solidFill>
-                  <a:srgbClr val="000000"/>
-                </a:solidFill>
-                <a:effectLst/>
-                <a:ea typeface="맑은 고딕" panose="020B0503020000020004" pitchFamily="50" charset="-127"/>
-                <a:cs typeface="Times New Roman" panose="02020603050405020304" pitchFamily="18" charset="0"/>
-              </a:endParaRPr>
-            </a:p>
-            <a:p>
-              <a:pPr algn="ctr"/>
-              <a:r>
-                <a:rPr lang="ko-KR" altLang="ko-KR" sz="1800" b="1" dirty="0">
-                  <a:solidFill>
-                    <a:srgbClr val="000000"/>
-                  </a:solidFill>
-                  <a:effectLst/>
-                  <a:ea typeface="맑은 고딕" panose="020B0503020000020004" pitchFamily="50" charset="-127"/>
-                  <a:cs typeface="Times New Roman" panose="02020603050405020304" pitchFamily="18" charset="0"/>
-                </a:rPr>
-                <a:t>엔딩 변화</a:t>
-              </a:r>
-              <a:r>
-                <a:rPr lang="ko-KR" altLang="ko-KR" sz="1800" dirty="0">
-                  <a:solidFill>
-                    <a:srgbClr val="000000"/>
-                  </a:solidFill>
-                  <a:effectLst/>
-                  <a:ea typeface="맑은 고딕" panose="020B0503020000020004" pitchFamily="50" charset="-127"/>
-                  <a:cs typeface="Times New Roman" panose="02020603050405020304" pitchFamily="18" charset="0"/>
-                </a:rPr>
-                <a:t> </a:t>
-              </a:r>
-              <a:endParaRPr lang="ko-KR" altLang="en-US" dirty="0"/>
-            </a:p>
-          </p:txBody>
-        </p:sp>
+        </p:pic>
       </p:grpSp>
+      <p:pic>
+        <p:nvPicPr>
+          <p:cNvPr id="33" name="그림 32">
+            <a:extLst>
+              <a:ext uri="{FF2B5EF4-FFF2-40B4-BE49-F238E27FC236}">
+                <a16:creationId xmlns:a16="http://schemas.microsoft.com/office/drawing/2014/main" id="{EDD555D9-95DA-469B-AA17-9A23C9E6ABCB}"/>
+              </a:ext>
+            </a:extLst>
+          </p:cNvPr>
+          <p:cNvPicPr>
+            <a:picLocks noChangeAspect="1"/>
+          </p:cNvPicPr>
+          <p:nvPr/>
+        </p:nvPicPr>
+        <p:blipFill>
+          <a:blip r:embed="rId8"/>
+          <a:stretch>
+            <a:fillRect/>
+          </a:stretch>
+        </p:blipFill>
+        <p:spPr>
+          <a:xfrm>
+            <a:off x="3995452" y="1204446"/>
+            <a:ext cx="6096528" cy="4383404"/>
+          </a:xfrm>
+          <a:prstGeom prst="rect">
+            <a:avLst/>
+          </a:prstGeom>
+        </p:spPr>
+      </p:pic>
     </p:spTree>
     <p:extLst>
       <p:ext uri="{BB962C8B-B14F-4D97-AF65-F5344CB8AC3E}">
@@ -8179,6 +11592,1220 @@
 </p:sld>
 </file>
 
+<file path=ppt/slides/slide5.xml><?xml version="1.0" encoding="utf-8"?>
+<p:sld xmlns:a="http://schemas.openxmlformats.org/drawingml/2006/main" xmlns:r="http://schemas.openxmlformats.org/officeDocument/2006/relationships" xmlns:p="http://schemas.openxmlformats.org/presentationml/2006/main">
+  <p:cSld>
+    <p:spTree>
+      <p:nvGrpSpPr>
+        <p:cNvPr id="1" name=""/>
+        <p:cNvGrpSpPr/>
+        <p:nvPr/>
+      </p:nvGrpSpPr>
+      <p:grpSpPr>
+        <a:xfrm>
+          <a:off x="0" y="0"/>
+          <a:ext cx="0" cy="0"/>
+          <a:chOff x="0" y="0"/>
+          <a:chExt cx="0" cy="0"/>
+        </a:xfrm>
+      </p:grpSpPr>
+      <p:grpSp>
+        <p:nvGrpSpPr>
+          <p:cNvPr id="25" name="그룹 24">
+            <a:extLst>
+              <a:ext uri="{FF2B5EF4-FFF2-40B4-BE49-F238E27FC236}">
+                <a16:creationId xmlns:a16="http://schemas.microsoft.com/office/drawing/2014/main" id="{01E94FF7-2C0A-45A1-9BF5-B9CC67A3D71D}"/>
+              </a:ext>
+            </a:extLst>
+          </p:cNvPr>
+          <p:cNvGrpSpPr/>
+          <p:nvPr/>
+        </p:nvGrpSpPr>
+        <p:grpSpPr>
+          <a:xfrm>
+            <a:off x="1590091" y="346158"/>
+            <a:ext cx="5092296" cy="5121944"/>
+            <a:chOff x="1979712" y="620688"/>
+            <a:chExt cx="5092296" cy="5121944"/>
+          </a:xfrm>
+        </p:grpSpPr>
+        <p:pic>
+          <p:nvPicPr>
+            <p:cNvPr id="22" name="그림 21">
+              <a:extLst>
+                <a:ext uri="{FF2B5EF4-FFF2-40B4-BE49-F238E27FC236}">
+                  <a16:creationId xmlns:a16="http://schemas.microsoft.com/office/drawing/2014/main" id="{6AF64768-C0C8-414B-AE1E-CA640A0C65C7}"/>
+                </a:ext>
+              </a:extLst>
+            </p:cNvPr>
+            <p:cNvPicPr>
+              <a:picLocks noChangeAspect="1"/>
+            </p:cNvPicPr>
+            <p:nvPr/>
+          </p:nvPicPr>
+          <p:blipFill>
+            <a:blip r:embed="rId3"/>
+            <a:stretch>
+              <a:fillRect/>
+            </a:stretch>
+          </p:blipFill>
+          <p:spPr>
+            <a:xfrm>
+              <a:off x="4627565" y="3304565"/>
+              <a:ext cx="2432317" cy="2432317"/>
+            </a:xfrm>
+            <a:prstGeom prst="roundRect">
+              <a:avLst>
+                <a:gd name="adj" fmla="val 7069"/>
+              </a:avLst>
+            </a:prstGeom>
+          </p:spPr>
+        </p:pic>
+        <p:pic>
+          <p:nvPicPr>
+            <p:cNvPr id="20" name="그림 19">
+              <a:extLst>
+                <a:ext uri="{FF2B5EF4-FFF2-40B4-BE49-F238E27FC236}">
+                  <a16:creationId xmlns:a16="http://schemas.microsoft.com/office/drawing/2014/main" id="{EDF9B703-2C6C-48DA-AD23-CC8E03D3D6A9}"/>
+                </a:ext>
+              </a:extLst>
+            </p:cNvPr>
+            <p:cNvPicPr>
+              <a:picLocks noChangeAspect="1"/>
+            </p:cNvPicPr>
+            <p:nvPr/>
+          </p:nvPicPr>
+          <p:blipFill>
+            <a:blip r:embed="rId4"/>
+            <a:stretch>
+              <a:fillRect/>
+            </a:stretch>
+          </p:blipFill>
+          <p:spPr>
+            <a:xfrm>
+              <a:off x="1991221" y="3304565"/>
+              <a:ext cx="2427861" cy="2427861"/>
+            </a:xfrm>
+            <a:prstGeom prst="roundRect">
+              <a:avLst>
+                <a:gd name="adj" fmla="val 8654"/>
+              </a:avLst>
+            </a:prstGeom>
+          </p:spPr>
+        </p:pic>
+        <p:grpSp>
+          <p:nvGrpSpPr>
+            <p:cNvPr id="17" name="그룹 16">
+              <a:extLst>
+                <a:ext uri="{FF2B5EF4-FFF2-40B4-BE49-F238E27FC236}">
+                  <a16:creationId xmlns:a16="http://schemas.microsoft.com/office/drawing/2014/main" id="{CB17EBC4-66A9-4C11-91E9-1C398F6DD3AB}"/>
+                </a:ext>
+              </a:extLst>
+            </p:cNvPr>
+            <p:cNvGrpSpPr/>
+            <p:nvPr/>
+          </p:nvGrpSpPr>
+          <p:grpSpPr>
+            <a:xfrm>
+              <a:off x="1979712" y="620688"/>
+              <a:ext cx="5092296" cy="5121944"/>
+              <a:chOff x="1979712" y="620688"/>
+              <a:chExt cx="5092296" cy="5121944"/>
+            </a:xfrm>
+          </p:grpSpPr>
+          <p:pic>
+            <p:nvPicPr>
+              <p:cNvPr id="16" name="그림 15">
+                <a:extLst>
+                  <a:ext uri="{FF2B5EF4-FFF2-40B4-BE49-F238E27FC236}">
+                    <a16:creationId xmlns:a16="http://schemas.microsoft.com/office/drawing/2014/main" id="{8E0E3B23-3CB9-4191-9C99-5D3F9E908CE4}"/>
+                  </a:ext>
+                </a:extLst>
+              </p:cNvPr>
+              <p:cNvPicPr>
+                <a:picLocks noChangeAspect="1"/>
+              </p:cNvPicPr>
+              <p:nvPr/>
+            </p:nvPicPr>
+            <p:blipFill>
+              <a:blip r:embed="rId5"/>
+              <a:stretch>
+                <a:fillRect/>
+              </a:stretch>
+            </p:blipFill>
+            <p:spPr>
+              <a:xfrm>
+                <a:off x="1979712" y="622104"/>
+                <a:ext cx="2448272" cy="2448272"/>
+              </a:xfrm>
+              <a:prstGeom prst="roundRect">
+                <a:avLst>
+                  <a:gd name="adj" fmla="val 9317"/>
+                </a:avLst>
+              </a:prstGeom>
+            </p:spPr>
+          </p:pic>
+          <p:grpSp>
+            <p:nvGrpSpPr>
+              <p:cNvPr id="13" name="그룹 12">
+                <a:extLst>
+                  <a:ext uri="{FF2B5EF4-FFF2-40B4-BE49-F238E27FC236}">
+                    <a16:creationId xmlns:a16="http://schemas.microsoft.com/office/drawing/2014/main" id="{0BDF725C-F388-41D8-B28D-D7BE4B52A11E}"/>
+                  </a:ext>
+                </a:extLst>
+              </p:cNvPr>
+              <p:cNvGrpSpPr/>
+              <p:nvPr/>
+            </p:nvGrpSpPr>
+            <p:grpSpPr>
+              <a:xfrm>
+                <a:off x="1979712" y="620688"/>
+                <a:ext cx="5092296" cy="5121944"/>
+                <a:chOff x="1979712" y="620688"/>
+                <a:chExt cx="5092296" cy="5121944"/>
+              </a:xfrm>
+            </p:grpSpPr>
+            <p:pic>
+              <p:nvPicPr>
+                <p:cNvPr id="12" name="그림 11">
+                  <a:extLst>
+                    <a:ext uri="{FF2B5EF4-FFF2-40B4-BE49-F238E27FC236}">
+                      <a16:creationId xmlns:a16="http://schemas.microsoft.com/office/drawing/2014/main" id="{C2A18B87-ACDF-4C55-A974-768E0D10A5B8}"/>
+                    </a:ext>
+                  </a:extLst>
+                </p:cNvPr>
+                <p:cNvPicPr>
+                  <a:picLocks noChangeAspect="1"/>
+                </p:cNvPicPr>
+                <p:nvPr/>
+              </p:nvPicPr>
+              <p:blipFill>
+                <a:blip r:embed="rId6"/>
+                <a:stretch>
+                  <a:fillRect/>
+                </a:stretch>
+              </p:blipFill>
+              <p:spPr>
+                <a:xfrm>
+                  <a:off x="4599815" y="620688"/>
+                  <a:ext cx="2472193" cy="2448272"/>
+                </a:xfrm>
+                <a:prstGeom prst="roundRect">
+                  <a:avLst>
+                    <a:gd name="adj" fmla="val 7629"/>
+                  </a:avLst>
+                </a:prstGeom>
+              </p:spPr>
+            </p:pic>
+            <p:grpSp>
+              <p:nvGrpSpPr>
+                <p:cNvPr id="5" name="그룹 4">
+                  <a:extLst>
+                    <a:ext uri="{FF2B5EF4-FFF2-40B4-BE49-F238E27FC236}">
+                      <a16:creationId xmlns:a16="http://schemas.microsoft.com/office/drawing/2014/main" id="{648E4E98-B455-408D-B831-3CC7BE95522C}"/>
+                    </a:ext>
+                  </a:extLst>
+                </p:cNvPr>
+                <p:cNvGrpSpPr/>
+                <p:nvPr/>
+              </p:nvGrpSpPr>
+              <p:grpSpPr>
+                <a:xfrm>
+                  <a:off x="1979712" y="620688"/>
+                  <a:ext cx="5084947" cy="5121944"/>
+                  <a:chOff x="-42428" y="1619424"/>
+                  <a:chExt cx="5084947" cy="5121944"/>
+                </a:xfrm>
+              </p:grpSpPr>
+              <p:sp>
+                <p:nvSpPr>
+                  <p:cNvPr id="6" name="사각형: 둥근 모서리 5">
+                    <a:extLst>
+                      <a:ext uri="{FF2B5EF4-FFF2-40B4-BE49-F238E27FC236}">
+                        <a16:creationId xmlns:a16="http://schemas.microsoft.com/office/drawing/2014/main" id="{8CBDB851-3BFF-42AD-AF3B-9EE8D67F6F9A}"/>
+                      </a:ext>
+                    </a:extLst>
+                  </p:cNvPr>
+                  <p:cNvSpPr/>
+                  <p:nvPr/>
+                </p:nvSpPr>
+                <p:spPr>
+                  <a:xfrm>
+                    <a:off x="-42428" y="1619424"/>
+                    <a:ext cx="2448272" cy="2448272"/>
+                  </a:xfrm>
+                  <a:prstGeom prst="roundRect">
+                    <a:avLst>
+                      <a:gd name="adj" fmla="val 8327"/>
+                    </a:avLst>
+                  </a:prstGeom>
+                  <a:noFill/>
+                  <a:ln>
+                    <a:solidFill>
+                      <a:srgbClr val="C00000"/>
+                    </a:solidFill>
+                  </a:ln>
+                </p:spPr>
+                <p:style>
+                  <a:lnRef idx="2">
+                    <a:schemeClr val="accent1">
+                      <a:shade val="50000"/>
+                    </a:schemeClr>
+                  </a:lnRef>
+                  <a:fillRef idx="1">
+                    <a:schemeClr val="accent1"/>
+                  </a:fillRef>
+                  <a:effectRef idx="0">
+                    <a:schemeClr val="accent1"/>
+                  </a:effectRef>
+                  <a:fontRef idx="minor">
+                    <a:schemeClr val="lt1"/>
+                  </a:fontRef>
+                </p:style>
+                <p:txBody>
+                  <a:bodyPr rtlCol="0" anchor="ctr"/>
+                  <a:lstStyle/>
+                  <a:p>
+                    <a:pPr algn="ctr"/>
+                    <a:r>
+                      <a:rPr lang="ko-KR" altLang="en-US" b="1" dirty="0">
+                        <a:solidFill>
+                          <a:schemeClr val="bg1"/>
+                        </a:solidFill>
+                      </a:rPr>
+                      <a:t>은은한 공포와</a:t>
+                    </a:r>
+                    <a:endParaRPr lang="en-US" altLang="ko-KR" b="1" dirty="0">
+                      <a:solidFill>
+                        <a:schemeClr val="bg1"/>
+                      </a:solidFill>
+                    </a:endParaRPr>
+                  </a:p>
+                  <a:p>
+                    <a:pPr algn="ctr"/>
+                    <a:r>
+                      <a:rPr lang="ko-KR" altLang="en-US" b="1" dirty="0">
+                        <a:solidFill>
+                          <a:schemeClr val="bg1"/>
+                        </a:solidFill>
+                      </a:rPr>
+                      <a:t>흥미로움</a:t>
+                    </a:r>
+                  </a:p>
+                </p:txBody>
+              </p:sp>
+              <p:sp>
+                <p:nvSpPr>
+                  <p:cNvPr id="7" name="사각형: 둥근 모서리 6">
+                    <a:extLst>
+                      <a:ext uri="{FF2B5EF4-FFF2-40B4-BE49-F238E27FC236}">
+                        <a16:creationId xmlns:a16="http://schemas.microsoft.com/office/drawing/2014/main" id="{4EAA385C-2EDA-4697-9597-FC7BC8A5C0EB}"/>
+                      </a:ext>
+                    </a:extLst>
+                  </p:cNvPr>
+                  <p:cNvSpPr/>
+                  <p:nvPr/>
+                </p:nvSpPr>
+                <p:spPr>
+                  <a:xfrm>
+                    <a:off x="2594247" y="1619424"/>
+                    <a:ext cx="2448272" cy="2448272"/>
+                  </a:xfrm>
+                  <a:prstGeom prst="roundRect">
+                    <a:avLst>
+                      <a:gd name="adj" fmla="val 8327"/>
+                    </a:avLst>
+                  </a:prstGeom>
+                  <a:noFill/>
+                  <a:ln>
+                    <a:solidFill>
+                      <a:srgbClr val="C00000"/>
+                    </a:solidFill>
+                  </a:ln>
+                </p:spPr>
+                <p:style>
+                  <a:lnRef idx="2">
+                    <a:schemeClr val="accent1">
+                      <a:shade val="50000"/>
+                    </a:schemeClr>
+                  </a:lnRef>
+                  <a:fillRef idx="1">
+                    <a:schemeClr val="accent1"/>
+                  </a:fillRef>
+                  <a:effectRef idx="0">
+                    <a:schemeClr val="accent1"/>
+                  </a:effectRef>
+                  <a:fontRef idx="minor">
+                    <a:schemeClr val="lt1"/>
+                  </a:fontRef>
+                </p:style>
+                <p:txBody>
+                  <a:bodyPr rtlCol="0" anchor="ctr"/>
+                  <a:lstStyle/>
+                  <a:p>
+                    <a:pPr algn="ctr"/>
+                    <a:endParaRPr lang="en-US" altLang="ko-KR" sz="1800" b="1" kern="100" dirty="0">
+                      <a:solidFill>
+                        <a:schemeClr val="bg1"/>
+                      </a:solidFill>
+                      <a:effectLst/>
+                      <a:latin typeface="맑은 고딕" panose="020B0503020000020004" pitchFamily="50" charset="-127"/>
+                      <a:ea typeface="맑은 고딕" panose="020B0503020000020004" pitchFamily="50" charset="-127"/>
+                      <a:cs typeface="Times New Roman" panose="02020603050405020304" pitchFamily="18" charset="0"/>
+                    </a:endParaRPr>
+                  </a:p>
+                  <a:p>
+                    <a:pPr algn="ctr"/>
+                    <a:r>
+                      <a:rPr lang="ko-KR" altLang="en-US" b="1" kern="100" dirty="0">
+                        <a:solidFill>
+                          <a:schemeClr val="bg1"/>
+                        </a:solidFill>
+                        <a:latin typeface="맑은 고딕" panose="020B0503020000020004" pitchFamily="50" charset="-127"/>
+                        <a:ea typeface="맑은 고딕" panose="020B0503020000020004" pitchFamily="50" charset="-127"/>
+                        <a:cs typeface="Times New Roman" panose="02020603050405020304" pitchFamily="18" charset="0"/>
+                      </a:rPr>
+                      <a:t>확실성 없는 </a:t>
+                    </a:r>
+                    <a:endParaRPr lang="en-US" altLang="ko-KR" b="1" kern="100" dirty="0">
+                      <a:solidFill>
+                        <a:schemeClr val="bg1"/>
+                      </a:solidFill>
+                      <a:latin typeface="맑은 고딕" panose="020B0503020000020004" pitchFamily="50" charset="-127"/>
+                      <a:ea typeface="맑은 고딕" panose="020B0503020000020004" pitchFamily="50" charset="-127"/>
+                      <a:cs typeface="Times New Roman" panose="02020603050405020304" pitchFamily="18" charset="0"/>
+                    </a:endParaRPr>
+                  </a:p>
+                  <a:p>
+                    <a:pPr algn="ctr"/>
+                    <a:r>
+                      <a:rPr lang="ko-KR" altLang="en-US" b="1" kern="100" dirty="0">
+                        <a:solidFill>
+                          <a:schemeClr val="bg1"/>
+                        </a:solidFill>
+                        <a:latin typeface="맑은 고딕" panose="020B0503020000020004" pitchFamily="50" charset="-127"/>
+                        <a:ea typeface="맑은 고딕" panose="020B0503020000020004" pitchFamily="50" charset="-127"/>
+                        <a:cs typeface="Times New Roman" panose="02020603050405020304" pitchFamily="18" charset="0"/>
+                      </a:rPr>
+                      <a:t>이야기 결말</a:t>
+                    </a:r>
+                    <a:r>
+                      <a:rPr lang="ko-KR" altLang="ko-KR" sz="1800" b="1" kern="100" dirty="0">
+                        <a:solidFill>
+                          <a:schemeClr val="bg1"/>
+                        </a:solidFill>
+                        <a:effectLst/>
+                        <a:latin typeface="맑은 고딕" panose="020B0503020000020004" pitchFamily="50" charset="-127"/>
+                        <a:ea typeface="맑은 고딕" panose="020B0503020000020004" pitchFamily="50" charset="-127"/>
+                        <a:cs typeface="Times New Roman" panose="02020603050405020304" pitchFamily="18" charset="0"/>
+                      </a:rPr>
+                      <a:t> </a:t>
+                    </a:r>
+                    <a:endParaRPr lang="ko-KR" altLang="ko-KR" sz="1800" kern="100" dirty="0">
+                      <a:solidFill>
+                        <a:schemeClr val="bg1"/>
+                      </a:solidFill>
+                      <a:effectLst/>
+                      <a:latin typeface="맑은 고딕" panose="020B0503020000020004" pitchFamily="50" charset="-127"/>
+                      <a:ea typeface="맑은 고딕" panose="020B0503020000020004" pitchFamily="50" charset="-127"/>
+                      <a:cs typeface="Times New Roman" panose="02020603050405020304" pitchFamily="18" charset="0"/>
+                    </a:endParaRPr>
+                  </a:p>
+                  <a:p>
+                    <a:pPr algn="ctr"/>
+                    <a:endParaRPr lang="ko-KR" altLang="en-US" dirty="0"/>
+                  </a:p>
+                </p:txBody>
+              </p:sp>
+              <p:sp>
+                <p:nvSpPr>
+                  <p:cNvPr id="8" name="사각형: 둥근 모서리 7">
+                    <a:extLst>
+                      <a:ext uri="{FF2B5EF4-FFF2-40B4-BE49-F238E27FC236}">
+                        <a16:creationId xmlns:a16="http://schemas.microsoft.com/office/drawing/2014/main" id="{7B4A6CAE-13E6-47CB-B92F-3BAF6CE18796}"/>
+                      </a:ext>
+                    </a:extLst>
+                  </p:cNvPr>
+                  <p:cNvSpPr/>
+                  <p:nvPr/>
+                </p:nvSpPr>
+                <p:spPr>
+                  <a:xfrm>
+                    <a:off x="-42428" y="4293096"/>
+                    <a:ext cx="2448272" cy="2448272"/>
+                  </a:xfrm>
+                  <a:prstGeom prst="roundRect">
+                    <a:avLst>
+                      <a:gd name="adj" fmla="val 8327"/>
+                    </a:avLst>
+                  </a:prstGeom>
+                  <a:noFill/>
+                  <a:ln>
+                    <a:solidFill>
+                      <a:srgbClr val="C00000"/>
+                    </a:solidFill>
+                  </a:ln>
+                </p:spPr>
+                <p:style>
+                  <a:lnRef idx="2">
+                    <a:schemeClr val="accent1">
+                      <a:shade val="50000"/>
+                    </a:schemeClr>
+                  </a:lnRef>
+                  <a:fillRef idx="1">
+                    <a:schemeClr val="accent1"/>
+                  </a:fillRef>
+                  <a:effectRef idx="0">
+                    <a:schemeClr val="accent1"/>
+                  </a:effectRef>
+                  <a:fontRef idx="minor">
+                    <a:schemeClr val="lt1"/>
+                  </a:fontRef>
+                </p:style>
+                <p:txBody>
+                  <a:bodyPr rtlCol="0" anchor="ctr"/>
+                  <a:lstStyle/>
+                  <a:p>
+                    <a:pPr algn="ctr"/>
+                    <a:r>
+                      <a:rPr lang="ko-KR" altLang="ko-KR" sz="1800" b="1" dirty="0">
+                        <a:solidFill>
+                          <a:schemeClr val="bg1"/>
+                        </a:solidFill>
+                        <a:effectLst/>
+                        <a:ea typeface="맑은 고딕" panose="020B0503020000020004" pitchFamily="50" charset="-127"/>
+                        <a:cs typeface="Times New Roman" panose="02020603050405020304" pitchFamily="18" charset="0"/>
+                      </a:rPr>
+                      <a:t>일정확률로 </a:t>
+                    </a:r>
+                    <a:endParaRPr lang="en-US" altLang="ko-KR" sz="1800" b="1" dirty="0">
+                      <a:solidFill>
+                        <a:schemeClr val="bg1"/>
+                      </a:solidFill>
+                      <a:effectLst/>
+                      <a:ea typeface="맑은 고딕" panose="020B0503020000020004" pitchFamily="50" charset="-127"/>
+                      <a:cs typeface="Times New Roman" panose="02020603050405020304" pitchFamily="18" charset="0"/>
+                    </a:endParaRPr>
+                  </a:p>
+                  <a:p>
+                    <a:pPr algn="ctr"/>
+                    <a:r>
+                      <a:rPr lang="ko-KR" altLang="en-US" sz="1800" b="1" dirty="0">
+                        <a:solidFill>
+                          <a:schemeClr val="bg1"/>
+                        </a:solidFill>
+                        <a:effectLst/>
+                        <a:ea typeface="맑은 고딕" panose="020B0503020000020004" pitchFamily="50" charset="-127"/>
+                        <a:cs typeface="Times New Roman" panose="02020603050405020304" pitchFamily="18" charset="0"/>
+                      </a:rPr>
+                      <a:t>발생하는</a:t>
+                    </a:r>
+                    <a:r>
+                      <a:rPr lang="en-US" altLang="ko-KR" b="1" dirty="0">
+                        <a:solidFill>
+                          <a:schemeClr val="bg1"/>
+                        </a:solidFill>
+                        <a:ea typeface="맑은 고딕" panose="020B0503020000020004" pitchFamily="50" charset="-127"/>
+                        <a:cs typeface="Times New Roman" panose="02020603050405020304" pitchFamily="18" charset="0"/>
+                      </a:rPr>
+                      <a:t> </a:t>
+                    </a:r>
+                    <a:r>
+                      <a:rPr lang="ko-KR" altLang="ko-KR" sz="1800" b="1" dirty="0">
+                        <a:solidFill>
+                          <a:schemeClr val="bg1"/>
+                        </a:solidFill>
+                        <a:effectLst/>
+                        <a:ea typeface="맑은 고딕" panose="020B0503020000020004" pitchFamily="50" charset="-127"/>
+                        <a:cs typeface="Times New Roman" panose="02020603050405020304" pitchFamily="18" charset="0"/>
+                      </a:rPr>
+                      <a:t>변수</a:t>
+                    </a:r>
+                    <a:endParaRPr lang="ko-KR" altLang="en-US" dirty="0">
+                      <a:solidFill>
+                        <a:schemeClr val="bg1"/>
+                      </a:solidFill>
+                    </a:endParaRPr>
+                  </a:p>
+                </p:txBody>
+              </p:sp>
+              <p:sp>
+                <p:nvSpPr>
+                  <p:cNvPr id="9" name="사각형: 둥근 모서리 8">
+                    <a:extLst>
+                      <a:ext uri="{FF2B5EF4-FFF2-40B4-BE49-F238E27FC236}">
+                        <a16:creationId xmlns:a16="http://schemas.microsoft.com/office/drawing/2014/main" id="{10C4B186-3DBF-445B-BB2E-BF0CCC867A28}"/>
+                      </a:ext>
+                    </a:extLst>
+                  </p:cNvPr>
+                  <p:cNvSpPr/>
+                  <p:nvPr/>
+                </p:nvSpPr>
+                <p:spPr>
+                  <a:xfrm>
+                    <a:off x="2594247" y="4293096"/>
+                    <a:ext cx="2448272" cy="2448272"/>
+                  </a:xfrm>
+                  <a:prstGeom prst="roundRect">
+                    <a:avLst>
+                      <a:gd name="adj" fmla="val 8327"/>
+                    </a:avLst>
+                  </a:prstGeom>
+                  <a:noFill/>
+                  <a:ln>
+                    <a:solidFill>
+                      <a:srgbClr val="C00000"/>
+                    </a:solidFill>
+                  </a:ln>
+                </p:spPr>
+                <p:style>
+                  <a:lnRef idx="2">
+                    <a:schemeClr val="accent1">
+                      <a:shade val="50000"/>
+                    </a:schemeClr>
+                  </a:lnRef>
+                  <a:fillRef idx="1">
+                    <a:schemeClr val="accent1"/>
+                  </a:fillRef>
+                  <a:effectRef idx="0">
+                    <a:schemeClr val="accent1"/>
+                  </a:effectRef>
+                  <a:fontRef idx="minor">
+                    <a:schemeClr val="lt1"/>
+                  </a:fontRef>
+                </p:style>
+                <p:txBody>
+                  <a:bodyPr rtlCol="0" anchor="ctr"/>
+                  <a:lstStyle/>
+                  <a:p>
+                    <a:pPr algn="ctr"/>
+                    <a:r>
+                      <a:rPr lang="ko-KR" altLang="ko-KR" sz="1800" b="1" dirty="0">
+                        <a:solidFill>
+                          <a:schemeClr val="bg1"/>
+                        </a:solidFill>
+                        <a:effectLst/>
+                        <a:ea typeface="맑은 고딕" panose="020B0503020000020004" pitchFamily="50" charset="-127"/>
+                        <a:cs typeface="Times New Roman" panose="02020603050405020304" pitchFamily="18" charset="0"/>
+                      </a:rPr>
+                      <a:t>선택</a:t>
+                    </a:r>
+                    <a:r>
+                      <a:rPr lang="ko-KR" altLang="en-US" sz="1800" b="1" dirty="0">
+                        <a:solidFill>
+                          <a:schemeClr val="bg1"/>
+                        </a:solidFill>
+                        <a:effectLst/>
+                        <a:ea typeface="맑은 고딕" panose="020B0503020000020004" pitchFamily="50" charset="-127"/>
+                        <a:cs typeface="Times New Roman" panose="02020603050405020304" pitchFamily="18" charset="0"/>
+                      </a:rPr>
+                      <a:t>들</a:t>
+                    </a:r>
+                    <a:r>
+                      <a:rPr lang="ko-KR" altLang="ko-KR" sz="1800" b="1" dirty="0">
+                        <a:solidFill>
+                          <a:schemeClr val="bg1"/>
+                        </a:solidFill>
+                        <a:effectLst/>
+                        <a:ea typeface="맑은 고딕" panose="020B0503020000020004" pitchFamily="50" charset="-127"/>
+                        <a:cs typeface="Times New Roman" panose="02020603050405020304" pitchFamily="18" charset="0"/>
+                      </a:rPr>
+                      <a:t>에 따른 </a:t>
+                    </a:r>
+                    <a:endParaRPr lang="en-US" altLang="ko-KR" sz="1800" b="1" dirty="0">
+                      <a:solidFill>
+                        <a:schemeClr val="bg1"/>
+                      </a:solidFill>
+                      <a:effectLst/>
+                      <a:ea typeface="맑은 고딕" panose="020B0503020000020004" pitchFamily="50" charset="-127"/>
+                      <a:cs typeface="Times New Roman" panose="02020603050405020304" pitchFamily="18" charset="0"/>
+                    </a:endParaRPr>
+                  </a:p>
+                  <a:p>
+                    <a:pPr algn="ctr"/>
+                    <a:r>
+                      <a:rPr lang="ko-KR" altLang="ko-KR" sz="1800" b="1" dirty="0">
+                        <a:solidFill>
+                          <a:schemeClr val="bg1"/>
+                        </a:solidFill>
+                        <a:effectLst/>
+                        <a:ea typeface="맑은 고딕" panose="020B0503020000020004" pitchFamily="50" charset="-127"/>
+                        <a:cs typeface="Times New Roman" panose="02020603050405020304" pitchFamily="18" charset="0"/>
+                      </a:rPr>
+                      <a:t>엔딩 변화</a:t>
+                    </a:r>
+                    <a:r>
+                      <a:rPr lang="ko-KR" altLang="ko-KR" sz="1800" dirty="0">
+                        <a:solidFill>
+                          <a:schemeClr val="bg1"/>
+                        </a:solidFill>
+                        <a:effectLst/>
+                        <a:ea typeface="맑은 고딕" panose="020B0503020000020004" pitchFamily="50" charset="-127"/>
+                        <a:cs typeface="Times New Roman" panose="02020603050405020304" pitchFamily="18" charset="0"/>
+                      </a:rPr>
+                      <a:t> </a:t>
+                    </a:r>
+                    <a:endParaRPr lang="ko-KR" altLang="en-US" dirty="0">
+                      <a:solidFill>
+                        <a:schemeClr val="bg1"/>
+                      </a:solidFill>
+                    </a:endParaRPr>
+                  </a:p>
+                </p:txBody>
+              </p:sp>
+            </p:grpSp>
+          </p:grpSp>
+        </p:grpSp>
+      </p:grpSp>
+      <p:grpSp>
+        <p:nvGrpSpPr>
+          <p:cNvPr id="11" name="그룹 10">
+            <a:extLst>
+              <a:ext uri="{FF2B5EF4-FFF2-40B4-BE49-F238E27FC236}">
+                <a16:creationId xmlns:a16="http://schemas.microsoft.com/office/drawing/2014/main" id="{E35E09B2-AE64-4D0C-B145-9826092DC7CA}"/>
+              </a:ext>
+            </a:extLst>
+          </p:cNvPr>
+          <p:cNvGrpSpPr/>
+          <p:nvPr/>
+        </p:nvGrpSpPr>
+        <p:grpSpPr>
+          <a:xfrm>
+            <a:off x="-1764703" y="2276872"/>
+            <a:ext cx="779162" cy="779162"/>
+            <a:chOff x="5292080" y="380204"/>
+            <a:chExt cx="6097587" cy="6097587"/>
+          </a:xfrm>
+        </p:grpSpPr>
+        <p:pic>
+          <p:nvPicPr>
+            <p:cNvPr id="2052" name="Picture 4" descr="Cameras at the Ready | Forever Young Adult">
+              <a:extLst>
+                <a:ext uri="{FF2B5EF4-FFF2-40B4-BE49-F238E27FC236}">
+                  <a16:creationId xmlns:a16="http://schemas.microsoft.com/office/drawing/2014/main" id="{19AEF06C-E418-4D85-A9FA-BF510A58A184}"/>
+                </a:ext>
+              </a:extLst>
+            </p:cNvPr>
+            <p:cNvPicPr>
+              <a:picLocks noChangeAspect="1" noChangeArrowheads="1"/>
+            </p:cNvPicPr>
+            <p:nvPr/>
+          </p:nvPicPr>
+          <p:blipFill>
+            <a:blip r:embed="rId7">
+              <a:extLst>
+                <a:ext uri="{28A0092B-C50C-407E-A947-70E740481C1C}">
+                  <a14:useLocalDpi xmlns:a14="http://schemas.microsoft.com/office/drawing/2010/main" val="0"/>
+                </a:ext>
+              </a:extLst>
+            </a:blip>
+            <a:srcRect/>
+            <a:stretch>
+              <a:fillRect/>
+            </a:stretch>
+          </p:blipFill>
+          <p:spPr bwMode="auto">
+            <a:xfrm>
+              <a:off x="5292080" y="380205"/>
+              <a:ext cx="6097586" cy="6097586"/>
+            </a:xfrm>
+            <a:prstGeom prst="rect">
+              <a:avLst/>
+            </a:prstGeom>
+            <a:noFill/>
+            <a:extLst>
+              <a:ext uri="{909E8E84-426E-40DD-AFC4-6F175D3DCCD1}">
+                <a14:hiddenFill xmlns:a14="http://schemas.microsoft.com/office/drawing/2010/main">
+                  <a:solidFill>
+                    <a:srgbClr val="FFFFFF"/>
+                  </a:solidFill>
+                </a14:hiddenFill>
+              </a:ext>
+            </a:extLst>
+          </p:spPr>
+        </p:pic>
+        <p:sp>
+          <p:nvSpPr>
+            <p:cNvPr id="10" name="직사각형 9">
+              <a:extLst>
+                <a:ext uri="{FF2B5EF4-FFF2-40B4-BE49-F238E27FC236}">
+                  <a16:creationId xmlns:a16="http://schemas.microsoft.com/office/drawing/2014/main" id="{54D1ADB1-01E1-4A2F-81B5-4E84D586C9CF}"/>
+                </a:ext>
+              </a:extLst>
+            </p:cNvPr>
+            <p:cNvSpPr/>
+            <p:nvPr/>
+          </p:nvSpPr>
+          <p:spPr>
+            <a:xfrm>
+              <a:off x="5292080" y="380204"/>
+              <a:ext cx="6097587" cy="6097587"/>
+            </a:xfrm>
+            <a:prstGeom prst="rect">
+              <a:avLst/>
+            </a:prstGeom>
+            <a:solidFill>
+              <a:schemeClr val="tx1">
+                <a:alpha val="50000"/>
+              </a:schemeClr>
+            </a:solidFill>
+            <a:ln>
+              <a:noFill/>
+            </a:ln>
+          </p:spPr>
+          <p:style>
+            <a:lnRef idx="2">
+              <a:schemeClr val="accent1">
+                <a:shade val="50000"/>
+              </a:schemeClr>
+            </a:lnRef>
+            <a:fillRef idx="1">
+              <a:schemeClr val="accent1"/>
+            </a:fillRef>
+            <a:effectRef idx="0">
+              <a:schemeClr val="accent1"/>
+            </a:effectRef>
+            <a:fontRef idx="minor">
+              <a:schemeClr val="lt1"/>
+            </a:fontRef>
+          </p:style>
+          <p:txBody>
+            <a:bodyPr rtlCol="0" anchor="ctr"/>
+            <a:lstStyle/>
+            <a:p>
+              <a:pPr algn="ctr"/>
+              <a:endParaRPr lang="ko-KR" altLang="en-US" dirty="0"/>
+            </a:p>
+          </p:txBody>
+        </p:sp>
+      </p:grpSp>
+      <p:sp>
+        <p:nvSpPr>
+          <p:cNvPr id="14" name="직사각형 13">
+            <a:extLst>
+              <a:ext uri="{FF2B5EF4-FFF2-40B4-BE49-F238E27FC236}">
+                <a16:creationId xmlns:a16="http://schemas.microsoft.com/office/drawing/2014/main" id="{BC1B003A-4ECD-446F-9CEE-7161047C9366}"/>
+              </a:ext>
+            </a:extLst>
+          </p:cNvPr>
+          <p:cNvSpPr/>
+          <p:nvPr/>
+        </p:nvSpPr>
+        <p:spPr>
+          <a:xfrm>
+            <a:off x="7596336" y="380206"/>
+            <a:ext cx="6097587" cy="6097587"/>
+          </a:xfrm>
+          <a:prstGeom prst="rect">
+            <a:avLst/>
+          </a:prstGeom>
+          <a:solidFill>
+            <a:schemeClr val="tx1">
+              <a:alpha val="50000"/>
+            </a:schemeClr>
+          </a:solidFill>
+          <a:ln>
+            <a:noFill/>
+          </a:ln>
+        </p:spPr>
+        <p:style>
+          <a:lnRef idx="2">
+            <a:schemeClr val="accent1">
+              <a:shade val="50000"/>
+            </a:schemeClr>
+          </a:lnRef>
+          <a:fillRef idx="1">
+            <a:schemeClr val="accent1"/>
+          </a:fillRef>
+          <a:effectRef idx="0">
+            <a:schemeClr val="accent1"/>
+          </a:effectRef>
+          <a:fontRef idx="minor">
+            <a:schemeClr val="lt1"/>
+          </a:fontRef>
+        </p:style>
+        <p:txBody>
+          <a:bodyPr rtlCol="0" anchor="ctr"/>
+          <a:lstStyle/>
+          <a:p>
+            <a:pPr algn="ctr"/>
+            <a:endParaRPr lang="ko-KR" altLang="en-US"/>
+          </a:p>
+        </p:txBody>
+      </p:sp>
+      <p:grpSp>
+        <p:nvGrpSpPr>
+          <p:cNvPr id="15" name="그룹 14">
+            <a:extLst>
+              <a:ext uri="{FF2B5EF4-FFF2-40B4-BE49-F238E27FC236}">
+                <a16:creationId xmlns:a16="http://schemas.microsoft.com/office/drawing/2014/main" id="{16B0E2CF-CD7A-47DF-B97F-0AA343CC1E3B}"/>
+              </a:ext>
+            </a:extLst>
+          </p:cNvPr>
+          <p:cNvGrpSpPr/>
+          <p:nvPr/>
+        </p:nvGrpSpPr>
+        <p:grpSpPr>
+          <a:xfrm>
+            <a:off x="-1701597" y="4501634"/>
+            <a:ext cx="728981" cy="728981"/>
+            <a:chOff x="1619672" y="2276872"/>
+            <a:chExt cx="5143500" cy="5143500"/>
+          </a:xfrm>
+        </p:grpSpPr>
+        <p:pic>
+          <p:nvPicPr>
+            <p:cNvPr id="2054" name="Picture 6" descr="무서운 분위기? 짤 (움짤 아님!!) | 메이플 인벤">
+              <a:extLst>
+                <a:ext uri="{FF2B5EF4-FFF2-40B4-BE49-F238E27FC236}">
+                  <a16:creationId xmlns:a16="http://schemas.microsoft.com/office/drawing/2014/main" id="{BDE6FDCC-8A50-44E8-8FEB-E3C1286EBCFD}"/>
+                </a:ext>
+              </a:extLst>
+            </p:cNvPr>
+            <p:cNvPicPr>
+              <a:picLocks noChangeAspect="1" noChangeArrowheads="1"/>
+            </p:cNvPicPr>
+            <p:nvPr/>
+          </p:nvPicPr>
+          <p:blipFill rotWithShape="1">
+            <a:blip r:embed="rId8">
+              <a:extLst>
+                <a:ext uri="{28A0092B-C50C-407E-A947-70E740481C1C}">
+                  <a14:useLocalDpi xmlns:a14="http://schemas.microsoft.com/office/drawing/2010/main" val="0"/>
+                </a:ext>
+              </a:extLst>
+            </a:blip>
+            <a:srcRect t="12500" b="12500"/>
+            <a:stretch/>
+          </p:blipFill>
+          <p:spPr bwMode="auto">
+            <a:xfrm>
+              <a:off x="1619672" y="2276872"/>
+              <a:ext cx="5143500" cy="5143500"/>
+            </a:xfrm>
+            <a:prstGeom prst="rect">
+              <a:avLst/>
+            </a:prstGeom>
+            <a:noFill/>
+            <a:extLst>
+              <a:ext uri="{909E8E84-426E-40DD-AFC4-6F175D3DCCD1}">
+                <a14:hiddenFill xmlns:a14="http://schemas.microsoft.com/office/drawing/2010/main">
+                  <a:solidFill>
+                    <a:srgbClr val="FFFFFF"/>
+                  </a:solidFill>
+                </a14:hiddenFill>
+              </a:ext>
+            </a:extLst>
+          </p:spPr>
+        </p:pic>
+        <p:sp>
+          <p:nvSpPr>
+            <p:cNvPr id="18" name="직사각형 17">
+              <a:extLst>
+                <a:ext uri="{FF2B5EF4-FFF2-40B4-BE49-F238E27FC236}">
+                  <a16:creationId xmlns:a16="http://schemas.microsoft.com/office/drawing/2014/main" id="{D9188FB6-A43A-4367-B26C-8A3643BFD0CF}"/>
+                </a:ext>
+              </a:extLst>
+            </p:cNvPr>
+            <p:cNvSpPr/>
+            <p:nvPr/>
+          </p:nvSpPr>
+          <p:spPr>
+            <a:xfrm>
+              <a:off x="1637083" y="2276872"/>
+              <a:ext cx="5126089" cy="5143500"/>
+            </a:xfrm>
+            <a:prstGeom prst="rect">
+              <a:avLst/>
+            </a:prstGeom>
+            <a:solidFill>
+              <a:schemeClr val="tx1">
+                <a:alpha val="50000"/>
+              </a:schemeClr>
+            </a:solidFill>
+            <a:ln>
+              <a:noFill/>
+            </a:ln>
+          </p:spPr>
+          <p:style>
+            <a:lnRef idx="2">
+              <a:schemeClr val="accent1">
+                <a:shade val="50000"/>
+              </a:schemeClr>
+            </a:lnRef>
+            <a:fillRef idx="1">
+              <a:schemeClr val="accent1"/>
+            </a:fillRef>
+            <a:effectRef idx="0">
+              <a:schemeClr val="accent1"/>
+            </a:effectRef>
+            <a:fontRef idx="minor">
+              <a:schemeClr val="lt1"/>
+            </a:fontRef>
+          </p:style>
+          <p:txBody>
+            <a:bodyPr rtlCol="0" anchor="ctr"/>
+            <a:lstStyle/>
+            <a:p>
+              <a:pPr algn="ctr"/>
+              <a:endParaRPr lang="ko-KR" altLang="en-US"/>
+            </a:p>
+          </p:txBody>
+        </p:sp>
+      </p:grpSp>
+      <p:grpSp>
+        <p:nvGrpSpPr>
+          <p:cNvPr id="19" name="그룹 18">
+            <a:extLst>
+              <a:ext uri="{FF2B5EF4-FFF2-40B4-BE49-F238E27FC236}">
+                <a16:creationId xmlns:a16="http://schemas.microsoft.com/office/drawing/2014/main" id="{3244AF38-6E64-4958-87BF-F967CCB85A6B}"/>
+              </a:ext>
+            </a:extLst>
+          </p:cNvPr>
+          <p:cNvGrpSpPr/>
+          <p:nvPr/>
+        </p:nvGrpSpPr>
+        <p:grpSpPr>
+          <a:xfrm>
+            <a:off x="-2083019" y="2988050"/>
+            <a:ext cx="1398436" cy="1398436"/>
+            <a:chOff x="1763688" y="1912806"/>
+            <a:chExt cx="3333751" cy="3333750"/>
+          </a:xfrm>
+        </p:grpSpPr>
+        <p:pic>
+          <p:nvPicPr>
+            <p:cNvPr id="2056" name="Picture 8" descr="주사위 - 나무위키">
+              <a:extLst>
+                <a:ext uri="{FF2B5EF4-FFF2-40B4-BE49-F238E27FC236}">
+                  <a16:creationId xmlns:a16="http://schemas.microsoft.com/office/drawing/2014/main" id="{26AFA8A6-6185-4F98-8B6D-04F2099CD925}"/>
+                </a:ext>
+              </a:extLst>
+            </p:cNvPr>
+            <p:cNvPicPr>
+              <a:picLocks noChangeAspect="1" noChangeArrowheads="1"/>
+            </p:cNvPicPr>
+            <p:nvPr/>
+          </p:nvPicPr>
+          <p:blipFill rotWithShape="1">
+            <a:blip r:embed="rId9">
+              <a:extLst>
+                <a:ext uri="{28A0092B-C50C-407E-A947-70E740481C1C}">
+                  <a14:useLocalDpi xmlns:a14="http://schemas.microsoft.com/office/drawing/2010/main" val="0"/>
+                </a:ext>
+              </a:extLst>
+            </a:blip>
+            <a:srcRect/>
+            <a:stretch/>
+          </p:blipFill>
+          <p:spPr bwMode="auto">
+            <a:xfrm>
+              <a:off x="1763688" y="1912806"/>
+              <a:ext cx="3333750" cy="3333750"/>
+            </a:xfrm>
+            <a:prstGeom prst="rect">
+              <a:avLst/>
+            </a:prstGeom>
+            <a:noFill/>
+            <a:extLst>
+              <a:ext uri="{909E8E84-426E-40DD-AFC4-6F175D3DCCD1}">
+                <a14:hiddenFill xmlns:a14="http://schemas.microsoft.com/office/drawing/2010/main">
+                  <a:solidFill>
+                    <a:srgbClr val="FFFFFF"/>
+                  </a:solidFill>
+                </a14:hiddenFill>
+              </a:ext>
+            </a:extLst>
+          </p:spPr>
+        </p:pic>
+        <p:sp>
+          <p:nvSpPr>
+            <p:cNvPr id="23" name="직사각형 22">
+              <a:extLst>
+                <a:ext uri="{FF2B5EF4-FFF2-40B4-BE49-F238E27FC236}">
+                  <a16:creationId xmlns:a16="http://schemas.microsoft.com/office/drawing/2014/main" id="{F2E204AD-C33A-4452-B469-64C1590B93E6}"/>
+                </a:ext>
+              </a:extLst>
+            </p:cNvPr>
+            <p:cNvSpPr/>
+            <p:nvPr/>
+          </p:nvSpPr>
+          <p:spPr>
+            <a:xfrm>
+              <a:off x="1763689" y="1912806"/>
+              <a:ext cx="3333750" cy="3333750"/>
+            </a:xfrm>
+            <a:prstGeom prst="rect">
+              <a:avLst/>
+            </a:prstGeom>
+            <a:solidFill>
+              <a:schemeClr val="tx1">
+                <a:alpha val="50000"/>
+              </a:schemeClr>
+            </a:solidFill>
+            <a:ln>
+              <a:noFill/>
+            </a:ln>
+          </p:spPr>
+          <p:style>
+            <a:lnRef idx="2">
+              <a:schemeClr val="accent1">
+                <a:shade val="50000"/>
+              </a:schemeClr>
+            </a:lnRef>
+            <a:fillRef idx="1">
+              <a:schemeClr val="accent1"/>
+            </a:fillRef>
+            <a:effectRef idx="0">
+              <a:schemeClr val="accent1"/>
+            </a:effectRef>
+            <a:fontRef idx="minor">
+              <a:schemeClr val="lt1"/>
+            </a:fontRef>
+          </p:style>
+          <p:txBody>
+            <a:bodyPr rtlCol="0" anchor="ctr"/>
+            <a:lstStyle/>
+            <a:p>
+              <a:pPr algn="ctr"/>
+              <a:endParaRPr lang="ko-KR" altLang="en-US" dirty="0"/>
+            </a:p>
+          </p:txBody>
+        </p:sp>
+      </p:grpSp>
+      <p:grpSp>
+        <p:nvGrpSpPr>
+          <p:cNvPr id="21" name="그룹 20">
+            <a:extLst>
+              <a:ext uri="{FF2B5EF4-FFF2-40B4-BE49-F238E27FC236}">
+                <a16:creationId xmlns:a16="http://schemas.microsoft.com/office/drawing/2014/main" id="{CCF68140-F231-411A-AB51-E739E9ED6E72}"/>
+              </a:ext>
+            </a:extLst>
+          </p:cNvPr>
+          <p:cNvGrpSpPr/>
+          <p:nvPr/>
+        </p:nvGrpSpPr>
+        <p:grpSpPr>
+          <a:xfrm>
+            <a:off x="-962353" y="2249110"/>
+            <a:ext cx="1638497" cy="1639699"/>
+            <a:chOff x="2621552" y="1485900"/>
+            <a:chExt cx="3893551" cy="3896405"/>
+          </a:xfrm>
+        </p:grpSpPr>
+        <p:pic>
+          <p:nvPicPr>
+            <p:cNvPr id="2058" name="Picture 10" descr="64,018 Crossroad Stock Photos, Pictures &amp;amp; Royalty-Free Images - iStock">
+              <a:extLst>
+                <a:ext uri="{FF2B5EF4-FFF2-40B4-BE49-F238E27FC236}">
+                  <a16:creationId xmlns:a16="http://schemas.microsoft.com/office/drawing/2014/main" id="{5F99BE54-7CBB-40EB-8760-95805DC901A5}"/>
+                </a:ext>
+              </a:extLst>
+            </p:cNvPr>
+            <p:cNvPicPr>
+              <a:picLocks noChangeAspect="1" noChangeArrowheads="1"/>
+            </p:cNvPicPr>
+            <p:nvPr/>
+          </p:nvPicPr>
+          <p:blipFill rotWithShape="1">
+            <a:blip r:embed="rId10">
+              <a:extLst>
+                <a:ext uri="{28A0092B-C50C-407E-A947-70E740481C1C}">
+                  <a14:useLocalDpi xmlns:a14="http://schemas.microsoft.com/office/drawing/2010/main" val="0"/>
+                </a:ext>
+              </a:extLst>
+            </a:blip>
+            <a:srcRect l="16667" r="16667"/>
+            <a:stretch/>
+          </p:blipFill>
+          <p:spPr bwMode="auto">
+            <a:xfrm>
+              <a:off x="2628900" y="1485900"/>
+              <a:ext cx="3886200" cy="3886200"/>
+            </a:xfrm>
+            <a:prstGeom prst="rect">
+              <a:avLst/>
+            </a:prstGeom>
+            <a:noFill/>
+            <a:extLst>
+              <a:ext uri="{909E8E84-426E-40DD-AFC4-6F175D3DCCD1}">
+                <a14:hiddenFill xmlns:a14="http://schemas.microsoft.com/office/drawing/2010/main">
+                  <a:solidFill>
+                    <a:srgbClr val="FFFFFF"/>
+                  </a:solidFill>
+                </a14:hiddenFill>
+              </a:ext>
+            </a:extLst>
+          </p:spPr>
+        </p:pic>
+        <p:sp>
+          <p:nvSpPr>
+            <p:cNvPr id="28" name="직사각형 27">
+              <a:extLst>
+                <a:ext uri="{FF2B5EF4-FFF2-40B4-BE49-F238E27FC236}">
+                  <a16:creationId xmlns:a16="http://schemas.microsoft.com/office/drawing/2014/main" id="{3F1BBB08-625F-4DF9-8C63-AE27AB92ADF6}"/>
+                </a:ext>
+              </a:extLst>
+            </p:cNvPr>
+            <p:cNvSpPr/>
+            <p:nvPr/>
+          </p:nvSpPr>
+          <p:spPr>
+            <a:xfrm>
+              <a:off x="2621553" y="1496106"/>
+              <a:ext cx="3893550" cy="3886199"/>
+            </a:xfrm>
+            <a:prstGeom prst="rect">
+              <a:avLst/>
+            </a:prstGeom>
+            <a:solidFill>
+              <a:schemeClr val="tx1">
+                <a:alpha val="50000"/>
+              </a:schemeClr>
+            </a:solidFill>
+            <a:ln>
+              <a:noFill/>
+            </a:ln>
+          </p:spPr>
+          <p:style>
+            <a:lnRef idx="2">
+              <a:schemeClr val="accent1">
+                <a:shade val="50000"/>
+              </a:schemeClr>
+            </a:lnRef>
+            <a:fillRef idx="1">
+              <a:schemeClr val="accent1"/>
+            </a:fillRef>
+            <a:effectRef idx="0">
+              <a:schemeClr val="accent1"/>
+            </a:effectRef>
+            <a:fontRef idx="minor">
+              <a:schemeClr val="lt1"/>
+            </a:fontRef>
+          </p:style>
+          <p:txBody>
+            <a:bodyPr rtlCol="0" anchor="ctr"/>
+            <a:lstStyle/>
+            <a:p>
+              <a:pPr algn="ctr"/>
+              <a:endParaRPr lang="ko-KR" altLang="en-US" dirty="0"/>
+            </a:p>
+          </p:txBody>
+        </p:sp>
+      </p:grpSp>
+    </p:spTree>
+    <p:extLst>
+      <p:ext uri="{BB962C8B-B14F-4D97-AF65-F5344CB8AC3E}">
+        <p14:creationId xmlns:p14="http://schemas.microsoft.com/office/powerpoint/2010/main" val="181490531"/>
+      </p:ext>
+    </p:extLst>
+  </p:cSld>
+  <p:clrMapOvr>
+    <a:masterClrMapping/>
+  </p:clrMapOvr>
+</p:sld>
+</file>
+
 <file path=ppt/theme/theme1.xml><?xml version="1.0" encoding="utf-8"?>
 <a:theme xmlns:a="http://schemas.openxmlformats.org/drawingml/2006/main" name="Office 테마">
   <a:themeElements>

--- a/Documents/Agis.pptx
+++ b/Documents/Agis.pptx
@@ -13,7 +13,7 @@
     <p:sldId id="258" r:id="rId4"/>
     <p:sldId id="259" r:id="rId5"/>
   </p:sldIdLst>
-  <p:sldSz cx="9144000" cy="6858000" type="screen4x3"/>
+  <p:sldSz cx="12192000" cy="6858000"/>
   <p:notesSz cx="6858000" cy="9144000"/>
   <p:defaultTextStyle>
     <a:defPPr>
@@ -113,12 +113,12 @@
   <p:extLst>
     <p:ext uri="{EFAFB233-063F-42B5-8137-9DF3F51BA10A}">
       <p15:sldGuideLst xmlns:p15="http://schemas.microsoft.com/office/powerpoint/2012/main">
-        <p15:guide id="1" orient="horz" pos="2160">
+        <p15:guide id="1" orient="horz" pos="2160" userDrawn="1">
           <p15:clr>
             <a:srgbClr val="A4A3A4"/>
           </p15:clr>
         </p15:guide>
-        <p15:guide id="2" pos="2880">
+        <p15:guide id="2" pos="3840" userDrawn="1">
           <p15:clr>
             <a:srgbClr val="A4A3A4"/>
           </p15:clr>
@@ -478,7 +478,7 @@
           <a:p>
             <a:fld id="{0188BD66-E6E7-4C45-AB6D-5D322163BA3A}" type="datetimeFigureOut">
               <a:rPr lang="ko-KR" altLang="en-US" smtClean="0"/>
-              <a:t>2021-09-23</a:t>
+              <a:t>2021-09-27(Mon)</a:t>
             </a:fld>
             <a:endParaRPr lang="ko-KR" altLang="en-US"/>
           </a:p>
@@ -496,8 +496,8 @@
         </p:nvSpPr>
         <p:spPr>
           <a:xfrm>
-            <a:off x="1371600" y="1143000"/>
-            <a:ext cx="4114800" cy="3086100"/>
+            <a:off x="685800" y="1143000"/>
+            <a:ext cx="5486400" cy="3086100"/>
           </a:xfrm>
           <a:prstGeom prst="rect">
             <a:avLst/>
@@ -774,8 +774,8 @@
         </p:nvSpPr>
         <p:spPr>
           <a:xfrm>
-            <a:off x="685800" y="2130425"/>
-            <a:ext cx="7772400" cy="1470025"/>
+            <a:off x="914400" y="2130426"/>
+            <a:ext cx="10363200" cy="1470025"/>
           </a:xfrm>
         </p:spPr>
         <p:txBody>
@@ -801,8 +801,8 @@
         </p:nvSpPr>
         <p:spPr>
           <a:xfrm>
-            <a:off x="1371600" y="3886200"/>
-            <a:ext cx="6400800" cy="1752600"/>
+            <a:off x="1828800" y="3886200"/>
+            <a:ext cx="8534400" cy="1752600"/>
           </a:xfrm>
         </p:spPr>
         <p:txBody>
@@ -924,7 +924,7 @@
           <a:p>
             <a:fld id="{A5AFA60C-1338-43DD-9992-72F57E60546C}" type="datetimeFigureOut">
               <a:rPr lang="ko-KR" altLang="en-US" smtClean="0"/>
-              <a:t>2021-09-23</a:t>
+              <a:t>2021-09-27(Mon)</a:t>
             </a:fld>
             <a:endParaRPr lang="ko-KR" altLang="en-US"/>
           </a:p>
@@ -1092,7 +1092,7 @@
           <a:p>
             <a:fld id="{A5AFA60C-1338-43DD-9992-72F57E60546C}" type="datetimeFigureOut">
               <a:rPr lang="ko-KR" altLang="en-US" smtClean="0"/>
-              <a:t>2021-09-23</a:t>
+              <a:t>2021-09-27(Mon)</a:t>
             </a:fld>
             <a:endParaRPr lang="ko-KR" altLang="en-US"/>
           </a:p>
@@ -1182,8 +1182,8 @@
         </p:nvSpPr>
         <p:spPr>
           <a:xfrm>
-            <a:off x="6629400" y="274638"/>
-            <a:ext cx="2057400" cy="5851525"/>
+            <a:off x="8839200" y="274639"/>
+            <a:ext cx="2743200" cy="5851525"/>
           </a:xfrm>
         </p:spPr>
         <p:txBody>
@@ -1209,8 +1209,8 @@
         </p:nvSpPr>
         <p:spPr>
           <a:xfrm>
-            <a:off x="457200" y="274638"/>
-            <a:ext cx="6019800" cy="5851525"/>
+            <a:off x="609600" y="274639"/>
+            <a:ext cx="8026400" cy="5851525"/>
           </a:xfrm>
         </p:spPr>
         <p:txBody>
@@ -1270,7 +1270,7 @@
           <a:p>
             <a:fld id="{A5AFA60C-1338-43DD-9992-72F57E60546C}" type="datetimeFigureOut">
               <a:rPr lang="ko-KR" altLang="en-US" smtClean="0"/>
-              <a:t>2021-09-23</a:t>
+              <a:t>2021-09-27(Mon)</a:t>
             </a:fld>
             <a:endParaRPr lang="ko-KR" altLang="en-US"/>
           </a:p>
@@ -1438,7 +1438,7 @@
           <a:p>
             <a:fld id="{A5AFA60C-1338-43DD-9992-72F57E60546C}" type="datetimeFigureOut">
               <a:rPr lang="ko-KR" altLang="en-US" smtClean="0"/>
-              <a:t>2021-09-23</a:t>
+              <a:t>2021-09-27(Mon)</a:t>
             </a:fld>
             <a:endParaRPr lang="ko-KR" altLang="en-US"/>
           </a:p>
@@ -1528,8 +1528,8 @@
         </p:nvSpPr>
         <p:spPr>
           <a:xfrm>
-            <a:off x="722313" y="4406900"/>
-            <a:ext cx="7772400" cy="1362075"/>
+            <a:off x="963084" y="4406901"/>
+            <a:ext cx="10363200" cy="1362075"/>
           </a:xfrm>
         </p:spPr>
         <p:txBody>
@@ -1559,8 +1559,8 @@
         </p:nvSpPr>
         <p:spPr>
           <a:xfrm>
-            <a:off x="722313" y="2906713"/>
-            <a:ext cx="7772400" cy="1500187"/>
+            <a:off x="963084" y="2906713"/>
+            <a:ext cx="10363200" cy="1500187"/>
           </a:xfrm>
         </p:spPr>
         <p:txBody>
@@ -1683,7 +1683,7 @@
           <a:p>
             <a:fld id="{A5AFA60C-1338-43DD-9992-72F57E60546C}" type="datetimeFigureOut">
               <a:rPr lang="ko-KR" altLang="en-US" smtClean="0"/>
-              <a:t>2021-09-23</a:t>
+              <a:t>2021-09-27(Mon)</a:t>
             </a:fld>
             <a:endParaRPr lang="ko-KR" altLang="en-US"/>
           </a:p>
@@ -1795,8 +1795,8 @@
         </p:nvSpPr>
         <p:spPr>
           <a:xfrm>
-            <a:off x="457200" y="1600200"/>
-            <a:ext cx="4038600" cy="4525963"/>
+            <a:off x="609600" y="1600201"/>
+            <a:ext cx="5384800" cy="4525963"/>
           </a:xfrm>
         </p:spPr>
         <p:txBody>
@@ -1879,8 +1879,8 @@
         </p:nvSpPr>
         <p:spPr>
           <a:xfrm>
-            <a:off x="4648200" y="1600200"/>
-            <a:ext cx="4038600" cy="4525963"/>
+            <a:off x="6197600" y="1600201"/>
+            <a:ext cx="5384800" cy="4525963"/>
           </a:xfrm>
         </p:spPr>
         <p:txBody>
@@ -1968,7 +1968,7 @@
           <a:p>
             <a:fld id="{A5AFA60C-1338-43DD-9992-72F57E60546C}" type="datetimeFigureOut">
               <a:rPr lang="ko-KR" altLang="en-US" smtClean="0"/>
-              <a:t>2021-09-23</a:t>
+              <a:t>2021-09-27(Mon)</a:t>
             </a:fld>
             <a:endParaRPr lang="ko-KR" altLang="en-US"/>
           </a:p>
@@ -2084,8 +2084,8 @@
         </p:nvSpPr>
         <p:spPr>
           <a:xfrm>
-            <a:off x="457200" y="1535113"/>
-            <a:ext cx="4040188" cy="639762"/>
+            <a:off x="609600" y="1535113"/>
+            <a:ext cx="5386917" cy="639762"/>
           </a:xfrm>
         </p:spPr>
         <p:txBody>
@@ -2149,8 +2149,8 @@
         </p:nvSpPr>
         <p:spPr>
           <a:xfrm>
-            <a:off x="457200" y="2174875"/>
-            <a:ext cx="4040188" cy="3951288"/>
+            <a:off x="609600" y="2174875"/>
+            <a:ext cx="5386917" cy="3951288"/>
           </a:xfrm>
         </p:spPr>
         <p:txBody>
@@ -2233,8 +2233,8 @@
         </p:nvSpPr>
         <p:spPr>
           <a:xfrm>
-            <a:off x="4645025" y="1535113"/>
-            <a:ext cx="4041775" cy="639762"/>
+            <a:off x="6193368" y="1535113"/>
+            <a:ext cx="5389033" cy="639762"/>
           </a:xfrm>
         </p:spPr>
         <p:txBody>
@@ -2298,8 +2298,8 @@
         </p:nvSpPr>
         <p:spPr>
           <a:xfrm>
-            <a:off x="4645025" y="2174875"/>
-            <a:ext cx="4041775" cy="3951288"/>
+            <a:off x="6193368" y="2174875"/>
+            <a:ext cx="5389033" cy="3951288"/>
           </a:xfrm>
         </p:spPr>
         <p:txBody>
@@ -2387,7 +2387,7 @@
           <a:p>
             <a:fld id="{A5AFA60C-1338-43DD-9992-72F57E60546C}" type="datetimeFigureOut">
               <a:rPr lang="ko-KR" altLang="en-US" smtClean="0"/>
-              <a:t>2021-09-23</a:t>
+              <a:t>2021-09-27(Mon)</a:t>
             </a:fld>
             <a:endParaRPr lang="ko-KR" altLang="en-US"/>
           </a:p>
@@ -2504,7 +2504,7 @@
           <a:p>
             <a:fld id="{A5AFA60C-1338-43DD-9992-72F57E60546C}" type="datetimeFigureOut">
               <a:rPr lang="ko-KR" altLang="en-US" smtClean="0"/>
-              <a:t>2021-09-23</a:t>
+              <a:t>2021-09-27(Mon)</a:t>
             </a:fld>
             <a:endParaRPr lang="ko-KR" altLang="en-US"/>
           </a:p>
@@ -2599,7 +2599,7 @@
           <a:p>
             <a:fld id="{A5AFA60C-1338-43DD-9992-72F57E60546C}" type="datetimeFigureOut">
               <a:rPr lang="ko-KR" altLang="en-US" smtClean="0"/>
-              <a:t>2021-09-23</a:t>
+              <a:t>2021-09-27(Mon)</a:t>
             </a:fld>
             <a:endParaRPr lang="ko-KR" altLang="en-US"/>
           </a:p>
@@ -2689,8 +2689,8 @@
         </p:nvSpPr>
         <p:spPr>
           <a:xfrm>
-            <a:off x="457200" y="273050"/>
-            <a:ext cx="3008313" cy="1162050"/>
+            <a:off x="609601" y="273050"/>
+            <a:ext cx="4011084" cy="1162050"/>
           </a:xfrm>
         </p:spPr>
         <p:txBody>
@@ -2720,8 +2720,8 @@
         </p:nvSpPr>
         <p:spPr>
           <a:xfrm>
-            <a:off x="3575050" y="273050"/>
-            <a:ext cx="5111750" cy="5853113"/>
+            <a:off x="4766733" y="273051"/>
+            <a:ext cx="6815667" cy="5853113"/>
           </a:xfrm>
         </p:spPr>
         <p:txBody>
@@ -2804,8 +2804,8 @@
         </p:nvSpPr>
         <p:spPr>
           <a:xfrm>
-            <a:off x="457200" y="1435100"/>
-            <a:ext cx="3008313" cy="4691063"/>
+            <a:off x="609601" y="1435101"/>
+            <a:ext cx="4011084" cy="4691063"/>
           </a:xfrm>
         </p:spPr>
         <p:txBody>
@@ -2874,7 +2874,7 @@
           <a:p>
             <a:fld id="{A5AFA60C-1338-43DD-9992-72F57E60546C}" type="datetimeFigureOut">
               <a:rPr lang="ko-KR" altLang="en-US" smtClean="0"/>
-              <a:t>2021-09-23</a:t>
+              <a:t>2021-09-27(Mon)</a:t>
             </a:fld>
             <a:endParaRPr lang="ko-KR" altLang="en-US"/>
           </a:p>
@@ -2964,8 +2964,8 @@
         </p:nvSpPr>
         <p:spPr>
           <a:xfrm>
-            <a:off x="1792288" y="4800600"/>
-            <a:ext cx="5486400" cy="566738"/>
+            <a:off x="2389717" y="4800600"/>
+            <a:ext cx="7315200" cy="566738"/>
           </a:xfrm>
         </p:spPr>
         <p:txBody>
@@ -2995,8 +2995,8 @@
         </p:nvSpPr>
         <p:spPr>
           <a:xfrm>
-            <a:off x="1792288" y="612775"/>
-            <a:ext cx="5486400" cy="4114800"/>
+            <a:off x="2389717" y="612775"/>
+            <a:ext cx="7315200" cy="4114800"/>
           </a:xfrm>
         </p:spPr>
         <p:txBody>
@@ -3056,8 +3056,8 @@
         </p:nvSpPr>
         <p:spPr>
           <a:xfrm>
-            <a:off x="1792288" y="5367338"/>
-            <a:ext cx="5486400" cy="804862"/>
+            <a:off x="2389717" y="5367338"/>
+            <a:ext cx="7315200" cy="804862"/>
           </a:xfrm>
         </p:spPr>
         <p:txBody>
@@ -3126,7 +3126,7 @@
           <a:p>
             <a:fld id="{A5AFA60C-1338-43DD-9992-72F57E60546C}" type="datetimeFigureOut">
               <a:rPr lang="ko-KR" altLang="en-US" smtClean="0"/>
-              <a:t>2021-09-23</a:t>
+              <a:t>2021-09-27(Mon)</a:t>
             </a:fld>
             <a:endParaRPr lang="ko-KR" altLang="en-US"/>
           </a:p>
@@ -3221,8 +3221,8 @@
         </p:nvSpPr>
         <p:spPr>
           <a:xfrm>
-            <a:off x="457200" y="274638"/>
-            <a:ext cx="8229600" cy="1143000"/>
+            <a:off x="609600" y="274638"/>
+            <a:ext cx="10972800" cy="1143000"/>
           </a:xfrm>
           <a:prstGeom prst="rect">
             <a:avLst/>
@@ -3253,8 +3253,8 @@
         </p:nvSpPr>
         <p:spPr>
           <a:xfrm>
-            <a:off x="457200" y="1600200"/>
-            <a:ext cx="8229600" cy="4525963"/>
+            <a:off x="609600" y="1600201"/>
+            <a:ext cx="10972800" cy="4525963"/>
           </a:xfrm>
           <a:prstGeom prst="rect">
             <a:avLst/>
@@ -3314,8 +3314,8 @@
         </p:nvSpPr>
         <p:spPr>
           <a:xfrm>
-            <a:off x="457200" y="6356350"/>
-            <a:ext cx="2133600" cy="365125"/>
+            <a:off x="609600" y="6356351"/>
+            <a:ext cx="2844800" cy="365125"/>
           </a:xfrm>
           <a:prstGeom prst="rect">
             <a:avLst/>
@@ -3337,7 +3337,7 @@
           <a:p>
             <a:fld id="{A5AFA60C-1338-43DD-9992-72F57E60546C}" type="datetimeFigureOut">
               <a:rPr lang="ko-KR" altLang="en-US" smtClean="0"/>
-              <a:t>2021-09-23</a:t>
+              <a:t>2021-09-27(Mon)</a:t>
             </a:fld>
             <a:endParaRPr lang="ko-KR" altLang="en-US"/>
           </a:p>
@@ -3355,8 +3355,8 @@
         </p:nvSpPr>
         <p:spPr>
           <a:xfrm>
-            <a:off x="3124200" y="6356350"/>
-            <a:ext cx="2895600" cy="365125"/>
+            <a:off x="4165600" y="6356351"/>
+            <a:ext cx="3860800" cy="365125"/>
           </a:xfrm>
           <a:prstGeom prst="rect">
             <a:avLst/>
@@ -3392,8 +3392,8 @@
         </p:nvSpPr>
         <p:spPr>
           <a:xfrm>
-            <a:off x="6553200" y="6356350"/>
-            <a:ext cx="2133600" cy="365125"/>
+            <a:off x="8737600" y="6356351"/>
+            <a:ext cx="2844800" cy="365125"/>
           </a:xfrm>
           <a:prstGeom prst="rect">
             <a:avLst/>
@@ -3726,7 +3726,7 @@
         </p:nvGrpSpPr>
         <p:grpSpPr>
           <a:xfrm>
-            <a:off x="0" y="0"/>
+            <a:off x="1524000" y="0"/>
             <a:ext cx="9144000" cy="838914"/>
             <a:chOff x="-42884" y="-18669"/>
             <a:chExt cx="9144000" cy="838914"/>
@@ -3791,7 +3791,7 @@
             <a:lstStyle/>
             <a:p>
               <a:r>
-                <a:rPr lang="en-US" altLang="ko-KR" sz="1800" b="1" dirty="0">
+                <a:rPr lang="en-US" altLang="ko-KR" b="1" dirty="0">
                   <a:latin typeface="Matura MT Script Capitals" panose="03020802060602070202" pitchFamily="66" charset="0"/>
                 </a:rPr>
                 <a:t>Team Agis</a:t>
@@ -3815,7 +3815,7 @@
         </p:nvGrpSpPr>
         <p:grpSpPr>
           <a:xfrm>
-            <a:off x="539552" y="1340768"/>
+            <a:off x="2063553" y="1340768"/>
             <a:ext cx="7905001" cy="4912078"/>
             <a:chOff x="449034" y="1797069"/>
             <a:chExt cx="7905001" cy="4912078"/>
@@ -5898,7 +5898,7 @@
             <p:spPr>
               <a:xfrm>
                 <a:off x="6753454" y="6046551"/>
-                <a:ext cx="214317" cy="369332"/>
+                <a:ext cx="214317" cy="460675"/>
               </a:xfrm>
               <a:prstGeom prst="rect">
                 <a:avLst/>
@@ -5934,7 +5934,7 @@
             <p:spPr>
               <a:xfrm>
                 <a:off x="7238002" y="476672"/>
-                <a:ext cx="1874186" cy="261610"/>
+                <a:ext cx="1874186" cy="326312"/>
               </a:xfrm>
               <a:prstGeom prst="rect">
                 <a:avLst/>
@@ -5969,7 +5969,7 @@
             <p:spPr>
               <a:xfrm>
                 <a:off x="7238002" y="866401"/>
-                <a:ext cx="1874186" cy="261610"/>
+                <a:ext cx="1874186" cy="326312"/>
               </a:xfrm>
               <a:prstGeom prst="rect">
                 <a:avLst/>
@@ -6004,7 +6004,7 @@
             <p:spPr>
               <a:xfrm>
                 <a:off x="7189486" y="1298539"/>
-                <a:ext cx="1874186" cy="261610"/>
+                <a:ext cx="1874186" cy="326312"/>
               </a:xfrm>
               <a:prstGeom prst="rect">
                 <a:avLst/>
@@ -6038,8 +6038,8 @@
             </p:nvSpPr>
             <p:spPr>
               <a:xfrm>
-                <a:off x="7192344" y="1715983"/>
-                <a:ext cx="1874186" cy="261610"/>
+                <a:off x="7192344" y="1715982"/>
+                <a:ext cx="1874186" cy="326312"/>
               </a:xfrm>
               <a:prstGeom prst="rect">
                 <a:avLst/>
@@ -6074,7 +6074,7 @@
             <p:spPr>
               <a:xfrm>
                 <a:off x="7146685" y="2128469"/>
-                <a:ext cx="1874186" cy="261610"/>
+                <a:ext cx="1874186" cy="326312"/>
               </a:xfrm>
               <a:prstGeom prst="rect">
                 <a:avLst/>
@@ -6122,7 +6122,7 @@
             <p:spPr>
               <a:xfrm>
                 <a:off x="7189486" y="2531898"/>
-                <a:ext cx="1874186" cy="261610"/>
+                <a:ext cx="1874186" cy="326312"/>
               </a:xfrm>
               <a:prstGeom prst="rect">
                 <a:avLst/>
@@ -6157,7 +6157,7 @@
             <p:spPr>
               <a:xfrm>
                 <a:off x="7139970" y="2935327"/>
-                <a:ext cx="1874186" cy="261610"/>
+                <a:ext cx="1874186" cy="326312"/>
               </a:xfrm>
               <a:prstGeom prst="rect">
                 <a:avLst/>
@@ -6192,7 +6192,7 @@
             <p:spPr>
               <a:xfrm>
                 <a:off x="7139970" y="3417240"/>
-                <a:ext cx="1874186" cy="261610"/>
+                <a:ext cx="1874186" cy="326312"/>
               </a:xfrm>
               <a:prstGeom prst="rect">
                 <a:avLst/>
@@ -6227,7 +6227,7 @@
             <p:spPr>
               <a:xfrm>
                 <a:off x="7189486" y="3843891"/>
-                <a:ext cx="1874186" cy="261610"/>
+                <a:ext cx="1874186" cy="326312"/>
               </a:xfrm>
               <a:prstGeom prst="rect">
                 <a:avLst/>
@@ -6261,8 +6261,8 @@
             </p:nvSpPr>
             <p:spPr>
               <a:xfrm>
-                <a:off x="7238002" y="4350782"/>
-                <a:ext cx="1874186" cy="261610"/>
+                <a:off x="7238002" y="4350783"/>
+                <a:ext cx="1874186" cy="326312"/>
               </a:xfrm>
               <a:prstGeom prst="rect">
                 <a:avLst/>
@@ -6301,7 +6301,7 @@
             <p:spPr>
               <a:xfrm>
                 <a:off x="7269814" y="4953848"/>
-                <a:ext cx="1874186" cy="261610"/>
+                <a:ext cx="1874186" cy="326312"/>
               </a:xfrm>
               <a:prstGeom prst="rect">
                 <a:avLst/>
@@ -6336,7 +6336,7 @@
             <p:spPr>
               <a:xfrm>
                 <a:off x="7269814" y="5552666"/>
-                <a:ext cx="1874186" cy="261610"/>
+                <a:ext cx="1874186" cy="326312"/>
               </a:xfrm>
               <a:prstGeom prst="rect">
                 <a:avLst/>
@@ -6371,7 +6371,7 @@
             <p:spPr>
               <a:xfrm>
                 <a:off x="7564844" y="6125654"/>
-                <a:ext cx="1874186" cy="261610"/>
+                <a:ext cx="1874186" cy="326312"/>
               </a:xfrm>
               <a:prstGeom prst="rect">
                 <a:avLst/>
@@ -6407,7 +6407,7 @@
         </p:nvSpPr>
         <p:spPr>
           <a:xfrm>
-            <a:off x="499115" y="216122"/>
+            <a:off x="2023116" y="216122"/>
             <a:ext cx="801823" cy="369332"/>
           </a:xfrm>
           <a:prstGeom prst="rect">
@@ -6485,7 +6485,7 @@
         </p:blipFill>
         <p:spPr bwMode="auto">
           <a:xfrm>
-            <a:off x="755576" y="1268760"/>
+            <a:off x="2279576" y="1268760"/>
             <a:ext cx="3390460" cy="5015056"/>
           </a:xfrm>
           <a:prstGeom prst="rect">
@@ -6540,7 +6540,7 @@
         </p:nvGrpSpPr>
         <p:grpSpPr>
           <a:xfrm>
-            <a:off x="0" y="0"/>
+            <a:off x="1524000" y="0"/>
             <a:ext cx="9144000" cy="838914"/>
             <a:chOff x="-42884" y="-18669"/>
             <a:chExt cx="9144000" cy="838914"/>
@@ -6605,7 +6605,7 @@
             <a:lstStyle/>
             <a:p>
               <a:r>
-                <a:rPr lang="en-US" altLang="ko-KR" sz="1800" b="1" dirty="0">
+                <a:rPr lang="en-US" altLang="ko-KR" b="1" dirty="0">
                   <a:latin typeface="Matura MT Script Capitals" panose="03020802060602070202" pitchFamily="66" charset="0"/>
                 </a:rPr>
                 <a:t>Team Agis</a:t>
@@ -6629,7 +6629,7 @@
         </p:nvSpPr>
         <p:spPr>
           <a:xfrm>
-            <a:off x="499115" y="216122"/>
+            <a:off x="2023115" y="216122"/>
             <a:ext cx="1569660" cy="369332"/>
           </a:xfrm>
           <a:prstGeom prst="rect">
@@ -6707,7 +6707,7 @@
         </p:nvSpPr>
         <p:spPr>
           <a:xfrm>
-            <a:off x="0" y="0"/>
+            <a:off x="1524000" y="0"/>
             <a:ext cx="9144000" cy="1143000"/>
           </a:xfrm>
           <a:solidFill>
@@ -6742,7 +6742,7 @@
         </p:nvGrpSpPr>
         <p:grpSpPr>
           <a:xfrm>
-            <a:off x="827584" y="1484784"/>
+            <a:off x="2351585" y="1484784"/>
             <a:ext cx="5084947" cy="5121944"/>
             <a:chOff x="-42428" y="1619424"/>
             <a:chExt cx="5084947" cy="5121944"/>
@@ -6879,11 +6879,10 @@
             <a:lstStyle/>
             <a:p>
               <a:pPr algn="ctr"/>
-              <a:endParaRPr lang="en-US" altLang="ko-KR" sz="1800" b="1" kern="100" dirty="0">
+              <a:endParaRPr lang="en-US" altLang="ko-KR" b="1" kern="100" dirty="0">
                 <a:solidFill>
                   <a:srgbClr val="000000"/>
                 </a:solidFill>
-                <a:effectLst/>
                 <a:latin typeface="맑은 고딕" panose="020B0503020000020004" pitchFamily="50" charset="-127"/>
                 <a:ea typeface="맑은 고딕" panose="020B0503020000020004" pitchFamily="50" charset="-127"/>
                 <a:cs typeface="Times New Roman" panose="02020603050405020304" pitchFamily="18" charset="0"/>
@@ -6925,20 +6924,18 @@
                 <a:t>이야기 진행</a:t>
               </a:r>
               <a:r>
-                <a:rPr lang="ko-KR" altLang="ko-KR" sz="1800" b="1" kern="100" dirty="0">
+                <a:rPr lang="ko-KR" altLang="ko-KR" b="1" kern="100" dirty="0">
                   <a:solidFill>
                     <a:srgbClr val="000000"/>
                   </a:solidFill>
-                  <a:effectLst/>
                   <a:latin typeface="맑은 고딕" panose="020B0503020000020004" pitchFamily="50" charset="-127"/>
                   <a:ea typeface="맑은 고딕" panose="020B0503020000020004" pitchFamily="50" charset="-127"/>
                   <a:cs typeface="Times New Roman" panose="02020603050405020304" pitchFamily="18" charset="0"/>
                 </a:rPr>
                 <a:t> </a:t>
               </a:r>
-              <a:endParaRPr lang="ko-KR" altLang="ko-KR" sz="1800" kern="100" dirty="0">
+              <a:endParaRPr lang="ko-KR" altLang="ko-KR" kern="100" dirty="0">
                 <a:noFill/>
-                <a:effectLst/>
                 <a:latin typeface="맑은 고딕" panose="020B0503020000020004" pitchFamily="50" charset="-127"/>
                 <a:ea typeface="맑은 고딕" panose="020B0503020000020004" pitchFamily="50" charset="-127"/>
                 <a:cs typeface="Times New Roman" panose="02020603050405020304" pitchFamily="18" charset="0"/>
@@ -7003,21 +7000,19 @@
             <a:p>
               <a:pPr algn="ctr"/>
               <a:r>
-                <a:rPr lang="ko-KR" altLang="ko-KR" sz="1800" b="1" dirty="0">
+                <a:rPr lang="ko-KR" altLang="ko-KR" b="1" dirty="0">
                   <a:solidFill>
                     <a:srgbClr val="000000"/>
                   </a:solidFill>
-                  <a:effectLst/>
                   <a:ea typeface="맑은 고딕" panose="020B0503020000020004" pitchFamily="50" charset="-127"/>
                   <a:cs typeface="Times New Roman" panose="02020603050405020304" pitchFamily="18" charset="0"/>
                 </a:rPr>
                 <a:t>일정확률로 </a:t>
               </a:r>
-              <a:endParaRPr lang="en-US" altLang="ko-KR" sz="1800" b="1" dirty="0">
+              <a:endParaRPr lang="en-US" altLang="ko-KR" b="1" dirty="0">
                 <a:solidFill>
                   <a:srgbClr val="000000"/>
                 </a:solidFill>
-                <a:effectLst/>
                 <a:ea typeface="맑은 고딕" panose="020B0503020000020004" pitchFamily="50" charset="-127"/>
                 <a:cs typeface="Times New Roman" panose="02020603050405020304" pitchFamily="18" charset="0"/>
               </a:endParaRPr>
@@ -7025,11 +7020,10 @@
             <a:p>
               <a:pPr algn="ctr"/>
               <a:r>
-                <a:rPr lang="ko-KR" altLang="en-US" sz="1800" b="1" dirty="0">
+                <a:rPr lang="ko-KR" altLang="en-US" b="1" dirty="0">
                   <a:solidFill>
                     <a:srgbClr val="000000"/>
                   </a:solidFill>
-                  <a:effectLst/>
                   <a:ea typeface="맑은 고딕" panose="020B0503020000020004" pitchFamily="50" charset="-127"/>
                   <a:cs typeface="Times New Roman" panose="02020603050405020304" pitchFamily="18" charset="0"/>
                 </a:rPr>
@@ -7046,11 +7040,10 @@
                 <a:t> </a:t>
               </a:r>
               <a:r>
-                <a:rPr lang="ko-KR" altLang="ko-KR" sz="1800" b="1" dirty="0">
+                <a:rPr lang="ko-KR" altLang="ko-KR" b="1" dirty="0">
                   <a:solidFill>
                     <a:srgbClr val="000000"/>
                   </a:solidFill>
-                  <a:effectLst/>
                   <a:ea typeface="맑은 고딕" panose="020B0503020000020004" pitchFamily="50" charset="-127"/>
                   <a:cs typeface="Times New Roman" panose="02020603050405020304" pitchFamily="18" charset="0"/>
                 </a:rPr>
@@ -7113,43 +7106,39 @@
             <a:p>
               <a:pPr algn="ctr"/>
               <a:r>
-                <a:rPr lang="ko-KR" altLang="ko-KR" sz="1800" b="1" dirty="0">
+                <a:rPr lang="ko-KR" altLang="ko-KR" b="1" dirty="0">
                   <a:solidFill>
                     <a:srgbClr val="000000"/>
                   </a:solidFill>
-                  <a:effectLst/>
                   <a:ea typeface="맑은 고딕" panose="020B0503020000020004" pitchFamily="50" charset="-127"/>
                   <a:cs typeface="Times New Roman" panose="02020603050405020304" pitchFamily="18" charset="0"/>
                 </a:rPr>
                 <a:t>선택</a:t>
               </a:r>
               <a:r>
-                <a:rPr lang="ko-KR" altLang="en-US" sz="1800" b="1" dirty="0">
+                <a:rPr lang="ko-KR" altLang="en-US" b="1" dirty="0">
                   <a:solidFill>
                     <a:srgbClr val="000000"/>
                   </a:solidFill>
-                  <a:effectLst/>
                   <a:ea typeface="맑은 고딕" panose="020B0503020000020004" pitchFamily="50" charset="-127"/>
                   <a:cs typeface="Times New Roman" panose="02020603050405020304" pitchFamily="18" charset="0"/>
                 </a:rPr>
                 <a:t>들</a:t>
               </a:r>
               <a:r>
-                <a:rPr lang="ko-KR" altLang="ko-KR" sz="1800" b="1" dirty="0">
+                <a:rPr lang="ko-KR" altLang="ko-KR" b="1" dirty="0">
                   <a:solidFill>
                     <a:srgbClr val="000000"/>
                   </a:solidFill>
-                  <a:effectLst/>
                   <a:ea typeface="맑은 고딕" panose="020B0503020000020004" pitchFamily="50" charset="-127"/>
                   <a:cs typeface="Times New Roman" panose="02020603050405020304" pitchFamily="18" charset="0"/>
                 </a:rPr>
                 <a:t>에 따른 </a:t>
               </a:r>
-              <a:endParaRPr lang="en-US" altLang="ko-KR" sz="1800" b="1" dirty="0">
+              <a:endParaRPr lang="en-US" altLang="ko-KR" b="1" dirty="0">
                 <a:solidFill>
                   <a:srgbClr val="000000"/>
                 </a:solidFill>
-                <a:effectLst/>
                 <a:ea typeface="맑은 고딕" panose="020B0503020000020004" pitchFamily="50" charset="-127"/>
                 <a:cs typeface="Times New Roman" panose="02020603050405020304" pitchFamily="18" charset="0"/>
               </a:endParaRPr>
@@ -7157,22 +7146,20 @@
             <a:p>
               <a:pPr algn="ctr"/>
               <a:r>
-                <a:rPr lang="ko-KR" altLang="ko-KR" sz="1800" b="1" dirty="0">
+                <a:rPr lang="ko-KR" altLang="ko-KR" b="1" dirty="0">
                   <a:solidFill>
                     <a:srgbClr val="000000"/>
                   </a:solidFill>
-                  <a:effectLst/>
                   <a:ea typeface="맑은 고딕" panose="020B0503020000020004" pitchFamily="50" charset="-127"/>
                   <a:cs typeface="Times New Roman" panose="02020603050405020304" pitchFamily="18" charset="0"/>
                 </a:rPr>
                 <a:t>엔딩 변화</a:t>
               </a:r>
               <a:r>
-                <a:rPr lang="ko-KR" altLang="ko-KR" sz="1800" dirty="0">
+                <a:rPr lang="ko-KR" altLang="ko-KR" dirty="0">
                   <a:solidFill>
                     <a:srgbClr val="000000"/>
                   </a:solidFill>
-                  <a:effectLst/>
                   <a:ea typeface="맑은 고딕" panose="020B0503020000020004" pitchFamily="50" charset="-127"/>
                   <a:cs typeface="Times New Roman" panose="02020603050405020304" pitchFamily="18" charset="0"/>
                 </a:rPr>
@@ -7227,7 +7214,7 @@
         </p:nvGrpSpPr>
         <p:grpSpPr>
           <a:xfrm>
-            <a:off x="-890631" y="1885424"/>
+            <a:off x="633370" y="1885425"/>
             <a:ext cx="10925263" cy="3846091"/>
             <a:chOff x="-890631" y="1885424"/>
             <a:chExt cx="10925263" cy="3846091"/>
@@ -7752,7 +7739,7 @@
                   <p:nvPr/>
                 </p:nvPicPr>
                 <p:blipFill>
-                  <a:blip r:embed="rId2">
+                  <a:blip r:embed="rId2" cstate="print">
                     <a:extLst>
                       <a:ext uri="{28A0092B-C50C-407E-A947-70E740481C1C}">
                         <a14:useLocalDpi xmlns:a14="http://schemas.microsoft.com/office/drawing/2010/main" val="0"/>
@@ -7798,7 +7785,7 @@
                   <p:nvPr/>
                 </p:nvPicPr>
                 <p:blipFill>
-                  <a:blip r:embed="rId2">
+                  <a:blip r:embed="rId2" cstate="print">
                     <a:extLst>
                       <a:ext uri="{28A0092B-C50C-407E-A947-70E740481C1C}">
                         <a14:useLocalDpi xmlns:a14="http://schemas.microsoft.com/office/drawing/2010/main" val="0"/>

--- a/Documents/Agis.pptx
+++ b/Documents/Agis.pptx
@@ -132,7 +132,7 @@
 <file path=ppt/revisionInfo.xml><?xml version="1.0" encoding="utf-8"?>
 <p1510:revInfo xmlns:a="http://schemas.openxmlformats.org/drawingml/2006/main" xmlns:r="http://schemas.openxmlformats.org/officeDocument/2006/relationships" xmlns:p1510="http://schemas.microsoft.com/office/powerpoint/2015/10/main">
   <p1510:revLst>
-    <p1510:client id="{968F77AD-68F9-42FF-83F1-759F5246BEF7}" v="82" dt="2021-09-23T11:16:14.617"/>
+    <p1510:client id="{90FD268C-280A-475F-BF6B-F4EA9C260C84}" v="86" dt="2021-10-15T01:47:21.070"/>
   </p1510:revLst>
 </p1510:revInfo>
 </file>
@@ -393,6 +393,301 @@
       </pc:sldChg>
     </pc:docChg>
   </pc:docChgLst>
+  <pc:docChgLst>
+    <pc:chgData name="남 상현" userId="03ad4a8e8f7310f3" providerId="LiveId" clId="{90FD268C-280A-475F-BF6B-F4EA9C260C84}"/>
+    <pc:docChg chg="undo custSel modSld">
+      <pc:chgData name="남 상현" userId="03ad4a8e8f7310f3" providerId="LiveId" clId="{90FD268C-280A-475F-BF6B-F4EA9C260C84}" dt="2021-10-15T01:47:25.370" v="408" actId="20577"/>
+      <pc:docMkLst>
+        <pc:docMk/>
+      </pc:docMkLst>
+      <pc:sldChg chg="addSp modSp">
+        <pc:chgData name="남 상현" userId="03ad4a8e8f7310f3" providerId="LiveId" clId="{90FD268C-280A-475F-BF6B-F4EA9C260C84}" dt="2021-10-15T01:38:47.749" v="134" actId="1076"/>
+        <pc:sldMkLst>
+          <pc:docMk/>
+          <pc:sldMk cId="2690425289" sldId="257"/>
+        </pc:sldMkLst>
+        <pc:spChg chg="mod">
+          <ac:chgData name="남 상현" userId="03ad4a8e8f7310f3" providerId="LiveId" clId="{90FD268C-280A-475F-BF6B-F4EA9C260C84}" dt="2021-10-15T01:38:47.749" v="134" actId="1076"/>
+          <ac:spMkLst>
+            <pc:docMk/>
+            <pc:sldMk cId="2690425289" sldId="257"/>
+            <ac:spMk id="9" creationId="{E8DB939E-F355-41D3-8A6A-2488B8F6DCB3}"/>
+          </ac:spMkLst>
+        </pc:spChg>
+        <pc:grpChg chg="add mod">
+          <ac:chgData name="남 상현" userId="03ad4a8e8f7310f3" providerId="LiveId" clId="{90FD268C-280A-475F-BF6B-F4EA9C260C84}" dt="2021-10-15T01:38:47.749" v="134" actId="1076"/>
+          <ac:grpSpMkLst>
+            <pc:docMk/>
+            <pc:sldMk cId="2690425289" sldId="257"/>
+            <ac:grpSpMk id="7" creationId="{53F9E2CF-D504-49E0-BC68-4A2C0BE9AF2A}"/>
+          </ac:grpSpMkLst>
+        </pc:grpChg>
+        <pc:picChg chg="mod">
+          <ac:chgData name="남 상현" userId="03ad4a8e8f7310f3" providerId="LiveId" clId="{90FD268C-280A-475F-BF6B-F4EA9C260C84}" dt="2021-10-15T01:38:47.749" v="134" actId="1076"/>
+          <ac:picMkLst>
+            <pc:docMk/>
+            <pc:sldMk cId="2690425289" sldId="257"/>
+            <ac:picMk id="8" creationId="{A2B3ECBA-456E-4C07-8B6A-152E70BAA3D3}"/>
+          </ac:picMkLst>
+        </pc:picChg>
+      </pc:sldChg>
+      <pc:sldChg chg="addSp delSp modSp mod">
+        <pc:chgData name="남 상현" userId="03ad4a8e8f7310f3" providerId="LiveId" clId="{90FD268C-280A-475F-BF6B-F4EA9C260C84}" dt="2021-10-15T01:47:25.370" v="408" actId="20577"/>
+        <pc:sldMkLst>
+          <pc:docMk/>
+          <pc:sldMk cId="3442619936" sldId="259"/>
+        </pc:sldMkLst>
+        <pc:spChg chg="mod topLvl">
+          <ac:chgData name="남 상현" userId="03ad4a8e8f7310f3" providerId="LiveId" clId="{90FD268C-280A-475F-BF6B-F4EA9C260C84}" dt="2021-10-15T01:44:45.776" v="195" actId="1582"/>
+          <ac:spMkLst>
+            <pc:docMk/>
+            <pc:sldMk cId="3442619936" sldId="259"/>
+            <ac:spMk id="3" creationId="{FAF8A9B6-FF48-461D-90F5-7079EB8F2F62}"/>
+          </ac:spMkLst>
+        </pc:spChg>
+        <pc:spChg chg="mod topLvl">
+          <ac:chgData name="남 상현" userId="03ad4a8e8f7310f3" providerId="LiveId" clId="{90FD268C-280A-475F-BF6B-F4EA9C260C84}" dt="2021-10-15T01:44:52.645" v="197" actId="1582"/>
+          <ac:spMkLst>
+            <pc:docMk/>
+            <pc:sldMk cId="3442619936" sldId="259"/>
+            <ac:spMk id="4" creationId="{43B9E555-F33F-4384-99F7-F2C916552DE4}"/>
+          </ac:spMkLst>
+        </pc:spChg>
+        <pc:spChg chg="mod topLvl">
+          <ac:chgData name="남 상현" userId="03ad4a8e8f7310f3" providerId="LiveId" clId="{90FD268C-280A-475F-BF6B-F4EA9C260C84}" dt="2021-10-15T01:44:52.645" v="197" actId="1582"/>
+          <ac:spMkLst>
+            <pc:docMk/>
+            <pc:sldMk cId="3442619936" sldId="259"/>
+            <ac:spMk id="5" creationId="{E6331299-A2F7-4DE7-9DE6-E3E456D38555}"/>
+          </ac:spMkLst>
+        </pc:spChg>
+        <pc:spChg chg="mod topLvl">
+          <ac:chgData name="남 상현" userId="03ad4a8e8f7310f3" providerId="LiveId" clId="{90FD268C-280A-475F-BF6B-F4EA9C260C84}" dt="2021-10-15T01:35:50.445" v="92"/>
+          <ac:spMkLst>
+            <pc:docMk/>
+            <pc:sldMk cId="3442619936" sldId="259"/>
+            <ac:spMk id="8" creationId="{8110735C-CE4E-43D9-AE1B-D1C2EAABD33B}"/>
+          </ac:spMkLst>
+        </pc:spChg>
+        <pc:spChg chg="mod topLvl">
+          <ac:chgData name="남 상현" userId="03ad4a8e8f7310f3" providerId="LiveId" clId="{90FD268C-280A-475F-BF6B-F4EA9C260C84}" dt="2021-10-15T01:46:29.419" v="260" actId="1076"/>
+          <ac:spMkLst>
+            <pc:docMk/>
+            <pc:sldMk cId="3442619936" sldId="259"/>
+            <ac:spMk id="9" creationId="{86E6207F-3A9F-4DFA-9104-6A973476C444}"/>
+          </ac:spMkLst>
+        </pc:spChg>
+        <pc:spChg chg="mod topLvl">
+          <ac:chgData name="남 상현" userId="03ad4a8e8f7310f3" providerId="LiveId" clId="{90FD268C-280A-475F-BF6B-F4EA9C260C84}" dt="2021-10-15T01:47:25.370" v="408" actId="20577"/>
+          <ac:spMkLst>
+            <pc:docMk/>
+            <pc:sldMk cId="3442619936" sldId="259"/>
+            <ac:spMk id="10" creationId="{DF89DED1-4EED-4A9D-84A6-2258D30CC1A8}"/>
+          </ac:spMkLst>
+        </pc:spChg>
+        <pc:spChg chg="add del mod topLvl">
+          <ac:chgData name="남 상현" userId="03ad4a8e8f7310f3" providerId="LiveId" clId="{90FD268C-280A-475F-BF6B-F4EA9C260C84}" dt="2021-10-15T01:38:00.230" v="115" actId="478"/>
+          <ac:spMkLst>
+            <pc:docMk/>
+            <pc:sldMk cId="3442619936" sldId="259"/>
+            <ac:spMk id="16" creationId="{C68938D1-691A-4F34-88CA-FB1A8768D82E}"/>
+          </ac:spMkLst>
+        </pc:spChg>
+        <pc:spChg chg="add del mod">
+          <ac:chgData name="남 상현" userId="03ad4a8e8f7310f3" providerId="LiveId" clId="{90FD268C-280A-475F-BF6B-F4EA9C260C84}" dt="2021-10-15T01:35:11.227" v="18"/>
+          <ac:spMkLst>
+            <pc:docMk/>
+            <pc:sldMk cId="3442619936" sldId="259"/>
+            <ac:spMk id="17" creationId="{9A0E5661-FC4D-46B0-8834-32A2B356F959}"/>
+          </ac:spMkLst>
+        </pc:spChg>
+        <pc:spChg chg="add mod">
+          <ac:chgData name="남 상현" userId="03ad4a8e8f7310f3" providerId="LiveId" clId="{90FD268C-280A-475F-BF6B-F4EA9C260C84}" dt="2021-10-15T01:38:43.093" v="131" actId="1076"/>
+          <ac:spMkLst>
+            <pc:docMk/>
+            <pc:sldMk cId="3442619936" sldId="259"/>
+            <ac:spMk id="21" creationId="{491910C5-98CA-48F3-9EAA-B5088EC1C69E}"/>
+          </ac:spMkLst>
+        </pc:spChg>
+        <pc:spChg chg="add mod">
+          <ac:chgData name="남 상현" userId="03ad4a8e8f7310f3" providerId="LiveId" clId="{90FD268C-280A-475F-BF6B-F4EA9C260C84}" dt="2021-10-15T01:45:32.541" v="202" actId="1076"/>
+          <ac:spMkLst>
+            <pc:docMk/>
+            <pc:sldMk cId="3442619936" sldId="259"/>
+            <ac:spMk id="29" creationId="{B4F4EBD4-F4DC-4413-A543-5250E67A031C}"/>
+          </ac:spMkLst>
+        </pc:spChg>
+        <pc:spChg chg="add mod">
+          <ac:chgData name="남 상현" userId="03ad4a8e8f7310f3" providerId="LiveId" clId="{90FD268C-280A-475F-BF6B-F4EA9C260C84}" dt="2021-10-15T01:45:37.597" v="204" actId="1076"/>
+          <ac:spMkLst>
+            <pc:docMk/>
+            <pc:sldMk cId="3442619936" sldId="259"/>
+            <ac:spMk id="34" creationId="{26B418AC-D94F-4B26-ADA4-EA6D1752D1FF}"/>
+          </ac:spMkLst>
+        </pc:spChg>
+        <pc:grpChg chg="add mod">
+          <ac:chgData name="남 상현" userId="03ad4a8e8f7310f3" providerId="LiveId" clId="{90FD268C-280A-475F-BF6B-F4EA9C260C84}" dt="2021-10-15T01:38:50.305" v="135" actId="1076"/>
+          <ac:grpSpMkLst>
+            <pc:docMk/>
+            <pc:sldMk cId="3442619936" sldId="259"/>
+            <ac:grpSpMk id="2" creationId="{3A1A0BF5-5C5A-459A-BAD4-20F0CF4B0AC1}"/>
+          </ac:grpSpMkLst>
+        </pc:grpChg>
+        <pc:grpChg chg="del mod topLvl">
+          <ac:chgData name="남 상현" userId="03ad4a8e8f7310f3" providerId="LiveId" clId="{90FD268C-280A-475F-BF6B-F4EA9C260C84}" dt="2021-10-15T01:35:05.704" v="14" actId="165"/>
+          <ac:grpSpMkLst>
+            <pc:docMk/>
+            <pc:sldMk cId="3442619936" sldId="259"/>
+            <ac:grpSpMk id="11" creationId="{3AAD1BEB-2191-44BD-8020-69A12F8827AE}"/>
+          </ac:grpSpMkLst>
+        </pc:grpChg>
+        <pc:grpChg chg="del mod topLvl">
+          <ac:chgData name="남 상현" userId="03ad4a8e8f7310f3" providerId="LiveId" clId="{90FD268C-280A-475F-BF6B-F4EA9C260C84}" dt="2021-10-15T01:34:59.814" v="8" actId="165"/>
+          <ac:grpSpMkLst>
+            <pc:docMk/>
+            <pc:sldMk cId="3442619936" sldId="259"/>
+            <ac:grpSpMk id="12" creationId="{807C4708-0A8C-4E1B-976D-65DC21E6F00E}"/>
+          </ac:grpSpMkLst>
+        </pc:grpChg>
+        <pc:grpChg chg="del mod topLvl">
+          <ac:chgData name="남 상현" userId="03ad4a8e8f7310f3" providerId="LiveId" clId="{90FD268C-280A-475F-BF6B-F4EA9C260C84}" dt="2021-10-15T01:34:56.209" v="7" actId="165"/>
+          <ac:grpSpMkLst>
+            <pc:docMk/>
+            <pc:sldMk cId="3442619936" sldId="259"/>
+            <ac:grpSpMk id="13" creationId="{75928621-465D-47F6-B0D6-7CD7CAE7089B}"/>
+          </ac:grpSpMkLst>
+        </pc:grpChg>
+        <pc:grpChg chg="add del mod">
+          <ac:chgData name="남 상현" userId="03ad4a8e8f7310f3" providerId="LiveId" clId="{90FD268C-280A-475F-BF6B-F4EA9C260C84}" dt="2021-10-15T01:34:52.563" v="6" actId="165"/>
+          <ac:grpSpMkLst>
+            <pc:docMk/>
+            <pc:sldMk cId="3442619936" sldId="259"/>
+            <ac:grpSpMk id="14" creationId="{A68A14A8-E0F1-43BB-A158-1E3FE295A8F1}"/>
+          </ac:grpSpMkLst>
+        </pc:grpChg>
+        <pc:grpChg chg="add del mod">
+          <ac:chgData name="남 상현" userId="03ad4a8e8f7310f3" providerId="LiveId" clId="{90FD268C-280A-475F-BF6B-F4EA9C260C84}" dt="2021-10-15T01:38:00.230" v="115" actId="478"/>
+          <ac:grpSpMkLst>
+            <pc:docMk/>
+            <pc:sldMk cId="3442619936" sldId="259"/>
+            <ac:grpSpMk id="18" creationId="{281BCCC6-87CF-478D-901D-290E596240C9}"/>
+          </ac:grpSpMkLst>
+        </pc:grpChg>
+        <pc:grpChg chg="add del mod">
+          <ac:chgData name="남 상현" userId="03ad4a8e8f7310f3" providerId="LiveId" clId="{90FD268C-280A-475F-BF6B-F4EA9C260C84}" dt="2021-10-15T01:38:45.181" v="132" actId="21"/>
+          <ac:grpSpMkLst>
+            <pc:docMk/>
+            <pc:sldMk cId="3442619936" sldId="259"/>
+            <ac:grpSpMk id="22" creationId="{5E411304-FD69-484A-BA70-894CA01D0A59}"/>
+          </ac:grpSpMkLst>
+        </pc:grpChg>
+        <pc:grpChg chg="add mod">
+          <ac:chgData name="남 상현" userId="03ad4a8e8f7310f3" providerId="LiveId" clId="{90FD268C-280A-475F-BF6B-F4EA9C260C84}" dt="2021-10-15T01:44:36.310" v="193" actId="1076"/>
+          <ac:grpSpMkLst>
+            <pc:docMk/>
+            <pc:sldMk cId="3442619936" sldId="259"/>
+            <ac:grpSpMk id="28" creationId="{4336CBD2-8405-4BE3-A0E9-1453DCA42760}"/>
+          </ac:grpSpMkLst>
+        </pc:grpChg>
+        <pc:picChg chg="del mod topLvl">
+          <ac:chgData name="남 상현" userId="03ad4a8e8f7310f3" providerId="LiveId" clId="{90FD268C-280A-475F-BF6B-F4EA9C260C84}" dt="2021-10-15T01:45:05.134" v="198" actId="478"/>
+          <ac:picMkLst>
+            <pc:docMk/>
+            <pc:sldMk cId="3442619936" sldId="259"/>
+            <ac:picMk id="6" creationId="{2B49CAEB-2C79-4355-A531-3E4E11533974}"/>
+          </ac:picMkLst>
+        </pc:picChg>
+        <pc:picChg chg="del mod topLvl">
+          <ac:chgData name="남 상현" userId="03ad4a8e8f7310f3" providerId="LiveId" clId="{90FD268C-280A-475F-BF6B-F4EA9C260C84}" dt="2021-10-15T01:45:05.134" v="198" actId="478"/>
+          <ac:picMkLst>
+            <pc:docMk/>
+            <pc:sldMk cId="3442619936" sldId="259"/>
+            <ac:picMk id="7" creationId="{07DC4DD7-1770-42D6-A726-16DDA6DC0805}"/>
+          </ac:picMkLst>
+        </pc:picChg>
+        <pc:picChg chg="add mod topLvl">
+          <ac:chgData name="남 상현" userId="03ad4a8e8f7310f3" providerId="LiveId" clId="{90FD268C-280A-475F-BF6B-F4EA9C260C84}" dt="2021-10-15T01:38:43.093" v="131" actId="1076"/>
+          <ac:picMkLst>
+            <pc:docMk/>
+            <pc:sldMk cId="3442619936" sldId="259"/>
+            <ac:picMk id="15" creationId="{0624FB31-ADDA-4661-BA93-F65AA64B4254}"/>
+          </ac:picMkLst>
+        </pc:picChg>
+        <pc:picChg chg="add del mod">
+          <ac:chgData name="남 상현" userId="03ad4a8e8f7310f3" providerId="LiveId" clId="{90FD268C-280A-475F-BF6B-F4EA9C260C84}" dt="2021-10-15T01:38:32.276" v="126" actId="478"/>
+          <ac:picMkLst>
+            <pc:docMk/>
+            <pc:sldMk cId="3442619936" sldId="259"/>
+            <ac:picMk id="20" creationId="{30E2DDC1-62A3-42F1-92AE-F78674827361}"/>
+          </ac:picMkLst>
+        </pc:picChg>
+        <pc:picChg chg="add mod">
+          <ac:chgData name="남 상현" userId="03ad4a8e8f7310f3" providerId="LiveId" clId="{90FD268C-280A-475F-BF6B-F4EA9C260C84}" dt="2021-10-15T01:44:27.660" v="188" actId="164"/>
+          <ac:picMkLst>
+            <pc:docMk/>
+            <pc:sldMk cId="3442619936" sldId="259"/>
+            <ac:picMk id="23" creationId="{FD2B5D5A-FD58-41B9-B87C-1A50065A5724}"/>
+          </ac:picMkLst>
+        </pc:picChg>
+        <pc:picChg chg="add del mod">
+          <ac:chgData name="남 상현" userId="03ad4a8e8f7310f3" providerId="LiveId" clId="{90FD268C-280A-475F-BF6B-F4EA9C260C84}" dt="2021-10-15T01:40:02.701" v="152" actId="478"/>
+          <ac:picMkLst>
+            <pc:docMk/>
+            <pc:sldMk cId="3442619936" sldId="259"/>
+            <ac:picMk id="24" creationId="{5B01D135-953A-44D3-A677-AAD7A338F809}"/>
+          </ac:picMkLst>
+        </pc:picChg>
+        <pc:picChg chg="add del">
+          <ac:chgData name="남 상현" userId="03ad4a8e8f7310f3" providerId="LiveId" clId="{90FD268C-280A-475F-BF6B-F4EA9C260C84}" dt="2021-10-15T01:40:05.862" v="154"/>
+          <ac:picMkLst>
+            <pc:docMk/>
+            <pc:sldMk cId="3442619936" sldId="259"/>
+            <ac:picMk id="25" creationId="{C64E2737-72D9-4A3C-BA51-2C2E2AA7AAC1}"/>
+          </ac:picMkLst>
+        </pc:picChg>
+        <pc:picChg chg="add mod modCrop">
+          <ac:chgData name="남 상현" userId="03ad4a8e8f7310f3" providerId="LiveId" clId="{90FD268C-280A-475F-BF6B-F4EA9C260C84}" dt="2021-10-15T01:44:27.660" v="188" actId="164"/>
+          <ac:picMkLst>
+            <pc:docMk/>
+            <pc:sldMk cId="3442619936" sldId="259"/>
+            <ac:picMk id="27" creationId="{0C1D2D37-9BAC-4DF0-8875-CEEFCD258DAC}"/>
+          </ac:picMkLst>
+        </pc:picChg>
+        <pc:picChg chg="del mod topLvl">
+          <ac:chgData name="남 상현" userId="03ad4a8e8f7310f3" providerId="LiveId" clId="{90FD268C-280A-475F-BF6B-F4EA9C260C84}" dt="2021-10-15T01:35:02.362" v="11" actId="478"/>
+          <ac:picMkLst>
+            <pc:docMk/>
+            <pc:sldMk cId="3442619936" sldId="259"/>
+            <ac:picMk id="1026" creationId="{358E40D6-323E-4040-B714-AD17F9A78112}"/>
+          </ac:picMkLst>
+        </pc:picChg>
+        <pc:picChg chg="del mod topLvl">
+          <ac:chgData name="남 상현" userId="03ad4a8e8f7310f3" providerId="LiveId" clId="{90FD268C-280A-475F-BF6B-F4EA9C260C84}" dt="2021-10-15T01:35:02.860" v="12" actId="478"/>
+          <ac:picMkLst>
+            <pc:docMk/>
+            <pc:sldMk cId="3442619936" sldId="259"/>
+            <ac:picMk id="1028" creationId="{D3CB43BD-810B-458B-9DD5-204310CDCBF4}"/>
+          </ac:picMkLst>
+        </pc:picChg>
+        <pc:picChg chg="del mod topLvl">
+          <ac:chgData name="남 상현" userId="03ad4a8e8f7310f3" providerId="LiveId" clId="{90FD268C-280A-475F-BF6B-F4EA9C260C84}" dt="2021-10-15T01:35:03.278" v="13" actId="478"/>
+          <ac:picMkLst>
+            <pc:docMk/>
+            <pc:sldMk cId="3442619936" sldId="259"/>
+            <ac:picMk id="1030" creationId="{EC5D723B-F437-4281-92CF-D92E6A63BDF2}"/>
+          </ac:picMkLst>
+        </pc:picChg>
+        <pc:picChg chg="add del mod">
+          <ac:chgData name="남 상현" userId="03ad4a8e8f7310f3" providerId="LiveId" clId="{90FD268C-280A-475F-BF6B-F4EA9C260C84}" dt="2021-10-15T01:43:37.213" v="172" actId="478"/>
+          <ac:picMkLst>
+            <pc:docMk/>
+            <pc:sldMk cId="3442619936" sldId="259"/>
+            <ac:picMk id="1032" creationId="{985B19C7-E539-4A07-9655-B5607F352E6E}"/>
+          </ac:picMkLst>
+        </pc:picChg>
+      </pc:sldChg>
+    </pc:docChg>
+  </pc:docChgLst>
 </pc:chgInfo>
 </file>
 
@@ -478,7 +773,7 @@
           <a:p>
             <a:fld id="{0188BD66-E6E7-4C45-AB6D-5D322163BA3A}" type="datetimeFigureOut">
               <a:rPr lang="ko-KR" altLang="en-US" smtClean="0"/>
-              <a:t>2021-09-27(Mon)</a:t>
+              <a:t>2021-10-15</a:t>
             </a:fld>
             <a:endParaRPr lang="ko-KR" altLang="en-US"/>
           </a:p>
@@ -924,7 +1219,7 @@
           <a:p>
             <a:fld id="{A5AFA60C-1338-43DD-9992-72F57E60546C}" type="datetimeFigureOut">
               <a:rPr lang="ko-KR" altLang="en-US" smtClean="0"/>
-              <a:t>2021-09-27(Mon)</a:t>
+              <a:t>2021-10-15</a:t>
             </a:fld>
             <a:endParaRPr lang="ko-KR" altLang="en-US"/>
           </a:p>
@@ -1092,7 +1387,7 @@
           <a:p>
             <a:fld id="{A5AFA60C-1338-43DD-9992-72F57E60546C}" type="datetimeFigureOut">
               <a:rPr lang="ko-KR" altLang="en-US" smtClean="0"/>
-              <a:t>2021-09-27(Mon)</a:t>
+              <a:t>2021-10-15</a:t>
             </a:fld>
             <a:endParaRPr lang="ko-KR" altLang="en-US"/>
           </a:p>
@@ -1270,7 +1565,7 @@
           <a:p>
             <a:fld id="{A5AFA60C-1338-43DD-9992-72F57E60546C}" type="datetimeFigureOut">
               <a:rPr lang="ko-KR" altLang="en-US" smtClean="0"/>
-              <a:t>2021-09-27(Mon)</a:t>
+              <a:t>2021-10-15</a:t>
             </a:fld>
             <a:endParaRPr lang="ko-KR" altLang="en-US"/>
           </a:p>
@@ -1438,7 +1733,7 @@
           <a:p>
             <a:fld id="{A5AFA60C-1338-43DD-9992-72F57E60546C}" type="datetimeFigureOut">
               <a:rPr lang="ko-KR" altLang="en-US" smtClean="0"/>
-              <a:t>2021-09-27(Mon)</a:t>
+              <a:t>2021-10-15</a:t>
             </a:fld>
             <a:endParaRPr lang="ko-KR" altLang="en-US"/>
           </a:p>
@@ -1683,7 +1978,7 @@
           <a:p>
             <a:fld id="{A5AFA60C-1338-43DD-9992-72F57E60546C}" type="datetimeFigureOut">
               <a:rPr lang="ko-KR" altLang="en-US" smtClean="0"/>
-              <a:t>2021-09-27(Mon)</a:t>
+              <a:t>2021-10-15</a:t>
             </a:fld>
             <a:endParaRPr lang="ko-KR" altLang="en-US"/>
           </a:p>
@@ -1968,7 +2263,7 @@
           <a:p>
             <a:fld id="{A5AFA60C-1338-43DD-9992-72F57E60546C}" type="datetimeFigureOut">
               <a:rPr lang="ko-KR" altLang="en-US" smtClean="0"/>
-              <a:t>2021-09-27(Mon)</a:t>
+              <a:t>2021-10-15</a:t>
             </a:fld>
             <a:endParaRPr lang="ko-KR" altLang="en-US"/>
           </a:p>
@@ -2387,7 +2682,7 @@
           <a:p>
             <a:fld id="{A5AFA60C-1338-43DD-9992-72F57E60546C}" type="datetimeFigureOut">
               <a:rPr lang="ko-KR" altLang="en-US" smtClean="0"/>
-              <a:t>2021-09-27(Mon)</a:t>
+              <a:t>2021-10-15</a:t>
             </a:fld>
             <a:endParaRPr lang="ko-KR" altLang="en-US"/>
           </a:p>
@@ -2504,7 +2799,7 @@
           <a:p>
             <a:fld id="{A5AFA60C-1338-43DD-9992-72F57E60546C}" type="datetimeFigureOut">
               <a:rPr lang="ko-KR" altLang="en-US" smtClean="0"/>
-              <a:t>2021-09-27(Mon)</a:t>
+              <a:t>2021-10-15</a:t>
             </a:fld>
             <a:endParaRPr lang="ko-KR" altLang="en-US"/>
           </a:p>
@@ -2599,7 +2894,7 @@
           <a:p>
             <a:fld id="{A5AFA60C-1338-43DD-9992-72F57E60546C}" type="datetimeFigureOut">
               <a:rPr lang="ko-KR" altLang="en-US" smtClean="0"/>
-              <a:t>2021-09-27(Mon)</a:t>
+              <a:t>2021-10-15</a:t>
             </a:fld>
             <a:endParaRPr lang="ko-KR" altLang="en-US"/>
           </a:p>
@@ -2874,7 +3169,7 @@
           <a:p>
             <a:fld id="{A5AFA60C-1338-43DD-9992-72F57E60546C}" type="datetimeFigureOut">
               <a:rPr lang="ko-KR" altLang="en-US" smtClean="0"/>
-              <a:t>2021-09-27(Mon)</a:t>
+              <a:t>2021-10-15</a:t>
             </a:fld>
             <a:endParaRPr lang="ko-KR" altLang="en-US"/>
           </a:p>
@@ -3126,7 +3421,7 @@
           <a:p>
             <a:fld id="{A5AFA60C-1338-43DD-9992-72F57E60546C}" type="datetimeFigureOut">
               <a:rPr lang="ko-KR" altLang="en-US" smtClean="0"/>
-              <a:t>2021-09-27(Mon)</a:t>
+              <a:t>2021-10-15</a:t>
             </a:fld>
             <a:endParaRPr lang="ko-KR" altLang="en-US"/>
           </a:p>
@@ -3337,7 +3632,7 @@
           <a:p>
             <a:fld id="{A5AFA60C-1338-43DD-9992-72F57E60546C}" type="datetimeFigureOut">
               <a:rPr lang="ko-KR" altLang="en-US" smtClean="0"/>
-              <a:t>2021-09-27(Mon)</a:t>
+              <a:t>2021-10-15</a:t>
             </a:fld>
             <a:endParaRPr lang="ko-KR" altLang="en-US"/>
           </a:p>
@@ -6659,6 +6954,130 @@
           </a:p>
         </p:txBody>
       </p:sp>
+      <p:grpSp>
+        <p:nvGrpSpPr>
+          <p:cNvPr id="7" name="그룹 6">
+            <a:extLst>
+              <a:ext uri="{FF2B5EF4-FFF2-40B4-BE49-F238E27FC236}">
+                <a16:creationId xmlns:a16="http://schemas.microsoft.com/office/drawing/2014/main" id="{53F9E2CF-D504-49E0-BC68-4A2C0BE9AF2A}"/>
+              </a:ext>
+            </a:extLst>
+          </p:cNvPr>
+          <p:cNvGrpSpPr/>
+          <p:nvPr/>
+        </p:nvGrpSpPr>
+        <p:grpSpPr>
+          <a:xfrm>
+            <a:off x="6744072" y="1255290"/>
+            <a:ext cx="4876800" cy="4876800"/>
+            <a:chOff x="3015231" y="109591"/>
+            <a:chExt cx="4876800" cy="4876800"/>
+          </a:xfrm>
+        </p:grpSpPr>
+        <p:pic>
+          <p:nvPicPr>
+            <p:cNvPr id="8" name="Picture 2" descr="Free Icon | Four squares button of view options">
+              <a:extLst>
+                <a:ext uri="{FF2B5EF4-FFF2-40B4-BE49-F238E27FC236}">
+                  <a16:creationId xmlns:a16="http://schemas.microsoft.com/office/drawing/2014/main" id="{A2B3ECBA-456E-4C07-8B6A-152E70BAA3D3}"/>
+                </a:ext>
+              </a:extLst>
+            </p:cNvPr>
+            <p:cNvPicPr>
+              <a:picLocks noChangeAspect="1" noChangeArrowheads="1"/>
+            </p:cNvPicPr>
+            <p:nvPr/>
+          </p:nvPicPr>
+          <p:blipFill>
+            <a:blip r:embed="rId4">
+              <a:extLst>
+                <a:ext uri="{28A0092B-C50C-407E-A947-70E740481C1C}">
+                  <a14:useLocalDpi xmlns:a14="http://schemas.microsoft.com/office/drawing/2010/main" val="0"/>
+                </a:ext>
+              </a:extLst>
+            </a:blip>
+            <a:srcRect/>
+            <a:stretch>
+              <a:fillRect/>
+            </a:stretch>
+          </p:blipFill>
+          <p:spPr bwMode="auto">
+            <a:xfrm>
+              <a:off x="3015231" y="109591"/>
+              <a:ext cx="4876800" cy="4876800"/>
+            </a:xfrm>
+            <a:prstGeom prst="rect">
+              <a:avLst/>
+            </a:prstGeom>
+            <a:noFill/>
+            <a:extLst>
+              <a:ext uri="{909E8E84-426E-40DD-AFC4-6F175D3DCCD1}">
+                <a14:hiddenFill xmlns:a14="http://schemas.microsoft.com/office/drawing/2010/main">
+                  <a:solidFill>
+                    <a:srgbClr val="FFFFFF"/>
+                  </a:solidFill>
+                </a14:hiddenFill>
+              </a:ext>
+            </a:extLst>
+          </p:spPr>
+        </p:pic>
+        <p:sp>
+          <p:nvSpPr>
+            <p:cNvPr id="9" name="사각형: 둥근 모서리 8">
+              <a:extLst>
+                <a:ext uri="{FF2B5EF4-FFF2-40B4-BE49-F238E27FC236}">
+                  <a16:creationId xmlns:a16="http://schemas.microsoft.com/office/drawing/2014/main" id="{E8DB939E-F355-41D3-8A6A-2488B8F6DCB3}"/>
+                </a:ext>
+              </a:extLst>
+            </p:cNvPr>
+            <p:cNvSpPr/>
+            <p:nvPr/>
+          </p:nvSpPr>
+          <p:spPr>
+            <a:xfrm>
+              <a:off x="3372962" y="3088731"/>
+              <a:ext cx="1584176" cy="1586764"/>
+            </a:xfrm>
+            <a:prstGeom prst="roundRect">
+              <a:avLst>
+                <a:gd name="adj" fmla="val 9624"/>
+              </a:avLst>
+            </a:prstGeom>
+            <a:solidFill>
+              <a:srgbClr val="00B0F0"/>
+            </a:solidFill>
+            <a:ln>
+              <a:solidFill>
+                <a:srgbClr val="00B0F0"/>
+              </a:solidFill>
+            </a:ln>
+          </p:spPr>
+          <p:style>
+            <a:lnRef idx="2">
+              <a:schemeClr val="accent1">
+                <a:shade val="50000"/>
+              </a:schemeClr>
+            </a:lnRef>
+            <a:fillRef idx="1">
+              <a:schemeClr val="accent1"/>
+            </a:fillRef>
+            <a:effectRef idx="0">
+              <a:schemeClr val="accent1"/>
+            </a:effectRef>
+            <a:fontRef idx="minor">
+              <a:schemeClr val="lt1"/>
+            </a:fontRef>
+          </p:style>
+          <p:txBody>
+            <a:bodyPr rtlCol="0" anchor="ctr"/>
+            <a:lstStyle/>
+            <a:p>
+              <a:pPr algn="ctr"/>
+              <a:endParaRPr lang="ko-KR" altLang="en-US"/>
+            </a:p>
+          </p:txBody>
+        </p:sp>
+      </p:grpSp>
     </p:spTree>
     <p:extLst>
       <p:ext uri="{BB962C8B-B14F-4D97-AF65-F5344CB8AC3E}">
@@ -7202,10 +7621,10 @@
       </p:grpSpPr>
       <p:grpSp>
         <p:nvGrpSpPr>
-          <p:cNvPr id="14" name="그룹 13">
+          <p:cNvPr id="2" name="그룹 1">
             <a:extLst>
               <a:ext uri="{FF2B5EF4-FFF2-40B4-BE49-F238E27FC236}">
-                <a16:creationId xmlns:a16="http://schemas.microsoft.com/office/drawing/2014/main" id="{A68A14A8-E0F1-43BB-A158-1E3FE295A8F1}"/>
+                <a16:creationId xmlns:a16="http://schemas.microsoft.com/office/drawing/2014/main" id="{3A1A0BF5-5C5A-459A-BAD4-20F0CF4B0AC1}"/>
               </a:ext>
             </a:extLst>
           </p:cNvPr>
@@ -7214,945 +7633,815 @@
         </p:nvGrpSpPr>
         <p:grpSpPr>
           <a:xfrm>
-            <a:off x="633370" y="1885425"/>
-            <a:ext cx="10925263" cy="3846091"/>
-            <a:chOff x="-890631" y="1885424"/>
-            <a:chExt cx="10925263" cy="3846091"/>
+            <a:off x="1127448" y="1700808"/>
+            <a:ext cx="10114034" cy="3474126"/>
+            <a:chOff x="2366280" y="1628800"/>
+            <a:chExt cx="7758815" cy="2665118"/>
           </a:xfrm>
         </p:grpSpPr>
-        <p:grpSp>
-          <p:nvGrpSpPr>
-            <p:cNvPr id="13" name="그룹 12">
+        <p:sp>
+          <p:nvSpPr>
+            <p:cNvPr id="3" name="타원 2">
               <a:extLst>
                 <a:ext uri="{FF2B5EF4-FFF2-40B4-BE49-F238E27FC236}">
-                  <a16:creationId xmlns:a16="http://schemas.microsoft.com/office/drawing/2014/main" id="{75928621-465D-47F6-B0D6-7CD7CAE7089B}"/>
+                  <a16:creationId xmlns:a16="http://schemas.microsoft.com/office/drawing/2014/main" id="{FAF8A9B6-FF48-461D-90F5-7079EB8F2F62}"/>
                 </a:ext>
               </a:extLst>
             </p:cNvPr>
-            <p:cNvGrpSpPr/>
+            <p:cNvSpPr/>
             <p:nvPr/>
-          </p:nvGrpSpPr>
-          <p:grpSpPr>
+          </p:nvSpPr>
+          <p:spPr>
             <a:xfrm>
-              <a:off x="-890631" y="1885424"/>
-              <a:ext cx="10925263" cy="3846091"/>
-              <a:chOff x="-890631" y="1885424"/>
-              <a:chExt cx="10925263" cy="3846091"/>
+              <a:off x="2366280" y="1628801"/>
+              <a:ext cx="2092951" cy="2092951"/>
             </a:xfrm>
-          </p:grpSpPr>
-          <p:grpSp>
-            <p:nvGrpSpPr>
-              <p:cNvPr id="12" name="그룹 11">
-                <a:extLst>
-                  <a:ext uri="{FF2B5EF4-FFF2-40B4-BE49-F238E27FC236}">
-                    <a16:creationId xmlns:a16="http://schemas.microsoft.com/office/drawing/2014/main" id="{807C4708-0A8C-4E1B-976D-65DC21E6F00E}"/>
-                  </a:ext>
-                </a:extLst>
-              </p:cNvPr>
-              <p:cNvGrpSpPr/>
-              <p:nvPr/>
-            </p:nvGrpSpPr>
-            <p:grpSpPr>
-              <a:xfrm>
-                <a:off x="-890631" y="1885424"/>
-                <a:ext cx="10925263" cy="3846091"/>
-                <a:chOff x="-890631" y="1885424"/>
-                <a:chExt cx="10925263" cy="3846091"/>
-              </a:xfrm>
-            </p:grpSpPr>
-            <p:grpSp>
-              <p:nvGrpSpPr>
-                <p:cNvPr id="11" name="그룹 10">
-                  <a:extLst>
-                    <a:ext uri="{FF2B5EF4-FFF2-40B4-BE49-F238E27FC236}">
-                      <a16:creationId xmlns:a16="http://schemas.microsoft.com/office/drawing/2014/main" id="{3AAD1BEB-2191-44BD-8020-69A12F8827AE}"/>
-                    </a:ext>
-                  </a:extLst>
-                </p:cNvPr>
-                <p:cNvGrpSpPr/>
-                <p:nvPr/>
-              </p:nvGrpSpPr>
-              <p:grpSpPr>
-                <a:xfrm>
-                  <a:off x="-890631" y="1885424"/>
-                  <a:ext cx="10925263" cy="3846091"/>
-                  <a:chOff x="-890631" y="1885424"/>
-                  <a:chExt cx="10925263" cy="3846091"/>
-                </a:xfrm>
-              </p:grpSpPr>
-              <p:sp>
-                <p:nvSpPr>
-                  <p:cNvPr id="3" name="타원 2">
-                    <a:extLst>
-                      <a:ext uri="{FF2B5EF4-FFF2-40B4-BE49-F238E27FC236}">
-                        <a16:creationId xmlns:a16="http://schemas.microsoft.com/office/drawing/2014/main" id="{FAF8A9B6-FF48-461D-90F5-7079EB8F2F62}"/>
-                      </a:ext>
-                    </a:extLst>
-                  </p:cNvPr>
-                  <p:cNvSpPr/>
-                  <p:nvPr/>
-                </p:nvSpPr>
-                <p:spPr>
-                  <a:xfrm>
-                    <a:off x="-890631" y="1885426"/>
-                    <a:ext cx="3087149" cy="3087149"/>
-                  </a:xfrm>
-                  <a:prstGeom prst="ellipse">
-                    <a:avLst/>
-                  </a:prstGeom>
+            <a:prstGeom prst="ellipse">
+              <a:avLst/>
+            </a:prstGeom>
+            <a:solidFill>
+              <a:schemeClr val="bg1"/>
+            </a:solidFill>
+            <a:ln w="38100">
+              <a:solidFill>
+                <a:srgbClr val="00B0F0"/>
+              </a:solidFill>
+            </a:ln>
+          </p:spPr>
+          <p:style>
+            <a:lnRef idx="2">
+              <a:schemeClr val="accent1">
+                <a:shade val="50000"/>
+              </a:schemeClr>
+            </a:lnRef>
+            <a:fillRef idx="1">
+              <a:schemeClr val="accent1"/>
+            </a:fillRef>
+            <a:effectRef idx="0">
+              <a:schemeClr val="accent1"/>
+            </a:effectRef>
+            <a:fontRef idx="minor">
+              <a:schemeClr val="lt1"/>
+            </a:fontRef>
+          </p:style>
+          <p:txBody>
+            <a:bodyPr rtlCol="0" anchor="ctr"/>
+            <a:lstStyle>
+              <a:defPPr>
+                <a:defRPr lang="ko-KR"/>
+              </a:defPPr>
+              <a:lvl1pPr marL="0" algn="l" defTabSz="914400" rtl="0" eaLnBrk="1" latinLnBrk="1" hangingPunct="1">
+                <a:defRPr sz="1800" kern="1200">
                   <a:solidFill>
-                    <a:schemeClr val="bg1"/>
+                    <a:schemeClr val="lt1"/>
                   </a:solidFill>
-                  <a:ln w="28575">
-                    <a:solidFill>
-                      <a:srgbClr val="C00000"/>
-                    </a:solidFill>
-                  </a:ln>
-                </p:spPr>
-                <p:style>
-                  <a:lnRef idx="2">
-                    <a:schemeClr val="accent1">
-                      <a:shade val="50000"/>
-                    </a:schemeClr>
-                  </a:lnRef>
-                  <a:fillRef idx="1">
-                    <a:schemeClr val="accent1"/>
-                  </a:fillRef>
-                  <a:effectRef idx="0">
-                    <a:schemeClr val="accent1"/>
-                  </a:effectRef>
-                  <a:fontRef idx="minor">
+                  <a:latin typeface="+mn-lt"/>
+                  <a:ea typeface="+mn-ea"/>
+                  <a:cs typeface="+mn-cs"/>
+                </a:defRPr>
+              </a:lvl1pPr>
+              <a:lvl2pPr marL="457200" algn="l" defTabSz="914400" rtl="0" eaLnBrk="1" latinLnBrk="1" hangingPunct="1">
+                <a:defRPr sz="1800" kern="1200">
+                  <a:solidFill>
                     <a:schemeClr val="lt1"/>
-                  </a:fontRef>
-                </p:style>
-                <p:txBody>
-                  <a:bodyPr rtlCol="0" anchor="ctr"/>
-                  <a:lstStyle>
-                    <a:defPPr>
-                      <a:defRPr lang="ko-KR"/>
-                    </a:defPPr>
-                    <a:lvl1pPr marL="0" algn="l" defTabSz="914400" rtl="0" eaLnBrk="1" latinLnBrk="1" hangingPunct="1">
-                      <a:defRPr sz="1800" kern="1200">
-                        <a:solidFill>
-                          <a:schemeClr val="lt1"/>
-                        </a:solidFill>
-                        <a:latin typeface="+mn-lt"/>
-                        <a:ea typeface="+mn-ea"/>
-                        <a:cs typeface="+mn-cs"/>
-                      </a:defRPr>
-                    </a:lvl1pPr>
-                    <a:lvl2pPr marL="457200" algn="l" defTabSz="914400" rtl="0" eaLnBrk="1" latinLnBrk="1" hangingPunct="1">
-                      <a:defRPr sz="1800" kern="1200">
-                        <a:solidFill>
-                          <a:schemeClr val="lt1"/>
-                        </a:solidFill>
-                        <a:latin typeface="+mn-lt"/>
-                        <a:ea typeface="+mn-ea"/>
-                        <a:cs typeface="+mn-cs"/>
-                      </a:defRPr>
-                    </a:lvl2pPr>
-                    <a:lvl3pPr marL="914400" algn="l" defTabSz="914400" rtl="0" eaLnBrk="1" latinLnBrk="1" hangingPunct="1">
-                      <a:defRPr sz="1800" kern="1200">
-                        <a:solidFill>
-                          <a:schemeClr val="lt1"/>
-                        </a:solidFill>
-                        <a:latin typeface="+mn-lt"/>
-                        <a:ea typeface="+mn-ea"/>
-                        <a:cs typeface="+mn-cs"/>
-                      </a:defRPr>
-                    </a:lvl3pPr>
-                    <a:lvl4pPr marL="1371600" algn="l" defTabSz="914400" rtl="0" eaLnBrk="1" latinLnBrk="1" hangingPunct="1">
-                      <a:defRPr sz="1800" kern="1200">
-                        <a:solidFill>
-                          <a:schemeClr val="lt1"/>
-                        </a:solidFill>
-                        <a:latin typeface="+mn-lt"/>
-                        <a:ea typeface="+mn-ea"/>
-                        <a:cs typeface="+mn-cs"/>
-                      </a:defRPr>
-                    </a:lvl4pPr>
-                    <a:lvl5pPr marL="1828800" algn="l" defTabSz="914400" rtl="0" eaLnBrk="1" latinLnBrk="1" hangingPunct="1">
-                      <a:defRPr sz="1800" kern="1200">
-                        <a:solidFill>
-                          <a:schemeClr val="lt1"/>
-                        </a:solidFill>
-                        <a:latin typeface="+mn-lt"/>
-                        <a:ea typeface="+mn-ea"/>
-                        <a:cs typeface="+mn-cs"/>
-                      </a:defRPr>
-                    </a:lvl5pPr>
-                    <a:lvl6pPr marL="2286000" algn="l" defTabSz="914400" rtl="0" eaLnBrk="1" latinLnBrk="1" hangingPunct="1">
-                      <a:defRPr sz="1800" kern="1200">
-                        <a:solidFill>
-                          <a:schemeClr val="lt1"/>
-                        </a:solidFill>
-                        <a:latin typeface="+mn-lt"/>
-                        <a:ea typeface="+mn-ea"/>
-                        <a:cs typeface="+mn-cs"/>
-                      </a:defRPr>
-                    </a:lvl6pPr>
-                    <a:lvl7pPr marL="2743200" algn="l" defTabSz="914400" rtl="0" eaLnBrk="1" latinLnBrk="1" hangingPunct="1">
-                      <a:defRPr sz="1800" kern="1200">
-                        <a:solidFill>
-                          <a:schemeClr val="lt1"/>
-                        </a:solidFill>
-                        <a:latin typeface="+mn-lt"/>
-                        <a:ea typeface="+mn-ea"/>
-                        <a:cs typeface="+mn-cs"/>
-                      </a:defRPr>
-                    </a:lvl7pPr>
-                    <a:lvl8pPr marL="3200400" algn="l" defTabSz="914400" rtl="0" eaLnBrk="1" latinLnBrk="1" hangingPunct="1">
-                      <a:defRPr sz="1800" kern="1200">
-                        <a:solidFill>
-                          <a:schemeClr val="lt1"/>
-                        </a:solidFill>
-                        <a:latin typeface="+mn-lt"/>
-                        <a:ea typeface="+mn-ea"/>
-                        <a:cs typeface="+mn-cs"/>
-                      </a:defRPr>
-                    </a:lvl8pPr>
-                    <a:lvl9pPr marL="3657600" algn="l" defTabSz="914400" rtl="0" eaLnBrk="1" latinLnBrk="1" hangingPunct="1">
-                      <a:defRPr sz="1800" kern="1200">
-                        <a:solidFill>
-                          <a:schemeClr val="lt1"/>
-                        </a:solidFill>
-                        <a:latin typeface="+mn-lt"/>
-                        <a:ea typeface="+mn-ea"/>
-                        <a:cs typeface="+mn-cs"/>
-                      </a:defRPr>
-                    </a:lvl9pPr>
-                  </a:lstStyle>
-                  <a:p>
-                    <a:pPr algn="ctr"/>
-                    <a:endParaRPr lang="ko-KR" altLang="en-US"/>
-                  </a:p>
-                </p:txBody>
-              </p:sp>
-              <p:sp>
-                <p:nvSpPr>
-                  <p:cNvPr id="4" name="타원 3">
-                    <a:extLst>
-                      <a:ext uri="{FF2B5EF4-FFF2-40B4-BE49-F238E27FC236}">
-                        <a16:creationId xmlns:a16="http://schemas.microsoft.com/office/drawing/2014/main" id="{43B9E555-F33F-4384-99F7-F2C916552DE4}"/>
-                      </a:ext>
-                    </a:extLst>
-                  </p:cNvPr>
-                  <p:cNvSpPr/>
-                  <p:nvPr/>
-                </p:nvSpPr>
-                <p:spPr>
-                  <a:xfrm>
-                    <a:off x="3028426" y="1885425"/>
-                    <a:ext cx="3087149" cy="3087149"/>
-                  </a:xfrm>
-                  <a:prstGeom prst="ellipse">
-                    <a:avLst/>
-                  </a:prstGeom>
+                  </a:solidFill>
+                  <a:latin typeface="+mn-lt"/>
+                  <a:ea typeface="+mn-ea"/>
+                  <a:cs typeface="+mn-cs"/>
+                </a:defRPr>
+              </a:lvl2pPr>
+              <a:lvl3pPr marL="914400" algn="l" defTabSz="914400" rtl="0" eaLnBrk="1" latinLnBrk="1" hangingPunct="1">
+                <a:defRPr sz="1800" kern="1200">
                   <a:solidFill>
-                    <a:schemeClr val="bg1"/>
+                    <a:schemeClr val="lt1"/>
                   </a:solidFill>
-                  <a:ln w="28575">
-                    <a:solidFill>
-                      <a:srgbClr val="C00000"/>
-                    </a:solidFill>
-                  </a:ln>
-                </p:spPr>
-                <p:style>
-                  <a:lnRef idx="2">
-                    <a:schemeClr val="accent1">
-                      <a:shade val="50000"/>
-                    </a:schemeClr>
-                  </a:lnRef>
-                  <a:fillRef idx="1">
-                    <a:schemeClr val="accent1"/>
-                  </a:fillRef>
-                  <a:effectRef idx="0">
-                    <a:schemeClr val="accent1"/>
-                  </a:effectRef>
-                  <a:fontRef idx="minor">
+                  <a:latin typeface="+mn-lt"/>
+                  <a:ea typeface="+mn-ea"/>
+                  <a:cs typeface="+mn-cs"/>
+                </a:defRPr>
+              </a:lvl3pPr>
+              <a:lvl4pPr marL="1371600" algn="l" defTabSz="914400" rtl="0" eaLnBrk="1" latinLnBrk="1" hangingPunct="1">
+                <a:defRPr sz="1800" kern="1200">
+                  <a:solidFill>
                     <a:schemeClr val="lt1"/>
-                  </a:fontRef>
-                </p:style>
-                <p:txBody>
-                  <a:bodyPr rtlCol="0" anchor="ctr"/>
-                  <a:lstStyle>
-                    <a:defPPr>
-                      <a:defRPr lang="ko-KR"/>
-                    </a:defPPr>
-                    <a:lvl1pPr marL="0" algn="l" defTabSz="914400" rtl="0" eaLnBrk="1" latinLnBrk="1" hangingPunct="1">
-                      <a:defRPr sz="1800" kern="1200">
-                        <a:solidFill>
-                          <a:schemeClr val="lt1"/>
-                        </a:solidFill>
-                        <a:latin typeface="+mn-lt"/>
-                        <a:ea typeface="+mn-ea"/>
-                        <a:cs typeface="+mn-cs"/>
-                      </a:defRPr>
-                    </a:lvl1pPr>
-                    <a:lvl2pPr marL="457200" algn="l" defTabSz="914400" rtl="0" eaLnBrk="1" latinLnBrk="1" hangingPunct="1">
-                      <a:defRPr sz="1800" kern="1200">
-                        <a:solidFill>
-                          <a:schemeClr val="lt1"/>
-                        </a:solidFill>
-                        <a:latin typeface="+mn-lt"/>
-                        <a:ea typeface="+mn-ea"/>
-                        <a:cs typeface="+mn-cs"/>
-                      </a:defRPr>
-                    </a:lvl2pPr>
-                    <a:lvl3pPr marL="914400" algn="l" defTabSz="914400" rtl="0" eaLnBrk="1" latinLnBrk="1" hangingPunct="1">
-                      <a:defRPr sz="1800" kern="1200">
-                        <a:solidFill>
-                          <a:schemeClr val="lt1"/>
-                        </a:solidFill>
-                        <a:latin typeface="+mn-lt"/>
-                        <a:ea typeface="+mn-ea"/>
-                        <a:cs typeface="+mn-cs"/>
-                      </a:defRPr>
-                    </a:lvl3pPr>
-                    <a:lvl4pPr marL="1371600" algn="l" defTabSz="914400" rtl="0" eaLnBrk="1" latinLnBrk="1" hangingPunct="1">
-                      <a:defRPr sz="1800" kern="1200">
-                        <a:solidFill>
-                          <a:schemeClr val="lt1"/>
-                        </a:solidFill>
-                        <a:latin typeface="+mn-lt"/>
-                        <a:ea typeface="+mn-ea"/>
-                        <a:cs typeface="+mn-cs"/>
-                      </a:defRPr>
-                    </a:lvl4pPr>
-                    <a:lvl5pPr marL="1828800" algn="l" defTabSz="914400" rtl="0" eaLnBrk="1" latinLnBrk="1" hangingPunct="1">
-                      <a:defRPr sz="1800" kern="1200">
-                        <a:solidFill>
-                          <a:schemeClr val="lt1"/>
-                        </a:solidFill>
-                        <a:latin typeface="+mn-lt"/>
-                        <a:ea typeface="+mn-ea"/>
-                        <a:cs typeface="+mn-cs"/>
-                      </a:defRPr>
-                    </a:lvl5pPr>
-                    <a:lvl6pPr marL="2286000" algn="l" defTabSz="914400" rtl="0" eaLnBrk="1" latinLnBrk="1" hangingPunct="1">
-                      <a:defRPr sz="1800" kern="1200">
-                        <a:solidFill>
-                          <a:schemeClr val="lt1"/>
-                        </a:solidFill>
-                        <a:latin typeface="+mn-lt"/>
-                        <a:ea typeface="+mn-ea"/>
-                        <a:cs typeface="+mn-cs"/>
-                      </a:defRPr>
-                    </a:lvl6pPr>
-                    <a:lvl7pPr marL="2743200" algn="l" defTabSz="914400" rtl="0" eaLnBrk="1" latinLnBrk="1" hangingPunct="1">
-                      <a:defRPr sz="1800" kern="1200">
-                        <a:solidFill>
-                          <a:schemeClr val="lt1"/>
-                        </a:solidFill>
-                        <a:latin typeface="+mn-lt"/>
-                        <a:ea typeface="+mn-ea"/>
-                        <a:cs typeface="+mn-cs"/>
-                      </a:defRPr>
-                    </a:lvl7pPr>
-                    <a:lvl8pPr marL="3200400" algn="l" defTabSz="914400" rtl="0" eaLnBrk="1" latinLnBrk="1" hangingPunct="1">
-                      <a:defRPr sz="1800" kern="1200">
-                        <a:solidFill>
-                          <a:schemeClr val="lt1"/>
-                        </a:solidFill>
-                        <a:latin typeface="+mn-lt"/>
-                        <a:ea typeface="+mn-ea"/>
-                        <a:cs typeface="+mn-cs"/>
-                      </a:defRPr>
-                    </a:lvl8pPr>
-                    <a:lvl9pPr marL="3657600" algn="l" defTabSz="914400" rtl="0" eaLnBrk="1" latinLnBrk="1" hangingPunct="1">
-                      <a:defRPr sz="1800" kern="1200">
-                        <a:solidFill>
-                          <a:schemeClr val="lt1"/>
-                        </a:solidFill>
-                        <a:latin typeface="+mn-lt"/>
-                        <a:ea typeface="+mn-ea"/>
-                        <a:cs typeface="+mn-cs"/>
-                      </a:defRPr>
-                    </a:lvl9pPr>
-                  </a:lstStyle>
-                  <a:p>
-                    <a:pPr algn="ctr"/>
-                    <a:endParaRPr lang="ko-KR" altLang="en-US"/>
-                  </a:p>
-                </p:txBody>
-              </p:sp>
-              <p:sp>
-                <p:nvSpPr>
-                  <p:cNvPr id="5" name="타원 4">
-                    <a:extLst>
-                      <a:ext uri="{FF2B5EF4-FFF2-40B4-BE49-F238E27FC236}">
-                        <a16:creationId xmlns:a16="http://schemas.microsoft.com/office/drawing/2014/main" id="{E6331299-A2F7-4DE7-9DE6-E3E456D38555}"/>
-                      </a:ext>
-                    </a:extLst>
-                  </p:cNvPr>
-                  <p:cNvSpPr/>
-                  <p:nvPr/>
-                </p:nvSpPr>
-                <p:spPr>
-                  <a:xfrm>
-                    <a:off x="6947483" y="1885424"/>
-                    <a:ext cx="3087149" cy="3087149"/>
-                  </a:xfrm>
-                  <a:prstGeom prst="ellipse">
-                    <a:avLst/>
-                  </a:prstGeom>
+                  </a:solidFill>
+                  <a:latin typeface="+mn-lt"/>
+                  <a:ea typeface="+mn-ea"/>
+                  <a:cs typeface="+mn-cs"/>
+                </a:defRPr>
+              </a:lvl4pPr>
+              <a:lvl5pPr marL="1828800" algn="l" defTabSz="914400" rtl="0" eaLnBrk="1" latinLnBrk="1" hangingPunct="1">
+                <a:defRPr sz="1800" kern="1200">
                   <a:solidFill>
-                    <a:schemeClr val="bg1"/>
+                    <a:schemeClr val="lt1"/>
                   </a:solidFill>
-                  <a:ln w="28575">
-                    <a:solidFill>
-                      <a:srgbClr val="C00000"/>
-                    </a:solidFill>
-                  </a:ln>
-                </p:spPr>
-                <p:style>
-                  <a:lnRef idx="2">
-                    <a:schemeClr val="accent1">
-                      <a:shade val="50000"/>
-                    </a:schemeClr>
-                  </a:lnRef>
-                  <a:fillRef idx="1">
-                    <a:schemeClr val="accent1"/>
-                  </a:fillRef>
-                  <a:effectRef idx="0">
-                    <a:schemeClr val="accent1"/>
-                  </a:effectRef>
-                  <a:fontRef idx="minor">
+                  <a:latin typeface="+mn-lt"/>
+                  <a:ea typeface="+mn-ea"/>
+                  <a:cs typeface="+mn-cs"/>
+                </a:defRPr>
+              </a:lvl5pPr>
+              <a:lvl6pPr marL="2286000" algn="l" defTabSz="914400" rtl="0" eaLnBrk="1" latinLnBrk="1" hangingPunct="1">
+                <a:defRPr sz="1800" kern="1200">
+                  <a:solidFill>
                     <a:schemeClr val="lt1"/>
-                  </a:fontRef>
-                </p:style>
-                <p:txBody>
-                  <a:bodyPr rtlCol="0" anchor="ctr"/>
-                  <a:lstStyle>
-                    <a:defPPr>
-                      <a:defRPr lang="ko-KR"/>
-                    </a:defPPr>
-                    <a:lvl1pPr marL="0" algn="l" defTabSz="914400" rtl="0" eaLnBrk="1" latinLnBrk="1" hangingPunct="1">
-                      <a:defRPr sz="1800" kern="1200">
-                        <a:solidFill>
-                          <a:schemeClr val="lt1"/>
-                        </a:solidFill>
-                        <a:latin typeface="+mn-lt"/>
-                        <a:ea typeface="+mn-ea"/>
-                        <a:cs typeface="+mn-cs"/>
-                      </a:defRPr>
-                    </a:lvl1pPr>
-                    <a:lvl2pPr marL="457200" algn="l" defTabSz="914400" rtl="0" eaLnBrk="1" latinLnBrk="1" hangingPunct="1">
-                      <a:defRPr sz="1800" kern="1200">
-                        <a:solidFill>
-                          <a:schemeClr val="lt1"/>
-                        </a:solidFill>
-                        <a:latin typeface="+mn-lt"/>
-                        <a:ea typeface="+mn-ea"/>
-                        <a:cs typeface="+mn-cs"/>
-                      </a:defRPr>
-                    </a:lvl2pPr>
-                    <a:lvl3pPr marL="914400" algn="l" defTabSz="914400" rtl="0" eaLnBrk="1" latinLnBrk="1" hangingPunct="1">
-                      <a:defRPr sz="1800" kern="1200">
-                        <a:solidFill>
-                          <a:schemeClr val="lt1"/>
-                        </a:solidFill>
-                        <a:latin typeface="+mn-lt"/>
-                        <a:ea typeface="+mn-ea"/>
-                        <a:cs typeface="+mn-cs"/>
-                      </a:defRPr>
-                    </a:lvl3pPr>
-                    <a:lvl4pPr marL="1371600" algn="l" defTabSz="914400" rtl="0" eaLnBrk="1" latinLnBrk="1" hangingPunct="1">
-                      <a:defRPr sz="1800" kern="1200">
-                        <a:solidFill>
-                          <a:schemeClr val="lt1"/>
-                        </a:solidFill>
-                        <a:latin typeface="+mn-lt"/>
-                        <a:ea typeface="+mn-ea"/>
-                        <a:cs typeface="+mn-cs"/>
-                      </a:defRPr>
-                    </a:lvl4pPr>
-                    <a:lvl5pPr marL="1828800" algn="l" defTabSz="914400" rtl="0" eaLnBrk="1" latinLnBrk="1" hangingPunct="1">
-                      <a:defRPr sz="1800" kern="1200">
-                        <a:solidFill>
-                          <a:schemeClr val="lt1"/>
-                        </a:solidFill>
-                        <a:latin typeface="+mn-lt"/>
-                        <a:ea typeface="+mn-ea"/>
-                        <a:cs typeface="+mn-cs"/>
-                      </a:defRPr>
-                    </a:lvl5pPr>
-                    <a:lvl6pPr marL="2286000" algn="l" defTabSz="914400" rtl="0" eaLnBrk="1" latinLnBrk="1" hangingPunct="1">
-                      <a:defRPr sz="1800" kern="1200">
-                        <a:solidFill>
-                          <a:schemeClr val="lt1"/>
-                        </a:solidFill>
-                        <a:latin typeface="+mn-lt"/>
-                        <a:ea typeface="+mn-ea"/>
-                        <a:cs typeface="+mn-cs"/>
-                      </a:defRPr>
-                    </a:lvl6pPr>
-                    <a:lvl7pPr marL="2743200" algn="l" defTabSz="914400" rtl="0" eaLnBrk="1" latinLnBrk="1" hangingPunct="1">
-                      <a:defRPr sz="1800" kern="1200">
-                        <a:solidFill>
-                          <a:schemeClr val="lt1"/>
-                        </a:solidFill>
-                        <a:latin typeface="+mn-lt"/>
-                        <a:ea typeface="+mn-ea"/>
-                        <a:cs typeface="+mn-cs"/>
-                      </a:defRPr>
-                    </a:lvl7pPr>
-                    <a:lvl8pPr marL="3200400" algn="l" defTabSz="914400" rtl="0" eaLnBrk="1" latinLnBrk="1" hangingPunct="1">
-                      <a:defRPr sz="1800" kern="1200">
-                        <a:solidFill>
-                          <a:schemeClr val="lt1"/>
-                        </a:solidFill>
-                        <a:latin typeface="+mn-lt"/>
-                        <a:ea typeface="+mn-ea"/>
-                        <a:cs typeface="+mn-cs"/>
-                      </a:defRPr>
-                    </a:lvl8pPr>
-                    <a:lvl9pPr marL="3657600" algn="l" defTabSz="914400" rtl="0" eaLnBrk="1" latinLnBrk="1" hangingPunct="1">
-                      <a:defRPr sz="1800" kern="1200">
-                        <a:solidFill>
-                          <a:schemeClr val="lt1"/>
-                        </a:solidFill>
-                        <a:latin typeface="+mn-lt"/>
-                        <a:ea typeface="+mn-ea"/>
-                        <a:cs typeface="+mn-cs"/>
-                      </a:defRPr>
-                    </a:lvl9pPr>
-                  </a:lstStyle>
-                  <a:p>
-                    <a:pPr algn="ctr"/>
-                    <a:endParaRPr lang="ko-KR" altLang="en-US"/>
-                  </a:p>
-                </p:txBody>
-              </p:sp>
-              <p:pic>
-                <p:nvPicPr>
-                  <p:cNvPr id="6" name="그림 5" descr="텍스트, 표지판, 빨간색, 어두운이(가) 표시된 사진&#10;&#10;자동 생성된 설명">
-                    <a:extLst>
-                      <a:ext uri="{FF2B5EF4-FFF2-40B4-BE49-F238E27FC236}">
-                        <a16:creationId xmlns:a16="http://schemas.microsoft.com/office/drawing/2014/main" id="{2B49CAEB-2C79-4355-A531-3E4E11533974}"/>
-                      </a:ext>
-                    </a:extLst>
-                  </p:cNvPr>
-                  <p:cNvPicPr>
-                    <a:picLocks noChangeAspect="1"/>
-                  </p:cNvPicPr>
-                  <p:nvPr/>
-                </p:nvPicPr>
-                <p:blipFill>
-                  <a:blip r:embed="rId2" cstate="print">
-                    <a:extLst>
-                      <a:ext uri="{28A0092B-C50C-407E-A947-70E740481C1C}">
-                        <a14:useLocalDpi xmlns:a14="http://schemas.microsoft.com/office/drawing/2010/main" val="0"/>
-                      </a:ext>
-                    </a:extLst>
-                  </a:blip>
-                  <a:stretch>
-                    <a:fillRect/>
-                  </a:stretch>
-                </p:blipFill>
-                <p:spPr>
-                  <a:xfrm>
-                    <a:off x="2289496" y="3161029"/>
-                    <a:ext cx="676108" cy="662254"/>
-                  </a:xfrm>
-                  <a:prstGeom prst="rect">
-                    <a:avLst/>
-                  </a:prstGeom>
-                  <a:ln>
-                    <a:noFill/>
-                  </a:ln>
-                  <a:effectLst>
-                    <a:outerShdw blurRad="292100" dist="139700" dir="2700000" algn="tl" rotWithShape="0">
-                      <a:srgbClr val="333333">
-                        <a:alpha val="65000"/>
-                      </a:srgbClr>
-                    </a:outerShdw>
-                  </a:effectLst>
-                </p:spPr>
-              </p:pic>
-              <p:pic>
-                <p:nvPicPr>
-                  <p:cNvPr id="7" name="그림 6" descr="텍스트, 표지판, 빨간색, 어두운이(가) 표시된 사진&#10;&#10;자동 생성된 설명">
-                    <a:extLst>
-                      <a:ext uri="{FF2B5EF4-FFF2-40B4-BE49-F238E27FC236}">
-                        <a16:creationId xmlns:a16="http://schemas.microsoft.com/office/drawing/2014/main" id="{07DC4DD7-1770-42D6-A726-16DDA6DC0805}"/>
-                      </a:ext>
-                    </a:extLst>
-                  </p:cNvPr>
-                  <p:cNvPicPr>
-                    <a:picLocks noChangeAspect="1"/>
-                  </p:cNvPicPr>
-                  <p:nvPr/>
-                </p:nvPicPr>
-                <p:blipFill>
-                  <a:blip r:embed="rId2" cstate="print">
-                    <a:extLst>
-                      <a:ext uri="{28A0092B-C50C-407E-A947-70E740481C1C}">
-                        <a14:useLocalDpi xmlns:a14="http://schemas.microsoft.com/office/drawing/2010/main" val="0"/>
-                      </a:ext>
-                    </a:extLst>
-                  </a:blip>
-                  <a:stretch>
-                    <a:fillRect/>
-                  </a:stretch>
-                </p:blipFill>
-                <p:spPr>
-                  <a:xfrm>
-                    <a:off x="6226030" y="3161029"/>
-                    <a:ext cx="676108" cy="662254"/>
-                  </a:xfrm>
-                  <a:prstGeom prst="rect">
-                    <a:avLst/>
-                  </a:prstGeom>
-                  <a:ln>
-                    <a:noFill/>
-                  </a:ln>
-                  <a:effectLst>
-                    <a:outerShdw blurRad="292100" dist="139700" dir="2700000" algn="tl" rotWithShape="0">
-                      <a:srgbClr val="333333">
-                        <a:alpha val="65000"/>
-                      </a:srgbClr>
-                    </a:outerShdw>
-                  </a:effectLst>
-                </p:spPr>
-              </p:pic>
-              <p:sp>
-                <p:nvSpPr>
-                  <p:cNvPr id="8" name="TextBox 7">
-                    <a:extLst>
-                      <a:ext uri="{FF2B5EF4-FFF2-40B4-BE49-F238E27FC236}">
-                        <a16:creationId xmlns:a16="http://schemas.microsoft.com/office/drawing/2014/main" id="{8110735C-CE4E-43D9-AE1B-D1C2EAABD33B}"/>
-                      </a:ext>
-                    </a:extLst>
-                  </p:cNvPr>
-                  <p:cNvSpPr txBox="1"/>
-                  <p:nvPr/>
-                </p:nvSpPr>
-                <p:spPr>
-                  <a:xfrm>
-                    <a:off x="-324543" y="5085184"/>
-                    <a:ext cx="2232248" cy="646331"/>
-                  </a:xfrm>
-                  <a:prstGeom prst="rect">
-                    <a:avLst/>
-                  </a:prstGeom>
-                  <a:noFill/>
-                </p:spPr>
-                <p:txBody>
-                  <a:bodyPr wrap="square" rtlCol="0">
-                    <a:spAutoFit/>
-                  </a:bodyPr>
-                  <a:lstStyle/>
-                  <a:p>
-                    <a:r>
-                      <a:rPr lang="ko-KR" altLang="en-US" dirty="0">
-                        <a:solidFill>
-                          <a:schemeClr val="bg1">
-                            <a:lumMod val="50000"/>
-                          </a:schemeClr>
-                        </a:solidFill>
-                      </a:rPr>
-                      <a:t>플레이어는 마을의 </a:t>
-                    </a:r>
-                    <a:endParaRPr lang="en-US" altLang="ko-KR" dirty="0">
-                      <a:solidFill>
-                        <a:schemeClr val="bg1">
-                          <a:lumMod val="50000"/>
-                        </a:schemeClr>
-                      </a:solidFill>
-                    </a:endParaRPr>
-                  </a:p>
-                  <a:p>
-                    <a:r>
-                      <a:rPr lang="ko-KR" altLang="en-US" dirty="0">
-                        <a:solidFill>
-                          <a:schemeClr val="bg1">
-                            <a:lumMod val="50000"/>
-                          </a:schemeClr>
-                        </a:solidFill>
-                      </a:rPr>
-                      <a:t>배달일을 한다</a:t>
-                    </a:r>
-                    <a:r>
-                      <a:rPr lang="en-US" altLang="ko-KR" dirty="0">
-                        <a:solidFill>
-                          <a:schemeClr val="bg1">
-                            <a:lumMod val="50000"/>
-                          </a:schemeClr>
-                        </a:solidFill>
-                      </a:rPr>
-                      <a:t>.</a:t>
-                    </a:r>
-                    <a:endParaRPr lang="ko-KR" altLang="en-US" dirty="0">
-                      <a:solidFill>
-                        <a:schemeClr val="bg1">
-                          <a:lumMod val="50000"/>
-                        </a:schemeClr>
-                      </a:solidFill>
-                    </a:endParaRPr>
-                  </a:p>
-                </p:txBody>
-              </p:sp>
-              <p:sp>
-                <p:nvSpPr>
-                  <p:cNvPr id="9" name="TextBox 8">
-                    <a:extLst>
-                      <a:ext uri="{FF2B5EF4-FFF2-40B4-BE49-F238E27FC236}">
-                        <a16:creationId xmlns:a16="http://schemas.microsoft.com/office/drawing/2014/main" id="{86E6207F-3A9F-4DFA-9104-6A973476C444}"/>
-                      </a:ext>
-                    </a:extLst>
-                  </p:cNvPr>
-                  <p:cNvSpPr txBox="1"/>
-                  <p:nvPr/>
-                </p:nvSpPr>
-                <p:spPr>
-                  <a:xfrm>
-                    <a:off x="3227756" y="5085184"/>
-                    <a:ext cx="2879930" cy="646331"/>
-                  </a:xfrm>
-                  <a:prstGeom prst="rect">
-                    <a:avLst/>
-                  </a:prstGeom>
-                  <a:noFill/>
-                </p:spPr>
-                <p:txBody>
-                  <a:bodyPr wrap="square" rtlCol="0">
-                    <a:spAutoFit/>
-                  </a:bodyPr>
-                  <a:lstStyle/>
-                  <a:p>
-                    <a:r>
-                      <a:rPr lang="ko-KR" altLang="en-US" dirty="0">
-                        <a:solidFill>
-                          <a:schemeClr val="bg1">
-                            <a:lumMod val="50000"/>
-                          </a:schemeClr>
-                        </a:solidFill>
-                      </a:rPr>
-                      <a:t>배달일을 하며 일어나는 사건들의 전말을 알아낸다</a:t>
-                    </a:r>
-                    <a:r>
-                      <a:rPr lang="en-US" altLang="ko-KR" dirty="0">
-                        <a:solidFill>
-                          <a:schemeClr val="bg1">
-                            <a:lumMod val="50000"/>
-                          </a:schemeClr>
-                        </a:solidFill>
-                      </a:rPr>
-                      <a:t>.</a:t>
-                    </a:r>
-                    <a:endParaRPr lang="ko-KR" altLang="en-US" dirty="0">
-                      <a:solidFill>
-                        <a:schemeClr val="bg1">
-                          <a:lumMod val="50000"/>
-                        </a:schemeClr>
-                      </a:solidFill>
-                    </a:endParaRPr>
-                  </a:p>
-                </p:txBody>
-              </p:sp>
-              <p:sp>
-                <p:nvSpPr>
-                  <p:cNvPr id="10" name="TextBox 9">
-                    <a:extLst>
-                      <a:ext uri="{FF2B5EF4-FFF2-40B4-BE49-F238E27FC236}">
-                        <a16:creationId xmlns:a16="http://schemas.microsoft.com/office/drawing/2014/main" id="{DF89DED1-4EED-4A9D-84A6-2258D30CC1A8}"/>
-                      </a:ext>
-                    </a:extLst>
-                  </p:cNvPr>
-                  <p:cNvSpPr txBox="1"/>
-                  <p:nvPr/>
-                </p:nvSpPr>
-                <p:spPr>
-                  <a:xfrm>
-                    <a:off x="7769041" y="5085184"/>
-                    <a:ext cx="1444032" cy="646331"/>
-                  </a:xfrm>
-                  <a:prstGeom prst="rect">
-                    <a:avLst/>
-                  </a:prstGeom>
-                  <a:noFill/>
-                </p:spPr>
-                <p:txBody>
-                  <a:bodyPr wrap="square" rtlCol="0">
-                    <a:spAutoFit/>
-                  </a:bodyPr>
-                  <a:lstStyle/>
-                  <a:p>
-                    <a:r>
-                      <a:rPr lang="ko-KR" altLang="en-US" dirty="0">
-                        <a:solidFill>
-                          <a:schemeClr val="bg1">
-                            <a:lumMod val="50000"/>
-                          </a:schemeClr>
-                        </a:solidFill>
-                      </a:rPr>
-                      <a:t>사건속에서 살아남는다</a:t>
-                    </a:r>
-                    <a:r>
-                      <a:rPr lang="en-US" altLang="ko-KR" dirty="0">
-                        <a:solidFill>
-                          <a:schemeClr val="bg1">
-                            <a:lumMod val="50000"/>
-                          </a:schemeClr>
-                        </a:solidFill>
-                      </a:rPr>
-                      <a:t>.</a:t>
-                    </a:r>
-                  </a:p>
-                </p:txBody>
-              </p:sp>
-            </p:grpSp>
-            <p:pic>
-              <p:nvPicPr>
-                <p:cNvPr id="1026" name="Picture 2" descr="배달의민족, &amp;#39;주 단위&amp;#39; 정산에서 &amp;#39;일 단위&amp;#39; 정산으로 변경 – 스타트업 스토리 플랫폼 &amp;#39;플래텀(Platum)&amp;#39;">
-                  <a:extLst>
-                    <a:ext uri="{FF2B5EF4-FFF2-40B4-BE49-F238E27FC236}">
-                      <a16:creationId xmlns:a16="http://schemas.microsoft.com/office/drawing/2014/main" id="{358E40D6-323E-4040-B714-AD17F9A78112}"/>
-                    </a:ext>
-                  </a:extLst>
-                </p:cNvPr>
-                <p:cNvPicPr>
-                  <a:picLocks noChangeAspect="1" noChangeArrowheads="1"/>
-                </p:cNvPicPr>
-                <p:nvPr/>
-              </p:nvPicPr>
-              <p:blipFill>
-                <a:blip r:embed="rId3">
-                  <a:clrChange>
-                    <a:clrFrom>
-                      <a:srgbClr val="FFFFFF"/>
-                    </a:clrFrom>
-                    <a:clrTo>
-                      <a:srgbClr val="FFFFFF">
-                        <a:alpha val="0"/>
-                      </a:srgbClr>
-                    </a:clrTo>
-                  </a:clrChange>
-                  <a:extLst>
-                    <a:ext uri="{28A0092B-C50C-407E-A947-70E740481C1C}">
-                      <a14:useLocalDpi xmlns:a14="http://schemas.microsoft.com/office/drawing/2010/main" val="0"/>
-                    </a:ext>
-                  </a:extLst>
-                </a:blip>
-                <a:srcRect/>
-                <a:stretch>
-                  <a:fillRect/>
-                </a:stretch>
-              </p:blipFill>
-              <p:spPr bwMode="auto">
-                <a:xfrm>
-                  <a:off x="-471803" y="2279345"/>
-                  <a:ext cx="2393564" cy="2425621"/>
-                </a:xfrm>
-                <a:prstGeom prst="rect">
-                  <a:avLst/>
-                </a:prstGeom>
-                <a:noFill/>
-                <a:extLst>
-                  <a:ext uri="{909E8E84-426E-40DD-AFC4-6F175D3DCCD1}">
-                    <a14:hiddenFill xmlns:a14="http://schemas.microsoft.com/office/drawing/2010/main">
-                      <a:solidFill>
-                        <a:srgbClr val="FFFFFF"/>
-                      </a:solidFill>
-                    </a14:hiddenFill>
-                  </a:ext>
-                </a:extLst>
-              </p:spPr>
-            </p:pic>
-          </p:grpSp>
-          <p:pic>
-            <p:nvPicPr>
-              <p:cNvPr id="1028" name="Picture 4" descr="마주작 아프리카 복귀했네 대신 스타하면 정지이라고 함 :: 웃긴대학 대기자료">
-                <a:extLst>
-                  <a:ext uri="{FF2B5EF4-FFF2-40B4-BE49-F238E27FC236}">
-                    <a16:creationId xmlns:a16="http://schemas.microsoft.com/office/drawing/2014/main" id="{D3CB43BD-810B-458B-9DD5-204310CDCBF4}"/>
-                  </a:ext>
-                </a:extLst>
-              </p:cNvPr>
-              <p:cNvPicPr>
-                <a:picLocks noChangeAspect="1" noChangeArrowheads="1"/>
-              </p:cNvPicPr>
-              <p:nvPr/>
-            </p:nvPicPr>
-            <p:blipFill rotWithShape="1">
-              <a:blip r:embed="rId4">
-                <a:extLst>
-                  <a:ext uri="{28A0092B-C50C-407E-A947-70E740481C1C}">
-                    <a14:useLocalDpi xmlns:a14="http://schemas.microsoft.com/office/drawing/2010/main" val="0"/>
-                  </a:ext>
-                </a:extLst>
-              </a:blip>
-              <a:srcRect l="4227" r="11610"/>
-              <a:stretch/>
-            </p:blipFill>
-            <p:spPr bwMode="auto">
-              <a:xfrm>
-                <a:off x="3491880" y="2431471"/>
-                <a:ext cx="2160239" cy="1995053"/>
-              </a:xfrm>
-              <a:prstGeom prst="roundRect">
-                <a:avLst/>
-              </a:prstGeom>
-              <a:noFill/>
+                  </a:solidFill>
+                  <a:latin typeface="+mn-lt"/>
+                  <a:ea typeface="+mn-ea"/>
+                  <a:cs typeface="+mn-cs"/>
+                </a:defRPr>
+              </a:lvl6pPr>
+              <a:lvl7pPr marL="2743200" algn="l" defTabSz="914400" rtl="0" eaLnBrk="1" latinLnBrk="1" hangingPunct="1">
+                <a:defRPr sz="1800" kern="1200">
+                  <a:solidFill>
+                    <a:schemeClr val="lt1"/>
+                  </a:solidFill>
+                  <a:latin typeface="+mn-lt"/>
+                  <a:ea typeface="+mn-ea"/>
+                  <a:cs typeface="+mn-cs"/>
+                </a:defRPr>
+              </a:lvl7pPr>
+              <a:lvl8pPr marL="3200400" algn="l" defTabSz="914400" rtl="0" eaLnBrk="1" latinLnBrk="1" hangingPunct="1">
+                <a:defRPr sz="1800" kern="1200">
+                  <a:solidFill>
+                    <a:schemeClr val="lt1"/>
+                  </a:solidFill>
+                  <a:latin typeface="+mn-lt"/>
+                  <a:ea typeface="+mn-ea"/>
+                  <a:cs typeface="+mn-cs"/>
+                </a:defRPr>
+              </a:lvl8pPr>
+              <a:lvl9pPr marL="3657600" algn="l" defTabSz="914400" rtl="0" eaLnBrk="1" latinLnBrk="1" hangingPunct="1">
+                <a:defRPr sz="1800" kern="1200">
+                  <a:solidFill>
+                    <a:schemeClr val="lt1"/>
+                  </a:solidFill>
+                  <a:latin typeface="+mn-lt"/>
+                  <a:ea typeface="+mn-ea"/>
+                  <a:cs typeface="+mn-cs"/>
+                </a:defRPr>
+              </a:lvl9pPr>
+            </a:lstStyle>
+            <a:p>
+              <a:pPr algn="ctr"/>
+              <a:endParaRPr lang="ko-KR" altLang="en-US"/>
+            </a:p>
+          </p:txBody>
+        </p:sp>
+        <p:sp>
+          <p:nvSpPr>
+            <p:cNvPr id="4" name="타원 3">
               <a:extLst>
-                <a:ext uri="{909E8E84-426E-40DD-AFC4-6F175D3DCCD1}">
-                  <a14:hiddenFill xmlns:a14="http://schemas.microsoft.com/office/drawing/2010/main">
-                    <a:solidFill>
-                      <a:srgbClr val="FFFFFF"/>
-                    </a:solidFill>
-                  </a14:hiddenFill>
+                <a:ext uri="{FF2B5EF4-FFF2-40B4-BE49-F238E27FC236}">
+                  <a16:creationId xmlns:a16="http://schemas.microsoft.com/office/drawing/2014/main" id="{43B9E555-F33F-4384-99F7-F2C916552DE4}"/>
                 </a:ext>
               </a:extLst>
-            </p:spPr>
-          </p:pic>
-        </p:grpSp>
+            </p:cNvPr>
+            <p:cNvSpPr/>
+            <p:nvPr/>
+          </p:nvSpPr>
+          <p:spPr>
+            <a:xfrm>
+              <a:off x="5023228" y="1628801"/>
+              <a:ext cx="2092951" cy="2092951"/>
+            </a:xfrm>
+            <a:prstGeom prst="ellipse">
+              <a:avLst/>
+            </a:prstGeom>
+            <a:solidFill>
+              <a:schemeClr val="bg1"/>
+            </a:solidFill>
+            <a:ln w="38100">
+              <a:solidFill>
+                <a:srgbClr val="00B0F0"/>
+              </a:solidFill>
+            </a:ln>
+          </p:spPr>
+          <p:style>
+            <a:lnRef idx="2">
+              <a:schemeClr val="accent1">
+                <a:shade val="50000"/>
+              </a:schemeClr>
+            </a:lnRef>
+            <a:fillRef idx="1">
+              <a:schemeClr val="accent1"/>
+            </a:fillRef>
+            <a:effectRef idx="0">
+              <a:schemeClr val="accent1"/>
+            </a:effectRef>
+            <a:fontRef idx="minor">
+              <a:schemeClr val="lt1"/>
+            </a:fontRef>
+          </p:style>
+          <p:txBody>
+            <a:bodyPr rtlCol="0" anchor="ctr"/>
+            <a:lstStyle>
+              <a:defPPr>
+                <a:defRPr lang="ko-KR"/>
+              </a:defPPr>
+              <a:lvl1pPr marL="0" algn="l" defTabSz="914400" rtl="0" eaLnBrk="1" latinLnBrk="1" hangingPunct="1">
+                <a:defRPr sz="1800" kern="1200">
+                  <a:solidFill>
+                    <a:schemeClr val="lt1"/>
+                  </a:solidFill>
+                  <a:latin typeface="+mn-lt"/>
+                  <a:ea typeface="+mn-ea"/>
+                  <a:cs typeface="+mn-cs"/>
+                </a:defRPr>
+              </a:lvl1pPr>
+              <a:lvl2pPr marL="457200" algn="l" defTabSz="914400" rtl="0" eaLnBrk="1" latinLnBrk="1" hangingPunct="1">
+                <a:defRPr sz="1800" kern="1200">
+                  <a:solidFill>
+                    <a:schemeClr val="lt1"/>
+                  </a:solidFill>
+                  <a:latin typeface="+mn-lt"/>
+                  <a:ea typeface="+mn-ea"/>
+                  <a:cs typeface="+mn-cs"/>
+                </a:defRPr>
+              </a:lvl2pPr>
+              <a:lvl3pPr marL="914400" algn="l" defTabSz="914400" rtl="0" eaLnBrk="1" latinLnBrk="1" hangingPunct="1">
+                <a:defRPr sz="1800" kern="1200">
+                  <a:solidFill>
+                    <a:schemeClr val="lt1"/>
+                  </a:solidFill>
+                  <a:latin typeface="+mn-lt"/>
+                  <a:ea typeface="+mn-ea"/>
+                  <a:cs typeface="+mn-cs"/>
+                </a:defRPr>
+              </a:lvl3pPr>
+              <a:lvl4pPr marL="1371600" algn="l" defTabSz="914400" rtl="0" eaLnBrk="1" latinLnBrk="1" hangingPunct="1">
+                <a:defRPr sz="1800" kern="1200">
+                  <a:solidFill>
+                    <a:schemeClr val="lt1"/>
+                  </a:solidFill>
+                  <a:latin typeface="+mn-lt"/>
+                  <a:ea typeface="+mn-ea"/>
+                  <a:cs typeface="+mn-cs"/>
+                </a:defRPr>
+              </a:lvl4pPr>
+              <a:lvl5pPr marL="1828800" algn="l" defTabSz="914400" rtl="0" eaLnBrk="1" latinLnBrk="1" hangingPunct="1">
+                <a:defRPr sz="1800" kern="1200">
+                  <a:solidFill>
+                    <a:schemeClr val="lt1"/>
+                  </a:solidFill>
+                  <a:latin typeface="+mn-lt"/>
+                  <a:ea typeface="+mn-ea"/>
+                  <a:cs typeface="+mn-cs"/>
+                </a:defRPr>
+              </a:lvl5pPr>
+              <a:lvl6pPr marL="2286000" algn="l" defTabSz="914400" rtl="0" eaLnBrk="1" latinLnBrk="1" hangingPunct="1">
+                <a:defRPr sz="1800" kern="1200">
+                  <a:solidFill>
+                    <a:schemeClr val="lt1"/>
+                  </a:solidFill>
+                  <a:latin typeface="+mn-lt"/>
+                  <a:ea typeface="+mn-ea"/>
+                  <a:cs typeface="+mn-cs"/>
+                </a:defRPr>
+              </a:lvl6pPr>
+              <a:lvl7pPr marL="2743200" algn="l" defTabSz="914400" rtl="0" eaLnBrk="1" latinLnBrk="1" hangingPunct="1">
+                <a:defRPr sz="1800" kern="1200">
+                  <a:solidFill>
+                    <a:schemeClr val="lt1"/>
+                  </a:solidFill>
+                  <a:latin typeface="+mn-lt"/>
+                  <a:ea typeface="+mn-ea"/>
+                  <a:cs typeface="+mn-cs"/>
+                </a:defRPr>
+              </a:lvl7pPr>
+              <a:lvl8pPr marL="3200400" algn="l" defTabSz="914400" rtl="0" eaLnBrk="1" latinLnBrk="1" hangingPunct="1">
+                <a:defRPr sz="1800" kern="1200">
+                  <a:solidFill>
+                    <a:schemeClr val="lt1"/>
+                  </a:solidFill>
+                  <a:latin typeface="+mn-lt"/>
+                  <a:ea typeface="+mn-ea"/>
+                  <a:cs typeface="+mn-cs"/>
+                </a:defRPr>
+              </a:lvl8pPr>
+              <a:lvl9pPr marL="3657600" algn="l" defTabSz="914400" rtl="0" eaLnBrk="1" latinLnBrk="1" hangingPunct="1">
+                <a:defRPr sz="1800" kern="1200">
+                  <a:solidFill>
+                    <a:schemeClr val="lt1"/>
+                  </a:solidFill>
+                  <a:latin typeface="+mn-lt"/>
+                  <a:ea typeface="+mn-ea"/>
+                  <a:cs typeface="+mn-cs"/>
+                </a:defRPr>
+              </a:lvl9pPr>
+            </a:lstStyle>
+            <a:p>
+              <a:pPr algn="ctr"/>
+              <a:endParaRPr lang="ko-KR" altLang="en-US"/>
+            </a:p>
+          </p:txBody>
+        </p:sp>
+        <p:sp>
+          <p:nvSpPr>
+            <p:cNvPr id="5" name="타원 4">
+              <a:extLst>
+                <a:ext uri="{FF2B5EF4-FFF2-40B4-BE49-F238E27FC236}">
+                  <a16:creationId xmlns:a16="http://schemas.microsoft.com/office/drawing/2014/main" id="{E6331299-A2F7-4DE7-9DE6-E3E456D38555}"/>
+                </a:ext>
+              </a:extLst>
+            </p:cNvPr>
+            <p:cNvSpPr/>
+            <p:nvPr/>
+          </p:nvSpPr>
+          <p:spPr>
+            <a:xfrm>
+              <a:off x="7680176" y="1628800"/>
+              <a:ext cx="2092951" cy="2092951"/>
+            </a:xfrm>
+            <a:prstGeom prst="ellipse">
+              <a:avLst/>
+            </a:prstGeom>
+            <a:solidFill>
+              <a:schemeClr val="bg1"/>
+            </a:solidFill>
+            <a:ln w="38100">
+              <a:solidFill>
+                <a:srgbClr val="00B0F0"/>
+              </a:solidFill>
+            </a:ln>
+          </p:spPr>
+          <p:style>
+            <a:lnRef idx="2">
+              <a:schemeClr val="accent1">
+                <a:shade val="50000"/>
+              </a:schemeClr>
+            </a:lnRef>
+            <a:fillRef idx="1">
+              <a:schemeClr val="accent1"/>
+            </a:fillRef>
+            <a:effectRef idx="0">
+              <a:schemeClr val="accent1"/>
+            </a:effectRef>
+            <a:fontRef idx="minor">
+              <a:schemeClr val="lt1"/>
+            </a:fontRef>
+          </p:style>
+          <p:txBody>
+            <a:bodyPr rtlCol="0" anchor="ctr"/>
+            <a:lstStyle>
+              <a:defPPr>
+                <a:defRPr lang="ko-KR"/>
+              </a:defPPr>
+              <a:lvl1pPr marL="0" algn="l" defTabSz="914400" rtl="0" eaLnBrk="1" latinLnBrk="1" hangingPunct="1">
+                <a:defRPr sz="1800" kern="1200">
+                  <a:solidFill>
+                    <a:schemeClr val="lt1"/>
+                  </a:solidFill>
+                  <a:latin typeface="+mn-lt"/>
+                  <a:ea typeface="+mn-ea"/>
+                  <a:cs typeface="+mn-cs"/>
+                </a:defRPr>
+              </a:lvl1pPr>
+              <a:lvl2pPr marL="457200" algn="l" defTabSz="914400" rtl="0" eaLnBrk="1" latinLnBrk="1" hangingPunct="1">
+                <a:defRPr sz="1800" kern="1200">
+                  <a:solidFill>
+                    <a:schemeClr val="lt1"/>
+                  </a:solidFill>
+                  <a:latin typeface="+mn-lt"/>
+                  <a:ea typeface="+mn-ea"/>
+                  <a:cs typeface="+mn-cs"/>
+                </a:defRPr>
+              </a:lvl2pPr>
+              <a:lvl3pPr marL="914400" algn="l" defTabSz="914400" rtl="0" eaLnBrk="1" latinLnBrk="1" hangingPunct="1">
+                <a:defRPr sz="1800" kern="1200">
+                  <a:solidFill>
+                    <a:schemeClr val="lt1"/>
+                  </a:solidFill>
+                  <a:latin typeface="+mn-lt"/>
+                  <a:ea typeface="+mn-ea"/>
+                  <a:cs typeface="+mn-cs"/>
+                </a:defRPr>
+              </a:lvl3pPr>
+              <a:lvl4pPr marL="1371600" algn="l" defTabSz="914400" rtl="0" eaLnBrk="1" latinLnBrk="1" hangingPunct="1">
+                <a:defRPr sz="1800" kern="1200">
+                  <a:solidFill>
+                    <a:schemeClr val="lt1"/>
+                  </a:solidFill>
+                  <a:latin typeface="+mn-lt"/>
+                  <a:ea typeface="+mn-ea"/>
+                  <a:cs typeface="+mn-cs"/>
+                </a:defRPr>
+              </a:lvl4pPr>
+              <a:lvl5pPr marL="1828800" algn="l" defTabSz="914400" rtl="0" eaLnBrk="1" latinLnBrk="1" hangingPunct="1">
+                <a:defRPr sz="1800" kern="1200">
+                  <a:solidFill>
+                    <a:schemeClr val="lt1"/>
+                  </a:solidFill>
+                  <a:latin typeface="+mn-lt"/>
+                  <a:ea typeface="+mn-ea"/>
+                  <a:cs typeface="+mn-cs"/>
+                </a:defRPr>
+              </a:lvl5pPr>
+              <a:lvl6pPr marL="2286000" algn="l" defTabSz="914400" rtl="0" eaLnBrk="1" latinLnBrk="1" hangingPunct="1">
+                <a:defRPr sz="1800" kern="1200">
+                  <a:solidFill>
+                    <a:schemeClr val="lt1"/>
+                  </a:solidFill>
+                  <a:latin typeface="+mn-lt"/>
+                  <a:ea typeface="+mn-ea"/>
+                  <a:cs typeface="+mn-cs"/>
+                </a:defRPr>
+              </a:lvl6pPr>
+              <a:lvl7pPr marL="2743200" algn="l" defTabSz="914400" rtl="0" eaLnBrk="1" latinLnBrk="1" hangingPunct="1">
+                <a:defRPr sz="1800" kern="1200">
+                  <a:solidFill>
+                    <a:schemeClr val="lt1"/>
+                  </a:solidFill>
+                  <a:latin typeface="+mn-lt"/>
+                  <a:ea typeface="+mn-ea"/>
+                  <a:cs typeface="+mn-cs"/>
+                </a:defRPr>
+              </a:lvl7pPr>
+              <a:lvl8pPr marL="3200400" algn="l" defTabSz="914400" rtl="0" eaLnBrk="1" latinLnBrk="1" hangingPunct="1">
+                <a:defRPr sz="1800" kern="1200">
+                  <a:solidFill>
+                    <a:schemeClr val="lt1"/>
+                  </a:solidFill>
+                  <a:latin typeface="+mn-lt"/>
+                  <a:ea typeface="+mn-ea"/>
+                  <a:cs typeface="+mn-cs"/>
+                </a:defRPr>
+              </a:lvl8pPr>
+              <a:lvl9pPr marL="3657600" algn="l" defTabSz="914400" rtl="0" eaLnBrk="1" latinLnBrk="1" hangingPunct="1">
+                <a:defRPr sz="1800" kern="1200">
+                  <a:solidFill>
+                    <a:schemeClr val="lt1"/>
+                  </a:solidFill>
+                  <a:latin typeface="+mn-lt"/>
+                  <a:ea typeface="+mn-ea"/>
+                  <a:cs typeface="+mn-cs"/>
+                </a:defRPr>
+              </a:lvl9pPr>
+            </a:lstStyle>
+            <a:p>
+              <a:pPr algn="ctr"/>
+              <a:endParaRPr lang="ko-KR" altLang="en-US"/>
+            </a:p>
+          </p:txBody>
+        </p:sp>
+        <p:sp>
+          <p:nvSpPr>
+            <p:cNvPr id="8" name="TextBox 7">
+              <a:extLst>
+                <a:ext uri="{FF2B5EF4-FFF2-40B4-BE49-F238E27FC236}">
+                  <a16:creationId xmlns:a16="http://schemas.microsoft.com/office/drawing/2014/main" id="{8110735C-CE4E-43D9-AE1B-D1C2EAABD33B}"/>
+                </a:ext>
+              </a:extLst>
+            </p:cNvPr>
+            <p:cNvSpPr txBox="1"/>
+            <p:nvPr/>
+          </p:nvSpPr>
+          <p:spPr>
+            <a:xfrm>
+              <a:off x="2558171" y="3798096"/>
+              <a:ext cx="1709168" cy="495822"/>
+            </a:xfrm>
+            <a:prstGeom prst="rect">
+              <a:avLst/>
+            </a:prstGeom>
+            <a:noFill/>
+          </p:spPr>
+          <p:txBody>
+            <a:bodyPr wrap="square" rtlCol="0">
+              <a:spAutoFit/>
+            </a:bodyPr>
+            <a:lstStyle/>
+            <a:p>
+              <a:r>
+                <a:rPr lang="ko-KR" altLang="en-US" dirty="0">
+                  <a:solidFill>
+                    <a:schemeClr val="bg1">
+                      <a:lumMod val="50000"/>
+                    </a:schemeClr>
+                  </a:solidFill>
+                </a:rPr>
+                <a:t>플레이어는 주체가 되는 맵을 선택한다</a:t>
+              </a:r>
+            </a:p>
+          </p:txBody>
+        </p:sp>
+        <p:sp>
+          <p:nvSpPr>
+            <p:cNvPr id="9" name="TextBox 8">
+              <a:extLst>
+                <a:ext uri="{FF2B5EF4-FFF2-40B4-BE49-F238E27FC236}">
+                  <a16:creationId xmlns:a16="http://schemas.microsoft.com/office/drawing/2014/main" id="{86E6207F-3A9F-4DFA-9104-6A973476C444}"/>
+                </a:ext>
+              </a:extLst>
+            </p:cNvPr>
+            <p:cNvSpPr txBox="1"/>
+            <p:nvPr/>
+          </p:nvSpPr>
+          <p:spPr>
+            <a:xfrm>
+              <a:off x="5062256" y="3798096"/>
+              <a:ext cx="2053923" cy="283327"/>
+            </a:xfrm>
+            <a:prstGeom prst="rect">
+              <a:avLst/>
+            </a:prstGeom>
+            <a:noFill/>
+          </p:spPr>
+          <p:txBody>
+            <a:bodyPr wrap="square" rtlCol="0">
+              <a:spAutoFit/>
+            </a:bodyPr>
+            <a:lstStyle/>
+            <a:p>
+              <a:r>
+                <a:rPr lang="ko-KR" altLang="en-US">
+                  <a:solidFill>
+                    <a:schemeClr val="bg1">
+                      <a:lumMod val="50000"/>
+                    </a:schemeClr>
+                  </a:solidFill>
+                </a:rPr>
+                <a:t>공의 목적지를 지정한다</a:t>
+              </a:r>
+              <a:endParaRPr lang="ko-KR" altLang="en-US" dirty="0">
+                <a:solidFill>
+                  <a:schemeClr val="bg1">
+                    <a:lumMod val="50000"/>
+                  </a:schemeClr>
+                </a:solidFill>
+              </a:endParaRPr>
+            </a:p>
+          </p:txBody>
+        </p:sp>
+        <p:sp>
+          <p:nvSpPr>
+            <p:cNvPr id="10" name="TextBox 9">
+              <a:extLst>
+                <a:ext uri="{FF2B5EF4-FFF2-40B4-BE49-F238E27FC236}">
+                  <a16:creationId xmlns:a16="http://schemas.microsoft.com/office/drawing/2014/main" id="{DF89DED1-4EED-4A9D-84A6-2258D30CC1A8}"/>
+                </a:ext>
+              </a:extLst>
+            </p:cNvPr>
+            <p:cNvSpPr txBox="1"/>
+            <p:nvPr/>
+          </p:nvSpPr>
+          <p:spPr>
+            <a:xfrm>
+              <a:off x="7584066" y="3781349"/>
+              <a:ext cx="2541029" cy="495822"/>
+            </a:xfrm>
+            <a:prstGeom prst="rect">
+              <a:avLst/>
+            </a:prstGeom>
+            <a:noFill/>
+          </p:spPr>
+          <p:txBody>
+            <a:bodyPr wrap="square" rtlCol="0">
+              <a:spAutoFit/>
+            </a:bodyPr>
+            <a:lstStyle/>
+            <a:p>
+              <a:r>
+                <a:rPr lang="ko-KR" altLang="en-US" dirty="0">
+                  <a:solidFill>
+                    <a:schemeClr val="bg1">
+                      <a:lumMod val="50000"/>
+                    </a:schemeClr>
+                  </a:solidFill>
+                </a:rPr>
+                <a:t>공이 목적지를 향해 갈 때 </a:t>
+              </a:r>
+              <a:endParaRPr lang="en-US" altLang="ko-KR" dirty="0">
+                <a:solidFill>
+                  <a:schemeClr val="bg1">
+                    <a:lumMod val="50000"/>
+                  </a:schemeClr>
+                </a:solidFill>
+              </a:endParaRPr>
+            </a:p>
+            <a:p>
+              <a:r>
+                <a:rPr lang="ko-KR" altLang="en-US" dirty="0">
+                  <a:solidFill>
+                    <a:schemeClr val="bg1">
+                      <a:lumMod val="50000"/>
+                    </a:schemeClr>
+                  </a:solidFill>
+                </a:rPr>
+                <a:t>드래그를 하여 중력을 바꾼다</a:t>
+              </a:r>
+              <a:endParaRPr lang="en-US" altLang="ko-KR" dirty="0">
+                <a:solidFill>
+                  <a:schemeClr val="bg1">
+                    <a:lumMod val="50000"/>
+                  </a:schemeClr>
+                </a:solidFill>
+              </a:endParaRPr>
+            </a:p>
+          </p:txBody>
+        </p:sp>
+      </p:grpSp>
+      <p:grpSp>
+        <p:nvGrpSpPr>
+          <p:cNvPr id="28" name="그룹 27">
+            <a:extLst>
+              <a:ext uri="{FF2B5EF4-FFF2-40B4-BE49-F238E27FC236}">
+                <a16:creationId xmlns:a16="http://schemas.microsoft.com/office/drawing/2014/main" id="{4336CBD2-8405-4BE3-A0E9-1453DCA42760}"/>
+              </a:ext>
+            </a:extLst>
+          </p:cNvPr>
+          <p:cNvGrpSpPr/>
+          <p:nvPr/>
+        </p:nvGrpSpPr>
+        <p:grpSpPr>
+          <a:xfrm>
+            <a:off x="1487235" y="2131511"/>
+            <a:ext cx="1917784" cy="1978499"/>
+            <a:chOff x="774373" y="2132856"/>
+            <a:chExt cx="2628418" cy="2711631"/>
+          </a:xfrm>
+        </p:grpSpPr>
         <p:pic>
           <p:nvPicPr>
-            <p:cNvPr id="1030" name="Picture 6" descr="쇼생크 탈출 : 네이버 블로그">
+            <p:cNvPr id="23" name="그림 22">
               <a:extLst>
                 <a:ext uri="{FF2B5EF4-FFF2-40B4-BE49-F238E27FC236}">
-                  <a16:creationId xmlns:a16="http://schemas.microsoft.com/office/drawing/2014/main" id="{EC5D723B-F437-4281-92CF-D92E6A63BDF2}"/>
+                  <a16:creationId xmlns:a16="http://schemas.microsoft.com/office/drawing/2014/main" id="{FD2B5D5A-FD58-41B9-B87C-1A50065A5724}"/>
                 </a:ext>
               </a:extLst>
             </p:cNvPr>
             <p:cNvPicPr>
-              <a:picLocks noChangeAspect="1" noChangeArrowheads="1"/>
+              <a:picLocks noChangeAspect="1"/>
+            </p:cNvPicPr>
+            <p:nvPr/>
+          </p:nvPicPr>
+          <p:blipFill>
+            <a:blip r:embed="rId2"/>
+            <a:stretch>
+              <a:fillRect/>
+            </a:stretch>
+          </p:blipFill>
+          <p:spPr>
+            <a:xfrm>
+              <a:off x="1559496" y="2132856"/>
+              <a:ext cx="1843295" cy="1843295"/>
+            </a:xfrm>
+            <a:prstGeom prst="rect">
+              <a:avLst/>
+            </a:prstGeom>
+          </p:spPr>
+        </p:pic>
+        <p:pic>
+          <p:nvPicPr>
+            <p:cNvPr id="27" name="그림 26">
+              <a:extLst>
+                <a:ext uri="{FF2B5EF4-FFF2-40B4-BE49-F238E27FC236}">
+                  <a16:creationId xmlns:a16="http://schemas.microsoft.com/office/drawing/2014/main" id="{0C1D2D37-9BAC-4DF0-8875-CEEFCD258DAC}"/>
+                </a:ext>
+              </a:extLst>
+            </p:cNvPr>
+            <p:cNvPicPr>
+              <a:picLocks noChangeAspect="1"/>
             </p:cNvPicPr>
             <p:nvPr/>
           </p:nvPicPr>
           <p:blipFill rotWithShape="1">
-            <a:blip r:embed="rId5">
+            <a:blip r:embed="rId3">
               <a:extLst>
                 <a:ext uri="{28A0092B-C50C-407E-A947-70E740481C1C}">
                   <a14:useLocalDpi xmlns:a14="http://schemas.microsoft.com/office/drawing/2010/main" val="0"/>
                 </a:ext>
               </a:extLst>
             </a:blip>
-            <a:srcRect l="24953" r="24953"/>
+            <a:srcRect l="21300" t="4851" r="21300" b="3801"/>
             <a:stretch/>
           </p:blipFill>
-          <p:spPr bwMode="auto">
-            <a:xfrm>
-              <a:off x="7493530" y="2431470"/>
-              <a:ext cx="1995053" cy="1995053"/>
+          <p:spPr>
+            <a:xfrm rot="4651160">
+              <a:off x="811538" y="3588298"/>
+              <a:ext cx="1219024" cy="1293354"/>
             </a:xfrm>
-            <a:prstGeom prst="roundRect">
+            <a:prstGeom prst="rect">
               <a:avLst/>
             </a:prstGeom>
-            <a:noFill/>
-            <a:extLst>
-              <a:ext uri="{909E8E84-426E-40DD-AFC4-6F175D3DCCD1}">
-                <a14:hiddenFill xmlns:a14="http://schemas.microsoft.com/office/drawing/2010/main">
-                  <a:solidFill>
-                    <a:srgbClr val="FFFFFF"/>
-                  </a:solidFill>
-                </a14:hiddenFill>
-              </a:ext>
-            </a:extLst>
           </p:spPr>
         </p:pic>
       </p:grpSp>
+      <p:sp>
+        <p:nvSpPr>
+          <p:cNvPr id="29" name="화살표: 갈매기형 수장 28">
+            <a:extLst>
+              <a:ext uri="{FF2B5EF4-FFF2-40B4-BE49-F238E27FC236}">
+                <a16:creationId xmlns:a16="http://schemas.microsoft.com/office/drawing/2014/main" id="{B4F4EBD4-F4DC-4413-A543-5250E67A031C}"/>
+              </a:ext>
+            </a:extLst>
+          </p:cNvPr>
+          <p:cNvSpPr/>
+          <p:nvPr/>
+        </p:nvSpPr>
+        <p:spPr>
+          <a:xfrm>
+            <a:off x="3981007" y="2822629"/>
+            <a:ext cx="484632" cy="484632"/>
+          </a:xfrm>
+          <a:prstGeom prst="chevron">
+            <a:avLst/>
+          </a:prstGeom>
+          <a:solidFill>
+            <a:srgbClr val="0070C0"/>
+          </a:solidFill>
+          <a:ln>
+            <a:solidFill>
+              <a:srgbClr val="0070C0"/>
+            </a:solidFill>
+          </a:ln>
+        </p:spPr>
+        <p:style>
+          <a:lnRef idx="2">
+            <a:schemeClr val="accent1">
+              <a:shade val="50000"/>
+            </a:schemeClr>
+          </a:lnRef>
+          <a:fillRef idx="1">
+            <a:schemeClr val="accent1"/>
+          </a:fillRef>
+          <a:effectRef idx="0">
+            <a:schemeClr val="accent1"/>
+          </a:effectRef>
+          <a:fontRef idx="minor">
+            <a:schemeClr val="lt1"/>
+          </a:fontRef>
+        </p:style>
+        <p:txBody>
+          <a:bodyPr rtlCol="0" anchor="ctr"/>
+          <a:lstStyle/>
+          <a:p>
+            <a:pPr algn="ctr"/>
+            <a:endParaRPr lang="ko-KR" altLang="en-US">
+              <a:solidFill>
+                <a:schemeClr val="tx1"/>
+              </a:solidFill>
+            </a:endParaRPr>
+          </a:p>
+        </p:txBody>
+      </p:sp>
+      <p:sp>
+        <p:nvSpPr>
+          <p:cNvPr id="34" name="화살표: 갈매기형 수장 33">
+            <a:extLst>
+              <a:ext uri="{FF2B5EF4-FFF2-40B4-BE49-F238E27FC236}">
+                <a16:creationId xmlns:a16="http://schemas.microsoft.com/office/drawing/2014/main" id="{26B418AC-D94F-4B26-ADA4-EA6D1752D1FF}"/>
+              </a:ext>
+            </a:extLst>
+          </p:cNvPr>
+          <p:cNvSpPr/>
+          <p:nvPr/>
+        </p:nvSpPr>
+        <p:spPr>
+          <a:xfrm>
+            <a:off x="7444482" y="2888669"/>
+            <a:ext cx="484632" cy="484632"/>
+          </a:xfrm>
+          <a:prstGeom prst="chevron">
+            <a:avLst/>
+          </a:prstGeom>
+          <a:solidFill>
+            <a:srgbClr val="0070C0"/>
+          </a:solidFill>
+          <a:ln>
+            <a:solidFill>
+              <a:srgbClr val="0070C0"/>
+            </a:solidFill>
+          </a:ln>
+        </p:spPr>
+        <p:style>
+          <a:lnRef idx="2">
+            <a:schemeClr val="accent1">
+              <a:shade val="50000"/>
+            </a:schemeClr>
+          </a:lnRef>
+          <a:fillRef idx="1">
+            <a:schemeClr val="accent1"/>
+          </a:fillRef>
+          <a:effectRef idx="0">
+            <a:schemeClr val="accent1"/>
+          </a:effectRef>
+          <a:fontRef idx="minor">
+            <a:schemeClr val="lt1"/>
+          </a:fontRef>
+        </p:style>
+        <p:txBody>
+          <a:bodyPr rtlCol="0" anchor="ctr"/>
+          <a:lstStyle/>
+          <a:p>
+            <a:pPr algn="ctr"/>
+            <a:endParaRPr lang="ko-KR" altLang="en-US">
+              <a:solidFill>
+                <a:schemeClr val="tx1"/>
+              </a:solidFill>
+            </a:endParaRPr>
+          </a:p>
+        </p:txBody>
+      </p:sp>
     </p:spTree>
     <p:extLst>
       <p:ext uri="{BB962C8B-B14F-4D97-AF65-F5344CB8AC3E}">
